--- a/docs/picoframework_full_presentation_combined.pptx
+++ b/docs/picoframework_full_presentation_combined.pptx
@@ -5,7 +5,7 @@
     <p:sldMasterId id="2147483648" r:id="rId1"/>
   </p:sldMasterIdLst>
   <p:notesMasterIdLst>
-    <p:notesMasterId r:id="rId28"/>
+    <p:notesMasterId r:id="rId29"/>
   </p:notesMasterIdLst>
   <p:sldIdLst>
     <p:sldId id="256" r:id="rId2"/>
@@ -16,24 +16,25 @@
     <p:sldId id="293" r:id="rId7"/>
     <p:sldId id="265" r:id="rId8"/>
     <p:sldId id="297" r:id="rId9"/>
-    <p:sldId id="292" r:id="rId10"/>
-    <p:sldId id="266" r:id="rId11"/>
-    <p:sldId id="296" r:id="rId12"/>
-    <p:sldId id="268" r:id="rId13"/>
-    <p:sldId id="291" r:id="rId14"/>
-    <p:sldId id="267" r:id="rId15"/>
-    <p:sldId id="269" r:id="rId16"/>
-    <p:sldId id="294" r:id="rId17"/>
-    <p:sldId id="270" r:id="rId18"/>
-    <p:sldId id="271" r:id="rId19"/>
-    <p:sldId id="278" r:id="rId20"/>
-    <p:sldId id="295" r:id="rId21"/>
-    <p:sldId id="272" r:id="rId22"/>
-    <p:sldId id="273" r:id="rId23"/>
-    <p:sldId id="274" r:id="rId24"/>
-    <p:sldId id="275" r:id="rId25"/>
-    <p:sldId id="287" r:id="rId26"/>
-    <p:sldId id="288" r:id="rId27"/>
+    <p:sldId id="298" r:id="rId10"/>
+    <p:sldId id="292" r:id="rId11"/>
+    <p:sldId id="266" r:id="rId12"/>
+    <p:sldId id="296" r:id="rId13"/>
+    <p:sldId id="268" r:id="rId14"/>
+    <p:sldId id="291" r:id="rId15"/>
+    <p:sldId id="267" r:id="rId16"/>
+    <p:sldId id="269" r:id="rId17"/>
+    <p:sldId id="294" r:id="rId18"/>
+    <p:sldId id="270" r:id="rId19"/>
+    <p:sldId id="271" r:id="rId20"/>
+    <p:sldId id="278" r:id="rId21"/>
+    <p:sldId id="295" r:id="rId22"/>
+    <p:sldId id="272" r:id="rId23"/>
+    <p:sldId id="273" r:id="rId24"/>
+    <p:sldId id="274" r:id="rId25"/>
+    <p:sldId id="275" r:id="rId26"/>
+    <p:sldId id="287" r:id="rId27"/>
+    <p:sldId id="288" r:id="rId28"/>
   </p:sldIdLst>
   <p:sldSz cx="9144000" cy="6858000" type="screen4x3"/>
   <p:notesSz cx="6858000" cy="9144000"/>
@@ -34610,6 +34611,611 @@
       </p:grpSpPr>
       <p:sp useBgFill="1">
         <p:nvSpPr>
+          <p:cNvPr id="8" name="Rectangle 7">
+            <a:extLst>
+              <a:ext uri="{FF2B5EF4-FFF2-40B4-BE49-F238E27FC236}">
+                <a16:creationId xmlns:a16="http://schemas.microsoft.com/office/drawing/2014/main" id="{1B15ED52-F352-441B-82BF-E0EA34836D08}"/>
+              </a:ext>
+              <a:ext uri="{C183D7F6-B498-43B3-948B-1728B52AA6E4}">
+                <adec:decorative xmlns:adec="http://schemas.microsoft.com/office/drawing/2017/decorative" val="1"/>
+              </a:ext>
+            </a:extLst>
+          </p:cNvPr>
+          <p:cNvSpPr>
+            <a:spLocks noGrp="1" noRot="1" noChangeAspect="1" noMove="1" noResize="1" noEditPoints="1" noAdjustHandles="1" noChangeArrowheads="1" noChangeShapeType="1" noTextEdit="1"/>
+          </p:cNvSpPr>
+          <p:nvPr>
+            <p:extLst>
+              <p:ext uri="{386F3935-93C4-4BCD-93E2-E3B085C9AB24}">
+                <p16:designElem xmlns:p16="http://schemas.microsoft.com/office/powerpoint/2015/main" val="1"/>
+              </p:ext>
+            </p:extLst>
+          </p:nvPr>
+        </p:nvSpPr>
+        <p:spPr>
+          <a:xfrm>
+            <a:off x="0" y="0"/>
+            <a:ext cx="9144000" cy="6858000"/>
+          </a:xfrm>
+          <a:prstGeom prst="rect">
+            <a:avLst/>
+          </a:prstGeom>
+          <a:ln w="12700" cap="flat" cmpd="sng" algn="ctr">
+            <a:noFill/>
+            <a:prstDash val="solid"/>
+            <a:miter lim="800000"/>
+          </a:ln>
+          <a:effectLst/>
+          <a:extLst>
+            <a:ext uri="{91240B29-F687-4F45-9708-019B960494DF}">
+              <a14:hiddenLine xmlns:a14="http://schemas.microsoft.com/office/drawing/2010/main" w="12700" cap="flat" cmpd="sng" algn="ctr">
+                <a:solidFill>
+                  <a:schemeClr val="accent1">
+                    <a:shade val="50000"/>
+                  </a:schemeClr>
+                </a:solidFill>
+                <a:prstDash val="solid"/>
+                <a:miter lim="800000"/>
+              </a14:hiddenLine>
+            </a:ext>
+          </a:extLst>
+        </p:spPr>
+        <p:style>
+          <a:lnRef idx="2">
+            <a:schemeClr val="accent1">
+              <a:shade val="50000"/>
+            </a:schemeClr>
+          </a:lnRef>
+          <a:fillRef idx="1">
+            <a:schemeClr val="accent1"/>
+          </a:fillRef>
+          <a:effectRef idx="0">
+            <a:schemeClr val="accent1"/>
+          </a:effectRef>
+          <a:fontRef idx="minor">
+            <a:schemeClr val="lt1"/>
+          </a:fontRef>
+        </p:style>
+        <p:txBody>
+          <a:bodyPr rtlCol="0" anchor="ctr"/>
+          <a:lstStyle/>
+          <a:p>
+            <a:pPr algn="ctr"/>
+            <a:endParaRPr lang="en-US"/>
+          </a:p>
+        </p:txBody>
+      </p:sp>
+      <p:sp>
+        <p:nvSpPr>
+          <p:cNvPr id="10" name="Rectangle 9">
+            <a:extLst>
+              <a:ext uri="{FF2B5EF4-FFF2-40B4-BE49-F238E27FC236}">
+                <a16:creationId xmlns:a16="http://schemas.microsoft.com/office/drawing/2014/main" id="{3B2E3793-BFE6-45A2-9B7B-E18844431C99}"/>
+              </a:ext>
+              <a:ext uri="{C183D7F6-B498-43B3-948B-1728B52AA6E4}">
+                <adec:decorative xmlns:adec="http://schemas.microsoft.com/office/drawing/2017/decorative" val="1"/>
+              </a:ext>
+            </a:extLst>
+          </p:cNvPr>
+          <p:cNvSpPr>
+            <a:spLocks noGrp="1" noRot="1" noChangeAspect="1" noMove="1" noResize="1" noEditPoints="1" noAdjustHandles="1" noChangeArrowheads="1" noChangeShapeType="1" noTextEdit="1"/>
+          </p:cNvSpPr>
+          <p:nvPr>
+            <p:extLst>
+              <p:ext uri="{386F3935-93C4-4BCD-93E2-E3B085C9AB24}">
+                <p16:designElem xmlns:p16="http://schemas.microsoft.com/office/powerpoint/2015/main" val="1"/>
+              </p:ext>
+            </p:extLst>
+          </p:nvPr>
+        </p:nvSpPr>
+        <p:spPr>
+          <a:xfrm flipH="1">
+            <a:off x="0" y="-1"/>
+            <a:ext cx="9143997" cy="1590742"/>
+          </a:xfrm>
+          <a:prstGeom prst="rect">
+            <a:avLst/>
+          </a:prstGeom>
+          <a:gradFill>
+            <a:gsLst>
+              <a:gs pos="0">
+                <a:srgbClr val="000000"/>
+              </a:gs>
+              <a:gs pos="100000">
+                <a:schemeClr val="accent1">
+                  <a:lumMod val="75000"/>
+                </a:schemeClr>
+              </a:gs>
+            </a:gsLst>
+            <a:lin ang="8400000" scaled="0"/>
+          </a:gradFill>
+          <a:ln>
+            <a:noFill/>
+          </a:ln>
+        </p:spPr>
+        <p:style>
+          <a:lnRef idx="2">
+            <a:schemeClr val="accent1">
+              <a:shade val="50000"/>
+            </a:schemeClr>
+          </a:lnRef>
+          <a:fillRef idx="1">
+            <a:schemeClr val="accent1"/>
+          </a:fillRef>
+          <a:effectRef idx="0">
+            <a:schemeClr val="accent1"/>
+          </a:effectRef>
+          <a:fontRef idx="minor">
+            <a:schemeClr val="lt1"/>
+          </a:fontRef>
+        </p:style>
+        <p:txBody>
+          <a:bodyPr rtlCol="0" anchor="ctr"/>
+          <a:lstStyle/>
+          <a:p>
+            <a:pPr algn="ctr"/>
+            <a:endParaRPr lang="en-US"/>
+          </a:p>
+        </p:txBody>
+      </p:sp>
+      <p:sp>
+        <p:nvSpPr>
+          <p:cNvPr id="12" name="Rectangle 11">
+            <a:extLst>
+              <a:ext uri="{FF2B5EF4-FFF2-40B4-BE49-F238E27FC236}">
+                <a16:creationId xmlns:a16="http://schemas.microsoft.com/office/drawing/2014/main" id="{BC4C4868-CB8F-4AF9-9CDB-8108F2C19B67}"/>
+              </a:ext>
+              <a:ext uri="{C183D7F6-B498-43B3-948B-1728B52AA6E4}">
+                <adec:decorative xmlns:adec="http://schemas.microsoft.com/office/drawing/2017/decorative" val="1"/>
+              </a:ext>
+            </a:extLst>
+          </p:cNvPr>
+          <p:cNvSpPr>
+            <a:spLocks noGrp="1" noRot="1" noChangeAspect="1" noMove="1" noResize="1" noEditPoints="1" noAdjustHandles="1" noChangeArrowheads="1" noChangeShapeType="1" noTextEdit="1"/>
+          </p:cNvSpPr>
+          <p:nvPr>
+            <p:extLst>
+              <p:ext uri="{386F3935-93C4-4BCD-93E2-E3B085C9AB24}">
+                <p16:designElem xmlns:p16="http://schemas.microsoft.com/office/powerpoint/2015/main" val="1"/>
+              </p:ext>
+            </p:extLst>
+          </p:nvPr>
+        </p:nvSpPr>
+        <p:spPr>
+          <a:xfrm rot="10800000" flipH="1">
+            <a:off x="-2" y="0"/>
+            <a:ext cx="6086479" cy="1590742"/>
+          </a:xfrm>
+          <a:prstGeom prst="rect">
+            <a:avLst/>
+          </a:prstGeom>
+          <a:gradFill>
+            <a:gsLst>
+              <a:gs pos="20000">
+                <a:schemeClr val="accent1">
+                  <a:alpha val="0"/>
+                </a:schemeClr>
+              </a:gs>
+              <a:gs pos="100000">
+                <a:schemeClr val="accent1">
+                  <a:lumMod val="50000"/>
+                  <a:alpha val="55000"/>
+                </a:schemeClr>
+              </a:gs>
+            </a:gsLst>
+            <a:lin ang="13800000" scaled="0"/>
+          </a:gradFill>
+          <a:ln>
+            <a:noFill/>
+          </a:ln>
+        </p:spPr>
+        <p:style>
+          <a:lnRef idx="2">
+            <a:schemeClr val="accent1">
+              <a:shade val="50000"/>
+            </a:schemeClr>
+          </a:lnRef>
+          <a:fillRef idx="1">
+            <a:schemeClr val="accent1"/>
+          </a:fillRef>
+          <a:effectRef idx="0">
+            <a:schemeClr val="accent1"/>
+          </a:effectRef>
+          <a:fontRef idx="minor">
+            <a:schemeClr val="lt1"/>
+          </a:fontRef>
+        </p:style>
+        <p:txBody>
+          <a:bodyPr rtlCol="0" anchor="ctr"/>
+          <a:lstStyle/>
+          <a:p>
+            <a:pPr algn="ctr"/>
+            <a:endParaRPr lang="en-US"/>
+          </a:p>
+        </p:txBody>
+      </p:sp>
+      <p:sp>
+        <p:nvSpPr>
+          <p:cNvPr id="14" name="Rectangle 13">
+            <a:extLst>
+              <a:ext uri="{FF2B5EF4-FFF2-40B4-BE49-F238E27FC236}">
+                <a16:creationId xmlns:a16="http://schemas.microsoft.com/office/drawing/2014/main" id="{375E0459-6403-40CD-989D-56A4407CA12E}"/>
+              </a:ext>
+              <a:ext uri="{C183D7F6-B498-43B3-948B-1728B52AA6E4}">
+                <adec:decorative xmlns:adec="http://schemas.microsoft.com/office/drawing/2017/decorative" val="1"/>
+              </a:ext>
+            </a:extLst>
+          </p:cNvPr>
+          <p:cNvSpPr>
+            <a:spLocks noGrp="1" noRot="1" noChangeAspect="1" noMove="1" noResize="1" noEditPoints="1" noAdjustHandles="1" noChangeArrowheads="1" noChangeShapeType="1" noTextEdit="1"/>
+          </p:cNvSpPr>
+          <p:nvPr>
+            <p:extLst>
+              <p:ext uri="{386F3935-93C4-4BCD-93E2-E3B085C9AB24}">
+                <p16:designElem xmlns:p16="http://schemas.microsoft.com/office/powerpoint/2015/main" val="1"/>
+              </p:ext>
+            </p:extLst>
+          </p:nvPr>
+        </p:nvSpPr>
+        <p:spPr>
+          <a:xfrm flipH="1">
+            <a:off x="6086474" y="-1"/>
+            <a:ext cx="3057523" cy="1590742"/>
+          </a:xfrm>
+          <a:prstGeom prst="rect">
+            <a:avLst/>
+          </a:prstGeom>
+          <a:gradFill>
+            <a:gsLst>
+              <a:gs pos="0">
+                <a:schemeClr val="accent1">
+                  <a:alpha val="66000"/>
+                </a:schemeClr>
+              </a:gs>
+              <a:gs pos="100000">
+                <a:srgbClr val="000000">
+                  <a:alpha val="30000"/>
+                </a:srgbClr>
+              </a:gs>
+            </a:gsLst>
+            <a:lin ang="13200000" scaled="0"/>
+          </a:gradFill>
+          <a:ln>
+            <a:noFill/>
+          </a:ln>
+        </p:spPr>
+        <p:style>
+          <a:lnRef idx="2">
+            <a:schemeClr val="accent1">
+              <a:shade val="50000"/>
+            </a:schemeClr>
+          </a:lnRef>
+          <a:fillRef idx="1">
+            <a:schemeClr val="accent1"/>
+          </a:fillRef>
+          <a:effectRef idx="0">
+            <a:schemeClr val="accent1"/>
+          </a:effectRef>
+          <a:fontRef idx="minor">
+            <a:schemeClr val="lt1"/>
+          </a:fontRef>
+        </p:style>
+        <p:txBody>
+          <a:bodyPr rtlCol="0" anchor="ctr"/>
+          <a:lstStyle/>
+          <a:p>
+            <a:pPr algn="ctr"/>
+            <a:endParaRPr lang="en-US"/>
+          </a:p>
+        </p:txBody>
+      </p:sp>
+      <p:sp>
+        <p:nvSpPr>
+          <p:cNvPr id="16" name="Rectangle 15">
+            <a:extLst>
+              <a:ext uri="{FF2B5EF4-FFF2-40B4-BE49-F238E27FC236}">
+                <a16:creationId xmlns:a16="http://schemas.microsoft.com/office/drawing/2014/main" id="{53E5B1A8-3AC9-4BD1-9BBC-78CA94F2D1BA}"/>
+              </a:ext>
+              <a:ext uri="{C183D7F6-B498-43B3-948B-1728B52AA6E4}">
+                <adec:decorative xmlns:adec="http://schemas.microsoft.com/office/drawing/2017/decorative" val="1"/>
+              </a:ext>
+            </a:extLst>
+          </p:cNvPr>
+          <p:cNvSpPr>
+            <a:spLocks noGrp="1" noRot="1" noChangeAspect="1" noMove="1" noResize="1" noEditPoints="1" noAdjustHandles="1" noChangeArrowheads="1" noChangeShapeType="1" noTextEdit="1"/>
+          </p:cNvSpPr>
+          <p:nvPr>
+            <p:extLst>
+              <p:ext uri="{386F3935-93C4-4BCD-93E2-E3B085C9AB24}">
+                <p16:designElem xmlns:p16="http://schemas.microsoft.com/office/powerpoint/2015/main" val="1"/>
+              </p:ext>
+            </p:extLst>
+          </p:nvPr>
+        </p:nvSpPr>
+        <p:spPr>
+          <a:xfrm>
+            <a:off x="344512" y="-1"/>
+            <a:ext cx="8799485" cy="1597433"/>
+          </a:xfrm>
+          <a:prstGeom prst="rect">
+            <a:avLst/>
+          </a:prstGeom>
+          <a:gradFill>
+            <a:gsLst>
+              <a:gs pos="50000">
+                <a:srgbClr val="000000">
+                  <a:alpha val="0"/>
+                </a:srgbClr>
+              </a:gs>
+              <a:gs pos="99000">
+                <a:schemeClr val="accent1">
+                  <a:lumMod val="50000"/>
+                  <a:alpha val="52000"/>
+                </a:schemeClr>
+              </a:gs>
+            </a:gsLst>
+            <a:lin ang="16800000" scaled="0"/>
+          </a:gradFill>
+          <a:ln>
+            <a:noFill/>
+          </a:ln>
+        </p:spPr>
+        <p:style>
+          <a:lnRef idx="2">
+            <a:schemeClr val="accent1">
+              <a:shade val="50000"/>
+            </a:schemeClr>
+          </a:lnRef>
+          <a:fillRef idx="1">
+            <a:schemeClr val="accent1"/>
+          </a:fillRef>
+          <a:effectRef idx="0">
+            <a:schemeClr val="accent1"/>
+          </a:effectRef>
+          <a:fontRef idx="minor">
+            <a:schemeClr val="lt1"/>
+          </a:fontRef>
+        </p:style>
+        <p:txBody>
+          <a:bodyPr rtlCol="0" anchor="ctr"/>
+          <a:lstStyle/>
+          <a:p>
+            <a:pPr algn="ctr"/>
+            <a:endParaRPr lang="en-US"/>
+          </a:p>
+        </p:txBody>
+      </p:sp>
+      <p:sp>
+        <p:nvSpPr>
+          <p:cNvPr id="2" name="Title 1"/>
+          <p:cNvSpPr>
+            <a:spLocks noGrp="1"/>
+          </p:cNvSpPr>
+          <p:nvPr>
+            <p:ph type="title"/>
+          </p:nvPr>
+        </p:nvSpPr>
+        <p:spPr>
+          <a:xfrm>
+            <a:off x="1028699" y="294538"/>
+            <a:ext cx="7421963" cy="1033669"/>
+          </a:xfrm>
+        </p:spPr>
+        <p:txBody>
+          <a:bodyPr>
+            <a:normAutofit/>
+          </a:bodyPr>
+          <a:lstStyle/>
+          <a:p>
+            <a:r>
+              <a:rPr lang="en-US" sz="3500">
+                <a:solidFill>
+                  <a:srgbClr val="FFFFFF"/>
+                </a:solidFill>
+              </a:rPr>
+              <a:t>Routing System (Express.js-style)</a:t>
+            </a:r>
+          </a:p>
+        </p:txBody>
+      </p:sp>
+      <p:sp>
+        <p:nvSpPr>
+          <p:cNvPr id="3" name="Content Placeholder 2"/>
+          <p:cNvSpPr>
+            <a:spLocks noGrp="1"/>
+          </p:cNvSpPr>
+          <p:nvPr>
+            <p:ph idx="1"/>
+          </p:nvPr>
+        </p:nvSpPr>
+        <p:spPr>
+          <a:xfrm>
+            <a:off x="1028699" y="2318197"/>
+            <a:ext cx="7293023" cy="3683358"/>
+          </a:xfrm>
+        </p:spPr>
+        <p:txBody>
+          <a:bodyPr anchor="ctr">
+            <a:normAutofit/>
+          </a:bodyPr>
+          <a:lstStyle/>
+          <a:p>
+            <a:pPr>
+              <a:lnSpc>
+                <a:spcPct val="90000"/>
+              </a:lnSpc>
+            </a:pPr>
+            <a:r>
+              <a:rPr lang="en-US" sz="1700"/>
+              <a:t>Add routes via router.addRoute(method, path, handler)</a:t>
+            </a:r>
+          </a:p>
+          <a:p>
+            <a:pPr>
+              <a:lnSpc>
+                <a:spcPct val="90000"/>
+              </a:lnSpc>
+            </a:pPr>
+            <a:r>
+              <a:rPr lang="en-US" sz="1700"/>
+              <a:t>REST-friendly: GET, POST, PUT, DELETE</a:t>
+            </a:r>
+          </a:p>
+          <a:p>
+            <a:pPr>
+              <a:lnSpc>
+                <a:spcPct val="90000"/>
+              </a:lnSpc>
+            </a:pPr>
+            <a:r>
+              <a:rPr lang="en-US" sz="1700"/>
+              <a:t>Lambdas or method pointers as handlers</a:t>
+            </a:r>
+          </a:p>
+          <a:p>
+            <a:pPr>
+              <a:lnSpc>
+                <a:spcPct val="90000"/>
+              </a:lnSpc>
+            </a:pPr>
+            <a:r>
+              <a:rPr lang="en-US" sz="1700"/>
+              <a:t>Per-route and global middleware</a:t>
+            </a:r>
+          </a:p>
+          <a:p>
+            <a:pPr>
+              <a:lnSpc>
+                <a:spcPct val="90000"/>
+              </a:lnSpc>
+            </a:pPr>
+            <a:r>
+              <a:rPr lang="en-US" sz="1700"/>
+              <a:t>Path parsing and matching with variables</a:t>
+            </a:r>
+          </a:p>
+          <a:p>
+            <a:pPr>
+              <a:lnSpc>
+                <a:spcPct val="90000"/>
+              </a:lnSpc>
+            </a:pPr>
+            <a:r>
+              <a:rPr lang="en-US" sz="1700"/>
+              <a:t>Built-in /auth route handler for JWT token test (can override)</a:t>
+            </a:r>
+          </a:p>
+          <a:p>
+            <a:pPr>
+              <a:lnSpc>
+                <a:spcPct val="90000"/>
+              </a:lnSpc>
+            </a:pPr>
+            <a:r>
+              <a:rPr lang="en-US" sz="1700"/>
+              <a:t>Route debug printing (adding, handling routes)</a:t>
+            </a:r>
+          </a:p>
+          <a:p>
+            <a:pPr>
+              <a:lnSpc>
+                <a:spcPct val="90000"/>
+              </a:lnSpc>
+            </a:pPr>
+            <a:endParaRPr lang="en-US" sz="1700"/>
+          </a:p>
+          <a:p>
+            <a:pPr marL="0" indent="0">
+              <a:lnSpc>
+                <a:spcPct val="90000"/>
+              </a:lnSpc>
+              <a:buNone/>
+            </a:pPr>
+            <a:r>
+              <a:rPr lang="en-US" sz="1700">
+                <a:latin typeface="Consolas" panose="020B0609020204030204" pitchFamily="49" charset="0"/>
+                <a:cs typeface="Consolas" panose="020B0609020204030204" pitchFamily="49" charset="0"/>
+              </a:rPr>
+              <a:t>router.addRoute("GET", "/info", [](Request &amp;req, Response &amp;res) { res.sendText("System Info Page"); });</a:t>
+            </a:r>
+          </a:p>
+          <a:p>
+            <a:pPr marL="0" indent="0">
+              <a:lnSpc>
+                <a:spcPct val="90000"/>
+              </a:lnSpc>
+              <a:buNone/>
+            </a:pPr>
+            <a:endParaRPr lang="en-US" sz="1700">
+              <a:latin typeface="Consolas" panose="020B0609020204030204" pitchFamily="49" charset="0"/>
+              <a:cs typeface="Consolas" panose="020B0609020204030204" pitchFamily="49" charset="0"/>
+            </a:endParaRPr>
+          </a:p>
+          <a:p>
+            <a:pPr marL="0" indent="0">
+              <a:lnSpc>
+                <a:spcPct val="90000"/>
+              </a:lnSpc>
+              <a:buNone/>
+            </a:pPr>
+            <a:r>
+              <a:rPr lang="en-US" sz="1700">
+                <a:latin typeface="Consolas" panose="020B0609020204030204" pitchFamily="49" charset="0"/>
+                <a:cs typeface="Consolas" panose="020B0609020204030204" pitchFamily="49" charset="0"/>
+              </a:rPr>
+              <a:t>router.addRoute("POST", "/config", configHandler, {authMiddleware});</a:t>
+            </a:r>
+          </a:p>
+          <a:p>
+            <a:pPr>
+              <a:lnSpc>
+                <a:spcPct val="90000"/>
+              </a:lnSpc>
+            </a:pPr>
+            <a:endParaRPr lang="en-US" sz="1700"/>
+          </a:p>
+        </p:txBody>
+      </p:sp>
+    </p:spTree>
+    <p:extLst>
+      <p:ext uri="{BB962C8B-B14F-4D97-AF65-F5344CB8AC3E}">
+        <p14:creationId xmlns:p14="http://schemas.microsoft.com/office/powerpoint/2010/main" val="4051212457"/>
+      </p:ext>
+    </p:extLst>
+  </p:cSld>
+  <p:clrMapOvr>
+    <a:masterClrMapping/>
+  </p:clrMapOvr>
+</p:sld>
+</file>
+
+<file path=ppt/slides/slide11.xml><?xml version="1.0" encoding="utf-8"?>
+<p:sld xmlns:a="http://schemas.openxmlformats.org/drawingml/2006/main" xmlns:r="http://schemas.openxmlformats.org/officeDocument/2006/relationships" xmlns:p="http://schemas.openxmlformats.org/presentationml/2006/main">
+  <p:cSld>
+    <p:bg>
+      <p:bgPr>
+        <a:solidFill>
+          <a:schemeClr val="bg1"/>
+        </a:solidFill>
+        <a:effectLst/>
+      </p:bgPr>
+    </p:bg>
+    <p:spTree>
+      <p:nvGrpSpPr>
+        <p:cNvPr id="1" name=""/>
+        <p:cNvGrpSpPr/>
+        <p:nvPr/>
+      </p:nvGrpSpPr>
+      <p:grpSpPr>
+        <a:xfrm>
+          <a:off x="0" y="0"/>
+          <a:ext cx="0" cy="0"/>
+          <a:chOff x="0" y="0"/>
+          <a:chExt cx="0" cy="0"/>
+        </a:xfrm>
+      </p:grpSpPr>
+      <p:sp useBgFill="1">
+        <p:nvSpPr>
           <p:cNvPr id="13" name="Rectangle 12">
             <a:extLst>
               <a:ext uri="{FF2B5EF4-FFF2-40B4-BE49-F238E27FC236}">
@@ -35675,7 +36281,7 @@
 </p:sld>
 </file>
 
-<file path=ppt/slides/slide11.xml><?xml version="1.0" encoding="utf-8"?>
+<file path=ppt/slides/slide12.xml><?xml version="1.0" encoding="utf-8"?>
 <p:sld xmlns:a="http://schemas.openxmlformats.org/drawingml/2006/main" xmlns:r="http://schemas.openxmlformats.org/officeDocument/2006/relationships" xmlns:p="http://schemas.openxmlformats.org/presentationml/2006/main">
   <p:cSld>
     <p:bg>
@@ -36418,7 +37024,7 @@
 </p:sld>
 </file>
 
-<file path=ppt/slides/slide12.xml><?xml version="1.0" encoding="utf-8"?>
+<file path=ppt/slides/slide13.xml><?xml version="1.0" encoding="utf-8"?>
 <p:sld xmlns:a="http://schemas.openxmlformats.org/drawingml/2006/main" xmlns:r="http://schemas.openxmlformats.org/officeDocument/2006/relationships" xmlns:p="http://schemas.openxmlformats.org/presentationml/2006/main">
   <p:cSld>
     <p:spTree>
@@ -36491,7 +37097,7 @@
 </p:sld>
 </file>
 
-<file path=ppt/slides/slide13.xml><?xml version="1.0" encoding="utf-8"?>
+<file path=ppt/slides/slide14.xml><?xml version="1.0" encoding="utf-8"?>
 <p:sld xmlns:a="http://schemas.openxmlformats.org/drawingml/2006/main" xmlns:r="http://schemas.openxmlformats.org/officeDocument/2006/relationships" xmlns:p="http://schemas.openxmlformats.org/presentationml/2006/main">
   <p:cSld>
     <p:bg>
@@ -37059,7 +37665,7 @@
 </p:sld>
 </file>
 
-<file path=ppt/slides/slide14.xml><?xml version="1.0" encoding="utf-8"?>
+<file path=ppt/slides/slide15.xml><?xml version="1.0" encoding="utf-8"?>
 <p:sld xmlns:a="http://schemas.openxmlformats.org/drawingml/2006/main" xmlns:r="http://schemas.openxmlformats.org/officeDocument/2006/relationships" xmlns:p="http://schemas.openxmlformats.org/presentationml/2006/main">
   <p:cSld>
     <p:bg>
@@ -37489,7 +38095,7 @@
 </p:sld>
 </file>
 
-<file path=ppt/slides/slide15.xml><?xml version="1.0" encoding="utf-8"?>
+<file path=ppt/slides/slide16.xml><?xml version="1.0" encoding="utf-8"?>
 <p:sld xmlns:a="http://schemas.openxmlformats.org/drawingml/2006/main" xmlns:r="http://schemas.openxmlformats.org/officeDocument/2006/relationships" xmlns:p="http://schemas.openxmlformats.org/presentationml/2006/main">
   <p:cSld>
     <p:bg>
@@ -38035,7 +38641,7 @@
 </p:sld>
 </file>
 
-<file path=ppt/slides/slide16.xml><?xml version="1.0" encoding="utf-8"?>
+<file path=ppt/slides/slide17.xml><?xml version="1.0" encoding="utf-8"?>
 <p:sld xmlns:a="http://schemas.openxmlformats.org/drawingml/2006/main" xmlns:r="http://schemas.openxmlformats.org/officeDocument/2006/relationships" xmlns:p="http://schemas.openxmlformats.org/presentationml/2006/main">
   <p:cSld>
     <p:bg>
@@ -38833,7 +39439,7 @@
 </p:sld>
 </file>
 
-<file path=ppt/slides/slide17.xml><?xml version="1.0" encoding="utf-8"?>
+<file path=ppt/slides/slide18.xml><?xml version="1.0" encoding="utf-8"?>
 <p:sld xmlns:a="http://schemas.openxmlformats.org/drawingml/2006/main" xmlns:r="http://schemas.openxmlformats.org/officeDocument/2006/relationships" xmlns:p="http://schemas.openxmlformats.org/presentationml/2006/main">
   <p:cSld>
     <p:bg>
@@ -39232,7 +39838,7 @@
 </p:sld>
 </file>
 
-<file path=ppt/slides/slide18.xml><?xml version="1.0" encoding="utf-8"?>
+<file path=ppt/slides/slide19.xml><?xml version="1.0" encoding="utf-8"?>
 <p:sld xmlns:a="http://schemas.openxmlformats.org/drawingml/2006/main" xmlns:r="http://schemas.openxmlformats.org/officeDocument/2006/relationships" xmlns:p="http://schemas.openxmlformats.org/presentationml/2006/main">
   <p:cSld>
     <p:bg>
@@ -39631,7 +40237,494 @@
 </p:sld>
 </file>
 
-<file path=ppt/slides/slide19.xml><?xml version="1.0" encoding="utf-8"?>
+<file path=ppt/slides/slide2.xml><?xml version="1.0" encoding="utf-8"?>
+<p:sld xmlns:a="http://schemas.openxmlformats.org/drawingml/2006/main" xmlns:r="http://schemas.openxmlformats.org/officeDocument/2006/relationships" xmlns:p="http://schemas.openxmlformats.org/presentationml/2006/main">
+  <p:cSld>
+    <p:bg>
+      <p:bgPr>
+        <a:solidFill>
+          <a:schemeClr val="bg1"/>
+        </a:solidFill>
+        <a:effectLst/>
+      </p:bgPr>
+    </p:bg>
+    <p:spTree>
+      <p:nvGrpSpPr>
+        <p:cNvPr id="1" name=""/>
+        <p:cNvGrpSpPr/>
+        <p:nvPr/>
+      </p:nvGrpSpPr>
+      <p:grpSpPr>
+        <a:xfrm>
+          <a:off x="0" y="0"/>
+          <a:ext cx="0" cy="0"/>
+          <a:chOff x="0" y="0"/>
+          <a:chExt cx="0" cy="0"/>
+        </a:xfrm>
+      </p:grpSpPr>
+      <p:sp useBgFill="1">
+        <p:nvSpPr>
+          <p:cNvPr id="39" name="Rectangle 38">
+            <a:extLst>
+              <a:ext uri="{FF2B5EF4-FFF2-40B4-BE49-F238E27FC236}">
+                <a16:creationId xmlns:a16="http://schemas.microsoft.com/office/drawing/2014/main" id="{56E9B3E6-E277-4D68-BA48-9CB43FFBD6E2}"/>
+              </a:ext>
+              <a:ext uri="{C183D7F6-B498-43B3-948B-1728B52AA6E4}">
+                <adec:decorative xmlns:adec="http://schemas.microsoft.com/office/drawing/2017/decorative" val="1"/>
+              </a:ext>
+            </a:extLst>
+          </p:cNvPr>
+          <p:cNvSpPr>
+            <a:spLocks noGrp="1" noRot="1" noChangeAspect="1" noMove="1" noResize="1" noEditPoints="1" noAdjustHandles="1" noChangeArrowheads="1" noChangeShapeType="1" noTextEdit="1"/>
+          </p:cNvSpPr>
+          <p:nvPr>
+            <p:extLst>
+              <p:ext uri="{386F3935-93C4-4BCD-93E2-E3B085C9AB24}">
+                <p16:designElem xmlns:p16="http://schemas.microsoft.com/office/powerpoint/2015/main" val="1"/>
+              </p:ext>
+            </p:extLst>
+          </p:nvPr>
+        </p:nvSpPr>
+        <p:spPr>
+          <a:xfrm>
+            <a:off x="0" y="0"/>
+            <a:ext cx="9143999" cy="6857365"/>
+          </a:xfrm>
+          <a:prstGeom prst="rect">
+            <a:avLst/>
+          </a:prstGeom>
+          <a:ln>
+            <a:noFill/>
+          </a:ln>
+        </p:spPr>
+        <p:style>
+          <a:lnRef idx="2">
+            <a:schemeClr val="accent1">
+              <a:shade val="50000"/>
+            </a:schemeClr>
+          </a:lnRef>
+          <a:fillRef idx="1">
+            <a:schemeClr val="accent1"/>
+          </a:fillRef>
+          <a:effectRef idx="0">
+            <a:schemeClr val="accent1"/>
+          </a:effectRef>
+          <a:fontRef idx="minor">
+            <a:schemeClr val="lt1"/>
+          </a:fontRef>
+        </p:style>
+        <p:txBody>
+          <a:bodyPr rtlCol="0" anchor="ctr"/>
+          <a:lstStyle/>
+          <a:p>
+            <a:pPr algn="ctr"/>
+            <a:endParaRPr lang="en-US"/>
+          </a:p>
+        </p:txBody>
+      </p:sp>
+      <p:grpSp>
+        <p:nvGrpSpPr>
+          <p:cNvPr id="41" name="Group 40">
+            <a:extLst>
+              <a:ext uri="{FF2B5EF4-FFF2-40B4-BE49-F238E27FC236}">
+                <a16:creationId xmlns:a16="http://schemas.microsoft.com/office/drawing/2014/main" id="{AE1C45F0-260A-458C-96ED-C1F6D2151219}"/>
+              </a:ext>
+              <a:ext uri="{C183D7F6-B498-43B3-948B-1728B52AA6E4}">
+                <adec:decorative xmlns:adec="http://schemas.microsoft.com/office/drawing/2017/decorative" val="1"/>
+              </a:ext>
+            </a:extLst>
+          </p:cNvPr>
+          <p:cNvGrpSpPr>
+            <a:grpSpLocks noGrp="1" noUngrp="1" noRot="1" noChangeAspect="1" noMove="1" noResize="1"/>
+          </p:cNvGrpSpPr>
+          <p:nvPr>
+            <p:extLst>
+              <p:ext uri="{386F3935-93C4-4BCD-93E2-E3B085C9AB24}">
+                <p16:designElem xmlns:p16="http://schemas.microsoft.com/office/powerpoint/2015/main" val="1"/>
+              </p:ext>
+            </p:extLst>
+          </p:nvPr>
+        </p:nvGrpSpPr>
+        <p:grpSpPr>
+          <a:xfrm>
+            <a:off x="0" y="1216597"/>
+            <a:ext cx="548639" cy="673460"/>
+            <a:chOff x="3940602" y="308034"/>
+            <a:chExt cx="2116791" cy="3428999"/>
+          </a:xfrm>
+          <a:solidFill>
+            <a:schemeClr val="accent4"/>
+          </a:solidFill>
+        </p:grpSpPr>
+        <p:sp>
+          <p:nvSpPr>
+            <p:cNvPr id="42" name="Rectangle 41">
+              <a:extLst>
+                <a:ext uri="{FF2B5EF4-FFF2-40B4-BE49-F238E27FC236}">
+                  <a16:creationId xmlns:a16="http://schemas.microsoft.com/office/drawing/2014/main" id="{A6604B49-AD5C-4590-B051-06C8222ECD99}"/>
+                </a:ext>
+                <a:ext uri="{C183D7F6-B498-43B3-948B-1728B52AA6E4}">
+                  <adec:decorative xmlns:adec="http://schemas.microsoft.com/office/drawing/2017/decorative" val="1"/>
+                </a:ext>
+              </a:extLst>
+            </p:cNvPr>
+            <p:cNvSpPr/>
+            <p:nvPr>
+              <p:extLst>
+                <p:ext uri="{386F3935-93C4-4BCD-93E2-E3B085C9AB24}">
+                  <p16:designElem xmlns:p16="http://schemas.microsoft.com/office/powerpoint/2015/main" val="1"/>
+                </p:ext>
+              </p:extLst>
+            </p:nvPr>
+          </p:nvSpPr>
+          <p:spPr>
+            <a:xfrm>
+              <a:off x="3940602" y="308034"/>
+              <a:ext cx="566743" cy="3428999"/>
+            </a:xfrm>
+            <a:prstGeom prst="rect">
+              <a:avLst/>
+            </a:prstGeom>
+            <a:grpFill/>
+            <a:ln>
+              <a:noFill/>
+            </a:ln>
+          </p:spPr>
+          <p:style>
+            <a:lnRef idx="2">
+              <a:schemeClr val="accent1">
+                <a:shade val="50000"/>
+              </a:schemeClr>
+            </a:lnRef>
+            <a:fillRef idx="1">
+              <a:schemeClr val="accent1"/>
+            </a:fillRef>
+            <a:effectRef idx="0">
+              <a:schemeClr val="accent1"/>
+            </a:effectRef>
+            <a:fontRef idx="minor">
+              <a:schemeClr val="lt1"/>
+            </a:fontRef>
+          </p:style>
+          <p:txBody>
+            <a:bodyPr rtlCol="0" anchor="ctr"/>
+            <a:lstStyle/>
+            <a:p>
+              <a:pPr algn="ctr"/>
+              <a:endParaRPr lang="en-US"/>
+            </a:p>
+          </p:txBody>
+        </p:sp>
+        <p:sp>
+          <p:nvSpPr>
+            <p:cNvPr id="43" name="Rectangle 42">
+              <a:extLst>
+                <a:ext uri="{FF2B5EF4-FFF2-40B4-BE49-F238E27FC236}">
+                  <a16:creationId xmlns:a16="http://schemas.microsoft.com/office/drawing/2014/main" id="{743ECCAF-29C5-4537-947C-7EA1292463DB}"/>
+                </a:ext>
+                <a:ext uri="{C183D7F6-B498-43B3-948B-1728B52AA6E4}">
+                  <adec:decorative xmlns:adec="http://schemas.microsoft.com/office/drawing/2017/decorative" val="1"/>
+                </a:ext>
+              </a:extLst>
+            </p:cNvPr>
+            <p:cNvSpPr/>
+            <p:nvPr>
+              <p:extLst>
+                <p:ext uri="{386F3935-93C4-4BCD-93E2-E3B085C9AB24}">
+                  <p16:designElem xmlns:p16="http://schemas.microsoft.com/office/powerpoint/2015/main" val="1"/>
+                </p:ext>
+              </p:extLst>
+            </p:nvPr>
+          </p:nvSpPr>
+          <p:spPr>
+            <a:xfrm>
+              <a:off x="4715626" y="308034"/>
+              <a:ext cx="566743" cy="3428999"/>
+            </a:xfrm>
+            <a:prstGeom prst="rect">
+              <a:avLst/>
+            </a:prstGeom>
+            <a:grpFill/>
+            <a:ln>
+              <a:noFill/>
+            </a:ln>
+          </p:spPr>
+          <p:style>
+            <a:lnRef idx="2">
+              <a:schemeClr val="accent1">
+                <a:shade val="50000"/>
+              </a:schemeClr>
+            </a:lnRef>
+            <a:fillRef idx="1">
+              <a:schemeClr val="accent1"/>
+            </a:fillRef>
+            <a:effectRef idx="0">
+              <a:schemeClr val="accent1"/>
+            </a:effectRef>
+            <a:fontRef idx="minor">
+              <a:schemeClr val="lt1"/>
+            </a:fontRef>
+          </p:style>
+          <p:txBody>
+            <a:bodyPr rtlCol="0" anchor="ctr"/>
+            <a:lstStyle/>
+            <a:p>
+              <a:pPr algn="ctr"/>
+              <a:endParaRPr lang="en-US"/>
+            </a:p>
+          </p:txBody>
+        </p:sp>
+        <p:sp>
+          <p:nvSpPr>
+            <p:cNvPr id="44" name="Rectangle 43">
+              <a:extLst>
+                <a:ext uri="{FF2B5EF4-FFF2-40B4-BE49-F238E27FC236}">
+                  <a16:creationId xmlns:a16="http://schemas.microsoft.com/office/drawing/2014/main" id="{ED49787B-8DE6-4467-AD0A-8DECC6E0C2D6}"/>
+                </a:ext>
+                <a:ext uri="{C183D7F6-B498-43B3-948B-1728B52AA6E4}">
+                  <adec:decorative xmlns:adec="http://schemas.microsoft.com/office/drawing/2017/decorative" val="1"/>
+                </a:ext>
+              </a:extLst>
+            </p:cNvPr>
+            <p:cNvSpPr/>
+            <p:nvPr>
+              <p:extLst>
+                <p:ext uri="{386F3935-93C4-4BCD-93E2-E3B085C9AB24}">
+                  <p16:designElem xmlns:p16="http://schemas.microsoft.com/office/powerpoint/2015/main" val="1"/>
+                </p:ext>
+              </p:extLst>
+            </p:nvPr>
+          </p:nvSpPr>
+          <p:spPr>
+            <a:xfrm>
+              <a:off x="5490650" y="308034"/>
+              <a:ext cx="566743" cy="3428999"/>
+            </a:xfrm>
+            <a:prstGeom prst="rect">
+              <a:avLst/>
+            </a:prstGeom>
+            <a:grpFill/>
+            <a:ln>
+              <a:noFill/>
+            </a:ln>
+          </p:spPr>
+          <p:style>
+            <a:lnRef idx="2">
+              <a:schemeClr val="accent1">
+                <a:shade val="50000"/>
+              </a:schemeClr>
+            </a:lnRef>
+            <a:fillRef idx="1">
+              <a:schemeClr val="accent1"/>
+            </a:fillRef>
+            <a:effectRef idx="0">
+              <a:schemeClr val="accent1"/>
+            </a:effectRef>
+            <a:fontRef idx="minor">
+              <a:schemeClr val="lt1"/>
+            </a:fontRef>
+          </p:style>
+          <p:txBody>
+            <a:bodyPr rtlCol="0" anchor="ctr"/>
+            <a:lstStyle/>
+            <a:p>
+              <a:pPr algn="ctr"/>
+              <a:endParaRPr lang="en-US"/>
+            </a:p>
+          </p:txBody>
+        </p:sp>
+      </p:grpSp>
+      <p:sp>
+        <p:nvSpPr>
+          <p:cNvPr id="46" name="Rectangle 45">
+            <a:extLst>
+              <a:ext uri="{FF2B5EF4-FFF2-40B4-BE49-F238E27FC236}">
+                <a16:creationId xmlns:a16="http://schemas.microsoft.com/office/drawing/2014/main" id="{D5B0017B-2ECA-49AF-B397-DC140825DF8D}"/>
+              </a:ext>
+              <a:ext uri="{C183D7F6-B498-43B3-948B-1728B52AA6E4}">
+                <adec:decorative xmlns:adec="http://schemas.microsoft.com/office/drawing/2017/decorative" val="1"/>
+              </a:ext>
+            </a:extLst>
+          </p:cNvPr>
+          <p:cNvSpPr>
+            <a:spLocks noGrp="1" noRot="1" noChangeAspect="1" noMove="1" noResize="1" noEditPoints="1" noAdjustHandles="1" noChangeArrowheads="1" noChangeShapeType="1" noTextEdit="1"/>
+          </p:cNvSpPr>
+          <p:nvPr>
+            <p:extLst>
+              <p:ext uri="{386F3935-93C4-4BCD-93E2-E3B085C9AB24}">
+                <p16:designElem xmlns:p16="http://schemas.microsoft.com/office/powerpoint/2015/main" val="1"/>
+              </p:ext>
+            </p:extLst>
+          </p:nvPr>
+        </p:nvSpPr>
+        <p:spPr>
+          <a:xfrm>
+            <a:off x="480059" y="613954"/>
+            <a:ext cx="8180615" cy="1894116"/>
+          </a:xfrm>
+          <a:prstGeom prst="rect">
+            <a:avLst/>
+          </a:prstGeom>
+          <a:solidFill>
+            <a:schemeClr val="bg1"/>
+          </a:solidFill>
+          <a:ln>
+            <a:noFill/>
+          </a:ln>
+          <a:effectLst>
+            <a:outerShdw blurRad="139700" dist="127000" dir="5400000" algn="t" rotWithShape="0">
+              <a:prstClr val="black">
+                <a:alpha val="15000"/>
+              </a:prstClr>
+            </a:outerShdw>
+          </a:effectLst>
+        </p:spPr>
+        <p:style>
+          <a:lnRef idx="2">
+            <a:schemeClr val="accent1">
+              <a:shade val="50000"/>
+            </a:schemeClr>
+          </a:lnRef>
+          <a:fillRef idx="1">
+            <a:schemeClr val="accent1"/>
+          </a:fillRef>
+          <a:effectRef idx="0">
+            <a:schemeClr val="accent1"/>
+          </a:effectRef>
+          <a:fontRef idx="minor">
+            <a:schemeClr val="lt1"/>
+          </a:fontRef>
+        </p:style>
+        <p:txBody>
+          <a:bodyPr rtlCol="0" anchor="ctr"/>
+          <a:lstStyle/>
+          <a:p>
+            <a:pPr algn="ctr"/>
+            <a:endParaRPr lang="en-US"/>
+          </a:p>
+        </p:txBody>
+      </p:sp>
+      <p:sp>
+        <p:nvSpPr>
+          <p:cNvPr id="2" name="Title 1"/>
+          <p:cNvSpPr>
+            <a:spLocks noGrp="1"/>
+          </p:cNvSpPr>
+          <p:nvPr>
+            <p:ph type="title"/>
+          </p:nvPr>
+        </p:nvSpPr>
+        <p:spPr>
+          <a:xfrm>
+            <a:off x="782723" y="809898"/>
+            <a:ext cx="7629757" cy="1554480"/>
+          </a:xfrm>
+        </p:spPr>
+        <p:txBody>
+          <a:bodyPr anchor="ctr">
+            <a:normAutofit/>
+          </a:bodyPr>
+          <a:lstStyle/>
+          <a:p>
+            <a:r>
+              <a:rPr lang="en-US" sz="4200"/>
+              <a:t>What is PicoFramework?</a:t>
+            </a:r>
+          </a:p>
+        </p:txBody>
+      </p:sp>
+      <p:cxnSp>
+        <p:nvCxnSpPr>
+          <p:cNvPr id="48" name="Straight Connector 47">
+            <a:extLst>
+              <a:ext uri="{FF2B5EF4-FFF2-40B4-BE49-F238E27FC236}">
+                <a16:creationId xmlns:a16="http://schemas.microsoft.com/office/drawing/2014/main" id="{6CF1BAF6-AD41-4082-B212-8A1F9A2E8779}"/>
+              </a:ext>
+              <a:ext uri="{C183D7F6-B498-43B3-948B-1728B52AA6E4}">
+                <adec:decorative xmlns:adec="http://schemas.microsoft.com/office/drawing/2017/decorative" val="1"/>
+              </a:ext>
+            </a:extLst>
+          </p:cNvPr>
+          <p:cNvCxnSpPr>
+            <a:cxnSpLocks noGrp="1" noRot="1" noChangeAspect="1" noMove="1" noResize="1" noEditPoints="1" noAdjustHandles="1" noChangeArrowheads="1" noChangeShapeType="1"/>
+          </p:cNvCxnSpPr>
+          <p:nvPr>
+            <p:extLst>
+              <p:ext uri="{386F3935-93C4-4BCD-93E2-E3B085C9AB24}">
+                <p16:designElem xmlns:p16="http://schemas.microsoft.com/office/powerpoint/2015/main" val="1"/>
+              </p:ext>
+            </p:extLst>
+          </p:nvPr>
+        </p:nvCxnSpPr>
+        <p:spPr>
+          <a:xfrm flipH="1">
+            <a:off x="628650" y="6485313"/>
+            <a:ext cx="7886700" cy="0"/>
+          </a:xfrm>
+          <a:prstGeom prst="line">
+            <a:avLst/>
+          </a:prstGeom>
+          <a:ln w="57150">
+            <a:solidFill>
+              <a:schemeClr val="accent4"/>
+            </a:solidFill>
+          </a:ln>
+        </p:spPr>
+        <p:style>
+          <a:lnRef idx="1">
+            <a:schemeClr val="accent1"/>
+          </a:lnRef>
+          <a:fillRef idx="0">
+            <a:schemeClr val="accent1"/>
+          </a:fillRef>
+          <a:effectRef idx="0">
+            <a:schemeClr val="accent1"/>
+          </a:effectRef>
+          <a:fontRef idx="minor">
+            <a:schemeClr val="tx1"/>
+          </a:fontRef>
+        </p:style>
+      </p:cxnSp>
+      <p:graphicFrame>
+        <p:nvGraphicFramePr>
+          <p:cNvPr id="5" name="Content Placeholder 2">
+            <a:extLst>
+              <a:ext uri="{FF2B5EF4-FFF2-40B4-BE49-F238E27FC236}">
+                <a16:creationId xmlns:a16="http://schemas.microsoft.com/office/drawing/2014/main" id="{025C1425-3B1A-6120-EB17-989D5BA19308}"/>
+              </a:ext>
+            </a:extLst>
+          </p:cNvPr>
+          <p:cNvGraphicFramePr>
+            <a:graphicFrameLocks noGrp="1"/>
+          </p:cNvGraphicFramePr>
+          <p:nvPr>
+            <p:ph idx="1"/>
+            <p:extLst>
+              <p:ext uri="{D42A27DB-BD31-4B8C-83A1-F6EECF244321}">
+                <p14:modId xmlns:p14="http://schemas.microsoft.com/office/powerpoint/2010/main" val="173775712"/>
+              </p:ext>
+            </p:extLst>
+          </p:nvPr>
+        </p:nvGraphicFramePr>
+        <p:xfrm>
+          <a:off x="678451" y="3017519"/>
+          <a:ext cx="7783830" cy="3209902"/>
+        </p:xfrm>
+        <a:graphic>
+          <a:graphicData uri="http://schemas.openxmlformats.org/drawingml/2006/diagram">
+            <dgm:relIds xmlns:dgm="http://schemas.openxmlformats.org/drawingml/2006/diagram" xmlns:r="http://schemas.openxmlformats.org/officeDocument/2006/relationships" r:dm="rId2" r:lo="rId3" r:qs="rId4" r:cs="rId5"/>
+          </a:graphicData>
+        </a:graphic>
+      </p:graphicFrame>
+    </p:spTree>
+  </p:cSld>
+  <p:clrMapOvr>
+    <a:masterClrMapping/>
+  </p:clrMapOvr>
+</p:sld>
+</file>
+
+<file path=ppt/slides/slide20.xml><?xml version="1.0" encoding="utf-8"?>
 <p:sld xmlns:a="http://schemas.openxmlformats.org/drawingml/2006/main" xmlns:r="http://schemas.openxmlformats.org/officeDocument/2006/relationships" xmlns:p="http://schemas.openxmlformats.org/presentationml/2006/main">
   <p:cSld>
     <p:bg>
@@ -40875,494 +41968,7 @@
 </p:sld>
 </file>
 
-<file path=ppt/slides/slide2.xml><?xml version="1.0" encoding="utf-8"?>
-<p:sld xmlns:a="http://schemas.openxmlformats.org/drawingml/2006/main" xmlns:r="http://schemas.openxmlformats.org/officeDocument/2006/relationships" xmlns:p="http://schemas.openxmlformats.org/presentationml/2006/main">
-  <p:cSld>
-    <p:bg>
-      <p:bgPr>
-        <a:solidFill>
-          <a:schemeClr val="bg1"/>
-        </a:solidFill>
-        <a:effectLst/>
-      </p:bgPr>
-    </p:bg>
-    <p:spTree>
-      <p:nvGrpSpPr>
-        <p:cNvPr id="1" name=""/>
-        <p:cNvGrpSpPr/>
-        <p:nvPr/>
-      </p:nvGrpSpPr>
-      <p:grpSpPr>
-        <a:xfrm>
-          <a:off x="0" y="0"/>
-          <a:ext cx="0" cy="0"/>
-          <a:chOff x="0" y="0"/>
-          <a:chExt cx="0" cy="0"/>
-        </a:xfrm>
-      </p:grpSpPr>
-      <p:sp useBgFill="1">
-        <p:nvSpPr>
-          <p:cNvPr id="39" name="Rectangle 38">
-            <a:extLst>
-              <a:ext uri="{FF2B5EF4-FFF2-40B4-BE49-F238E27FC236}">
-                <a16:creationId xmlns:a16="http://schemas.microsoft.com/office/drawing/2014/main" id="{56E9B3E6-E277-4D68-BA48-9CB43FFBD6E2}"/>
-              </a:ext>
-              <a:ext uri="{C183D7F6-B498-43B3-948B-1728B52AA6E4}">
-                <adec:decorative xmlns:adec="http://schemas.microsoft.com/office/drawing/2017/decorative" val="1"/>
-              </a:ext>
-            </a:extLst>
-          </p:cNvPr>
-          <p:cNvSpPr>
-            <a:spLocks noGrp="1" noRot="1" noChangeAspect="1" noMove="1" noResize="1" noEditPoints="1" noAdjustHandles="1" noChangeArrowheads="1" noChangeShapeType="1" noTextEdit="1"/>
-          </p:cNvSpPr>
-          <p:nvPr>
-            <p:extLst>
-              <p:ext uri="{386F3935-93C4-4BCD-93E2-E3B085C9AB24}">
-                <p16:designElem xmlns:p16="http://schemas.microsoft.com/office/powerpoint/2015/main" val="1"/>
-              </p:ext>
-            </p:extLst>
-          </p:nvPr>
-        </p:nvSpPr>
-        <p:spPr>
-          <a:xfrm>
-            <a:off x="0" y="0"/>
-            <a:ext cx="9143999" cy="6857365"/>
-          </a:xfrm>
-          <a:prstGeom prst="rect">
-            <a:avLst/>
-          </a:prstGeom>
-          <a:ln>
-            <a:noFill/>
-          </a:ln>
-        </p:spPr>
-        <p:style>
-          <a:lnRef idx="2">
-            <a:schemeClr val="accent1">
-              <a:shade val="50000"/>
-            </a:schemeClr>
-          </a:lnRef>
-          <a:fillRef idx="1">
-            <a:schemeClr val="accent1"/>
-          </a:fillRef>
-          <a:effectRef idx="0">
-            <a:schemeClr val="accent1"/>
-          </a:effectRef>
-          <a:fontRef idx="minor">
-            <a:schemeClr val="lt1"/>
-          </a:fontRef>
-        </p:style>
-        <p:txBody>
-          <a:bodyPr rtlCol="0" anchor="ctr"/>
-          <a:lstStyle/>
-          <a:p>
-            <a:pPr algn="ctr"/>
-            <a:endParaRPr lang="en-US"/>
-          </a:p>
-        </p:txBody>
-      </p:sp>
-      <p:grpSp>
-        <p:nvGrpSpPr>
-          <p:cNvPr id="41" name="Group 40">
-            <a:extLst>
-              <a:ext uri="{FF2B5EF4-FFF2-40B4-BE49-F238E27FC236}">
-                <a16:creationId xmlns:a16="http://schemas.microsoft.com/office/drawing/2014/main" id="{AE1C45F0-260A-458C-96ED-C1F6D2151219}"/>
-              </a:ext>
-              <a:ext uri="{C183D7F6-B498-43B3-948B-1728B52AA6E4}">
-                <adec:decorative xmlns:adec="http://schemas.microsoft.com/office/drawing/2017/decorative" val="1"/>
-              </a:ext>
-            </a:extLst>
-          </p:cNvPr>
-          <p:cNvGrpSpPr>
-            <a:grpSpLocks noGrp="1" noUngrp="1" noRot="1" noChangeAspect="1" noMove="1" noResize="1"/>
-          </p:cNvGrpSpPr>
-          <p:nvPr>
-            <p:extLst>
-              <p:ext uri="{386F3935-93C4-4BCD-93E2-E3B085C9AB24}">
-                <p16:designElem xmlns:p16="http://schemas.microsoft.com/office/powerpoint/2015/main" val="1"/>
-              </p:ext>
-            </p:extLst>
-          </p:nvPr>
-        </p:nvGrpSpPr>
-        <p:grpSpPr>
-          <a:xfrm>
-            <a:off x="0" y="1216597"/>
-            <a:ext cx="548639" cy="673460"/>
-            <a:chOff x="3940602" y="308034"/>
-            <a:chExt cx="2116791" cy="3428999"/>
-          </a:xfrm>
-          <a:solidFill>
-            <a:schemeClr val="accent4"/>
-          </a:solidFill>
-        </p:grpSpPr>
-        <p:sp>
-          <p:nvSpPr>
-            <p:cNvPr id="42" name="Rectangle 41">
-              <a:extLst>
-                <a:ext uri="{FF2B5EF4-FFF2-40B4-BE49-F238E27FC236}">
-                  <a16:creationId xmlns:a16="http://schemas.microsoft.com/office/drawing/2014/main" id="{A6604B49-AD5C-4590-B051-06C8222ECD99}"/>
-                </a:ext>
-                <a:ext uri="{C183D7F6-B498-43B3-948B-1728B52AA6E4}">
-                  <adec:decorative xmlns:adec="http://schemas.microsoft.com/office/drawing/2017/decorative" val="1"/>
-                </a:ext>
-              </a:extLst>
-            </p:cNvPr>
-            <p:cNvSpPr/>
-            <p:nvPr>
-              <p:extLst>
-                <p:ext uri="{386F3935-93C4-4BCD-93E2-E3B085C9AB24}">
-                  <p16:designElem xmlns:p16="http://schemas.microsoft.com/office/powerpoint/2015/main" val="1"/>
-                </p:ext>
-              </p:extLst>
-            </p:nvPr>
-          </p:nvSpPr>
-          <p:spPr>
-            <a:xfrm>
-              <a:off x="3940602" y="308034"/>
-              <a:ext cx="566743" cy="3428999"/>
-            </a:xfrm>
-            <a:prstGeom prst="rect">
-              <a:avLst/>
-            </a:prstGeom>
-            <a:grpFill/>
-            <a:ln>
-              <a:noFill/>
-            </a:ln>
-          </p:spPr>
-          <p:style>
-            <a:lnRef idx="2">
-              <a:schemeClr val="accent1">
-                <a:shade val="50000"/>
-              </a:schemeClr>
-            </a:lnRef>
-            <a:fillRef idx="1">
-              <a:schemeClr val="accent1"/>
-            </a:fillRef>
-            <a:effectRef idx="0">
-              <a:schemeClr val="accent1"/>
-            </a:effectRef>
-            <a:fontRef idx="minor">
-              <a:schemeClr val="lt1"/>
-            </a:fontRef>
-          </p:style>
-          <p:txBody>
-            <a:bodyPr rtlCol="0" anchor="ctr"/>
-            <a:lstStyle/>
-            <a:p>
-              <a:pPr algn="ctr"/>
-              <a:endParaRPr lang="en-US"/>
-            </a:p>
-          </p:txBody>
-        </p:sp>
-        <p:sp>
-          <p:nvSpPr>
-            <p:cNvPr id="43" name="Rectangle 42">
-              <a:extLst>
-                <a:ext uri="{FF2B5EF4-FFF2-40B4-BE49-F238E27FC236}">
-                  <a16:creationId xmlns:a16="http://schemas.microsoft.com/office/drawing/2014/main" id="{743ECCAF-29C5-4537-947C-7EA1292463DB}"/>
-                </a:ext>
-                <a:ext uri="{C183D7F6-B498-43B3-948B-1728B52AA6E4}">
-                  <adec:decorative xmlns:adec="http://schemas.microsoft.com/office/drawing/2017/decorative" val="1"/>
-                </a:ext>
-              </a:extLst>
-            </p:cNvPr>
-            <p:cNvSpPr/>
-            <p:nvPr>
-              <p:extLst>
-                <p:ext uri="{386F3935-93C4-4BCD-93E2-E3B085C9AB24}">
-                  <p16:designElem xmlns:p16="http://schemas.microsoft.com/office/powerpoint/2015/main" val="1"/>
-                </p:ext>
-              </p:extLst>
-            </p:nvPr>
-          </p:nvSpPr>
-          <p:spPr>
-            <a:xfrm>
-              <a:off x="4715626" y="308034"/>
-              <a:ext cx="566743" cy="3428999"/>
-            </a:xfrm>
-            <a:prstGeom prst="rect">
-              <a:avLst/>
-            </a:prstGeom>
-            <a:grpFill/>
-            <a:ln>
-              <a:noFill/>
-            </a:ln>
-          </p:spPr>
-          <p:style>
-            <a:lnRef idx="2">
-              <a:schemeClr val="accent1">
-                <a:shade val="50000"/>
-              </a:schemeClr>
-            </a:lnRef>
-            <a:fillRef idx="1">
-              <a:schemeClr val="accent1"/>
-            </a:fillRef>
-            <a:effectRef idx="0">
-              <a:schemeClr val="accent1"/>
-            </a:effectRef>
-            <a:fontRef idx="minor">
-              <a:schemeClr val="lt1"/>
-            </a:fontRef>
-          </p:style>
-          <p:txBody>
-            <a:bodyPr rtlCol="0" anchor="ctr"/>
-            <a:lstStyle/>
-            <a:p>
-              <a:pPr algn="ctr"/>
-              <a:endParaRPr lang="en-US"/>
-            </a:p>
-          </p:txBody>
-        </p:sp>
-        <p:sp>
-          <p:nvSpPr>
-            <p:cNvPr id="44" name="Rectangle 43">
-              <a:extLst>
-                <a:ext uri="{FF2B5EF4-FFF2-40B4-BE49-F238E27FC236}">
-                  <a16:creationId xmlns:a16="http://schemas.microsoft.com/office/drawing/2014/main" id="{ED49787B-8DE6-4467-AD0A-8DECC6E0C2D6}"/>
-                </a:ext>
-                <a:ext uri="{C183D7F6-B498-43B3-948B-1728B52AA6E4}">
-                  <adec:decorative xmlns:adec="http://schemas.microsoft.com/office/drawing/2017/decorative" val="1"/>
-                </a:ext>
-              </a:extLst>
-            </p:cNvPr>
-            <p:cNvSpPr/>
-            <p:nvPr>
-              <p:extLst>
-                <p:ext uri="{386F3935-93C4-4BCD-93E2-E3B085C9AB24}">
-                  <p16:designElem xmlns:p16="http://schemas.microsoft.com/office/powerpoint/2015/main" val="1"/>
-                </p:ext>
-              </p:extLst>
-            </p:nvPr>
-          </p:nvSpPr>
-          <p:spPr>
-            <a:xfrm>
-              <a:off x="5490650" y="308034"/>
-              <a:ext cx="566743" cy="3428999"/>
-            </a:xfrm>
-            <a:prstGeom prst="rect">
-              <a:avLst/>
-            </a:prstGeom>
-            <a:grpFill/>
-            <a:ln>
-              <a:noFill/>
-            </a:ln>
-          </p:spPr>
-          <p:style>
-            <a:lnRef idx="2">
-              <a:schemeClr val="accent1">
-                <a:shade val="50000"/>
-              </a:schemeClr>
-            </a:lnRef>
-            <a:fillRef idx="1">
-              <a:schemeClr val="accent1"/>
-            </a:fillRef>
-            <a:effectRef idx="0">
-              <a:schemeClr val="accent1"/>
-            </a:effectRef>
-            <a:fontRef idx="minor">
-              <a:schemeClr val="lt1"/>
-            </a:fontRef>
-          </p:style>
-          <p:txBody>
-            <a:bodyPr rtlCol="0" anchor="ctr"/>
-            <a:lstStyle/>
-            <a:p>
-              <a:pPr algn="ctr"/>
-              <a:endParaRPr lang="en-US"/>
-            </a:p>
-          </p:txBody>
-        </p:sp>
-      </p:grpSp>
-      <p:sp>
-        <p:nvSpPr>
-          <p:cNvPr id="46" name="Rectangle 45">
-            <a:extLst>
-              <a:ext uri="{FF2B5EF4-FFF2-40B4-BE49-F238E27FC236}">
-                <a16:creationId xmlns:a16="http://schemas.microsoft.com/office/drawing/2014/main" id="{D5B0017B-2ECA-49AF-B397-DC140825DF8D}"/>
-              </a:ext>
-              <a:ext uri="{C183D7F6-B498-43B3-948B-1728B52AA6E4}">
-                <adec:decorative xmlns:adec="http://schemas.microsoft.com/office/drawing/2017/decorative" val="1"/>
-              </a:ext>
-            </a:extLst>
-          </p:cNvPr>
-          <p:cNvSpPr>
-            <a:spLocks noGrp="1" noRot="1" noChangeAspect="1" noMove="1" noResize="1" noEditPoints="1" noAdjustHandles="1" noChangeArrowheads="1" noChangeShapeType="1" noTextEdit="1"/>
-          </p:cNvSpPr>
-          <p:nvPr>
-            <p:extLst>
-              <p:ext uri="{386F3935-93C4-4BCD-93E2-E3B085C9AB24}">
-                <p16:designElem xmlns:p16="http://schemas.microsoft.com/office/powerpoint/2015/main" val="1"/>
-              </p:ext>
-            </p:extLst>
-          </p:nvPr>
-        </p:nvSpPr>
-        <p:spPr>
-          <a:xfrm>
-            <a:off x="480059" y="613954"/>
-            <a:ext cx="8180615" cy="1894116"/>
-          </a:xfrm>
-          <a:prstGeom prst="rect">
-            <a:avLst/>
-          </a:prstGeom>
-          <a:solidFill>
-            <a:schemeClr val="bg1"/>
-          </a:solidFill>
-          <a:ln>
-            <a:noFill/>
-          </a:ln>
-          <a:effectLst>
-            <a:outerShdw blurRad="139700" dist="127000" dir="5400000" algn="t" rotWithShape="0">
-              <a:prstClr val="black">
-                <a:alpha val="15000"/>
-              </a:prstClr>
-            </a:outerShdw>
-          </a:effectLst>
-        </p:spPr>
-        <p:style>
-          <a:lnRef idx="2">
-            <a:schemeClr val="accent1">
-              <a:shade val="50000"/>
-            </a:schemeClr>
-          </a:lnRef>
-          <a:fillRef idx="1">
-            <a:schemeClr val="accent1"/>
-          </a:fillRef>
-          <a:effectRef idx="0">
-            <a:schemeClr val="accent1"/>
-          </a:effectRef>
-          <a:fontRef idx="minor">
-            <a:schemeClr val="lt1"/>
-          </a:fontRef>
-        </p:style>
-        <p:txBody>
-          <a:bodyPr rtlCol="0" anchor="ctr"/>
-          <a:lstStyle/>
-          <a:p>
-            <a:pPr algn="ctr"/>
-            <a:endParaRPr lang="en-US"/>
-          </a:p>
-        </p:txBody>
-      </p:sp>
-      <p:sp>
-        <p:nvSpPr>
-          <p:cNvPr id="2" name="Title 1"/>
-          <p:cNvSpPr>
-            <a:spLocks noGrp="1"/>
-          </p:cNvSpPr>
-          <p:nvPr>
-            <p:ph type="title"/>
-          </p:nvPr>
-        </p:nvSpPr>
-        <p:spPr>
-          <a:xfrm>
-            <a:off x="782723" y="809898"/>
-            <a:ext cx="7629757" cy="1554480"/>
-          </a:xfrm>
-        </p:spPr>
-        <p:txBody>
-          <a:bodyPr anchor="ctr">
-            <a:normAutofit/>
-          </a:bodyPr>
-          <a:lstStyle/>
-          <a:p>
-            <a:r>
-              <a:rPr lang="en-US" sz="4200"/>
-              <a:t>What is PicoFramework?</a:t>
-            </a:r>
-          </a:p>
-        </p:txBody>
-      </p:sp>
-      <p:cxnSp>
-        <p:nvCxnSpPr>
-          <p:cNvPr id="48" name="Straight Connector 47">
-            <a:extLst>
-              <a:ext uri="{FF2B5EF4-FFF2-40B4-BE49-F238E27FC236}">
-                <a16:creationId xmlns:a16="http://schemas.microsoft.com/office/drawing/2014/main" id="{6CF1BAF6-AD41-4082-B212-8A1F9A2E8779}"/>
-              </a:ext>
-              <a:ext uri="{C183D7F6-B498-43B3-948B-1728B52AA6E4}">
-                <adec:decorative xmlns:adec="http://schemas.microsoft.com/office/drawing/2017/decorative" val="1"/>
-              </a:ext>
-            </a:extLst>
-          </p:cNvPr>
-          <p:cNvCxnSpPr>
-            <a:cxnSpLocks noGrp="1" noRot="1" noChangeAspect="1" noMove="1" noResize="1" noEditPoints="1" noAdjustHandles="1" noChangeArrowheads="1" noChangeShapeType="1"/>
-          </p:cNvCxnSpPr>
-          <p:nvPr>
-            <p:extLst>
-              <p:ext uri="{386F3935-93C4-4BCD-93E2-E3B085C9AB24}">
-                <p16:designElem xmlns:p16="http://schemas.microsoft.com/office/powerpoint/2015/main" val="1"/>
-              </p:ext>
-            </p:extLst>
-          </p:nvPr>
-        </p:nvCxnSpPr>
-        <p:spPr>
-          <a:xfrm flipH="1">
-            <a:off x="628650" y="6485313"/>
-            <a:ext cx="7886700" cy="0"/>
-          </a:xfrm>
-          <a:prstGeom prst="line">
-            <a:avLst/>
-          </a:prstGeom>
-          <a:ln w="57150">
-            <a:solidFill>
-              <a:schemeClr val="accent4"/>
-            </a:solidFill>
-          </a:ln>
-        </p:spPr>
-        <p:style>
-          <a:lnRef idx="1">
-            <a:schemeClr val="accent1"/>
-          </a:lnRef>
-          <a:fillRef idx="0">
-            <a:schemeClr val="accent1"/>
-          </a:fillRef>
-          <a:effectRef idx="0">
-            <a:schemeClr val="accent1"/>
-          </a:effectRef>
-          <a:fontRef idx="minor">
-            <a:schemeClr val="tx1"/>
-          </a:fontRef>
-        </p:style>
-      </p:cxnSp>
-      <p:graphicFrame>
-        <p:nvGraphicFramePr>
-          <p:cNvPr id="5" name="Content Placeholder 2">
-            <a:extLst>
-              <a:ext uri="{FF2B5EF4-FFF2-40B4-BE49-F238E27FC236}">
-                <a16:creationId xmlns:a16="http://schemas.microsoft.com/office/drawing/2014/main" id="{025C1425-3B1A-6120-EB17-989D5BA19308}"/>
-              </a:ext>
-            </a:extLst>
-          </p:cNvPr>
-          <p:cNvGraphicFramePr>
-            <a:graphicFrameLocks noGrp="1"/>
-          </p:cNvGraphicFramePr>
-          <p:nvPr>
-            <p:ph idx="1"/>
-            <p:extLst>
-              <p:ext uri="{D42A27DB-BD31-4B8C-83A1-F6EECF244321}">
-                <p14:modId xmlns:p14="http://schemas.microsoft.com/office/powerpoint/2010/main" val="173775712"/>
-              </p:ext>
-            </p:extLst>
-          </p:nvPr>
-        </p:nvGraphicFramePr>
-        <p:xfrm>
-          <a:off x="678451" y="3017519"/>
-          <a:ext cx="7783830" cy="3209902"/>
-        </p:xfrm>
-        <a:graphic>
-          <a:graphicData uri="http://schemas.openxmlformats.org/drawingml/2006/diagram">
-            <dgm:relIds xmlns:dgm="http://schemas.openxmlformats.org/drawingml/2006/diagram" xmlns:r="http://schemas.openxmlformats.org/officeDocument/2006/relationships" r:dm="rId2" r:lo="rId3" r:qs="rId4" r:cs="rId5"/>
-          </a:graphicData>
-        </a:graphic>
-      </p:graphicFrame>
-    </p:spTree>
-  </p:cSld>
-  <p:clrMapOvr>
-    <a:masterClrMapping/>
-  </p:clrMapOvr>
-</p:sld>
-</file>
-
-<file path=ppt/slides/slide20.xml><?xml version="1.0" encoding="utf-8"?>
+<file path=ppt/slides/slide21.xml><?xml version="1.0" encoding="utf-8"?>
 <p:sld xmlns:a="http://schemas.openxmlformats.org/drawingml/2006/main" xmlns:r="http://schemas.openxmlformats.org/officeDocument/2006/relationships" xmlns:p="http://schemas.openxmlformats.org/presentationml/2006/main">
   <p:cSld>
     <p:bg>
@@ -42122,7 +42728,7 @@
 </p:sld>
 </file>
 
-<file path=ppt/slides/slide21.xml><?xml version="1.0" encoding="utf-8"?>
+<file path=ppt/slides/slide22.xml><?xml version="1.0" encoding="utf-8"?>
 <p:sld xmlns:a="http://schemas.openxmlformats.org/drawingml/2006/main" xmlns:r="http://schemas.openxmlformats.org/officeDocument/2006/relationships" xmlns:p="http://schemas.openxmlformats.org/presentationml/2006/main">
   <p:cSld>
     <p:spTree>
@@ -42194,7 +42800,7 @@
 </p:sld>
 </file>
 
-<file path=ppt/slides/slide22.xml><?xml version="1.0" encoding="utf-8"?>
+<file path=ppt/slides/slide23.xml><?xml version="1.0" encoding="utf-8"?>
 <p:sld xmlns:a="http://schemas.openxmlformats.org/drawingml/2006/main" xmlns:r="http://schemas.openxmlformats.org/officeDocument/2006/relationships" xmlns:p="http://schemas.openxmlformats.org/presentationml/2006/main">
   <p:cSld>
     <p:bg>
@@ -42593,7 +43199,7 @@
 </p:sld>
 </file>
 
-<file path=ppt/slides/slide23.xml><?xml version="1.0" encoding="utf-8"?>
+<file path=ppt/slides/slide24.xml><?xml version="1.0" encoding="utf-8"?>
 <p:sld xmlns:a="http://schemas.openxmlformats.org/drawingml/2006/main" xmlns:r="http://schemas.openxmlformats.org/officeDocument/2006/relationships" xmlns:p="http://schemas.openxmlformats.org/presentationml/2006/main">
   <p:cSld>
     <p:bg>
@@ -43082,7 +43688,7 @@
 </p:sld>
 </file>
 
-<file path=ppt/slides/slide24.xml><?xml version="1.0" encoding="utf-8"?>
+<file path=ppt/slides/slide25.xml><?xml version="1.0" encoding="utf-8"?>
 <p:sld xmlns:a="http://schemas.openxmlformats.org/drawingml/2006/main" xmlns:r="http://schemas.openxmlformats.org/officeDocument/2006/relationships" xmlns:p="http://schemas.openxmlformats.org/presentationml/2006/main">
   <p:cSld>
     <p:bg>
@@ -43380,7 +43986,7 @@
 </p:sld>
 </file>
 
-<file path=ppt/slides/slide25.xml><?xml version="1.0" encoding="utf-8"?>
+<file path=ppt/slides/slide26.xml><?xml version="1.0" encoding="utf-8"?>
 <p:sld xmlns:a="http://schemas.openxmlformats.org/drawingml/2006/main" xmlns:r="http://schemas.openxmlformats.org/officeDocument/2006/relationships" xmlns:p="http://schemas.openxmlformats.org/presentationml/2006/main">
   <p:cSld>
     <p:bg>
@@ -43779,7 +44385,7 @@
 </p:sld>
 </file>
 
-<file path=ppt/slides/slide26.xml><?xml version="1.0" encoding="utf-8"?>
+<file path=ppt/slides/slide27.xml><?xml version="1.0" encoding="utf-8"?>
 <p:sld xmlns:a="http://schemas.openxmlformats.org/drawingml/2006/main" xmlns:r="http://schemas.openxmlformats.org/officeDocument/2006/relationships" xmlns:p="http://schemas.openxmlformats.org/presentationml/2006/main">
   <p:cSld>
     <p:bg>
@@ -47829,27 +48435,7 @@
                 <a:effectLst/>
                 <a:latin typeface="Menlo" panose="020B0609030804020204" pitchFamily="49" charset="0"/>
               </a:rPr>
-              <a:t>) </a:t>
-            </a:r>
-            <a:r>
-              <a:rPr lang="en-US" sz="800" b="0">
-                <a:solidFill>
-                  <a:srgbClr val="000000"/>
-                </a:solidFill>
-                <a:effectLst/>
-                <a:latin typeface="Menlo" panose="020B0609030804020204" pitchFamily="49" charset="0"/>
-              </a:rPr>
-              <a:t>{// app </a:t>
-            </a:r>
-            <a:r>
-              <a:rPr lang="en-US" sz="800" b="0" dirty="0">
-                <a:solidFill>
-                  <a:srgbClr val="000000"/>
-                </a:solidFill>
-                <a:effectLst/>
-                <a:latin typeface="Menlo" panose="020B0609030804020204" pitchFamily="49" charset="0"/>
-              </a:rPr>
-              <a:t>loop}</a:t>
+              <a:t>) {// app loop}</a:t>
             </a:r>
           </a:p>
           <a:p>
@@ -47945,14 +48531,6 @@
 <file path=ppt/slides/slide9.xml><?xml version="1.0" encoding="utf-8"?>
 <p:sld xmlns:a="http://schemas.openxmlformats.org/drawingml/2006/main" xmlns:r="http://schemas.openxmlformats.org/officeDocument/2006/relationships" xmlns:p="http://schemas.openxmlformats.org/presentationml/2006/main">
   <p:cSld>
-    <p:bg>
-      <p:bgPr>
-        <a:solidFill>
-          <a:schemeClr val="bg1"/>
-        </a:solidFill>
-        <a:effectLst/>
-      </p:bgPr>
-    </p:bg>
     <p:spTree>
       <p:nvGrpSpPr>
         <p:cNvPr id="1" name=""/>
@@ -47967,385 +48545,15 @@
           <a:chExt cx="0" cy="0"/>
         </a:xfrm>
       </p:grpSpPr>
-      <p:sp useBgFill="1">
+      <p:sp>
         <p:nvSpPr>
-          <p:cNvPr id="8" name="Rectangle 7">
+          <p:cNvPr id="2" name="Title 1">
             <a:extLst>
               <a:ext uri="{FF2B5EF4-FFF2-40B4-BE49-F238E27FC236}">
-                <a16:creationId xmlns:a16="http://schemas.microsoft.com/office/drawing/2014/main" id="{1B15ED52-F352-441B-82BF-E0EA34836D08}"/>
-              </a:ext>
-              <a:ext uri="{C183D7F6-B498-43B3-948B-1728B52AA6E4}">
-                <adec:decorative xmlns:adec="http://schemas.microsoft.com/office/drawing/2017/decorative" val="1"/>
+                <a16:creationId xmlns:a16="http://schemas.microsoft.com/office/drawing/2014/main" id="{D7448843-D75F-4FFB-088A-562702C88220}"/>
               </a:ext>
             </a:extLst>
           </p:cNvPr>
-          <p:cNvSpPr>
-            <a:spLocks noGrp="1" noRot="1" noChangeAspect="1" noMove="1" noResize="1" noEditPoints="1" noAdjustHandles="1" noChangeArrowheads="1" noChangeShapeType="1" noTextEdit="1"/>
-          </p:cNvSpPr>
-          <p:nvPr>
-            <p:extLst>
-              <p:ext uri="{386F3935-93C4-4BCD-93E2-E3B085C9AB24}">
-                <p16:designElem xmlns:p16="http://schemas.microsoft.com/office/powerpoint/2015/main" val="1"/>
-              </p:ext>
-            </p:extLst>
-          </p:nvPr>
-        </p:nvSpPr>
-        <p:spPr>
-          <a:xfrm>
-            <a:off x="0" y="0"/>
-            <a:ext cx="9144000" cy="6858000"/>
-          </a:xfrm>
-          <a:prstGeom prst="rect">
-            <a:avLst/>
-          </a:prstGeom>
-          <a:ln w="12700" cap="flat" cmpd="sng" algn="ctr">
-            <a:noFill/>
-            <a:prstDash val="solid"/>
-            <a:miter lim="800000"/>
-          </a:ln>
-          <a:effectLst/>
-          <a:extLst>
-            <a:ext uri="{91240B29-F687-4F45-9708-019B960494DF}">
-              <a14:hiddenLine xmlns:a14="http://schemas.microsoft.com/office/drawing/2010/main" w="12700" cap="flat" cmpd="sng" algn="ctr">
-                <a:solidFill>
-                  <a:schemeClr val="accent1">
-                    <a:shade val="50000"/>
-                  </a:schemeClr>
-                </a:solidFill>
-                <a:prstDash val="solid"/>
-                <a:miter lim="800000"/>
-              </a14:hiddenLine>
-            </a:ext>
-          </a:extLst>
-        </p:spPr>
-        <p:style>
-          <a:lnRef idx="2">
-            <a:schemeClr val="accent1">
-              <a:shade val="50000"/>
-            </a:schemeClr>
-          </a:lnRef>
-          <a:fillRef idx="1">
-            <a:schemeClr val="accent1"/>
-          </a:fillRef>
-          <a:effectRef idx="0">
-            <a:schemeClr val="accent1"/>
-          </a:effectRef>
-          <a:fontRef idx="minor">
-            <a:schemeClr val="lt1"/>
-          </a:fontRef>
-        </p:style>
-        <p:txBody>
-          <a:bodyPr rtlCol="0" anchor="ctr"/>
-          <a:lstStyle/>
-          <a:p>
-            <a:pPr algn="ctr"/>
-            <a:endParaRPr lang="en-US"/>
-          </a:p>
-        </p:txBody>
-      </p:sp>
-      <p:sp>
-        <p:nvSpPr>
-          <p:cNvPr id="10" name="Rectangle 9">
-            <a:extLst>
-              <a:ext uri="{FF2B5EF4-FFF2-40B4-BE49-F238E27FC236}">
-                <a16:creationId xmlns:a16="http://schemas.microsoft.com/office/drawing/2014/main" id="{3B2E3793-BFE6-45A2-9B7B-E18844431C99}"/>
-              </a:ext>
-              <a:ext uri="{C183D7F6-B498-43B3-948B-1728B52AA6E4}">
-                <adec:decorative xmlns:adec="http://schemas.microsoft.com/office/drawing/2017/decorative" val="1"/>
-              </a:ext>
-            </a:extLst>
-          </p:cNvPr>
-          <p:cNvSpPr>
-            <a:spLocks noGrp="1" noRot="1" noChangeAspect="1" noMove="1" noResize="1" noEditPoints="1" noAdjustHandles="1" noChangeArrowheads="1" noChangeShapeType="1" noTextEdit="1"/>
-          </p:cNvSpPr>
-          <p:nvPr>
-            <p:extLst>
-              <p:ext uri="{386F3935-93C4-4BCD-93E2-E3B085C9AB24}">
-                <p16:designElem xmlns:p16="http://schemas.microsoft.com/office/powerpoint/2015/main" val="1"/>
-              </p:ext>
-            </p:extLst>
-          </p:nvPr>
-        </p:nvSpPr>
-        <p:spPr>
-          <a:xfrm flipH="1">
-            <a:off x="0" y="-1"/>
-            <a:ext cx="9143997" cy="1590742"/>
-          </a:xfrm>
-          <a:prstGeom prst="rect">
-            <a:avLst/>
-          </a:prstGeom>
-          <a:gradFill>
-            <a:gsLst>
-              <a:gs pos="0">
-                <a:srgbClr val="000000"/>
-              </a:gs>
-              <a:gs pos="100000">
-                <a:schemeClr val="accent1">
-                  <a:lumMod val="75000"/>
-                </a:schemeClr>
-              </a:gs>
-            </a:gsLst>
-            <a:lin ang="8400000" scaled="0"/>
-          </a:gradFill>
-          <a:ln>
-            <a:noFill/>
-          </a:ln>
-        </p:spPr>
-        <p:style>
-          <a:lnRef idx="2">
-            <a:schemeClr val="accent1">
-              <a:shade val="50000"/>
-            </a:schemeClr>
-          </a:lnRef>
-          <a:fillRef idx="1">
-            <a:schemeClr val="accent1"/>
-          </a:fillRef>
-          <a:effectRef idx="0">
-            <a:schemeClr val="accent1"/>
-          </a:effectRef>
-          <a:fontRef idx="minor">
-            <a:schemeClr val="lt1"/>
-          </a:fontRef>
-        </p:style>
-        <p:txBody>
-          <a:bodyPr rtlCol="0" anchor="ctr"/>
-          <a:lstStyle/>
-          <a:p>
-            <a:pPr algn="ctr"/>
-            <a:endParaRPr lang="en-US"/>
-          </a:p>
-        </p:txBody>
-      </p:sp>
-      <p:sp>
-        <p:nvSpPr>
-          <p:cNvPr id="12" name="Rectangle 11">
-            <a:extLst>
-              <a:ext uri="{FF2B5EF4-FFF2-40B4-BE49-F238E27FC236}">
-                <a16:creationId xmlns:a16="http://schemas.microsoft.com/office/drawing/2014/main" id="{BC4C4868-CB8F-4AF9-9CDB-8108F2C19B67}"/>
-              </a:ext>
-              <a:ext uri="{C183D7F6-B498-43B3-948B-1728B52AA6E4}">
-                <adec:decorative xmlns:adec="http://schemas.microsoft.com/office/drawing/2017/decorative" val="1"/>
-              </a:ext>
-            </a:extLst>
-          </p:cNvPr>
-          <p:cNvSpPr>
-            <a:spLocks noGrp="1" noRot="1" noChangeAspect="1" noMove="1" noResize="1" noEditPoints="1" noAdjustHandles="1" noChangeArrowheads="1" noChangeShapeType="1" noTextEdit="1"/>
-          </p:cNvSpPr>
-          <p:nvPr>
-            <p:extLst>
-              <p:ext uri="{386F3935-93C4-4BCD-93E2-E3B085C9AB24}">
-                <p16:designElem xmlns:p16="http://schemas.microsoft.com/office/powerpoint/2015/main" val="1"/>
-              </p:ext>
-            </p:extLst>
-          </p:nvPr>
-        </p:nvSpPr>
-        <p:spPr>
-          <a:xfrm rot="10800000" flipH="1">
-            <a:off x="-2" y="0"/>
-            <a:ext cx="6086479" cy="1590742"/>
-          </a:xfrm>
-          <a:prstGeom prst="rect">
-            <a:avLst/>
-          </a:prstGeom>
-          <a:gradFill>
-            <a:gsLst>
-              <a:gs pos="20000">
-                <a:schemeClr val="accent1">
-                  <a:alpha val="0"/>
-                </a:schemeClr>
-              </a:gs>
-              <a:gs pos="100000">
-                <a:schemeClr val="accent1">
-                  <a:lumMod val="50000"/>
-                  <a:alpha val="55000"/>
-                </a:schemeClr>
-              </a:gs>
-            </a:gsLst>
-            <a:lin ang="13800000" scaled="0"/>
-          </a:gradFill>
-          <a:ln>
-            <a:noFill/>
-          </a:ln>
-        </p:spPr>
-        <p:style>
-          <a:lnRef idx="2">
-            <a:schemeClr val="accent1">
-              <a:shade val="50000"/>
-            </a:schemeClr>
-          </a:lnRef>
-          <a:fillRef idx="1">
-            <a:schemeClr val="accent1"/>
-          </a:fillRef>
-          <a:effectRef idx="0">
-            <a:schemeClr val="accent1"/>
-          </a:effectRef>
-          <a:fontRef idx="minor">
-            <a:schemeClr val="lt1"/>
-          </a:fontRef>
-        </p:style>
-        <p:txBody>
-          <a:bodyPr rtlCol="0" anchor="ctr"/>
-          <a:lstStyle/>
-          <a:p>
-            <a:pPr algn="ctr"/>
-            <a:endParaRPr lang="en-US"/>
-          </a:p>
-        </p:txBody>
-      </p:sp>
-      <p:sp>
-        <p:nvSpPr>
-          <p:cNvPr id="14" name="Rectangle 13">
-            <a:extLst>
-              <a:ext uri="{FF2B5EF4-FFF2-40B4-BE49-F238E27FC236}">
-                <a16:creationId xmlns:a16="http://schemas.microsoft.com/office/drawing/2014/main" id="{375E0459-6403-40CD-989D-56A4407CA12E}"/>
-              </a:ext>
-              <a:ext uri="{C183D7F6-B498-43B3-948B-1728B52AA6E4}">
-                <adec:decorative xmlns:adec="http://schemas.microsoft.com/office/drawing/2017/decorative" val="1"/>
-              </a:ext>
-            </a:extLst>
-          </p:cNvPr>
-          <p:cNvSpPr>
-            <a:spLocks noGrp="1" noRot="1" noChangeAspect="1" noMove="1" noResize="1" noEditPoints="1" noAdjustHandles="1" noChangeArrowheads="1" noChangeShapeType="1" noTextEdit="1"/>
-          </p:cNvSpPr>
-          <p:nvPr>
-            <p:extLst>
-              <p:ext uri="{386F3935-93C4-4BCD-93E2-E3B085C9AB24}">
-                <p16:designElem xmlns:p16="http://schemas.microsoft.com/office/powerpoint/2015/main" val="1"/>
-              </p:ext>
-            </p:extLst>
-          </p:nvPr>
-        </p:nvSpPr>
-        <p:spPr>
-          <a:xfrm flipH="1">
-            <a:off x="6086474" y="-1"/>
-            <a:ext cx="3057523" cy="1590742"/>
-          </a:xfrm>
-          <a:prstGeom prst="rect">
-            <a:avLst/>
-          </a:prstGeom>
-          <a:gradFill>
-            <a:gsLst>
-              <a:gs pos="0">
-                <a:schemeClr val="accent1">
-                  <a:alpha val="66000"/>
-                </a:schemeClr>
-              </a:gs>
-              <a:gs pos="100000">
-                <a:srgbClr val="000000">
-                  <a:alpha val="30000"/>
-                </a:srgbClr>
-              </a:gs>
-            </a:gsLst>
-            <a:lin ang="13200000" scaled="0"/>
-          </a:gradFill>
-          <a:ln>
-            <a:noFill/>
-          </a:ln>
-        </p:spPr>
-        <p:style>
-          <a:lnRef idx="2">
-            <a:schemeClr val="accent1">
-              <a:shade val="50000"/>
-            </a:schemeClr>
-          </a:lnRef>
-          <a:fillRef idx="1">
-            <a:schemeClr val="accent1"/>
-          </a:fillRef>
-          <a:effectRef idx="0">
-            <a:schemeClr val="accent1"/>
-          </a:effectRef>
-          <a:fontRef idx="minor">
-            <a:schemeClr val="lt1"/>
-          </a:fontRef>
-        </p:style>
-        <p:txBody>
-          <a:bodyPr rtlCol="0" anchor="ctr"/>
-          <a:lstStyle/>
-          <a:p>
-            <a:pPr algn="ctr"/>
-            <a:endParaRPr lang="en-US"/>
-          </a:p>
-        </p:txBody>
-      </p:sp>
-      <p:sp>
-        <p:nvSpPr>
-          <p:cNvPr id="16" name="Rectangle 15">
-            <a:extLst>
-              <a:ext uri="{FF2B5EF4-FFF2-40B4-BE49-F238E27FC236}">
-                <a16:creationId xmlns:a16="http://schemas.microsoft.com/office/drawing/2014/main" id="{53E5B1A8-3AC9-4BD1-9BBC-78CA94F2D1BA}"/>
-              </a:ext>
-              <a:ext uri="{C183D7F6-B498-43B3-948B-1728B52AA6E4}">
-                <adec:decorative xmlns:adec="http://schemas.microsoft.com/office/drawing/2017/decorative" val="1"/>
-              </a:ext>
-            </a:extLst>
-          </p:cNvPr>
-          <p:cNvSpPr>
-            <a:spLocks noGrp="1" noRot="1" noChangeAspect="1" noMove="1" noResize="1" noEditPoints="1" noAdjustHandles="1" noChangeArrowheads="1" noChangeShapeType="1" noTextEdit="1"/>
-          </p:cNvSpPr>
-          <p:nvPr>
-            <p:extLst>
-              <p:ext uri="{386F3935-93C4-4BCD-93E2-E3B085C9AB24}">
-                <p16:designElem xmlns:p16="http://schemas.microsoft.com/office/powerpoint/2015/main" val="1"/>
-              </p:ext>
-            </p:extLst>
-          </p:nvPr>
-        </p:nvSpPr>
-        <p:spPr>
-          <a:xfrm>
-            <a:off x="344512" y="-1"/>
-            <a:ext cx="8799485" cy="1597433"/>
-          </a:xfrm>
-          <a:prstGeom prst="rect">
-            <a:avLst/>
-          </a:prstGeom>
-          <a:gradFill>
-            <a:gsLst>
-              <a:gs pos="50000">
-                <a:srgbClr val="000000">
-                  <a:alpha val="0"/>
-                </a:srgbClr>
-              </a:gs>
-              <a:gs pos="99000">
-                <a:schemeClr val="accent1">
-                  <a:lumMod val="50000"/>
-                  <a:alpha val="52000"/>
-                </a:schemeClr>
-              </a:gs>
-            </a:gsLst>
-            <a:lin ang="16800000" scaled="0"/>
-          </a:gradFill>
-          <a:ln>
-            <a:noFill/>
-          </a:ln>
-        </p:spPr>
-        <p:style>
-          <a:lnRef idx="2">
-            <a:schemeClr val="accent1">
-              <a:shade val="50000"/>
-            </a:schemeClr>
-          </a:lnRef>
-          <a:fillRef idx="1">
-            <a:schemeClr val="accent1"/>
-          </a:fillRef>
-          <a:effectRef idx="0">
-            <a:schemeClr val="accent1"/>
-          </a:effectRef>
-          <a:fontRef idx="minor">
-            <a:schemeClr val="lt1"/>
-          </a:fontRef>
-        </p:style>
-        <p:txBody>
-          <a:bodyPr rtlCol="0" anchor="ctr"/>
-          <a:lstStyle/>
-          <a:p>
-            <a:pPr algn="ctr"/>
-            <a:endParaRPr lang="en-US"/>
-          </a:p>
-        </p:txBody>
-      </p:sp>
-      <p:sp>
-        <p:nvSpPr>
-          <p:cNvPr id="2" name="Title 1"/>
           <p:cNvSpPr>
             <a:spLocks noGrp="1"/>
           </p:cNvSpPr>
@@ -48353,32 +48561,27 @@
             <p:ph type="title"/>
           </p:nvPr>
         </p:nvSpPr>
-        <p:spPr>
-          <a:xfrm>
-            <a:off x="1028699" y="294538"/>
-            <a:ext cx="7421963" cy="1033669"/>
-          </a:xfrm>
-        </p:spPr>
+        <p:spPr/>
         <p:txBody>
-          <a:bodyPr>
-            <a:normAutofit/>
-          </a:bodyPr>
+          <a:bodyPr/>
           <a:lstStyle/>
           <a:p>
             <a:r>
-              <a:rPr lang="en-US" sz="3500">
-                <a:solidFill>
-                  <a:srgbClr val="FFFFFF"/>
-                </a:solidFill>
-              </a:rPr>
-              <a:t>Routing System (Express.js-style)</a:t>
+              <a:rPr lang="en-US" dirty="0"/>
+              <a:t>The App</a:t>
             </a:r>
           </a:p>
         </p:txBody>
       </p:sp>
       <p:sp>
         <p:nvSpPr>
-          <p:cNvPr id="3" name="Content Placeholder 2"/>
+          <p:cNvPr id="3" name="Content Placeholder 2">
+            <a:extLst>
+              <a:ext uri="{FF2B5EF4-FFF2-40B4-BE49-F238E27FC236}">
+                <a16:creationId xmlns:a16="http://schemas.microsoft.com/office/drawing/2014/main" id="{06338274-9889-8824-375B-7EC9606B3265}"/>
+              </a:ext>
+            </a:extLst>
+          </p:cNvPr>
           <p:cNvSpPr>
             <a:spLocks noGrp="1"/>
           </p:cNvSpPr>
@@ -48386,158 +48589,194 @@
             <p:ph idx="1"/>
           </p:nvPr>
         </p:nvSpPr>
-        <p:spPr>
-          <a:xfrm>
-            <a:off x="1028699" y="2318197"/>
-            <a:ext cx="7293023" cy="3683358"/>
-          </a:xfrm>
-        </p:spPr>
+        <p:spPr/>
         <p:txBody>
-          <a:bodyPr anchor="ctr">
-            <a:normAutofit/>
+          <a:bodyPr>
+            <a:normAutofit fontScale="47500" lnSpcReduction="20000"/>
           </a:bodyPr>
           <a:lstStyle/>
           <a:p>
-            <a:pPr>
-              <a:lnSpc>
-                <a:spcPct val="90000"/>
-              </a:lnSpc>
-            </a:pPr>
-            <a:r>
-              <a:rPr lang="en-US" sz="1700"/>
-              <a:t>Add routes via router.addRoute(method, path, handler)</a:t>
-            </a:r>
-          </a:p>
-          <a:p>
-            <a:pPr>
-              <a:lnSpc>
-                <a:spcPct val="90000"/>
-              </a:lnSpc>
-            </a:pPr>
-            <a:r>
-              <a:rPr lang="en-US" sz="1700"/>
-              <a:t>REST-friendly: GET, POST, PUT, DELETE</a:t>
-            </a:r>
-          </a:p>
-          <a:p>
-            <a:pPr>
-              <a:lnSpc>
-                <a:spcPct val="90000"/>
-              </a:lnSpc>
-            </a:pPr>
-            <a:r>
-              <a:rPr lang="en-US" sz="1700"/>
-              <a:t>Lambdas or method pointers as handlers</a:t>
-            </a:r>
-          </a:p>
-          <a:p>
-            <a:pPr>
-              <a:lnSpc>
-                <a:spcPct val="90000"/>
-              </a:lnSpc>
-            </a:pPr>
-            <a:r>
-              <a:rPr lang="en-US" sz="1700"/>
-              <a:t>Per-route and global middleware</a:t>
-            </a:r>
-          </a:p>
-          <a:p>
-            <a:pPr>
-              <a:lnSpc>
-                <a:spcPct val="90000"/>
-              </a:lnSpc>
-            </a:pPr>
-            <a:r>
-              <a:rPr lang="en-US" sz="1700"/>
-              <a:t>Path parsing and matching with variables</a:t>
-            </a:r>
-          </a:p>
-          <a:p>
-            <a:pPr>
-              <a:lnSpc>
-                <a:spcPct val="90000"/>
-              </a:lnSpc>
-            </a:pPr>
-            <a:r>
-              <a:rPr lang="en-US" sz="1700"/>
-              <a:t>Built-in /auth route handler for JWT token test (can override)</a:t>
-            </a:r>
-          </a:p>
-          <a:p>
-            <a:pPr>
-              <a:lnSpc>
-                <a:spcPct val="90000"/>
-              </a:lnSpc>
-            </a:pPr>
-            <a:r>
-              <a:rPr lang="en-US" sz="1700"/>
-              <a:t>Route debug printing (adding, handling routes)</a:t>
-            </a:r>
-          </a:p>
-          <a:p>
-            <a:pPr>
-              <a:lnSpc>
-                <a:spcPct val="90000"/>
-              </a:lnSpc>
-            </a:pPr>
-            <a:endParaRPr lang="en-US" sz="1700"/>
-          </a:p>
-          <a:p>
             <a:pPr marL="0" indent="0">
-              <a:lnSpc>
-                <a:spcPct val="90000"/>
-              </a:lnSpc>
               <a:buNone/>
             </a:pPr>
             <a:r>
-              <a:rPr lang="en-US" sz="1700">
-                <a:latin typeface="Consolas" panose="020B0609020204030204" pitchFamily="49" charset="0"/>
-                <a:cs typeface="Consolas" panose="020B0609020204030204" pitchFamily="49" charset="0"/>
-              </a:rPr>
-              <a:t>router.addRoute("GET", "/info", [](Request &amp;req, Response &amp;res) { res.sendText("System Info Page"); });</a:t>
+              <a:rPr lang="en-US" dirty="0"/>
+              <a:t>class </a:t>
+            </a:r>
+            <a:r>
+              <a:rPr lang="en-US" dirty="0" err="1"/>
+              <a:t>MyApp</a:t>
+            </a:r>
+            <a:r>
+              <a:rPr lang="en-US" dirty="0"/>
+              <a:t> : public FrameworkApp {</a:t>
             </a:r>
           </a:p>
           <a:p>
             <a:pPr marL="0" indent="0">
-              <a:lnSpc>
-                <a:spcPct val="90000"/>
-              </a:lnSpc>
               <a:buNone/>
             </a:pPr>
-            <a:endParaRPr lang="en-US" sz="1700">
-              <a:latin typeface="Consolas" panose="020B0609020204030204" pitchFamily="49" charset="0"/>
-              <a:cs typeface="Consolas" panose="020B0609020204030204" pitchFamily="49" charset="0"/>
-            </a:endParaRPr>
+            <a:r>
+              <a:rPr lang="en-US" dirty="0"/>
+              <a:t>public:</a:t>
+            </a:r>
           </a:p>
           <a:p>
             <a:pPr marL="0" indent="0">
-              <a:lnSpc>
-                <a:spcPct val="90000"/>
-              </a:lnSpc>
               <a:buNone/>
             </a:pPr>
             <a:r>
-              <a:rPr lang="en-US" sz="1700">
-                <a:latin typeface="Consolas" panose="020B0609020204030204" pitchFamily="49" charset="0"/>
-                <a:cs typeface="Consolas" panose="020B0609020204030204" pitchFamily="49" charset="0"/>
-              </a:rPr>
-              <a:t>router.addRoute("POST", "/config", configHandler, {authMiddleware});</a:t>
+              <a:rPr lang="en-US" dirty="0"/>
+              <a:t>    </a:t>
+            </a:r>
+            <a:r>
+              <a:rPr lang="en-US" dirty="0" err="1"/>
+              <a:t>MyApp</a:t>
+            </a:r>
+            <a:r>
+              <a:rPr lang="en-US" dirty="0"/>
+              <a:t>() : FrameworkApp(80, "</a:t>
+            </a:r>
+            <a:r>
+              <a:rPr lang="en-US" dirty="0" err="1"/>
+              <a:t>MyApp</a:t>
+            </a:r>
+            <a:r>
+              <a:rPr lang="en-US" dirty="0"/>
+              <a:t>") {}</a:t>
             </a:r>
           </a:p>
           <a:p>
-            <a:pPr>
-              <a:lnSpc>
-                <a:spcPct val="90000"/>
-              </a:lnSpc>
+            <a:pPr marL="0" indent="0">
+              <a:buNone/>
             </a:pPr>
-            <a:endParaRPr lang="en-US" sz="1700"/>
+            <a:endParaRPr lang="en-US" dirty="0"/>
+          </a:p>
+          <a:p>
+            <a:pPr marL="0" indent="0">
+              <a:buNone/>
+            </a:pPr>
+            <a:r>
+              <a:rPr lang="en-US" dirty="0"/>
+              <a:t>    void </a:t>
+            </a:r>
+            <a:r>
+              <a:rPr lang="en-US" dirty="0" err="1"/>
+              <a:t>onStart</a:t>
+            </a:r>
+            <a:r>
+              <a:rPr lang="en-US" dirty="0"/>
+              <a:t>() override {</a:t>
+            </a:r>
+          </a:p>
+          <a:p>
+            <a:pPr marL="0" indent="0">
+              <a:buNone/>
+            </a:pPr>
+            <a:r>
+              <a:rPr lang="en-US" dirty="0"/>
+              <a:t>        TRACE("App starting up...");</a:t>
+            </a:r>
+          </a:p>
+          <a:p>
+            <a:pPr marL="0" indent="0">
+              <a:buNone/>
+            </a:pPr>
+            <a:r>
+              <a:rPr lang="en-US" dirty="0"/>
+              <a:t>        // Initialize sensors, state, etc.</a:t>
+            </a:r>
+          </a:p>
+          <a:p>
+            <a:pPr marL="0" indent="0">
+              <a:buNone/>
+            </a:pPr>
+            <a:r>
+              <a:rPr lang="en-US" dirty="0"/>
+              <a:t>    }</a:t>
+            </a:r>
+          </a:p>
+          <a:p>
+            <a:pPr marL="0" indent="0">
+              <a:buNone/>
+            </a:pPr>
+            <a:endParaRPr lang="en-US" dirty="0"/>
+          </a:p>
+          <a:p>
+            <a:pPr marL="0" indent="0">
+              <a:buNone/>
+            </a:pPr>
+            <a:r>
+              <a:rPr lang="en-US" dirty="0"/>
+              <a:t>    void poll() override {</a:t>
+            </a:r>
+          </a:p>
+          <a:p>
+            <a:pPr marL="0" indent="0">
+              <a:buNone/>
+            </a:pPr>
+            <a:r>
+              <a:rPr lang="en-US" dirty="0"/>
+              <a:t>        // Main loop logic here</a:t>
+            </a:r>
+          </a:p>
+          <a:p>
+            <a:pPr marL="0" indent="0">
+              <a:buNone/>
+            </a:pPr>
+            <a:r>
+              <a:rPr lang="en-US" dirty="0"/>
+              <a:t>    }</a:t>
+            </a:r>
+          </a:p>
+          <a:p>
+            <a:pPr marL="0" indent="0">
+              <a:buNone/>
+            </a:pPr>
+            <a:endParaRPr lang="en-US" dirty="0"/>
+          </a:p>
+          <a:p>
+            <a:pPr marL="0" indent="0">
+              <a:buNone/>
+            </a:pPr>
+            <a:r>
+              <a:rPr lang="en-US" dirty="0"/>
+              <a:t>    void onEvent(const Event&amp; e) override {</a:t>
+            </a:r>
+          </a:p>
+          <a:p>
+            <a:pPr marL="0" indent="0">
+              <a:buNone/>
+            </a:pPr>
+            <a:r>
+              <a:rPr lang="en-US" dirty="0"/>
+              <a:t>        // Handle events here</a:t>
+            </a:r>
+          </a:p>
+          <a:p>
+            <a:pPr marL="0" indent="0">
+              <a:buNone/>
+            </a:pPr>
+            <a:r>
+              <a:rPr lang="en-US" dirty="0"/>
+              <a:t>    }</a:t>
+            </a:r>
+          </a:p>
+          <a:p>
+            <a:pPr marL="0" indent="0">
+              <a:buNone/>
+            </a:pPr>
+            <a:r>
+              <a:rPr lang="en-US" dirty="0"/>
+              <a:t>};</a:t>
+            </a:r>
           </a:p>
         </p:txBody>
       </p:sp>
     </p:spTree>
     <p:extLst>
       <p:ext uri="{BB962C8B-B14F-4D97-AF65-F5344CB8AC3E}">
-        <p14:creationId xmlns:p14="http://schemas.microsoft.com/office/powerpoint/2010/main" val="4051212457"/>
+        <p14:creationId xmlns:p14="http://schemas.microsoft.com/office/powerpoint/2010/main" val="866328872"/>
       </p:ext>
     </p:extLst>
   </p:cSld>

--- a/docs/picoframework_full_presentation_combined.pptx
+++ b/docs/picoframework_full_presentation_combined.pptx
@@ -45341,7 +45341,7 @@
             </a:pPr>
             <a:r>
               <a:rPr lang="en-US" sz="1700" dirty="0"/>
-              <a:t>Microcontrollers’ limited flash and RAM has historically made it hard to replicate smaller devices </a:t>
+              <a:t>Limited flash and RAM has historically made it hard to replicate these frameworks on microcontrollers</a:t>
             </a:r>
           </a:p>
           <a:p>
@@ -45355,7 +45355,7 @@
             </a:pPr>
             <a:r>
               <a:rPr lang="en-US" sz="1700" dirty="0"/>
-              <a:t>The Pico and particularly the Pico 2 have no major limitations on flash and available RAM is enough to support an application framework</a:t>
+              <a:t>The Pico and particularly the Pico 2 have a significant amount of flash, and the available RAM is enough to support an application framework</a:t>
             </a:r>
           </a:p>
           <a:p>
@@ -45369,7 +45369,7 @@
             </a:pPr>
             <a:r>
               <a:rPr lang="en-US" sz="1700" dirty="0"/>
-              <a:t>Although the Pico SDK is extensive it does not have the mature higher- level components such as out-of-the box HTTP handling in the manner of the ESP32, and it has a strong bare-metal focus</a:t>
+              <a:t>Although the Pico SDK is extensive it does not have FreeRTOS underpinning it, it also lacks components such as out-of-the box HTTP handling in the manner of the ESP3. It has a strong bare-metal focus</a:t>
             </a:r>
           </a:p>
           <a:p>

--- a/docs/picoframework_full_presentation_combined.pptx
+++ b/docs/picoframework_full_presentation_combined.pptx
@@ -5,7 +5,7 @@
     <p:sldMasterId id="2147483648" r:id="rId1"/>
   </p:sldMasterIdLst>
   <p:notesMasterIdLst>
-    <p:notesMasterId r:id="rId29"/>
+    <p:notesMasterId r:id="rId27"/>
   </p:notesMasterIdLst>
   <p:sldIdLst>
     <p:sldId id="256" r:id="rId2"/>
@@ -16,25 +16,23 @@
     <p:sldId id="293" r:id="rId7"/>
     <p:sldId id="265" r:id="rId8"/>
     <p:sldId id="297" r:id="rId9"/>
-    <p:sldId id="298" r:id="rId10"/>
+    <p:sldId id="299" r:id="rId10"/>
     <p:sldId id="292" r:id="rId11"/>
-    <p:sldId id="266" r:id="rId12"/>
-    <p:sldId id="296" r:id="rId13"/>
-    <p:sldId id="268" r:id="rId14"/>
-    <p:sldId id="291" r:id="rId15"/>
-    <p:sldId id="267" r:id="rId16"/>
-    <p:sldId id="269" r:id="rId17"/>
-    <p:sldId id="294" r:id="rId18"/>
-    <p:sldId id="270" r:id="rId19"/>
-    <p:sldId id="271" r:id="rId20"/>
-    <p:sldId id="278" r:id="rId21"/>
-    <p:sldId id="295" r:id="rId22"/>
-    <p:sldId id="272" r:id="rId23"/>
-    <p:sldId id="273" r:id="rId24"/>
-    <p:sldId id="274" r:id="rId25"/>
+    <p:sldId id="296" r:id="rId12"/>
+    <p:sldId id="268" r:id="rId13"/>
+    <p:sldId id="291" r:id="rId14"/>
+    <p:sldId id="269" r:id="rId15"/>
+    <p:sldId id="294" r:id="rId16"/>
+    <p:sldId id="270" r:id="rId17"/>
+    <p:sldId id="271" r:id="rId18"/>
+    <p:sldId id="278" r:id="rId19"/>
+    <p:sldId id="295" r:id="rId20"/>
+    <p:sldId id="272" r:id="rId21"/>
+    <p:sldId id="273" r:id="rId22"/>
+    <p:sldId id="274" r:id="rId23"/>
+    <p:sldId id="287" r:id="rId24"/>
+    <p:sldId id="288" r:id="rId25"/>
     <p:sldId id="275" r:id="rId26"/>
-    <p:sldId id="287" r:id="rId27"/>
-    <p:sldId id="288" r:id="rId28"/>
   </p:sldIdLst>
   <p:sldSz cx="9144000" cy="6858000" type="screen4x3"/>
   <p:notesSz cx="6858000" cy="9144000"/>
@@ -9130,7 +9128,15 @@
           </a:pPr>
           <a:r>
             <a:rPr lang="en-US" dirty="0"/>
-            <a:t>View – serves HTML/JS from SD card (or your own StorageManager like littleFs)</a:t>
+            <a:t>View – serves HTML/JS from SD card (or your own StorageManager like </a:t>
+          </a:r>
+          <a:r>
+            <a:rPr lang="en-US" dirty="0" err="1"/>
+            <a:t>littleFs</a:t>
+          </a:r>
+          <a:r>
+            <a:rPr lang="en-US" dirty="0"/>
+            <a:t>)</a:t>
           </a:r>
         </a:p>
       </dgm:t>
@@ -10754,8 +10760,8 @@
         <a:lstStyle/>
         <a:p>
           <a:r>
-            <a:rPr lang="en-US"/>
-            <a:t>SD card file serving via FatFs using 4-bit SDIO (or SPI)</a:t>
+            <a:rPr lang="en-US" dirty="0"/>
+            <a:t>SD card file serving via FatFs using 4-bit SDIO (or SPI) OR littlefs in flash</a:t>
           </a:r>
         </a:p>
       </dgm:t>
@@ -10790,8 +10796,8 @@
         <a:lstStyle/>
         <a:p>
           <a:r>
-            <a:rPr lang="en-US"/>
-            <a:t>Upload via multipart/form POST (single file only)</a:t>
+            <a:rPr lang="en-US" dirty="0"/>
+            <a:t>Upload via multipart/form POST (single file only), Http Responses can be directed to storage</a:t>
           </a:r>
         </a:p>
       </dgm:t>
@@ -10862,8 +10868,8 @@
         <a:lstStyle/>
         <a:p>
           <a:r>
-            <a:rPr lang="en-US"/>
-            <a:t>All file logic can be excluded at build time [exclusion being worked on right now]</a:t>
+            <a:rPr lang="en-US" dirty="0"/>
+            <a:t>Abstract StorageManager means no change to the application when swapping between littlefs and FATFs</a:t>
           </a:r>
         </a:p>
       </dgm:t>
@@ -11169,7 +11175,7 @@
 <dgm:dataModel xmlns:dgm="http://schemas.openxmlformats.org/drawingml/2006/diagram" xmlns:a="http://schemas.openxmlformats.org/drawingml/2006/main">
   <dgm:ptLst>
     <dgm:pt modelId="{B1C150A3-4B6C-4A6F-81BF-2C22653F3F8B}" type="doc">
-      <dgm:prSet loTypeId="urn:microsoft.com/office/officeart/2008/layout/LinedList" loCatId="list" qsTypeId="urn:microsoft.com/office/officeart/2005/8/quickstyle/simple1" qsCatId="simple" csTypeId="urn:microsoft.com/office/officeart/2005/8/colors/accent1_2" csCatId="accent1"/>
+      <dgm:prSet loTypeId="urn:microsoft.com/office/officeart/2008/layout/LinedList" loCatId="list" qsTypeId="urn:microsoft.com/office/officeart/2005/8/quickstyle/simple1" qsCatId="simple" csTypeId="urn:microsoft.com/office/officeart/2005/8/colors/accent1_2" csCatId="accent1" phldr="1"/>
       <dgm:spPr/>
       <dgm:t>
         <a:bodyPr/>
@@ -11187,8 +11193,8 @@
         <a:lstStyle/>
         <a:p>
           <a:r>
-            <a:rPr lang="en-US"/>
-            <a:t>TLS via mbedTLS and altcp (client-side only right now)</a:t>
+            <a:rPr lang="en-US" dirty="0"/>
+            <a:t>TLS via mbedTLS and altcp (client-side only v0.1)</a:t>
           </a:r>
         </a:p>
       </dgm:t>
@@ -11259,8 +11265,8 @@
         <a:lstStyle/>
         <a:p>
           <a:r>
-            <a:rPr lang="en-US"/>
-            <a:t>SD/FatFs file system and upload handling</a:t>
+            <a:rPr lang="en-US" dirty="0"/>
+            <a:t>SD/FatFs file system vs littlefs</a:t>
           </a:r>
         </a:p>
       </dgm:t>
@@ -11295,7 +11301,7 @@
         <a:lstStyle/>
         <a:p>
           <a:r>
-            <a:rPr lang="en-US"/>
+            <a:rPr lang="en-US" dirty="0"/>
             <a:t>Enable/disable via CMake options</a:t>
           </a:r>
         </a:p>
@@ -11323,6 +11329,78 @@
         </a:p>
       </dgm:t>
     </dgm:pt>
+    <dgm:pt modelId="{A82060BA-306F-384A-B8F4-4830A31E2798}">
+      <dgm:prSet/>
+      <dgm:spPr/>
+      <dgm:t>
+        <a:bodyPr/>
+        <a:lstStyle/>
+        <a:p>
+          <a:r>
+            <a:rPr lang="en-US" dirty="0"/>
+            <a:t>Http Client</a:t>
+          </a:r>
+        </a:p>
+      </dgm:t>
+    </dgm:pt>
+    <dgm:pt modelId="{33DFA55C-FF67-1F4B-B387-909C93F8E2BA}" type="parTrans" cxnId="{BECA4C5B-95CA-F243-BF52-FD059218F6D5}">
+      <dgm:prSet/>
+      <dgm:spPr/>
+      <dgm:t>
+        <a:bodyPr/>
+        <a:lstStyle/>
+        <a:p>
+          <a:endParaRPr lang="en-US"/>
+        </a:p>
+      </dgm:t>
+    </dgm:pt>
+    <dgm:pt modelId="{229F46C4-7C27-9346-BB0A-DB302FF4866B}" type="sibTrans" cxnId="{BECA4C5B-95CA-F243-BF52-FD059218F6D5}">
+      <dgm:prSet/>
+      <dgm:spPr/>
+      <dgm:t>
+        <a:bodyPr/>
+        <a:lstStyle/>
+        <a:p>
+          <a:endParaRPr lang="en-US"/>
+        </a:p>
+      </dgm:t>
+    </dgm:pt>
+    <dgm:pt modelId="{1579008B-DB1F-104A-A9B6-47C1E31F72D5}">
+      <dgm:prSet/>
+      <dgm:spPr/>
+      <dgm:t>
+        <a:bodyPr/>
+        <a:lstStyle/>
+        <a:p>
+          <a:r>
+            <a:rPr lang="en-US" dirty="0"/>
+            <a:t>TLS certificate verification</a:t>
+          </a:r>
+        </a:p>
+      </dgm:t>
+    </dgm:pt>
+    <dgm:pt modelId="{84AB9EB4-EF82-CF46-B8A8-503B026CDC9C}" type="parTrans" cxnId="{9B127D06-724A-D742-B783-C77EEE3684E7}">
+      <dgm:prSet/>
+      <dgm:spPr/>
+      <dgm:t>
+        <a:bodyPr/>
+        <a:lstStyle/>
+        <a:p>
+          <a:endParaRPr lang="en-US"/>
+        </a:p>
+      </dgm:t>
+    </dgm:pt>
+    <dgm:pt modelId="{CE21C3AA-628F-F048-B606-757249B5BABD}" type="sibTrans" cxnId="{9B127D06-724A-D742-B783-C77EEE3684E7}">
+      <dgm:prSet/>
+      <dgm:spPr/>
+      <dgm:t>
+        <a:bodyPr/>
+        <a:lstStyle/>
+        <a:p>
+          <a:endParaRPr lang="en-US"/>
+        </a:p>
+      </dgm:t>
+    </dgm:pt>
     <dgm:pt modelId="{2D6CCAD2-1971-BA4E-B89C-49966870A549}" type="pres">
       <dgm:prSet presAssocID="{B1C150A3-4B6C-4A6F-81BF-2C22653F3F8B}" presName="vert0" presStyleCnt="0">
         <dgm:presLayoutVars>
@@ -11334,7 +11412,7 @@
       <dgm:spPr/>
     </dgm:pt>
     <dgm:pt modelId="{6AB9C9A1-F214-CE4C-AFB8-7E91C15E4424}" type="pres">
-      <dgm:prSet presAssocID="{1D415549-5020-4BEF-9FDE-5511C2E76FC0}" presName="thickLine" presStyleLbl="alignNode1" presStyleIdx="0" presStyleCnt="4"/>
+      <dgm:prSet presAssocID="{1D415549-5020-4BEF-9FDE-5511C2E76FC0}" presName="thickLine" presStyleLbl="alignNode1" presStyleIdx="0" presStyleCnt="6"/>
       <dgm:spPr/>
     </dgm:pt>
     <dgm:pt modelId="{82346113-0330-A748-BAFA-E3EC8B94FD3A}" type="pres">
@@ -11342,15 +11420,31 @@
       <dgm:spPr/>
     </dgm:pt>
     <dgm:pt modelId="{3427F28E-AE94-1446-AA79-FE8B8CEA808F}" type="pres">
-      <dgm:prSet presAssocID="{1D415549-5020-4BEF-9FDE-5511C2E76FC0}" presName="tx1" presStyleLbl="revTx" presStyleIdx="0" presStyleCnt="4"/>
+      <dgm:prSet presAssocID="{1D415549-5020-4BEF-9FDE-5511C2E76FC0}" presName="tx1" presStyleLbl="revTx" presStyleIdx="0" presStyleCnt="6"/>
       <dgm:spPr/>
     </dgm:pt>
     <dgm:pt modelId="{5630D709-CA9E-BD4E-AD7F-26750F187018}" type="pres">
       <dgm:prSet presAssocID="{1D415549-5020-4BEF-9FDE-5511C2E76FC0}" presName="vert1" presStyleCnt="0"/>
       <dgm:spPr/>
     </dgm:pt>
+    <dgm:pt modelId="{0F090D99-1C64-3E4D-BBC0-7A30C27A04F2}" type="pres">
+      <dgm:prSet presAssocID="{1579008B-DB1F-104A-A9B6-47C1E31F72D5}" presName="thickLine" presStyleLbl="alignNode1" presStyleIdx="1" presStyleCnt="6"/>
+      <dgm:spPr/>
+    </dgm:pt>
+    <dgm:pt modelId="{6F26DFC7-A7F8-7044-85F7-D0CC935223DB}" type="pres">
+      <dgm:prSet presAssocID="{1579008B-DB1F-104A-A9B6-47C1E31F72D5}" presName="horz1" presStyleCnt="0"/>
+      <dgm:spPr/>
+    </dgm:pt>
+    <dgm:pt modelId="{DD5F9D47-6331-1141-9E4B-DAA49C43CEBB}" type="pres">
+      <dgm:prSet presAssocID="{1579008B-DB1F-104A-A9B6-47C1E31F72D5}" presName="tx1" presStyleLbl="revTx" presStyleIdx="1" presStyleCnt="6"/>
+      <dgm:spPr/>
+    </dgm:pt>
+    <dgm:pt modelId="{16E26264-0125-DB4B-A684-16EC9BD02A5E}" type="pres">
+      <dgm:prSet presAssocID="{1579008B-DB1F-104A-A9B6-47C1E31F72D5}" presName="vert1" presStyleCnt="0"/>
+      <dgm:spPr/>
+    </dgm:pt>
     <dgm:pt modelId="{FD351770-D56C-DC48-AFB9-0D762544D788}" type="pres">
-      <dgm:prSet presAssocID="{5628782E-FE9A-484A-B749-E019586B6198}" presName="thickLine" presStyleLbl="alignNode1" presStyleIdx="1" presStyleCnt="4"/>
+      <dgm:prSet presAssocID="{5628782E-FE9A-484A-B749-E019586B6198}" presName="thickLine" presStyleLbl="alignNode1" presStyleIdx="2" presStyleCnt="6"/>
       <dgm:spPr/>
     </dgm:pt>
     <dgm:pt modelId="{DE440C10-7EF4-5248-BF4C-815D479A01A6}" type="pres">
@@ -11358,7 +11452,7 @@
       <dgm:spPr/>
     </dgm:pt>
     <dgm:pt modelId="{067F7A80-71A7-D349-BC21-9AE3DD200AF1}" type="pres">
-      <dgm:prSet presAssocID="{5628782E-FE9A-484A-B749-E019586B6198}" presName="tx1" presStyleLbl="revTx" presStyleIdx="1" presStyleCnt="4"/>
+      <dgm:prSet presAssocID="{5628782E-FE9A-484A-B749-E019586B6198}" presName="tx1" presStyleLbl="revTx" presStyleIdx="2" presStyleCnt="6"/>
       <dgm:spPr/>
     </dgm:pt>
     <dgm:pt modelId="{B1BFA804-ECFA-D043-BAF5-DF81081FD38B}" type="pres">
@@ -11366,7 +11460,7 @@
       <dgm:spPr/>
     </dgm:pt>
     <dgm:pt modelId="{DAE63272-2482-294B-B7AB-35530FB218D6}" type="pres">
-      <dgm:prSet presAssocID="{706C6D6C-4049-4C93-9F94-33D083CB82DF}" presName="thickLine" presStyleLbl="alignNode1" presStyleIdx="2" presStyleCnt="4"/>
+      <dgm:prSet presAssocID="{706C6D6C-4049-4C93-9F94-33D083CB82DF}" presName="thickLine" presStyleLbl="alignNode1" presStyleIdx="3" presStyleCnt="6"/>
       <dgm:spPr/>
     </dgm:pt>
     <dgm:pt modelId="{E47FAA59-6CC8-E44A-A054-3CE87814E100}" type="pres">
@@ -11374,15 +11468,31 @@
       <dgm:spPr/>
     </dgm:pt>
     <dgm:pt modelId="{FE2076ED-94D3-D24D-8638-F5257A8B4DA1}" type="pres">
-      <dgm:prSet presAssocID="{706C6D6C-4049-4C93-9F94-33D083CB82DF}" presName="tx1" presStyleLbl="revTx" presStyleIdx="2" presStyleCnt="4"/>
+      <dgm:prSet presAssocID="{706C6D6C-4049-4C93-9F94-33D083CB82DF}" presName="tx1" presStyleLbl="revTx" presStyleIdx="3" presStyleCnt="6"/>
       <dgm:spPr/>
     </dgm:pt>
     <dgm:pt modelId="{2F7AD664-4E35-A54E-A9A3-4251A35E9FBB}" type="pres">
       <dgm:prSet presAssocID="{706C6D6C-4049-4C93-9F94-33D083CB82DF}" presName="vert1" presStyleCnt="0"/>
       <dgm:spPr/>
     </dgm:pt>
+    <dgm:pt modelId="{4B4C8547-3B28-5C47-A849-A2CE39D20B08}" type="pres">
+      <dgm:prSet presAssocID="{A82060BA-306F-384A-B8F4-4830A31E2798}" presName="thickLine" presStyleLbl="alignNode1" presStyleIdx="4" presStyleCnt="6"/>
+      <dgm:spPr/>
+    </dgm:pt>
+    <dgm:pt modelId="{1BC1AB8F-91D9-394C-88D3-57CCE2ED8933}" type="pres">
+      <dgm:prSet presAssocID="{A82060BA-306F-384A-B8F4-4830A31E2798}" presName="horz1" presStyleCnt="0"/>
+      <dgm:spPr/>
+    </dgm:pt>
+    <dgm:pt modelId="{40A913BB-5AE5-B948-BDE4-5F41809AC08D}" type="pres">
+      <dgm:prSet presAssocID="{A82060BA-306F-384A-B8F4-4830A31E2798}" presName="tx1" presStyleLbl="revTx" presStyleIdx="4" presStyleCnt="6"/>
+      <dgm:spPr/>
+    </dgm:pt>
+    <dgm:pt modelId="{20E9CF2B-F657-5049-92EB-C60D661040CC}" type="pres">
+      <dgm:prSet presAssocID="{A82060BA-306F-384A-B8F4-4830A31E2798}" presName="vert1" presStyleCnt="0"/>
+      <dgm:spPr/>
+    </dgm:pt>
     <dgm:pt modelId="{F737E4E6-FE7A-1C4E-A8F2-177A34D2000C}" type="pres">
-      <dgm:prSet presAssocID="{2CEB6A74-A112-48D8-94C1-9416EA101ABB}" presName="thickLine" presStyleLbl="alignNode1" presStyleIdx="3" presStyleCnt="4"/>
+      <dgm:prSet presAssocID="{2CEB6A74-A112-48D8-94C1-9416EA101ABB}" presName="thickLine" presStyleLbl="alignNode1" presStyleIdx="5" presStyleCnt="6"/>
       <dgm:spPr/>
     </dgm:pt>
     <dgm:pt modelId="{AF201DD4-57E3-1048-A76A-1C370CB698C5}" type="pres">
@@ -11390,7 +11500,7 @@
       <dgm:spPr/>
     </dgm:pt>
     <dgm:pt modelId="{28BFC426-111F-214F-AA40-FC030B67C854}" type="pres">
-      <dgm:prSet presAssocID="{2CEB6A74-A112-48D8-94C1-9416EA101ABB}" presName="tx1" presStyleLbl="revTx" presStyleIdx="3" presStyleCnt="4"/>
+      <dgm:prSet presAssocID="{2CEB6A74-A112-48D8-94C1-9416EA101ABB}" presName="tx1" presStyleLbl="revTx" presStyleIdx="5" presStyleCnt="6"/>
       <dgm:spPr/>
     </dgm:pt>
     <dgm:pt modelId="{60DEC81D-A905-BD46-9413-073978887C65}" type="pres">
@@ -11400,10 +11510,14 @@
   </dgm:ptLst>
   <dgm:cxnLst>
     <dgm:cxn modelId="{932C3903-26AE-2E40-81DD-2CDCAA3ECF6B}" type="presOf" srcId="{706C6D6C-4049-4C93-9F94-33D083CB82DF}" destId="{FE2076ED-94D3-D24D-8638-F5257A8B4DA1}" srcOrd="0" destOrd="0" presId="urn:microsoft.com/office/officeart/2008/layout/LinedList"/>
-    <dgm:cxn modelId="{8190621A-1646-4C6D-AFC2-EA5A5B7FA1A1}" srcId="{B1C150A3-4B6C-4A6F-81BF-2C22653F3F8B}" destId="{2CEB6A74-A112-48D8-94C1-9416EA101ABB}" srcOrd="3" destOrd="0" parTransId="{8A1B87A8-CEDE-476E-AB26-17722BBE75FA}" sibTransId="{DA0D739D-45BF-405B-9684-71CF7AF663CD}"/>
-    <dgm:cxn modelId="{DFCE253F-0D23-4D44-B447-7126258ED2C9}" srcId="{B1C150A3-4B6C-4A6F-81BF-2C22653F3F8B}" destId="{706C6D6C-4049-4C93-9F94-33D083CB82DF}" srcOrd="2" destOrd="0" parTransId="{EBEA0637-E986-4E05-934B-436F2C77BA25}" sibTransId="{5CC53721-E064-41BA-B3D9-5054792DE767}"/>
+    <dgm:cxn modelId="{9B127D06-724A-D742-B783-C77EEE3684E7}" srcId="{B1C150A3-4B6C-4A6F-81BF-2C22653F3F8B}" destId="{1579008B-DB1F-104A-A9B6-47C1E31F72D5}" srcOrd="1" destOrd="0" parTransId="{84AB9EB4-EF82-CF46-B8A8-503B026CDC9C}" sibTransId="{CE21C3AA-628F-F048-B606-757249B5BABD}"/>
+    <dgm:cxn modelId="{8190621A-1646-4C6D-AFC2-EA5A5B7FA1A1}" srcId="{B1C150A3-4B6C-4A6F-81BF-2C22653F3F8B}" destId="{2CEB6A74-A112-48D8-94C1-9416EA101ABB}" srcOrd="5" destOrd="0" parTransId="{8A1B87A8-CEDE-476E-AB26-17722BBE75FA}" sibTransId="{DA0D739D-45BF-405B-9684-71CF7AF663CD}"/>
+    <dgm:cxn modelId="{0D96AB1B-91DE-264B-8B06-8E3559B737B5}" type="presOf" srcId="{A82060BA-306F-384A-B8F4-4830A31E2798}" destId="{40A913BB-5AE5-B948-BDE4-5F41809AC08D}" srcOrd="0" destOrd="0" presId="urn:microsoft.com/office/officeart/2008/layout/LinedList"/>
+    <dgm:cxn modelId="{43EDE629-4A06-7548-ADF5-00783B07C95C}" type="presOf" srcId="{1579008B-DB1F-104A-A9B6-47C1E31F72D5}" destId="{DD5F9D47-6331-1141-9E4B-DAA49C43CEBB}" srcOrd="0" destOrd="0" presId="urn:microsoft.com/office/officeart/2008/layout/LinedList"/>
+    <dgm:cxn modelId="{DFCE253F-0D23-4D44-B447-7126258ED2C9}" srcId="{B1C150A3-4B6C-4A6F-81BF-2C22653F3F8B}" destId="{706C6D6C-4049-4C93-9F94-33D083CB82DF}" srcOrd="3" destOrd="0" parTransId="{EBEA0637-E986-4E05-934B-436F2C77BA25}" sibTransId="{5CC53721-E064-41BA-B3D9-5054792DE767}"/>
+    <dgm:cxn modelId="{BECA4C5B-95CA-F243-BF52-FD059218F6D5}" srcId="{B1C150A3-4B6C-4A6F-81BF-2C22653F3F8B}" destId="{A82060BA-306F-384A-B8F4-4830A31E2798}" srcOrd="4" destOrd="0" parTransId="{33DFA55C-FF67-1F4B-B387-909C93F8E2BA}" sibTransId="{229F46C4-7C27-9346-BB0A-DB302FF4866B}"/>
     <dgm:cxn modelId="{7BE5927C-7AD7-2B42-9D21-DA41B9E38E5F}" type="presOf" srcId="{5628782E-FE9A-484A-B749-E019586B6198}" destId="{067F7A80-71A7-D349-BC21-9AE3DD200AF1}" srcOrd="0" destOrd="0" presId="urn:microsoft.com/office/officeart/2008/layout/LinedList"/>
-    <dgm:cxn modelId="{DB37478E-8C72-4297-B09E-D44A220C51C6}" srcId="{B1C150A3-4B6C-4A6F-81BF-2C22653F3F8B}" destId="{5628782E-FE9A-484A-B749-E019586B6198}" srcOrd="1" destOrd="0" parTransId="{5CA565C0-4AA9-4664-84C6-8507AF687F5B}" sibTransId="{9450B364-C515-4A22-9F30-4153E9AAA996}"/>
+    <dgm:cxn modelId="{DB37478E-8C72-4297-B09E-D44A220C51C6}" srcId="{B1C150A3-4B6C-4A6F-81BF-2C22653F3F8B}" destId="{5628782E-FE9A-484A-B749-E019586B6198}" srcOrd="2" destOrd="0" parTransId="{5CA565C0-4AA9-4664-84C6-8507AF687F5B}" sibTransId="{9450B364-C515-4A22-9F30-4153E9AAA996}"/>
     <dgm:cxn modelId="{D4B7DD98-D09D-4115-9E4C-9281EB4BE4E9}" srcId="{B1C150A3-4B6C-4A6F-81BF-2C22653F3F8B}" destId="{1D415549-5020-4BEF-9FDE-5511C2E76FC0}" srcOrd="0" destOrd="0" parTransId="{FE659FF7-996C-40AB-9233-974C1FAC6AA6}" sibTransId="{DFB7E17C-3E2D-4E54-931E-6D16E382EC00}"/>
     <dgm:cxn modelId="{83F3A4B1-6291-4749-B849-E7C44E061EC4}" type="presOf" srcId="{2CEB6A74-A112-48D8-94C1-9416EA101ABB}" destId="{28BFC426-111F-214F-AA40-FC030B67C854}" srcOrd="0" destOrd="0" presId="urn:microsoft.com/office/officeart/2008/layout/LinedList"/>
     <dgm:cxn modelId="{E6952FB9-510D-3045-91C1-2538F30EF33C}" type="presOf" srcId="{1D415549-5020-4BEF-9FDE-5511C2E76FC0}" destId="{3427F28E-AE94-1446-AA79-FE8B8CEA808F}" srcOrd="0" destOrd="0" presId="urn:microsoft.com/office/officeart/2008/layout/LinedList"/>
@@ -11412,16 +11526,24 @@
     <dgm:cxn modelId="{8D35236B-41F8-8940-A36E-19271D9C7BD8}" type="presParOf" srcId="{2D6CCAD2-1971-BA4E-B89C-49966870A549}" destId="{82346113-0330-A748-BAFA-E3EC8B94FD3A}" srcOrd="1" destOrd="0" presId="urn:microsoft.com/office/officeart/2008/layout/LinedList"/>
     <dgm:cxn modelId="{B83A9BA4-E6C6-6B4D-A526-1F44838AC56D}" type="presParOf" srcId="{82346113-0330-A748-BAFA-E3EC8B94FD3A}" destId="{3427F28E-AE94-1446-AA79-FE8B8CEA808F}" srcOrd="0" destOrd="0" presId="urn:microsoft.com/office/officeart/2008/layout/LinedList"/>
     <dgm:cxn modelId="{B2B151DF-ADA4-8E4A-A0E2-F11E54B7CBEE}" type="presParOf" srcId="{82346113-0330-A748-BAFA-E3EC8B94FD3A}" destId="{5630D709-CA9E-BD4E-AD7F-26750F187018}" srcOrd="1" destOrd="0" presId="urn:microsoft.com/office/officeart/2008/layout/LinedList"/>
-    <dgm:cxn modelId="{BF6F54DB-7650-0B43-9D84-3B4B469401D5}" type="presParOf" srcId="{2D6CCAD2-1971-BA4E-B89C-49966870A549}" destId="{FD351770-D56C-DC48-AFB9-0D762544D788}" srcOrd="2" destOrd="0" presId="urn:microsoft.com/office/officeart/2008/layout/LinedList"/>
-    <dgm:cxn modelId="{C355A66F-2AF0-144D-A8E7-944F2411801E}" type="presParOf" srcId="{2D6CCAD2-1971-BA4E-B89C-49966870A549}" destId="{DE440C10-7EF4-5248-BF4C-815D479A01A6}" srcOrd="3" destOrd="0" presId="urn:microsoft.com/office/officeart/2008/layout/LinedList"/>
+    <dgm:cxn modelId="{5275DEA9-E7BD-BE47-8ED9-A419BB7705D6}" type="presParOf" srcId="{2D6CCAD2-1971-BA4E-B89C-49966870A549}" destId="{0F090D99-1C64-3E4D-BBC0-7A30C27A04F2}" srcOrd="2" destOrd="0" presId="urn:microsoft.com/office/officeart/2008/layout/LinedList"/>
+    <dgm:cxn modelId="{1687AA95-C117-D24B-93AE-E8B6483CFC63}" type="presParOf" srcId="{2D6CCAD2-1971-BA4E-B89C-49966870A549}" destId="{6F26DFC7-A7F8-7044-85F7-D0CC935223DB}" srcOrd="3" destOrd="0" presId="urn:microsoft.com/office/officeart/2008/layout/LinedList"/>
+    <dgm:cxn modelId="{23C2D433-7690-484D-AAE6-2B8B1A88C7E8}" type="presParOf" srcId="{6F26DFC7-A7F8-7044-85F7-D0CC935223DB}" destId="{DD5F9D47-6331-1141-9E4B-DAA49C43CEBB}" srcOrd="0" destOrd="0" presId="urn:microsoft.com/office/officeart/2008/layout/LinedList"/>
+    <dgm:cxn modelId="{D7D4CB36-9EEC-2948-8CD6-A4ED13C1D2AD}" type="presParOf" srcId="{6F26DFC7-A7F8-7044-85F7-D0CC935223DB}" destId="{16E26264-0125-DB4B-A684-16EC9BD02A5E}" srcOrd="1" destOrd="0" presId="urn:microsoft.com/office/officeart/2008/layout/LinedList"/>
+    <dgm:cxn modelId="{BF6F54DB-7650-0B43-9D84-3B4B469401D5}" type="presParOf" srcId="{2D6CCAD2-1971-BA4E-B89C-49966870A549}" destId="{FD351770-D56C-DC48-AFB9-0D762544D788}" srcOrd="4" destOrd="0" presId="urn:microsoft.com/office/officeart/2008/layout/LinedList"/>
+    <dgm:cxn modelId="{C355A66F-2AF0-144D-A8E7-944F2411801E}" type="presParOf" srcId="{2D6CCAD2-1971-BA4E-B89C-49966870A549}" destId="{DE440C10-7EF4-5248-BF4C-815D479A01A6}" srcOrd="5" destOrd="0" presId="urn:microsoft.com/office/officeart/2008/layout/LinedList"/>
     <dgm:cxn modelId="{AAD6D08A-F22D-084F-A15C-C01BE6D232F5}" type="presParOf" srcId="{DE440C10-7EF4-5248-BF4C-815D479A01A6}" destId="{067F7A80-71A7-D349-BC21-9AE3DD200AF1}" srcOrd="0" destOrd="0" presId="urn:microsoft.com/office/officeart/2008/layout/LinedList"/>
     <dgm:cxn modelId="{4E2A9135-8153-5C40-B7F3-58EAC99DB5FF}" type="presParOf" srcId="{DE440C10-7EF4-5248-BF4C-815D479A01A6}" destId="{B1BFA804-ECFA-D043-BAF5-DF81081FD38B}" srcOrd="1" destOrd="0" presId="urn:microsoft.com/office/officeart/2008/layout/LinedList"/>
-    <dgm:cxn modelId="{20D0A2BE-3167-104D-BC95-900819B67656}" type="presParOf" srcId="{2D6CCAD2-1971-BA4E-B89C-49966870A549}" destId="{DAE63272-2482-294B-B7AB-35530FB218D6}" srcOrd="4" destOrd="0" presId="urn:microsoft.com/office/officeart/2008/layout/LinedList"/>
-    <dgm:cxn modelId="{E711E679-1AA7-5541-82E9-40C2205F0889}" type="presParOf" srcId="{2D6CCAD2-1971-BA4E-B89C-49966870A549}" destId="{E47FAA59-6CC8-E44A-A054-3CE87814E100}" srcOrd="5" destOrd="0" presId="urn:microsoft.com/office/officeart/2008/layout/LinedList"/>
+    <dgm:cxn modelId="{20D0A2BE-3167-104D-BC95-900819B67656}" type="presParOf" srcId="{2D6CCAD2-1971-BA4E-B89C-49966870A549}" destId="{DAE63272-2482-294B-B7AB-35530FB218D6}" srcOrd="6" destOrd="0" presId="urn:microsoft.com/office/officeart/2008/layout/LinedList"/>
+    <dgm:cxn modelId="{E711E679-1AA7-5541-82E9-40C2205F0889}" type="presParOf" srcId="{2D6CCAD2-1971-BA4E-B89C-49966870A549}" destId="{E47FAA59-6CC8-E44A-A054-3CE87814E100}" srcOrd="7" destOrd="0" presId="urn:microsoft.com/office/officeart/2008/layout/LinedList"/>
     <dgm:cxn modelId="{85231D4C-2A1C-EE44-A654-9F22908E35B5}" type="presParOf" srcId="{E47FAA59-6CC8-E44A-A054-3CE87814E100}" destId="{FE2076ED-94D3-D24D-8638-F5257A8B4DA1}" srcOrd="0" destOrd="0" presId="urn:microsoft.com/office/officeart/2008/layout/LinedList"/>
     <dgm:cxn modelId="{56FDD540-341B-7B4F-8093-B0CB9540886A}" type="presParOf" srcId="{E47FAA59-6CC8-E44A-A054-3CE87814E100}" destId="{2F7AD664-4E35-A54E-A9A3-4251A35E9FBB}" srcOrd="1" destOrd="0" presId="urn:microsoft.com/office/officeart/2008/layout/LinedList"/>
-    <dgm:cxn modelId="{2BC6C7D2-821E-7242-88FA-5CDFA864836C}" type="presParOf" srcId="{2D6CCAD2-1971-BA4E-B89C-49966870A549}" destId="{F737E4E6-FE7A-1C4E-A8F2-177A34D2000C}" srcOrd="6" destOrd="0" presId="urn:microsoft.com/office/officeart/2008/layout/LinedList"/>
-    <dgm:cxn modelId="{3D88B34D-35F5-5940-81BA-DA3A8A1409E2}" type="presParOf" srcId="{2D6CCAD2-1971-BA4E-B89C-49966870A549}" destId="{AF201DD4-57E3-1048-A76A-1C370CB698C5}" srcOrd="7" destOrd="0" presId="urn:microsoft.com/office/officeart/2008/layout/LinedList"/>
+    <dgm:cxn modelId="{0087D2C7-650A-CB46-B993-C9A591CD6329}" type="presParOf" srcId="{2D6CCAD2-1971-BA4E-B89C-49966870A549}" destId="{4B4C8547-3B28-5C47-A849-A2CE39D20B08}" srcOrd="8" destOrd="0" presId="urn:microsoft.com/office/officeart/2008/layout/LinedList"/>
+    <dgm:cxn modelId="{1DC21090-96B9-2047-9851-323E4013A7F5}" type="presParOf" srcId="{2D6CCAD2-1971-BA4E-B89C-49966870A549}" destId="{1BC1AB8F-91D9-394C-88D3-57CCE2ED8933}" srcOrd="9" destOrd="0" presId="urn:microsoft.com/office/officeart/2008/layout/LinedList"/>
+    <dgm:cxn modelId="{25EF47CC-B9CC-6A40-91AA-F1C2F3D91FB2}" type="presParOf" srcId="{1BC1AB8F-91D9-394C-88D3-57CCE2ED8933}" destId="{40A913BB-5AE5-B948-BDE4-5F41809AC08D}" srcOrd="0" destOrd="0" presId="urn:microsoft.com/office/officeart/2008/layout/LinedList"/>
+    <dgm:cxn modelId="{1B4020E7-D59B-504B-B996-544EFEFF448B}" type="presParOf" srcId="{1BC1AB8F-91D9-394C-88D3-57CCE2ED8933}" destId="{20E9CF2B-F657-5049-92EB-C60D661040CC}" srcOrd="1" destOrd="0" presId="urn:microsoft.com/office/officeart/2008/layout/LinedList"/>
+    <dgm:cxn modelId="{2BC6C7D2-821E-7242-88FA-5CDFA864836C}" type="presParOf" srcId="{2D6CCAD2-1971-BA4E-B89C-49966870A549}" destId="{F737E4E6-FE7A-1C4E-A8F2-177A34D2000C}" srcOrd="10" destOrd="0" presId="urn:microsoft.com/office/officeart/2008/layout/LinedList"/>
+    <dgm:cxn modelId="{3D88B34D-35F5-5940-81BA-DA3A8A1409E2}" type="presParOf" srcId="{2D6CCAD2-1971-BA4E-B89C-49966870A549}" destId="{AF201DD4-57E3-1048-A76A-1C370CB698C5}" srcOrd="11" destOrd="0" presId="urn:microsoft.com/office/officeart/2008/layout/LinedList"/>
     <dgm:cxn modelId="{46728CF2-6CF1-E64E-8B7B-36477F4BEA02}" type="presParOf" srcId="{AF201DD4-57E3-1048-A76A-1C370CB698C5}" destId="{28BFC426-111F-214F-AA40-FC030B67C854}" srcOrd="0" destOrd="0" presId="urn:microsoft.com/office/officeart/2008/layout/LinedList"/>
     <dgm:cxn modelId="{FE6FBAC7-178C-4E47-908D-83A30A3BFFD9}" type="presParOf" srcId="{AF201DD4-57E3-1048-A76A-1C370CB698C5}" destId="{60DEC81D-A905-BD46-9413-073978887C65}" srcOrd="1" destOrd="0" presId="urn:microsoft.com/office/officeart/2008/layout/LinedList"/>
   </dgm:cxnLst>
@@ -13464,7 +13586,15 @@
           </a:pPr>
           <a:r>
             <a:rPr lang="en-US" sz="1200" kern="1200" dirty="0"/>
-            <a:t>View – serves HTML/JS from SD card (or your own StorageManager like littleFs)</a:t>
+            <a:t>View – serves HTML/JS from SD card (or your own StorageManager like </a:t>
+          </a:r>
+          <a:r>
+            <a:rPr lang="en-US" sz="1200" kern="1200" dirty="0" err="1"/>
+            <a:t>littleFs</a:t>
+          </a:r>
+          <a:r>
+            <a:rPr lang="en-US" sz="1200" kern="1200" dirty="0"/>
+            <a:t>)</a:t>
           </a:r>
         </a:p>
       </dsp:txBody>
@@ -15892,7 +16022,7 @@
         </a:bodyPr>
         <a:lstStyle/>
         <a:p>
-          <a:pPr marL="0" lvl="0" indent="0" algn="l" defTabSz="844550">
+          <a:pPr marL="0" lvl="0" indent="0" algn="l" defTabSz="800100">
             <a:lnSpc>
               <a:spcPct val="90000"/>
             </a:lnSpc>
@@ -15905,8 +16035,8 @@
             <a:buNone/>
           </a:pPr>
           <a:r>
-            <a:rPr lang="en-US" sz="1900" kern="1200"/>
-            <a:t>SD card file serving via FatFs using 4-bit SDIO (or SPI)</a:t>
+            <a:rPr lang="en-US" sz="1800" kern="1200" dirty="0"/>
+            <a:t>SD card file serving via FatFs using 4-bit SDIO (or SPI) OR littlefs in flash</a:t>
           </a:r>
         </a:p>
       </dsp:txBody>
@@ -16040,7 +16170,7 @@
         </a:bodyPr>
         <a:lstStyle/>
         <a:p>
-          <a:pPr marL="0" lvl="0" indent="0" algn="l" defTabSz="844550">
+          <a:pPr marL="0" lvl="0" indent="0" algn="l" defTabSz="800100">
             <a:lnSpc>
               <a:spcPct val="90000"/>
             </a:lnSpc>
@@ -16053,8 +16183,8 @@
             <a:buNone/>
           </a:pPr>
           <a:r>
-            <a:rPr lang="en-US" sz="1900" kern="1200"/>
-            <a:t>Upload via multipart/form POST (single file only)</a:t>
+            <a:rPr lang="en-US" sz="1800" kern="1200" dirty="0"/>
+            <a:t>Upload via multipart/form POST (single file only), Http Responses can be directed to storage</a:t>
           </a:r>
         </a:p>
       </dsp:txBody>
@@ -16188,7 +16318,7 @@
         </a:bodyPr>
         <a:lstStyle/>
         <a:p>
-          <a:pPr marL="0" lvl="0" indent="0" algn="l" defTabSz="844550">
+          <a:pPr marL="0" lvl="0" indent="0" algn="l" defTabSz="800100">
             <a:lnSpc>
               <a:spcPct val="90000"/>
             </a:lnSpc>
@@ -16201,7 +16331,7 @@
             <a:buNone/>
           </a:pPr>
           <a:r>
-            <a:rPr lang="en-US" sz="1900" kern="1200"/>
+            <a:rPr lang="en-US" sz="1800" kern="1200"/>
             <a:t>JsonService for config/model persistence</a:t>
           </a:r>
         </a:p>
@@ -16336,7 +16466,7 @@
         </a:bodyPr>
         <a:lstStyle/>
         <a:p>
-          <a:pPr marL="0" lvl="0" indent="0" algn="l" defTabSz="844550">
+          <a:pPr marL="0" lvl="0" indent="0" algn="l" defTabSz="800100">
             <a:lnSpc>
               <a:spcPct val="90000"/>
             </a:lnSpc>
@@ -16349,8 +16479,8 @@
             <a:buNone/>
           </a:pPr>
           <a:r>
-            <a:rPr lang="en-US" sz="1900" kern="1200"/>
-            <a:t>All file logic can be excluded at build time [exclusion being worked on right now]</a:t>
+            <a:rPr lang="en-US" sz="1800" kern="1200" dirty="0"/>
+            <a:t>Abstract StorageManager means no change to the application when swapping between littlefs and FATFs</a:t>
           </a:r>
         </a:p>
       </dsp:txBody>
@@ -16378,7 +16508,7 @@
       </dsp:nvSpPr>
       <dsp:spPr>
         <a:xfrm>
-          <a:off x="0" y="0"/>
+          <a:off x="0" y="2209"/>
           <a:ext cx="8229600" cy="0"/>
         </a:xfrm>
         <a:prstGeom prst="line">
@@ -16427,8 +16557,8 @@
       </dsp:nvSpPr>
       <dsp:spPr>
         <a:xfrm>
-          <a:off x="0" y="0"/>
-          <a:ext cx="8229600" cy="1131490"/>
+          <a:off x="0" y="2209"/>
+          <a:ext cx="8229600" cy="753590"/>
         </a:xfrm>
         <a:prstGeom prst="rect">
           <a:avLst/>
@@ -16452,12 +16582,12 @@
         <a:fontRef idx="minor"/>
       </dsp:style>
       <dsp:txBody>
-        <a:bodyPr spcFirstLastPara="0" vert="horz" wrap="square" lIns="118110" tIns="118110" rIns="118110" bIns="118110" numCol="1" spcCol="1270" anchor="t" anchorCtr="0">
+        <a:bodyPr spcFirstLastPara="0" vert="horz" wrap="square" lIns="121920" tIns="121920" rIns="121920" bIns="121920" numCol="1" spcCol="1270" anchor="t" anchorCtr="0">
           <a:noAutofit/>
         </a:bodyPr>
         <a:lstStyle/>
         <a:p>
-          <a:pPr marL="0" lvl="0" indent="0" algn="l" defTabSz="1377950">
+          <a:pPr marL="0" lvl="0" indent="0" algn="l" defTabSz="1422400">
             <a:lnSpc>
               <a:spcPct val="90000"/>
             </a:lnSpc>
@@ -16470,14 +16600,123 @@
             <a:buNone/>
           </a:pPr>
           <a:r>
-            <a:rPr lang="en-US" sz="3100" kern="1200"/>
-            <a:t>TLS via mbedTLS and altcp (client-side only right now)</a:t>
+            <a:rPr lang="en-US" sz="3200" kern="1200" dirty="0"/>
+            <a:t>TLS via mbedTLS and altcp (client-side only v0.1)</a:t>
           </a:r>
         </a:p>
       </dsp:txBody>
       <dsp:txXfrm>
-        <a:off x="0" y="0"/>
-        <a:ext cx="8229600" cy="1131490"/>
+        <a:off x="0" y="2209"/>
+        <a:ext cx="8229600" cy="753590"/>
+      </dsp:txXfrm>
+    </dsp:sp>
+    <dsp:sp modelId="{0F090D99-1C64-3E4D-BBC0-7A30C27A04F2}">
+      <dsp:nvSpPr>
+        <dsp:cNvPr id="0" name=""/>
+        <dsp:cNvSpPr/>
+      </dsp:nvSpPr>
+      <dsp:spPr>
+        <a:xfrm>
+          <a:off x="0" y="755800"/>
+          <a:ext cx="8229600" cy="0"/>
+        </a:xfrm>
+        <a:prstGeom prst="line">
+          <a:avLst/>
+        </a:prstGeom>
+        <a:solidFill>
+          <a:schemeClr val="accent1">
+            <a:hueOff val="0"/>
+            <a:satOff val="0"/>
+            <a:lumOff val="0"/>
+            <a:alphaOff val="0"/>
+          </a:schemeClr>
+        </a:solidFill>
+        <a:ln w="25400" cap="flat" cmpd="sng" algn="ctr">
+          <a:solidFill>
+            <a:schemeClr val="accent1">
+              <a:hueOff val="0"/>
+              <a:satOff val="0"/>
+              <a:lumOff val="0"/>
+              <a:alphaOff val="0"/>
+            </a:schemeClr>
+          </a:solidFill>
+          <a:prstDash val="solid"/>
+        </a:ln>
+        <a:effectLst/>
+      </dsp:spPr>
+      <dsp:style>
+        <a:lnRef idx="2">
+          <a:scrgbClr r="0" g="0" b="0"/>
+        </a:lnRef>
+        <a:fillRef idx="1">
+          <a:scrgbClr r="0" g="0" b="0"/>
+        </a:fillRef>
+        <a:effectRef idx="0">
+          <a:scrgbClr r="0" g="0" b="0"/>
+        </a:effectRef>
+        <a:fontRef idx="minor">
+          <a:schemeClr val="lt1"/>
+        </a:fontRef>
+      </dsp:style>
+    </dsp:sp>
+    <dsp:sp modelId="{DD5F9D47-6331-1141-9E4B-DAA49C43CEBB}">
+      <dsp:nvSpPr>
+        <dsp:cNvPr id="0" name=""/>
+        <dsp:cNvSpPr/>
+      </dsp:nvSpPr>
+      <dsp:spPr>
+        <a:xfrm>
+          <a:off x="0" y="755800"/>
+          <a:ext cx="8229600" cy="753590"/>
+        </a:xfrm>
+        <a:prstGeom prst="rect">
+          <a:avLst/>
+        </a:prstGeom>
+        <a:noFill/>
+        <a:ln>
+          <a:noFill/>
+        </a:ln>
+        <a:effectLst/>
+      </dsp:spPr>
+      <dsp:style>
+        <a:lnRef idx="0">
+          <a:scrgbClr r="0" g="0" b="0"/>
+        </a:lnRef>
+        <a:fillRef idx="0">
+          <a:scrgbClr r="0" g="0" b="0"/>
+        </a:fillRef>
+        <a:effectRef idx="0">
+          <a:scrgbClr r="0" g="0" b="0"/>
+        </a:effectRef>
+        <a:fontRef idx="minor"/>
+      </dsp:style>
+      <dsp:txBody>
+        <a:bodyPr spcFirstLastPara="0" vert="horz" wrap="square" lIns="121920" tIns="121920" rIns="121920" bIns="121920" numCol="1" spcCol="1270" anchor="t" anchorCtr="0">
+          <a:noAutofit/>
+        </a:bodyPr>
+        <a:lstStyle/>
+        <a:p>
+          <a:pPr marL="0" lvl="0" indent="0" algn="l" defTabSz="1422400">
+            <a:lnSpc>
+              <a:spcPct val="90000"/>
+            </a:lnSpc>
+            <a:spcBef>
+              <a:spcPct val="0"/>
+            </a:spcBef>
+            <a:spcAft>
+              <a:spcPct val="35000"/>
+            </a:spcAft>
+            <a:buNone/>
+          </a:pPr>
+          <a:r>
+            <a:rPr lang="en-US" sz="3200" kern="1200" dirty="0"/>
+            <a:t>TLS certificate verification</a:t>
+          </a:r>
+        </a:p>
+      </dsp:txBody>
+      <dsp:txXfrm>
+        <a:off x="0" y="755800"/>
+        <a:ext cx="8229600" cy="753590"/>
       </dsp:txXfrm>
     </dsp:sp>
     <dsp:sp modelId="{FD351770-D56C-DC48-AFB9-0D762544D788}">
@@ -16487,7 +16726,7 @@
       </dsp:nvSpPr>
       <dsp:spPr>
         <a:xfrm>
-          <a:off x="0" y="1131490"/>
+          <a:off x="0" y="1509390"/>
           <a:ext cx="8229600" cy="0"/>
         </a:xfrm>
         <a:prstGeom prst="line">
@@ -16536,8 +16775,8 @@
       </dsp:nvSpPr>
       <dsp:spPr>
         <a:xfrm>
-          <a:off x="0" y="1131490"/>
-          <a:ext cx="8229600" cy="1131490"/>
+          <a:off x="0" y="1509390"/>
+          <a:ext cx="8229600" cy="753590"/>
         </a:xfrm>
         <a:prstGeom prst="rect">
           <a:avLst/>
@@ -16561,12 +16800,12 @@
         <a:fontRef idx="minor"/>
       </dsp:style>
       <dsp:txBody>
-        <a:bodyPr spcFirstLastPara="0" vert="horz" wrap="square" lIns="118110" tIns="118110" rIns="118110" bIns="118110" numCol="1" spcCol="1270" anchor="t" anchorCtr="0">
+        <a:bodyPr spcFirstLastPara="0" vert="horz" wrap="square" lIns="121920" tIns="121920" rIns="121920" bIns="121920" numCol="1" spcCol="1270" anchor="t" anchorCtr="0">
           <a:noAutofit/>
         </a:bodyPr>
         <a:lstStyle/>
         <a:p>
-          <a:pPr marL="0" lvl="0" indent="0" algn="l" defTabSz="1377950">
+          <a:pPr marL="0" lvl="0" indent="0" algn="l" defTabSz="1422400">
             <a:lnSpc>
               <a:spcPct val="90000"/>
             </a:lnSpc>
@@ -16579,14 +16818,14 @@
             <a:buNone/>
           </a:pPr>
           <a:r>
-            <a:rPr lang="en-US" sz="3100" kern="1200"/>
+            <a:rPr lang="en-US" sz="3200" kern="1200"/>
             <a:t>JWT authentication and middleware</a:t>
           </a:r>
         </a:p>
       </dsp:txBody>
       <dsp:txXfrm>
-        <a:off x="0" y="1131490"/>
-        <a:ext cx="8229600" cy="1131490"/>
+        <a:off x="0" y="1509390"/>
+        <a:ext cx="8229600" cy="753590"/>
       </dsp:txXfrm>
     </dsp:sp>
     <dsp:sp modelId="{DAE63272-2482-294B-B7AB-35530FB218D6}">
@@ -16646,7 +16885,7 @@
       <dsp:spPr>
         <a:xfrm>
           <a:off x="0" y="2262981"/>
-          <a:ext cx="8229600" cy="1131490"/>
+          <a:ext cx="8229600" cy="753590"/>
         </a:xfrm>
         <a:prstGeom prst="rect">
           <a:avLst/>
@@ -16670,12 +16909,12 @@
         <a:fontRef idx="minor"/>
       </dsp:style>
       <dsp:txBody>
-        <a:bodyPr spcFirstLastPara="0" vert="horz" wrap="square" lIns="118110" tIns="118110" rIns="118110" bIns="118110" numCol="1" spcCol="1270" anchor="t" anchorCtr="0">
+        <a:bodyPr spcFirstLastPara="0" vert="horz" wrap="square" lIns="121920" tIns="121920" rIns="121920" bIns="121920" numCol="1" spcCol="1270" anchor="t" anchorCtr="0">
           <a:noAutofit/>
         </a:bodyPr>
         <a:lstStyle/>
         <a:p>
-          <a:pPr marL="0" lvl="0" indent="0" algn="l" defTabSz="1377950">
+          <a:pPr marL="0" lvl="0" indent="0" algn="l" defTabSz="1422400">
             <a:lnSpc>
               <a:spcPct val="90000"/>
             </a:lnSpc>
@@ -16688,14 +16927,123 @@
             <a:buNone/>
           </a:pPr>
           <a:r>
-            <a:rPr lang="en-US" sz="3100" kern="1200"/>
-            <a:t>SD/FatFs file system and upload handling</a:t>
+            <a:rPr lang="en-US" sz="3200" kern="1200" dirty="0"/>
+            <a:t>SD/FatFs file system vs littlefs</a:t>
           </a:r>
         </a:p>
       </dsp:txBody>
       <dsp:txXfrm>
         <a:off x="0" y="2262981"/>
-        <a:ext cx="8229600" cy="1131490"/>
+        <a:ext cx="8229600" cy="753590"/>
+      </dsp:txXfrm>
+    </dsp:sp>
+    <dsp:sp modelId="{4B4C8547-3B28-5C47-A849-A2CE39D20B08}">
+      <dsp:nvSpPr>
+        <dsp:cNvPr id="0" name=""/>
+        <dsp:cNvSpPr/>
+      </dsp:nvSpPr>
+      <dsp:spPr>
+        <a:xfrm>
+          <a:off x="0" y="3016572"/>
+          <a:ext cx="8229600" cy="0"/>
+        </a:xfrm>
+        <a:prstGeom prst="line">
+          <a:avLst/>
+        </a:prstGeom>
+        <a:solidFill>
+          <a:schemeClr val="accent1">
+            <a:hueOff val="0"/>
+            <a:satOff val="0"/>
+            <a:lumOff val="0"/>
+            <a:alphaOff val="0"/>
+          </a:schemeClr>
+        </a:solidFill>
+        <a:ln w="25400" cap="flat" cmpd="sng" algn="ctr">
+          <a:solidFill>
+            <a:schemeClr val="accent1">
+              <a:hueOff val="0"/>
+              <a:satOff val="0"/>
+              <a:lumOff val="0"/>
+              <a:alphaOff val="0"/>
+            </a:schemeClr>
+          </a:solidFill>
+          <a:prstDash val="solid"/>
+        </a:ln>
+        <a:effectLst/>
+      </dsp:spPr>
+      <dsp:style>
+        <a:lnRef idx="2">
+          <a:scrgbClr r="0" g="0" b="0"/>
+        </a:lnRef>
+        <a:fillRef idx="1">
+          <a:scrgbClr r="0" g="0" b="0"/>
+        </a:fillRef>
+        <a:effectRef idx="0">
+          <a:scrgbClr r="0" g="0" b="0"/>
+        </a:effectRef>
+        <a:fontRef idx="minor">
+          <a:schemeClr val="lt1"/>
+        </a:fontRef>
+      </dsp:style>
+    </dsp:sp>
+    <dsp:sp modelId="{40A913BB-5AE5-B948-BDE4-5F41809AC08D}">
+      <dsp:nvSpPr>
+        <dsp:cNvPr id="0" name=""/>
+        <dsp:cNvSpPr/>
+      </dsp:nvSpPr>
+      <dsp:spPr>
+        <a:xfrm>
+          <a:off x="0" y="3016572"/>
+          <a:ext cx="8229600" cy="753590"/>
+        </a:xfrm>
+        <a:prstGeom prst="rect">
+          <a:avLst/>
+        </a:prstGeom>
+        <a:noFill/>
+        <a:ln>
+          <a:noFill/>
+        </a:ln>
+        <a:effectLst/>
+      </dsp:spPr>
+      <dsp:style>
+        <a:lnRef idx="0">
+          <a:scrgbClr r="0" g="0" b="0"/>
+        </a:lnRef>
+        <a:fillRef idx="0">
+          <a:scrgbClr r="0" g="0" b="0"/>
+        </a:fillRef>
+        <a:effectRef idx="0">
+          <a:scrgbClr r="0" g="0" b="0"/>
+        </a:effectRef>
+        <a:fontRef idx="minor"/>
+      </dsp:style>
+      <dsp:txBody>
+        <a:bodyPr spcFirstLastPara="0" vert="horz" wrap="square" lIns="121920" tIns="121920" rIns="121920" bIns="121920" numCol="1" spcCol="1270" anchor="t" anchorCtr="0">
+          <a:noAutofit/>
+        </a:bodyPr>
+        <a:lstStyle/>
+        <a:p>
+          <a:pPr marL="0" lvl="0" indent="0" algn="l" defTabSz="1422400">
+            <a:lnSpc>
+              <a:spcPct val="90000"/>
+            </a:lnSpc>
+            <a:spcBef>
+              <a:spcPct val="0"/>
+            </a:spcBef>
+            <a:spcAft>
+              <a:spcPct val="35000"/>
+            </a:spcAft>
+            <a:buNone/>
+          </a:pPr>
+          <a:r>
+            <a:rPr lang="en-US" sz="3200" kern="1200" dirty="0"/>
+            <a:t>Http Client</a:t>
+          </a:r>
+        </a:p>
+      </dsp:txBody>
+      <dsp:txXfrm>
+        <a:off x="0" y="3016572"/>
+        <a:ext cx="8229600" cy="753590"/>
       </dsp:txXfrm>
     </dsp:sp>
     <dsp:sp modelId="{F737E4E6-FE7A-1C4E-A8F2-177A34D2000C}">
@@ -16705,7 +17053,7 @@
       </dsp:nvSpPr>
       <dsp:spPr>
         <a:xfrm>
-          <a:off x="0" y="3394472"/>
+          <a:off x="0" y="3770162"/>
           <a:ext cx="8229600" cy="0"/>
         </a:xfrm>
         <a:prstGeom prst="line">
@@ -16754,8 +17102,8 @@
       </dsp:nvSpPr>
       <dsp:spPr>
         <a:xfrm>
-          <a:off x="0" y="3394472"/>
-          <a:ext cx="8229600" cy="1131490"/>
+          <a:off x="0" y="3770162"/>
+          <a:ext cx="8229600" cy="753590"/>
         </a:xfrm>
         <a:prstGeom prst="rect">
           <a:avLst/>
@@ -16779,12 +17127,12 @@
         <a:fontRef idx="minor"/>
       </dsp:style>
       <dsp:txBody>
-        <a:bodyPr spcFirstLastPara="0" vert="horz" wrap="square" lIns="118110" tIns="118110" rIns="118110" bIns="118110" numCol="1" spcCol="1270" anchor="t" anchorCtr="0">
+        <a:bodyPr spcFirstLastPara="0" vert="horz" wrap="square" lIns="121920" tIns="121920" rIns="121920" bIns="121920" numCol="1" spcCol="1270" anchor="t" anchorCtr="0">
           <a:noAutofit/>
         </a:bodyPr>
         <a:lstStyle/>
         <a:p>
-          <a:pPr marL="0" lvl="0" indent="0" algn="l" defTabSz="1377950">
+          <a:pPr marL="0" lvl="0" indent="0" algn="l" defTabSz="1422400">
             <a:lnSpc>
               <a:spcPct val="90000"/>
             </a:lnSpc>
@@ -16797,14 +17145,14 @@
             <a:buNone/>
           </a:pPr>
           <a:r>
-            <a:rPr lang="en-US" sz="3100" kern="1200"/>
+            <a:rPr lang="en-US" sz="3200" kern="1200" dirty="0"/>
             <a:t>Enable/disable via CMake options</a:t>
           </a:r>
         </a:p>
       </dsp:txBody>
       <dsp:txXfrm>
-        <a:off x="0" y="3394472"/>
-        <a:ext cx="8229600" cy="1131490"/>
+        <a:off x="0" y="3770162"/>
+        <a:ext cx="8229600" cy="753590"/>
       </dsp:txXfrm>
     </dsp:sp>
   </dsp:spTree>
@@ -30579,7 +30927,7 @@
           <a:p>
             <a:fld id="{D87773F3-F1D7-DC46-A1D8-DB5A93535462}" type="datetimeFigureOut">
               <a:rPr lang="en-US" smtClean="0"/>
-              <a:t>4/10/25</a:t>
+              <a:t>4/24/25</a:t>
             </a:fld>
             <a:endParaRPr lang="en-US"/>
           </a:p>
@@ -31109,7 +31457,7 @@
           <a:p>
             <a:fld id="{5BCAD085-E8A6-8845-BD4E-CB4CCA059FC4}" type="datetimeFigureOut">
               <a:rPr lang="en-US" smtClean="0"/>
-              <a:t>4/10/25</a:t>
+              <a:t>4/24/25</a:t>
             </a:fld>
             <a:endParaRPr lang="en-US"/>
           </a:p>
@@ -31277,7 +31625,7 @@
           <a:p>
             <a:fld id="{5BCAD085-E8A6-8845-BD4E-CB4CCA059FC4}" type="datetimeFigureOut">
               <a:rPr lang="en-US" smtClean="0"/>
-              <a:t>4/10/25</a:t>
+              <a:t>4/24/25</a:t>
             </a:fld>
             <a:endParaRPr lang="en-US"/>
           </a:p>
@@ -31455,7 +31803,7 @@
           <a:p>
             <a:fld id="{5BCAD085-E8A6-8845-BD4E-CB4CCA059FC4}" type="datetimeFigureOut">
               <a:rPr lang="en-US" smtClean="0"/>
-              <a:t>4/10/25</a:t>
+              <a:t>4/24/25</a:t>
             </a:fld>
             <a:endParaRPr lang="en-US"/>
           </a:p>
@@ -31623,7 +31971,7 @@
           <a:p>
             <a:fld id="{5BCAD085-E8A6-8845-BD4E-CB4CCA059FC4}" type="datetimeFigureOut">
               <a:rPr lang="en-US" smtClean="0"/>
-              <a:t>4/10/25</a:t>
+              <a:t>4/24/25</a:t>
             </a:fld>
             <a:endParaRPr lang="en-US"/>
           </a:p>
@@ -31868,7 +32216,7 @@
           <a:p>
             <a:fld id="{5BCAD085-E8A6-8845-BD4E-CB4CCA059FC4}" type="datetimeFigureOut">
               <a:rPr lang="en-US" smtClean="0"/>
-              <a:t>4/10/25</a:t>
+              <a:t>4/24/25</a:t>
             </a:fld>
             <a:endParaRPr lang="en-US"/>
           </a:p>
@@ -32153,7 +32501,7 @@
           <a:p>
             <a:fld id="{5BCAD085-E8A6-8845-BD4E-CB4CCA059FC4}" type="datetimeFigureOut">
               <a:rPr lang="en-US" smtClean="0"/>
-              <a:t>4/10/25</a:t>
+              <a:t>4/24/25</a:t>
             </a:fld>
             <a:endParaRPr lang="en-US"/>
           </a:p>
@@ -32572,7 +32920,7 @@
           <a:p>
             <a:fld id="{5BCAD085-E8A6-8845-BD4E-CB4CCA059FC4}" type="datetimeFigureOut">
               <a:rPr lang="en-US" smtClean="0"/>
-              <a:t>4/10/25</a:t>
+              <a:t>4/24/25</a:t>
             </a:fld>
             <a:endParaRPr lang="en-US"/>
           </a:p>
@@ -32689,7 +33037,7 @@
           <a:p>
             <a:fld id="{5BCAD085-E8A6-8845-BD4E-CB4CCA059FC4}" type="datetimeFigureOut">
               <a:rPr lang="en-US" smtClean="0"/>
-              <a:t>4/10/25</a:t>
+              <a:t>4/24/25</a:t>
             </a:fld>
             <a:endParaRPr lang="en-US"/>
           </a:p>
@@ -32784,7 +33132,7 @@
           <a:p>
             <a:fld id="{5BCAD085-E8A6-8845-BD4E-CB4CCA059FC4}" type="datetimeFigureOut">
               <a:rPr lang="en-US" smtClean="0"/>
-              <a:t>4/10/25</a:t>
+              <a:t>4/24/25</a:t>
             </a:fld>
             <a:endParaRPr lang="en-US"/>
           </a:p>
@@ -33059,7 +33407,7 @@
           <a:p>
             <a:fld id="{5BCAD085-E8A6-8845-BD4E-CB4CCA059FC4}" type="datetimeFigureOut">
               <a:rPr lang="en-US" smtClean="0"/>
-              <a:t>4/10/25</a:t>
+              <a:t>4/24/25</a:t>
             </a:fld>
             <a:endParaRPr lang="en-US"/>
           </a:p>
@@ -33311,7 +33659,7 @@
           <a:p>
             <a:fld id="{5BCAD085-E8A6-8845-BD4E-CB4CCA059FC4}" type="datetimeFigureOut">
               <a:rPr lang="en-US" smtClean="0"/>
-              <a:t>4/10/25</a:t>
+              <a:t>4/24/25</a:t>
             </a:fld>
             <a:endParaRPr lang="en-US"/>
           </a:p>
@@ -33522,7 +33870,7 @@
           <a:p>
             <a:fld id="{5BCAD085-E8A6-8845-BD4E-CB4CCA059FC4}" type="datetimeFigureOut">
               <a:rPr lang="en-US" smtClean="0"/>
-              <a:t>4/10/25</a:t>
+              <a:t>4/24/25</a:t>
             </a:fld>
             <a:endParaRPr lang="en-US"/>
           </a:p>
@@ -34518,7 +34866,7 @@
               </a:lnSpc>
             </a:pPr>
             <a:r>
-              <a:rPr lang="en-US" sz="4200" kern="1200">
+              <a:rPr lang="en-US" sz="4200" kern="1200" dirty="0">
                 <a:solidFill>
                   <a:srgbClr val="FFFFFF"/>
                 </a:solidFill>
@@ -35216,1098 +35564,6 @@
       </p:grpSpPr>
       <p:sp useBgFill="1">
         <p:nvSpPr>
-          <p:cNvPr id="13" name="Rectangle 12">
-            <a:extLst>
-              <a:ext uri="{FF2B5EF4-FFF2-40B4-BE49-F238E27FC236}">
-                <a16:creationId xmlns:a16="http://schemas.microsoft.com/office/drawing/2014/main" id="{09588DA8-065E-4F6F-8EFD-43104AB2E0CF}"/>
-              </a:ext>
-              <a:ext uri="{C183D7F6-B498-43B3-948B-1728B52AA6E4}">
-                <adec:decorative xmlns:adec="http://schemas.microsoft.com/office/drawing/2017/decorative" val="1"/>
-              </a:ext>
-            </a:extLst>
-          </p:cNvPr>
-          <p:cNvSpPr>
-            <a:spLocks noGrp="1" noRot="1" noChangeAspect="1" noMove="1" noResize="1" noEditPoints="1" noAdjustHandles="1" noChangeArrowheads="1" noChangeShapeType="1" noTextEdit="1"/>
-          </p:cNvSpPr>
-          <p:nvPr>
-            <p:extLst>
-              <p:ext uri="{386F3935-93C4-4BCD-93E2-E3B085C9AB24}">
-                <p16:designElem xmlns:p16="http://schemas.microsoft.com/office/powerpoint/2015/main" val="1"/>
-              </p:ext>
-            </p:extLst>
-          </p:nvPr>
-        </p:nvSpPr>
-        <p:spPr>
-          <a:xfrm>
-            <a:off x="0" y="0"/>
-            <a:ext cx="9144000" cy="6858000"/>
-          </a:xfrm>
-          <a:prstGeom prst="rect">
-            <a:avLst/>
-          </a:prstGeom>
-          <a:ln w="12700" cap="flat" cmpd="sng" algn="ctr">
-            <a:noFill/>
-            <a:prstDash val="solid"/>
-            <a:miter lim="800000"/>
-          </a:ln>
-          <a:effectLst/>
-          <a:extLst>
-            <a:ext uri="{91240B29-F687-4F45-9708-019B960494DF}">
-              <a14:hiddenLine xmlns:a14="http://schemas.microsoft.com/office/drawing/2010/main" w="12700" cap="flat" cmpd="sng" algn="ctr">
-                <a:solidFill>
-                  <a:schemeClr val="accent1">
-                    <a:shade val="50000"/>
-                  </a:schemeClr>
-                </a:solidFill>
-                <a:prstDash val="solid"/>
-                <a:miter lim="800000"/>
-              </a14:hiddenLine>
-            </a:ext>
-          </a:extLst>
-        </p:spPr>
-        <p:style>
-          <a:lnRef idx="2">
-            <a:schemeClr val="accent1">
-              <a:shade val="50000"/>
-            </a:schemeClr>
-          </a:lnRef>
-          <a:fillRef idx="1">
-            <a:schemeClr val="accent1"/>
-          </a:fillRef>
-          <a:effectRef idx="0">
-            <a:schemeClr val="accent1"/>
-          </a:effectRef>
-          <a:fontRef idx="minor">
-            <a:schemeClr val="lt1"/>
-          </a:fontRef>
-        </p:style>
-        <p:txBody>
-          <a:bodyPr rtlCol="0" anchor="ctr"/>
-          <a:lstStyle/>
-          <a:p>
-            <a:pPr algn="ctr"/>
-            <a:endParaRPr lang="en-US"/>
-          </a:p>
-        </p:txBody>
-      </p:sp>
-      <p:sp useBgFill="1">
-        <p:nvSpPr>
-          <p:cNvPr id="15" name="Rectangle 14">
-            <a:extLst>
-              <a:ext uri="{FF2B5EF4-FFF2-40B4-BE49-F238E27FC236}">
-                <a16:creationId xmlns:a16="http://schemas.microsoft.com/office/drawing/2014/main" id="{C4285719-470E-454C-AF62-8323075F1F5B}"/>
-              </a:ext>
-              <a:ext uri="{C183D7F6-B498-43B3-948B-1728B52AA6E4}">
-                <adec:decorative xmlns:adec="http://schemas.microsoft.com/office/drawing/2017/decorative" val="1"/>
-              </a:ext>
-            </a:extLst>
-          </p:cNvPr>
-          <p:cNvSpPr>
-            <a:spLocks noGrp="1" noRot="1" noChangeAspect="1" noMove="1" noResize="1" noEditPoints="1" noAdjustHandles="1" noChangeArrowheads="1" noChangeShapeType="1" noTextEdit="1"/>
-          </p:cNvSpPr>
-          <p:nvPr>
-            <p:extLst>
-              <p:ext uri="{386F3935-93C4-4BCD-93E2-E3B085C9AB24}">
-                <p16:designElem xmlns:p16="http://schemas.microsoft.com/office/powerpoint/2015/main" val="1"/>
-              </p:ext>
-            </p:extLst>
-          </p:nvPr>
-        </p:nvSpPr>
-        <p:spPr>
-          <a:xfrm>
-            <a:off x="0" y="0"/>
-            <a:ext cx="9141714" cy="6858000"/>
-          </a:xfrm>
-          <a:prstGeom prst="rect">
-            <a:avLst/>
-          </a:prstGeom>
-          <a:ln w="12700" cap="flat" cmpd="sng" algn="ctr">
-            <a:noFill/>
-            <a:prstDash val="solid"/>
-            <a:miter lim="800000"/>
-          </a:ln>
-          <a:effectLst/>
-          <a:extLst>
-            <a:ext uri="{91240B29-F687-4F45-9708-019B960494DF}">
-              <a14:hiddenLine xmlns:a14="http://schemas.microsoft.com/office/drawing/2010/main" w="12700" cap="flat" cmpd="sng" algn="ctr">
-                <a:solidFill>
-                  <a:schemeClr val="accent1">
-                    <a:shade val="50000"/>
-                  </a:schemeClr>
-                </a:solidFill>
-                <a:prstDash val="solid"/>
-                <a:miter lim="800000"/>
-              </a14:hiddenLine>
-            </a:ext>
-          </a:extLst>
-        </p:spPr>
-        <p:style>
-          <a:lnRef idx="2">
-            <a:schemeClr val="accent1">
-              <a:shade val="50000"/>
-            </a:schemeClr>
-          </a:lnRef>
-          <a:fillRef idx="1">
-            <a:schemeClr val="accent1"/>
-          </a:fillRef>
-          <a:effectRef idx="0">
-            <a:schemeClr val="accent1"/>
-          </a:effectRef>
-          <a:fontRef idx="minor">
-            <a:schemeClr val="lt1"/>
-          </a:fontRef>
-        </p:style>
-        <p:txBody>
-          <a:bodyPr rtlCol="0" anchor="ctr"/>
-          <a:lstStyle/>
-          <a:p>
-            <a:pPr algn="ctr"/>
-            <a:endParaRPr lang="en-US"/>
-          </a:p>
-        </p:txBody>
-      </p:sp>
-      <p:sp>
-        <p:nvSpPr>
-          <p:cNvPr id="12" name="Rectangle 11">
-            <a:extLst>
-              <a:ext uri="{FF2B5EF4-FFF2-40B4-BE49-F238E27FC236}">
-                <a16:creationId xmlns:a16="http://schemas.microsoft.com/office/drawing/2014/main" id="{CD9FE4EF-C4D8-49A0-B2FF-81D8DB7D8A24}"/>
-              </a:ext>
-              <a:ext uri="{C183D7F6-B498-43B3-948B-1728B52AA6E4}">
-                <adec:decorative xmlns:adec="http://schemas.microsoft.com/office/drawing/2017/decorative" val="1"/>
-              </a:ext>
-            </a:extLst>
-          </p:cNvPr>
-          <p:cNvSpPr>
-            <a:spLocks noGrp="1" noRot="1" noChangeAspect="1" noMove="1" noResize="1" noEditPoints="1" noAdjustHandles="1" noChangeArrowheads="1" noChangeShapeType="1" noTextEdit="1"/>
-          </p:cNvSpPr>
-          <p:nvPr>
-            <p:extLst>
-              <p:ext uri="{386F3935-93C4-4BCD-93E2-E3B085C9AB24}">
-                <p16:designElem xmlns:p16="http://schemas.microsoft.com/office/powerpoint/2015/main" val="1"/>
-              </p:ext>
-            </p:extLst>
-          </p:nvPr>
-        </p:nvSpPr>
-        <p:spPr>
-          <a:xfrm rot="5400000" flipH="1">
-            <a:off x="-1914813" y="1914812"/>
-            <a:ext cx="6858000" cy="3028377"/>
-          </a:xfrm>
-          <a:prstGeom prst="rect">
-            <a:avLst/>
-          </a:prstGeom>
-          <a:gradFill>
-            <a:gsLst>
-              <a:gs pos="8000">
-                <a:srgbClr val="000000"/>
-              </a:gs>
-              <a:gs pos="100000">
-                <a:schemeClr val="accent1">
-                  <a:lumMod val="75000"/>
-                </a:schemeClr>
-              </a:gs>
-            </a:gsLst>
-            <a:lin ang="3000000" scaled="0"/>
-          </a:gradFill>
-          <a:ln>
-            <a:noFill/>
-          </a:ln>
-        </p:spPr>
-        <p:style>
-          <a:lnRef idx="2">
-            <a:schemeClr val="accent1">
-              <a:shade val="50000"/>
-            </a:schemeClr>
-          </a:lnRef>
-          <a:fillRef idx="1">
-            <a:schemeClr val="accent1"/>
-          </a:fillRef>
-          <a:effectRef idx="0">
-            <a:schemeClr val="accent1"/>
-          </a:effectRef>
-          <a:fontRef idx="minor">
-            <a:schemeClr val="lt1"/>
-          </a:fontRef>
-        </p:style>
-        <p:txBody>
-          <a:bodyPr rtlCol="0" anchor="ctr"/>
-          <a:lstStyle/>
-          <a:p>
-            <a:pPr algn="ctr"/>
-            <a:endParaRPr lang="en-US"/>
-          </a:p>
-        </p:txBody>
-      </p:sp>
-      <p:sp>
-        <p:nvSpPr>
-          <p:cNvPr id="14" name="Rectangle 13">
-            <a:extLst>
-              <a:ext uri="{FF2B5EF4-FFF2-40B4-BE49-F238E27FC236}">
-                <a16:creationId xmlns:a16="http://schemas.microsoft.com/office/drawing/2014/main" id="{4300840D-0A0B-4512-BACA-B439D5B9C57C}"/>
-              </a:ext>
-              <a:ext uri="{C183D7F6-B498-43B3-948B-1728B52AA6E4}">
-                <adec:decorative xmlns:adec="http://schemas.microsoft.com/office/drawing/2017/decorative" val="1"/>
-              </a:ext>
-            </a:extLst>
-          </p:cNvPr>
-          <p:cNvSpPr>
-            <a:spLocks noGrp="1" noRot="1" noChangeAspect="1" noMove="1" noResize="1" noEditPoints="1" noAdjustHandles="1" noChangeArrowheads="1" noChangeShapeType="1" noTextEdit="1"/>
-          </p:cNvSpPr>
-          <p:nvPr>
-            <p:extLst>
-              <p:ext uri="{386F3935-93C4-4BCD-93E2-E3B085C9AB24}">
-                <p16:designElem xmlns:p16="http://schemas.microsoft.com/office/powerpoint/2015/main" val="1"/>
-              </p:ext>
-            </p:extLst>
-          </p:nvPr>
-        </p:nvSpPr>
-        <p:spPr>
-          <a:xfrm rot="5400000" flipH="1">
-            <a:off x="-1914814" y="1924949"/>
-            <a:ext cx="6857999" cy="3028379"/>
-          </a:xfrm>
-          <a:prstGeom prst="rect">
-            <a:avLst/>
-          </a:prstGeom>
-          <a:gradFill>
-            <a:gsLst>
-              <a:gs pos="0">
-                <a:srgbClr val="000000">
-                  <a:alpha val="0"/>
-                </a:srgbClr>
-              </a:gs>
-              <a:gs pos="99000">
-                <a:schemeClr val="accent1">
-                  <a:alpha val="46000"/>
-                </a:schemeClr>
-              </a:gs>
-            </a:gsLst>
-            <a:lin ang="1800000" scaled="0"/>
-          </a:gradFill>
-          <a:ln>
-            <a:noFill/>
-          </a:ln>
-        </p:spPr>
-        <p:style>
-          <a:lnRef idx="2">
-            <a:schemeClr val="accent1">
-              <a:shade val="50000"/>
-            </a:schemeClr>
-          </a:lnRef>
-          <a:fillRef idx="1">
-            <a:schemeClr val="accent1"/>
-          </a:fillRef>
-          <a:effectRef idx="0">
-            <a:schemeClr val="accent1"/>
-          </a:effectRef>
-          <a:fontRef idx="minor">
-            <a:schemeClr val="lt1"/>
-          </a:fontRef>
-        </p:style>
-        <p:txBody>
-          <a:bodyPr rtlCol="0" anchor="ctr"/>
-          <a:lstStyle/>
-          <a:p>
-            <a:pPr algn="ctr"/>
-            <a:endParaRPr lang="en-US"/>
-          </a:p>
-        </p:txBody>
-      </p:sp>
-      <p:sp>
-        <p:nvSpPr>
-          <p:cNvPr id="16" name="Rectangle 15">
-            <a:extLst>
-              <a:ext uri="{FF2B5EF4-FFF2-40B4-BE49-F238E27FC236}">
-                <a16:creationId xmlns:a16="http://schemas.microsoft.com/office/drawing/2014/main" id="{D2B78728-A580-49A7-84F9-6EF6F583ADE0}"/>
-              </a:ext>
-              <a:ext uri="{C183D7F6-B498-43B3-948B-1728B52AA6E4}">
-                <adec:decorative xmlns:adec="http://schemas.microsoft.com/office/drawing/2017/decorative" val="1"/>
-              </a:ext>
-            </a:extLst>
-          </p:cNvPr>
-          <p:cNvSpPr>
-            <a:spLocks noGrp="1" noRot="1" noChangeAspect="1" noMove="1" noResize="1" noEditPoints="1" noAdjustHandles="1" noChangeArrowheads="1" noChangeShapeType="1" noTextEdit="1"/>
-          </p:cNvSpPr>
-          <p:nvPr>
-            <p:extLst>
-              <p:ext uri="{386F3935-93C4-4BCD-93E2-E3B085C9AB24}">
-                <p16:designElem xmlns:p16="http://schemas.microsoft.com/office/powerpoint/2015/main" val="1"/>
-              </p:ext>
-            </p:extLst>
-          </p:nvPr>
-        </p:nvSpPr>
-        <p:spPr>
-          <a:xfrm rot="5400000" flipH="1">
-            <a:off x="263195" y="4092815"/>
-            <a:ext cx="2501979" cy="3028381"/>
-          </a:xfrm>
-          <a:prstGeom prst="rect">
-            <a:avLst/>
-          </a:prstGeom>
-          <a:gradFill>
-            <a:gsLst>
-              <a:gs pos="2000">
-                <a:schemeClr val="accent1">
-                  <a:alpha val="29000"/>
-                </a:schemeClr>
-              </a:gs>
-              <a:gs pos="100000">
-                <a:srgbClr val="000000">
-                  <a:alpha val="30000"/>
-                </a:srgbClr>
-              </a:gs>
-            </a:gsLst>
-            <a:lin ang="7800000" scaled="0"/>
-          </a:gradFill>
-          <a:ln>
-            <a:noFill/>
-          </a:ln>
-        </p:spPr>
-        <p:style>
-          <a:lnRef idx="2">
-            <a:schemeClr val="accent1">
-              <a:shade val="50000"/>
-            </a:schemeClr>
-          </a:lnRef>
-          <a:fillRef idx="1">
-            <a:schemeClr val="accent1"/>
-          </a:fillRef>
-          <a:effectRef idx="0">
-            <a:schemeClr val="accent1"/>
-          </a:effectRef>
-          <a:fontRef idx="minor">
-            <a:schemeClr val="lt1"/>
-          </a:fontRef>
-        </p:style>
-        <p:txBody>
-          <a:bodyPr rtlCol="0" anchor="ctr"/>
-          <a:lstStyle/>
-          <a:p>
-            <a:pPr algn="ctr"/>
-            <a:endParaRPr lang="en-US" dirty="0"/>
-          </a:p>
-        </p:txBody>
-      </p:sp>
-      <p:sp>
-        <p:nvSpPr>
-          <p:cNvPr id="18" name="Freeform: Shape 17">
-            <a:extLst>
-              <a:ext uri="{FF2B5EF4-FFF2-40B4-BE49-F238E27FC236}">
-                <a16:creationId xmlns:a16="http://schemas.microsoft.com/office/drawing/2014/main" id="{38FAA1A1-D861-433F-88FA-1E9D6FD31D11}"/>
-              </a:ext>
-              <a:ext uri="{C183D7F6-B498-43B3-948B-1728B52AA6E4}">
-                <adec:decorative xmlns:adec="http://schemas.microsoft.com/office/drawing/2017/decorative" val="1"/>
-              </a:ext>
-            </a:extLst>
-          </p:cNvPr>
-          <p:cNvSpPr>
-            <a:spLocks noGrp="1" noRot="1" noChangeAspect="1" noMove="1" noResize="1" noEditPoints="1" noAdjustHandles="1" noChangeArrowheads="1" noChangeShapeType="1" noTextEdit="1"/>
-          </p:cNvSpPr>
-          <p:nvPr>
-            <p:extLst>
-              <p:ext uri="{386F3935-93C4-4BCD-93E2-E3B085C9AB24}">
-                <p16:designElem xmlns:p16="http://schemas.microsoft.com/office/powerpoint/2015/main" val="1"/>
-              </p:ext>
-            </p:extLst>
-          </p:nvPr>
-        </p:nvSpPr>
-        <p:spPr>
-          <a:xfrm rot="20635413">
-            <a:off x="-376302" y="969718"/>
-            <a:ext cx="2925267" cy="4178958"/>
-          </a:xfrm>
-          <a:custGeom>
-            <a:avLst/>
-            <a:gdLst>
-              <a:gd name="connsiteX0" fmla="*/ 2432225 w 3900357"/>
-              <a:gd name="connsiteY0" fmla="*/ 93939 h 4178958"/>
-              <a:gd name="connsiteX1" fmla="*/ 3900357 w 3900357"/>
-              <a:gd name="connsiteY1" fmla="*/ 2089479 h 4178958"/>
-              <a:gd name="connsiteX2" fmla="*/ 1810878 w 3900357"/>
-              <a:gd name="connsiteY2" fmla="*/ 4178958 h 4178958"/>
-              <a:gd name="connsiteX3" fmla="*/ 78249 w 3900357"/>
-              <a:gd name="connsiteY3" fmla="*/ 3257727 h 4178958"/>
-              <a:gd name="connsiteX4" fmla="*/ 0 w 3900357"/>
-              <a:gd name="connsiteY4" fmla="*/ 3128923 h 4178958"/>
-              <a:gd name="connsiteX5" fmla="*/ 831324 w 3900357"/>
-              <a:gd name="connsiteY5" fmla="*/ 244281 h 4178958"/>
-              <a:gd name="connsiteX6" fmla="*/ 997559 w 3900357"/>
-              <a:gd name="connsiteY6" fmla="*/ 164202 h 4178958"/>
-              <a:gd name="connsiteX7" fmla="*/ 1810878 w 3900357"/>
-              <a:gd name="connsiteY7" fmla="*/ 0 h 4178958"/>
-              <a:gd name="connsiteX8" fmla="*/ 2432225 w 3900357"/>
-              <a:gd name="connsiteY8" fmla="*/ 93939 h 4178958"/>
-            </a:gdLst>
-            <a:ahLst/>
-            <a:cxnLst>
-              <a:cxn ang="0">
-                <a:pos x="connsiteX0" y="connsiteY0"/>
-              </a:cxn>
-              <a:cxn ang="0">
-                <a:pos x="connsiteX1" y="connsiteY1"/>
-              </a:cxn>
-              <a:cxn ang="0">
-                <a:pos x="connsiteX2" y="connsiteY2"/>
-              </a:cxn>
-              <a:cxn ang="0">
-                <a:pos x="connsiteX3" y="connsiteY3"/>
-              </a:cxn>
-              <a:cxn ang="0">
-                <a:pos x="connsiteX4" y="connsiteY4"/>
-              </a:cxn>
-              <a:cxn ang="0">
-                <a:pos x="connsiteX5" y="connsiteY5"/>
-              </a:cxn>
-              <a:cxn ang="0">
-                <a:pos x="connsiteX6" y="connsiteY6"/>
-              </a:cxn>
-              <a:cxn ang="0">
-                <a:pos x="connsiteX7" y="connsiteY7"/>
-              </a:cxn>
-              <a:cxn ang="0">
-                <a:pos x="connsiteX8" y="connsiteY8"/>
-              </a:cxn>
-            </a:cxnLst>
-            <a:rect l="l" t="t" r="r" b="b"/>
-            <a:pathLst>
-              <a:path w="3900357" h="4178958">
-                <a:moveTo>
-                  <a:pt x="2432225" y="93939"/>
-                </a:moveTo>
-                <a:cubicBezTo>
-                  <a:pt x="3282786" y="358491"/>
-                  <a:pt x="3900357" y="1151865"/>
-                  <a:pt x="3900357" y="2089479"/>
-                </a:cubicBezTo>
-                <a:cubicBezTo>
-                  <a:pt x="3900357" y="3243466"/>
-                  <a:pt x="2964865" y="4178958"/>
-                  <a:pt x="1810878" y="4178958"/>
-                </a:cubicBezTo>
-                <a:cubicBezTo>
-                  <a:pt x="1089636" y="4178958"/>
-                  <a:pt x="453744" y="3813531"/>
-                  <a:pt x="78249" y="3257727"/>
-                </a:cubicBezTo>
-                <a:lnTo>
-                  <a:pt x="0" y="3128923"/>
-                </a:lnTo>
-                <a:lnTo>
-                  <a:pt x="831324" y="244281"/>
-                </a:lnTo>
-                <a:lnTo>
-                  <a:pt x="997559" y="164202"/>
-                </a:lnTo>
-                <a:cubicBezTo>
-                  <a:pt x="1247540" y="58468"/>
-                  <a:pt x="1522381" y="0"/>
-                  <a:pt x="1810878" y="0"/>
-                </a:cubicBezTo>
-                <a:cubicBezTo>
-                  <a:pt x="2027251" y="0"/>
-                  <a:pt x="2235942" y="32888"/>
-                  <a:pt x="2432225" y="93939"/>
-                </a:cubicBezTo>
-                <a:close/>
-              </a:path>
-            </a:pathLst>
-          </a:custGeom>
-          <a:gradFill>
-            <a:gsLst>
-              <a:gs pos="29000">
-                <a:srgbClr val="000000">
-                  <a:alpha val="0"/>
-                </a:srgbClr>
-              </a:gs>
-              <a:gs pos="100000">
-                <a:schemeClr val="accent1">
-                  <a:alpha val="43000"/>
-                </a:schemeClr>
-              </a:gs>
-            </a:gsLst>
-            <a:lin ang="1800000" scaled="0"/>
-          </a:gradFill>
-          <a:ln>
-            <a:noFill/>
-          </a:ln>
-        </p:spPr>
-        <p:style>
-          <a:lnRef idx="2">
-            <a:schemeClr val="accent1">
-              <a:shade val="50000"/>
-            </a:schemeClr>
-          </a:lnRef>
-          <a:fillRef idx="1">
-            <a:schemeClr val="accent1"/>
-          </a:fillRef>
-          <a:effectRef idx="0">
-            <a:schemeClr val="accent1"/>
-          </a:effectRef>
-          <a:fontRef idx="minor">
-            <a:schemeClr val="lt1"/>
-          </a:fontRef>
-        </p:style>
-        <p:txBody>
-          <a:bodyPr wrap="square" rtlCol="0" anchor="ctr">
-            <a:noAutofit/>
-          </a:bodyPr>
-          <a:lstStyle/>
-          <a:p>
-            <a:pPr algn="ctr"/>
-            <a:endParaRPr lang="en-US" dirty="0"/>
-          </a:p>
-        </p:txBody>
-      </p:sp>
-      <p:sp>
-        <p:nvSpPr>
-          <p:cNvPr id="20" name="Rectangle 19">
-            <a:extLst>
-              <a:ext uri="{FF2B5EF4-FFF2-40B4-BE49-F238E27FC236}">
-                <a16:creationId xmlns:a16="http://schemas.microsoft.com/office/drawing/2014/main" id="{8D71EDA1-87BF-4D5D-AB79-F346FD19278A}"/>
-              </a:ext>
-              <a:ext uri="{C183D7F6-B498-43B3-948B-1728B52AA6E4}">
-                <adec:decorative xmlns:adec="http://schemas.microsoft.com/office/drawing/2017/decorative" val="1"/>
-              </a:ext>
-            </a:extLst>
-          </p:cNvPr>
-          <p:cNvSpPr>
-            <a:spLocks noGrp="1" noRot="1" noChangeAspect="1" noMove="1" noResize="1" noEditPoints="1" noAdjustHandles="1" noChangeArrowheads="1" noChangeShapeType="1" noTextEdit="1"/>
-          </p:cNvSpPr>
-          <p:nvPr>
-            <p:extLst>
-              <p:ext uri="{386F3935-93C4-4BCD-93E2-E3B085C9AB24}">
-                <p16:designElem xmlns:p16="http://schemas.microsoft.com/office/powerpoint/2015/main" val="1"/>
-              </p:ext>
-            </p:extLst>
-          </p:nvPr>
-        </p:nvSpPr>
-        <p:spPr>
-          <a:xfrm rot="5400000" flipH="1">
-            <a:off x="-1914820" y="1904672"/>
-            <a:ext cx="6858003" cy="3028376"/>
-          </a:xfrm>
-          <a:prstGeom prst="rect">
-            <a:avLst/>
-          </a:prstGeom>
-          <a:gradFill>
-            <a:gsLst>
-              <a:gs pos="0">
-                <a:srgbClr val="000000">
-                  <a:alpha val="0"/>
-                </a:srgbClr>
-              </a:gs>
-              <a:gs pos="99000">
-                <a:schemeClr val="accent1">
-                  <a:lumMod val="60000"/>
-                  <a:lumOff val="40000"/>
-                  <a:alpha val="11000"/>
-                </a:schemeClr>
-              </a:gs>
-            </a:gsLst>
-            <a:lin ang="7200000" scaled="0"/>
-          </a:gradFill>
-          <a:ln>
-            <a:noFill/>
-          </a:ln>
-        </p:spPr>
-        <p:style>
-          <a:lnRef idx="2">
-            <a:schemeClr val="accent1">
-              <a:shade val="50000"/>
-            </a:schemeClr>
-          </a:lnRef>
-          <a:fillRef idx="1">
-            <a:schemeClr val="accent1"/>
-          </a:fillRef>
-          <a:effectRef idx="0">
-            <a:schemeClr val="accent1"/>
-          </a:effectRef>
-          <a:fontRef idx="minor">
-            <a:schemeClr val="lt1"/>
-          </a:fontRef>
-        </p:style>
-        <p:txBody>
-          <a:bodyPr rtlCol="0" anchor="ctr"/>
-          <a:lstStyle/>
-          <a:p>
-            <a:pPr algn="ctr"/>
-            <a:endParaRPr lang="en-US"/>
-          </a:p>
-        </p:txBody>
-      </p:sp>
-      <p:sp>
-        <p:nvSpPr>
-          <p:cNvPr id="2" name="Title 1"/>
-          <p:cNvSpPr>
-            <a:spLocks noGrp="1"/>
-          </p:cNvSpPr>
-          <p:nvPr>
-            <p:ph type="title"/>
-          </p:nvPr>
-        </p:nvSpPr>
-        <p:spPr>
-          <a:xfrm>
-            <a:off x="350041" y="586855"/>
-            <a:ext cx="2401025" cy="3387497"/>
-          </a:xfrm>
-        </p:spPr>
-        <p:txBody>
-          <a:bodyPr anchor="b">
-            <a:normAutofit/>
-          </a:bodyPr>
-          <a:lstStyle/>
-          <a:p>
-            <a:pPr algn="r"/>
-            <a:r>
-              <a:rPr lang="en-US" sz="3500">
-                <a:solidFill>
-                  <a:srgbClr val="FFFFFF"/>
-                </a:solidFill>
-              </a:rPr>
-              <a:t>Routing Example</a:t>
-            </a:r>
-          </a:p>
-        </p:txBody>
-      </p:sp>
-      <p:sp>
-        <p:nvSpPr>
-          <p:cNvPr id="3" name="Content Placeholder 2"/>
-          <p:cNvSpPr>
-            <a:spLocks noGrp="1"/>
-          </p:cNvSpPr>
-          <p:nvPr>
-            <p:ph idx="1"/>
-          </p:nvPr>
-        </p:nvSpPr>
-        <p:spPr>
-          <a:xfrm>
-            <a:off x="3607694" y="649480"/>
-            <a:ext cx="4916510" cy="5546047"/>
-          </a:xfrm>
-        </p:spPr>
-        <p:txBody>
-          <a:bodyPr anchor="ctr">
-            <a:normAutofit/>
-          </a:bodyPr>
-          <a:lstStyle/>
-          <a:p>
-            <a:pPr marL="0" indent="0">
-              <a:lnSpc>
-                <a:spcPct val="90000"/>
-              </a:lnSpc>
-              <a:buNone/>
-            </a:pPr>
-            <a:r>
-              <a:rPr lang="en-US" sz="900"/>
-              <a:t>Add routes in your app controller:</a:t>
-            </a:r>
-          </a:p>
-          <a:p>
-            <a:pPr>
-              <a:lnSpc>
-                <a:spcPct val="90000"/>
-              </a:lnSpc>
-            </a:pPr>
-            <a:endParaRPr lang="en-US" sz="900"/>
-          </a:p>
-          <a:p>
-            <a:pPr>
-              <a:lnSpc>
-                <a:spcPct val="90000"/>
-              </a:lnSpc>
-              <a:buNone/>
-            </a:pPr>
-            <a:r>
-              <a:rPr lang="en-US" sz="900" b="0">
-                <a:effectLst/>
-                <a:latin typeface="Consolas" panose="020B0609020204030204" pitchFamily="49" charset="0"/>
-                <a:cs typeface="Consolas" panose="020B0609020204030204" pitchFamily="49" charset="0"/>
-              </a:rPr>
-              <a:t>	router.use(loggingMiddleware); </a:t>
-            </a:r>
-          </a:p>
-          <a:p>
-            <a:pPr>
-              <a:lnSpc>
-                <a:spcPct val="90000"/>
-              </a:lnSpc>
-              <a:buNone/>
-            </a:pPr>
-            <a:br>
-              <a:rPr lang="en-US" sz="900" b="0">
-                <a:effectLst/>
-                <a:latin typeface="Consolas" panose="020B0609020204030204" pitchFamily="49" charset="0"/>
-                <a:cs typeface="Consolas" panose="020B0609020204030204" pitchFamily="49" charset="0"/>
-              </a:rPr>
-            </a:br>
-            <a:r>
-              <a:rPr lang="en-US" sz="900" b="0">
-                <a:effectLst/>
-                <a:latin typeface="Consolas" panose="020B0609020204030204" pitchFamily="49" charset="0"/>
-                <a:cs typeface="Consolas" panose="020B0609020204030204" pitchFamily="49" charset="0"/>
-              </a:rPr>
-              <a:t>router.addRoute("GET", "/index.html", [this](HttpRequest &amp;req, HttpResponse &amp;res, const std::vector&lt;std::string&gt; &amp;params) {</a:t>
-            </a:r>
-          </a:p>
-          <a:p>
-            <a:pPr>
-              <a:lnSpc>
-                <a:spcPct val="90000"/>
-              </a:lnSpc>
-              <a:buNone/>
-            </a:pPr>
-            <a:r>
-              <a:rPr lang="en-US" sz="900">
-                <a:latin typeface="Consolas" panose="020B0609020204030204" pitchFamily="49" charset="0"/>
-                <a:cs typeface="Consolas" panose="020B0609020204030204" pitchFamily="49" charset="0"/>
-              </a:rPr>
-              <a:t>		</a:t>
-            </a:r>
-            <a:r>
-              <a:rPr lang="en-US" sz="900" b="0">
-                <a:effectLst/>
-                <a:latin typeface="Consolas" panose="020B0609020204030204" pitchFamily="49" charset="0"/>
-                <a:cs typeface="Consolas" panose="020B0609020204030204" pitchFamily="49" charset="0"/>
-              </a:rPr>
-              <a:t>this-&gt;router.serveStatic(req, res, params);</a:t>
-            </a:r>
-          </a:p>
-          <a:p>
-            <a:pPr>
-              <a:lnSpc>
-                <a:spcPct val="90000"/>
-              </a:lnSpc>
-              <a:buNone/>
-            </a:pPr>
-            <a:r>
-              <a:rPr lang="en-US" sz="900" b="0">
-                <a:effectLst/>
-                <a:latin typeface="Consolas" panose="020B0609020204030204" pitchFamily="49" charset="0"/>
-                <a:cs typeface="Consolas" panose="020B0609020204030204" pitchFamily="49" charset="0"/>
-              </a:rPr>
-              <a:t>	});</a:t>
-            </a:r>
-            <a:br>
-              <a:rPr lang="en-US" sz="900" b="0">
-                <a:effectLst/>
-                <a:latin typeface="Consolas" panose="020B0609020204030204" pitchFamily="49" charset="0"/>
-                <a:cs typeface="Consolas" panose="020B0609020204030204" pitchFamily="49" charset="0"/>
-              </a:rPr>
-            </a:br>
-            <a:r>
-              <a:rPr lang="en-US" sz="900" b="0">
-                <a:effectLst/>
-                <a:latin typeface="Consolas" panose="020B0609020204030204" pitchFamily="49" charset="0"/>
-                <a:cs typeface="Consolas" panose="020B0609020204030204" pitchFamily="49" charset="0"/>
-              </a:rPr>
-              <a:t>router.addRoute("GET", "/api/v1/programs", [this](HttpRequest &amp;req, HttpResponse &amp;res, const std::vector&lt;std::string&gt; &amp;params) {</a:t>
-            </a:r>
-          </a:p>
-          <a:p>
-            <a:pPr>
-              <a:lnSpc>
-                <a:spcPct val="90000"/>
-              </a:lnSpc>
-              <a:buNone/>
-            </a:pPr>
-            <a:r>
-              <a:rPr lang="en-US" sz="900" b="0">
-                <a:effectLst/>
-                <a:latin typeface="Consolas" panose="020B0609020204030204" pitchFamily="49" charset="0"/>
-                <a:cs typeface="Consolas" panose="020B0609020204030204" pitchFamily="49" charset="0"/>
-              </a:rPr>
-              <a:t>		this-&gt;scheduler-&gt;handle_get_programs(req, res, params);</a:t>
-            </a:r>
-          </a:p>
-          <a:p>
-            <a:pPr>
-              <a:lnSpc>
-                <a:spcPct val="90000"/>
-              </a:lnSpc>
-              <a:buNone/>
-            </a:pPr>
-            <a:r>
-              <a:rPr lang="en-US" sz="900" b="0">
-                <a:effectLst/>
-                <a:latin typeface="Consolas" panose="020B0609020204030204" pitchFamily="49" charset="0"/>
-                <a:cs typeface="Consolas" panose="020B0609020204030204" pitchFamily="49" charset="0"/>
-              </a:rPr>
-              <a:t>	});</a:t>
-            </a:r>
-            <a:br>
-              <a:rPr lang="en-US" sz="900" b="0">
-                <a:effectLst/>
-                <a:latin typeface="Consolas" panose="020B0609020204030204" pitchFamily="49" charset="0"/>
-                <a:cs typeface="Consolas" panose="020B0609020204030204" pitchFamily="49" charset="0"/>
-              </a:rPr>
-            </a:br>
-            <a:r>
-              <a:rPr lang="en-US" sz="900" b="0">
-                <a:effectLst/>
-                <a:latin typeface="Consolas" panose="020B0609020204030204" pitchFamily="49" charset="0"/>
-                <a:cs typeface="Consolas" panose="020B0609020204030204" pitchFamily="49" charset="0"/>
-              </a:rPr>
-              <a:t>router.addRoute("GET", "/api/v1/programs/{name}", [this](HttpRequest &amp;req, HttpResponse &amp;res, const std::vector&lt;std::string&gt; &amp;params) {</a:t>
-            </a:r>
-          </a:p>
-          <a:p>
-            <a:pPr>
-              <a:lnSpc>
-                <a:spcPct val="90000"/>
-              </a:lnSpc>
-              <a:buNone/>
-            </a:pPr>
-            <a:r>
-              <a:rPr lang="en-US" sz="900" b="0">
-                <a:effectLst/>
-                <a:latin typeface="Consolas" panose="020B0609020204030204" pitchFamily="49" charset="0"/>
-                <a:cs typeface="Consolas" panose="020B0609020204030204" pitchFamily="49" charset="0"/>
-              </a:rPr>
-              <a:t>		this-&gt;scheduler-&gt;handle_get_program(req, res, params);</a:t>
-            </a:r>
-          </a:p>
-          <a:p>
-            <a:pPr>
-              <a:lnSpc>
-                <a:spcPct val="90000"/>
-              </a:lnSpc>
-              <a:buNone/>
-            </a:pPr>
-            <a:r>
-              <a:rPr lang="en-US" sz="900" b="0">
-                <a:effectLst/>
-                <a:latin typeface="Consolas" panose="020B0609020204030204" pitchFamily="49" charset="0"/>
-                <a:cs typeface="Consolas" panose="020B0609020204030204" pitchFamily="49" charset="0"/>
-              </a:rPr>
-              <a:t>	});</a:t>
-            </a:r>
-            <a:br>
-              <a:rPr lang="en-US" sz="900" b="0">
-                <a:effectLst/>
-                <a:latin typeface="Consolas" panose="020B0609020204030204" pitchFamily="49" charset="0"/>
-                <a:cs typeface="Consolas" panose="020B0609020204030204" pitchFamily="49" charset="0"/>
-              </a:rPr>
-            </a:br>
-            <a:r>
-              <a:rPr lang="en-US" sz="900" b="0">
-                <a:effectLst/>
-                <a:latin typeface="Consolas" panose="020B0609020204030204" pitchFamily="49" charset="0"/>
-                <a:cs typeface="Consolas" panose="020B0609020204030204" pitchFamily="49" charset="0"/>
-              </a:rPr>
-              <a:t>router.addRoute("GET", "/api/v1/zones", [this](HttpRequest &amp;req, HttpResponse &amp;res, const std::vector&lt;std::string&gt; &amp;params) {</a:t>
-            </a:r>
-          </a:p>
-          <a:p>
-            <a:pPr>
-              <a:lnSpc>
-                <a:spcPct val="90000"/>
-              </a:lnSpc>
-              <a:buNone/>
-            </a:pPr>
-            <a:r>
-              <a:rPr lang="en-US" sz="900" b="0">
-                <a:effectLst/>
-                <a:latin typeface="Consolas" panose="020B0609020204030204" pitchFamily="49" charset="0"/>
-                <a:cs typeface="Consolas" panose="020B0609020204030204" pitchFamily="49" charset="0"/>
-              </a:rPr>
-              <a:t>		this-&gt;controller-&gt;handle_get_zones(req, res, params);</a:t>
-            </a:r>
-          </a:p>
-          <a:p>
-            <a:pPr>
-              <a:lnSpc>
-                <a:spcPct val="90000"/>
-              </a:lnSpc>
-              <a:buNone/>
-            </a:pPr>
-            <a:r>
-              <a:rPr lang="en-US" sz="900" b="0">
-                <a:effectLst/>
-                <a:latin typeface="Consolas" panose="020B0609020204030204" pitchFamily="49" charset="0"/>
-                <a:cs typeface="Consolas" panose="020B0609020204030204" pitchFamily="49" charset="0"/>
-              </a:rPr>
-              <a:t>	});</a:t>
-            </a:r>
-            <a:br>
-              <a:rPr lang="en-US" sz="900" b="0">
-                <a:effectLst/>
-                <a:latin typeface="Consolas" panose="020B0609020204030204" pitchFamily="49" charset="0"/>
-                <a:cs typeface="Consolas" panose="020B0609020204030204" pitchFamily="49" charset="0"/>
-              </a:rPr>
-            </a:br>
-            <a:r>
-              <a:rPr lang="en-US" sz="900" b="0">
-                <a:effectLst/>
-                <a:latin typeface="Consolas" panose="020B0609020204030204" pitchFamily="49" charset="0"/>
-                <a:cs typeface="Consolas" panose="020B0609020204030204" pitchFamily="49" charset="0"/>
-              </a:rPr>
-              <a:t>router.addRoute("POST", "/api/v1/programs", [this](HttpRequest &amp;req, HttpResponse &amp;res, const std::vector&lt;std::string&gt; &amp;params) {</a:t>
-            </a:r>
-          </a:p>
-          <a:p>
-            <a:pPr>
-              <a:lnSpc>
-                <a:spcPct val="90000"/>
-              </a:lnSpc>
-              <a:buNone/>
-            </a:pPr>
-            <a:r>
-              <a:rPr lang="en-US" sz="900" b="0">
-                <a:effectLst/>
-                <a:latin typeface="Consolas" panose="020B0609020204030204" pitchFamily="49" charset="0"/>
-                <a:cs typeface="Consolas" panose="020B0609020204030204" pitchFamily="49" charset="0"/>
-              </a:rPr>
-              <a:t>		this-&gt;scheduler-&gt;handle_add_program(req, res, params);</a:t>
-            </a:r>
-          </a:p>
-          <a:p>
-            <a:pPr>
-              <a:lnSpc>
-                <a:spcPct val="90000"/>
-              </a:lnSpc>
-              <a:buNone/>
-            </a:pPr>
-            <a:r>
-              <a:rPr lang="en-US" sz="900" b="0">
-                <a:effectLst/>
-                <a:latin typeface="Consolas" panose="020B0609020204030204" pitchFamily="49" charset="0"/>
-                <a:cs typeface="Consolas" panose="020B0609020204030204" pitchFamily="49" charset="0"/>
-              </a:rPr>
-              <a:t>	});</a:t>
-            </a:r>
-            <a:br>
-              <a:rPr lang="en-US" sz="900" b="0">
-                <a:effectLst/>
-                <a:latin typeface="Consolas" panose="020B0609020204030204" pitchFamily="49" charset="0"/>
-                <a:cs typeface="Consolas" panose="020B0609020204030204" pitchFamily="49" charset="0"/>
-              </a:rPr>
-            </a:br>
-            <a:r>
-              <a:rPr lang="en-US" sz="900" b="0">
-                <a:effectLst/>
-                <a:latin typeface="Consolas" panose="020B0609020204030204" pitchFamily="49" charset="0"/>
-                <a:cs typeface="Consolas" panose="020B0609020204030204" pitchFamily="49" charset="0"/>
-              </a:rPr>
-              <a:t>router.addRoute("PUT", "/api/v1/programs/{name}", [this](HttpRequest &amp;req, HttpResponse &amp;res, const std::vector&lt;std::string&gt; &amp;params) {</a:t>
-            </a:r>
-          </a:p>
-          <a:p>
-            <a:pPr>
-              <a:lnSpc>
-                <a:spcPct val="90000"/>
-              </a:lnSpc>
-              <a:buNone/>
-            </a:pPr>
-            <a:r>
-              <a:rPr lang="en-US" sz="900" b="0">
-                <a:effectLst/>
-                <a:latin typeface="Consolas" panose="020B0609020204030204" pitchFamily="49" charset="0"/>
-                <a:cs typeface="Consolas" panose="020B0609020204030204" pitchFamily="49" charset="0"/>
-              </a:rPr>
-              <a:t>		this-&gt;scheduler-&gt;handle_update_program(req, res, params);</a:t>
-            </a:r>
-          </a:p>
-          <a:p>
-            <a:pPr>
-              <a:lnSpc>
-                <a:spcPct val="90000"/>
-              </a:lnSpc>
-              <a:buNone/>
-            </a:pPr>
-            <a:r>
-              <a:rPr lang="en-US" sz="900" b="0">
-                <a:effectLst/>
-                <a:latin typeface="Consolas" panose="020B0609020204030204" pitchFamily="49" charset="0"/>
-                <a:cs typeface="Consolas" panose="020B0609020204030204" pitchFamily="49" charset="0"/>
-              </a:rPr>
-              <a:t>	});</a:t>
-            </a:r>
-            <a:br>
-              <a:rPr lang="en-US" sz="900" b="0">
-                <a:effectLst/>
-                <a:latin typeface="Consolas" panose="020B0609020204030204" pitchFamily="49" charset="0"/>
-                <a:cs typeface="Consolas" panose="020B0609020204030204" pitchFamily="49" charset="0"/>
-              </a:rPr>
-            </a:br>
-            <a:r>
-              <a:rPr lang="en-US" sz="900" b="0">
-                <a:effectLst/>
-                <a:latin typeface="Consolas" panose="020B0609020204030204" pitchFamily="49" charset="0"/>
-                <a:cs typeface="Consolas" panose="020B0609020204030204" pitchFamily="49" charset="0"/>
-              </a:rPr>
-              <a:t>router.addRoute("DELETE", "/api/v1/programs/{name}", [this](HttpRequest &amp;req, HttpResponse &amp;res, const std::vector&lt;std::string&gt; &amp;params) {</a:t>
-            </a:r>
-          </a:p>
-          <a:p>
-            <a:pPr>
-              <a:lnSpc>
-                <a:spcPct val="90000"/>
-              </a:lnSpc>
-              <a:buNone/>
-            </a:pPr>
-            <a:r>
-              <a:rPr lang="en-US" sz="900" b="0">
-                <a:effectLst/>
-                <a:latin typeface="Consolas" panose="020B0609020204030204" pitchFamily="49" charset="0"/>
-                <a:cs typeface="Consolas" panose="020B0609020204030204" pitchFamily="49" charset="0"/>
-              </a:rPr>
-              <a:t>		this-&gt;scheduler-&gt;handle_delete_program(req, res, params);</a:t>
-            </a:r>
-          </a:p>
-          <a:p>
-            <a:pPr>
-              <a:lnSpc>
-                <a:spcPct val="90000"/>
-              </a:lnSpc>
-              <a:buNone/>
-            </a:pPr>
-            <a:r>
-              <a:rPr lang="en-US" sz="900" b="0">
-                <a:effectLst/>
-                <a:latin typeface="Consolas" panose="020B0609020204030204" pitchFamily="49" charset="0"/>
-                <a:cs typeface="Consolas" panose="020B0609020204030204" pitchFamily="49" charset="0"/>
-              </a:rPr>
-              <a:t>	});</a:t>
-            </a:r>
-          </a:p>
-        </p:txBody>
-      </p:sp>
-    </p:spTree>
-  </p:cSld>
-  <p:clrMapOvr>
-    <a:masterClrMapping/>
-  </p:clrMapOvr>
-</p:sld>
-</file>
-
-<file path=ppt/slides/slide12.xml><?xml version="1.0" encoding="utf-8"?>
-<p:sld xmlns:a="http://schemas.openxmlformats.org/drawingml/2006/main" xmlns:r="http://schemas.openxmlformats.org/officeDocument/2006/relationships" xmlns:p="http://schemas.openxmlformats.org/presentationml/2006/main">
-  <p:cSld>
-    <p:bg>
-      <p:bgPr>
-        <a:solidFill>
-          <a:schemeClr val="bg1"/>
-        </a:solidFill>
-        <a:effectLst/>
-      </p:bgPr>
-    </p:bg>
-    <p:spTree>
-      <p:nvGrpSpPr>
-        <p:cNvPr id="1" name=""/>
-        <p:cNvGrpSpPr/>
-        <p:nvPr/>
-      </p:nvGrpSpPr>
-      <p:grpSpPr>
-        <a:xfrm>
-          <a:off x="0" y="0"/>
-          <a:ext cx="0" cy="0"/>
-          <a:chOff x="0" y="0"/>
-          <a:chExt cx="0" cy="0"/>
-        </a:xfrm>
-      </p:grpSpPr>
-      <p:sp useBgFill="1">
-        <p:nvSpPr>
           <p:cNvPr id="8" name="Rectangle 7">
             <a:extLst>
               <a:ext uri="{FF2B5EF4-FFF2-40B4-BE49-F238E27FC236}">
@@ -36756,9 +36012,10 @@
               <a:buNone/>
             </a:pPr>
             <a:r>
-              <a:rPr lang="en-US" sz="1300" b="0">
+              <a:rPr lang="en-US" sz="1300" b="0" dirty="0">
                 <a:effectLst/>
-                <a:latin typeface="Menlo" panose="020B0609030804020204" pitchFamily="49" charset="0"/>
+                <a:latin typeface="Consolas" panose="020B0609020204030204" pitchFamily="49" charset="0"/>
+                <a:cs typeface="Consolas" panose="020B0609020204030204" pitchFamily="49" charset="0"/>
               </a:rPr>
               <a:t>res.setStatus(401).send("{\"error\":\"Unauthorized\"}");</a:t>
             </a:r>
@@ -36770,8 +36027,9 @@
               </a:lnSpc>
               <a:buNone/>
             </a:pPr>
-            <a:endParaRPr lang="en-US" sz="1300">
-              <a:latin typeface="Menlo" panose="020B0609030804020204" pitchFamily="49" charset="0"/>
+            <a:endParaRPr lang="en-US" sz="1300" dirty="0">
+              <a:latin typeface="Consolas" panose="020B0609020204030204" pitchFamily="49" charset="0"/>
+              <a:cs typeface="Consolas" panose="020B0609020204030204" pitchFamily="49" charset="0"/>
             </a:endParaRPr>
           </a:p>
           <a:p>
@@ -36782,9 +36040,10 @@
               <a:buNone/>
             </a:pPr>
             <a:r>
-              <a:rPr lang="en-US" sz="1300" b="0">
+              <a:rPr lang="en-US" sz="1300" b="0" dirty="0">
                 <a:effectLst/>
-                <a:latin typeface="+mj-lt"/>
+                <a:latin typeface="Consolas" panose="020B0609020204030204" pitchFamily="49" charset="0"/>
+                <a:cs typeface="Consolas" panose="020B0609020204030204" pitchFamily="49" charset="0"/>
               </a:rPr>
               <a:t>Or via helper</a:t>
             </a:r>
@@ -36796,8 +36055,9 @@
               </a:lnSpc>
               <a:buNone/>
             </a:pPr>
-            <a:endParaRPr lang="en-US" sz="1300">
-              <a:latin typeface="Menlo" panose="020B0609030804020204" pitchFamily="49" charset="0"/>
+            <a:endParaRPr lang="en-US" sz="1300" dirty="0">
+              <a:latin typeface="Consolas" panose="020B0609020204030204" pitchFamily="49" charset="0"/>
+              <a:cs typeface="Consolas" panose="020B0609020204030204" pitchFamily="49" charset="0"/>
             </a:endParaRPr>
           </a:p>
           <a:p>
@@ -36808,11 +36068,12 @@
               <a:buNone/>
             </a:pPr>
             <a:r>
-              <a:rPr lang="en-US" sz="1300" b="0">
+              <a:rPr lang="en-US" sz="1300" b="0" dirty="0">
                 <a:effectLst/>
-                <a:latin typeface="Menlo" panose="020B0609030804020204" pitchFamily="49" charset="0"/>
+                <a:latin typeface="Consolas" panose="020B0609020204030204" pitchFamily="49" charset="0"/>
+                <a:cs typeface="Consolas" panose="020B0609020204030204" pitchFamily="49" charset="0"/>
               </a:rPr>
-              <a:t>JsonResponse::sendError(res, 401, "INALID_TOKEN", "Invalid token");</a:t>
+              <a:t>JsonResponse::sendError(res, 401, "INVALID_TOKEN", "Invalid token");</a:t>
             </a:r>
           </a:p>
           <a:p>
@@ -36822,8 +36083,9 @@
               </a:lnSpc>
               <a:buNone/>
             </a:pPr>
-            <a:endParaRPr lang="en-US" sz="1300">
-              <a:latin typeface="Menlo" panose="020B0609030804020204" pitchFamily="49" charset="0"/>
+            <a:endParaRPr lang="en-US" sz="1300" dirty="0">
+              <a:latin typeface="Consolas" panose="020B0609020204030204" pitchFamily="49" charset="0"/>
+              <a:cs typeface="Consolas" panose="020B0609020204030204" pitchFamily="49" charset="0"/>
             </a:endParaRPr>
           </a:p>
           <a:p>
@@ -36834,9 +36096,10 @@
               <a:buNone/>
             </a:pPr>
             <a:r>
-              <a:rPr lang="en-US" sz="1300" b="0">
+              <a:rPr lang="en-US" sz="1300" b="0" dirty="0">
                 <a:effectLst/>
-                <a:latin typeface="Menlo" panose="020B0609030804020204" pitchFamily="49" charset="0"/>
+                <a:latin typeface="Consolas" panose="020B0609020204030204" pitchFamily="49" charset="0"/>
+                <a:cs typeface="Consolas" panose="020B0609020204030204" pitchFamily="49" charset="0"/>
               </a:rPr>
               <a:t>void sendError(HttpResponse&amp; res, int statusCode, const std::string&amp; code, const std::string&amp; message) {</a:t>
             </a:r>
@@ -36849,9 +36112,10 @@
               <a:buNone/>
             </a:pPr>
             <a:r>
-              <a:rPr lang="en-US" sz="1300" b="0">
+              <a:rPr lang="en-US" sz="1300" b="0" dirty="0">
                 <a:effectLst/>
-                <a:latin typeface="Menlo" panose="020B0609030804020204" pitchFamily="49" charset="0"/>
+                <a:latin typeface="Consolas" panose="020B0609020204030204" pitchFamily="49" charset="0"/>
+                <a:cs typeface="Consolas" panose="020B0609020204030204" pitchFamily="49" charset="0"/>
               </a:rPr>
               <a:t>  json j = {</a:t>
             </a:r>
@@ -36864,9 +36128,10 @@
               <a:buNone/>
             </a:pPr>
             <a:r>
-              <a:rPr lang="en-US" sz="1300" b="0">
+              <a:rPr lang="en-US" sz="1300" b="0" dirty="0">
                 <a:effectLst/>
-                <a:latin typeface="Menlo" panose="020B0609030804020204" pitchFamily="49" charset="0"/>
+                <a:latin typeface="Consolas" panose="020B0609020204030204" pitchFamily="49" charset="0"/>
+                <a:cs typeface="Consolas" panose="020B0609020204030204" pitchFamily="49" charset="0"/>
               </a:rPr>
               <a:t>{"success", false},</a:t>
             </a:r>
@@ -36879,9 +36144,10 @@
               <a:buNone/>
             </a:pPr>
             <a:r>
-              <a:rPr lang="en-US" sz="1300" b="0">
+              <a:rPr lang="en-US" sz="1300" b="0" dirty="0">
                 <a:effectLst/>
-                <a:latin typeface="Menlo" panose="020B0609030804020204" pitchFamily="49" charset="0"/>
+                <a:latin typeface="Consolas" panose="020B0609020204030204" pitchFamily="49" charset="0"/>
+                <a:cs typeface="Consolas" panose="020B0609020204030204" pitchFamily="49" charset="0"/>
               </a:rPr>
               <a:t>{"error", {</a:t>
             </a:r>
@@ -36894,9 +36160,10 @@
               <a:buNone/>
             </a:pPr>
             <a:r>
-              <a:rPr lang="en-US" sz="1300" b="0">
+              <a:rPr lang="en-US" sz="1300" b="0" dirty="0">
                 <a:effectLst/>
-                <a:latin typeface="Menlo" panose="020B0609030804020204" pitchFamily="49" charset="0"/>
+                <a:latin typeface="Consolas" panose="020B0609020204030204" pitchFamily="49" charset="0"/>
+                <a:cs typeface="Consolas" panose="020B0609020204030204" pitchFamily="49" charset="0"/>
               </a:rPr>
               <a:t>		{"code", code},</a:t>
             </a:r>
@@ -36909,9 +36176,10 @@
               <a:buNone/>
             </a:pPr>
             <a:r>
-              <a:rPr lang="en-US" sz="1300" b="0">
+              <a:rPr lang="en-US" sz="1300" b="0" dirty="0">
                 <a:effectLst/>
-                <a:latin typeface="Menlo" panose="020B0609030804020204" pitchFamily="49" charset="0"/>
+                <a:latin typeface="Consolas" panose="020B0609020204030204" pitchFamily="49" charset="0"/>
+                <a:cs typeface="Consolas" panose="020B0609020204030204" pitchFamily="49" charset="0"/>
               </a:rPr>
               <a:t>		{"message", message}</a:t>
             </a:r>
@@ -36924,9 +36192,10 @@
               <a:buNone/>
             </a:pPr>
             <a:r>
-              <a:rPr lang="en-US" sz="1300" b="0">
+              <a:rPr lang="en-US" sz="1300" b="0" dirty="0">
                 <a:effectLst/>
-                <a:latin typeface="Menlo" panose="020B0609030804020204" pitchFamily="49" charset="0"/>
+                <a:latin typeface="Consolas" panose="020B0609020204030204" pitchFamily="49" charset="0"/>
+                <a:cs typeface="Consolas" panose="020B0609020204030204" pitchFamily="49" charset="0"/>
               </a:rPr>
               <a:t>		}}</a:t>
             </a:r>
@@ -36939,9 +36208,10 @@
               <a:buNone/>
             </a:pPr>
             <a:r>
-              <a:rPr lang="en-US" sz="1300" b="0">
+              <a:rPr lang="en-US" sz="1300" b="0" dirty="0">
                 <a:effectLst/>
-                <a:latin typeface="Menlo" panose="020B0609030804020204" pitchFamily="49" charset="0"/>
+                <a:latin typeface="Consolas" panose="020B0609020204030204" pitchFamily="49" charset="0"/>
+                <a:cs typeface="Consolas" panose="020B0609020204030204" pitchFamily="49" charset="0"/>
               </a:rPr>
               <a:t>	};</a:t>
             </a:r>
@@ -36954,9 +36224,10 @@
               <a:buNone/>
             </a:pPr>
             <a:r>
-              <a:rPr lang="en-US" sz="1300" b="0">
+              <a:rPr lang="en-US" sz="1300" b="0" dirty="0">
                 <a:effectLst/>
-                <a:latin typeface="Menlo" panose="020B0609030804020204" pitchFamily="49" charset="0"/>
+                <a:latin typeface="Consolas" panose="020B0609020204030204" pitchFamily="49" charset="0"/>
+                <a:cs typeface="Consolas" panose="020B0609020204030204" pitchFamily="49" charset="0"/>
               </a:rPr>
               <a:t>	 	   res.status(statusCode).json(j);</a:t>
             </a:r>
@@ -36969,9 +36240,10 @@
               <a:buNone/>
             </a:pPr>
             <a:r>
-              <a:rPr lang="en-US" sz="1300" b="0">
+              <a:rPr lang="en-US" sz="1300" b="0" dirty="0">
                 <a:effectLst/>
-                <a:latin typeface="Menlo" panose="020B0609030804020204" pitchFamily="49" charset="0"/>
+                <a:latin typeface="Consolas" panose="020B0609020204030204" pitchFamily="49" charset="0"/>
+                <a:cs typeface="Consolas" panose="020B0609020204030204" pitchFamily="49" charset="0"/>
               </a:rPr>
               <a:t>}</a:t>
             </a:r>
@@ -36983,7 +36255,7 @@
               </a:lnSpc>
               <a:buNone/>
             </a:pPr>
-            <a:endParaRPr lang="en-US" sz="1300" b="0">
+            <a:endParaRPr lang="en-US" sz="1300" b="0" dirty="0">
               <a:effectLst/>
               <a:latin typeface="Menlo" panose="020B0609030804020204" pitchFamily="49" charset="0"/>
             </a:endParaRPr>
@@ -36995,7 +36267,7 @@
               </a:lnSpc>
               <a:buNone/>
             </a:pPr>
-            <a:endParaRPr lang="en-US" sz="1300" b="0">
+            <a:endParaRPr lang="en-US" sz="1300" b="0" dirty="0">
               <a:effectLst/>
               <a:latin typeface="Menlo" panose="020B0609030804020204" pitchFamily="49" charset="0"/>
             </a:endParaRPr>
@@ -37007,7 +36279,7 @@
               </a:lnSpc>
               <a:buNone/>
             </a:pPr>
-            <a:endParaRPr lang="en-US" sz="1300"/>
+            <a:endParaRPr lang="en-US" sz="1300" dirty="0"/>
           </a:p>
         </p:txBody>
       </p:sp>
@@ -37024,7 +36296,7 @@
 </p:sld>
 </file>
 
-<file path=ppt/slides/slide13.xml><?xml version="1.0" encoding="utf-8"?>
+<file path=ppt/slides/slide12.xml><?xml version="1.0" encoding="utf-8"?>
 <p:sld xmlns:a="http://schemas.openxmlformats.org/drawingml/2006/main" xmlns:r="http://schemas.openxmlformats.org/officeDocument/2006/relationships" xmlns:p="http://schemas.openxmlformats.org/presentationml/2006/main">
   <p:cSld>
     <p:spTree>
@@ -37097,7 +36369,7 @@
 </p:sld>
 </file>
 
-<file path=ppt/slides/slide14.xml><?xml version="1.0" encoding="utf-8"?>
+<file path=ppt/slides/slide13.xml><?xml version="1.0" encoding="utf-8"?>
 <p:sld xmlns:a="http://schemas.openxmlformats.org/drawingml/2006/main" xmlns:r="http://schemas.openxmlformats.org/officeDocument/2006/relationships" xmlns:p="http://schemas.openxmlformats.org/presentationml/2006/main">
   <p:cSld>
     <p:bg>
@@ -37665,437 +36937,7 @@
 </p:sld>
 </file>
 
-<file path=ppt/slides/slide15.xml><?xml version="1.0" encoding="utf-8"?>
-<p:sld xmlns:a="http://schemas.openxmlformats.org/drawingml/2006/main" xmlns:r="http://schemas.openxmlformats.org/officeDocument/2006/relationships" xmlns:p="http://schemas.openxmlformats.org/presentationml/2006/main">
-  <p:cSld>
-    <p:bg>
-      <p:bgPr>
-        <a:solidFill>
-          <a:schemeClr val="bg1"/>
-        </a:solidFill>
-        <a:effectLst/>
-      </p:bgPr>
-    </p:bg>
-    <p:spTree>
-      <p:nvGrpSpPr>
-        <p:cNvPr id="1" name=""/>
-        <p:cNvGrpSpPr/>
-        <p:nvPr/>
-      </p:nvGrpSpPr>
-      <p:grpSpPr>
-        <a:xfrm>
-          <a:off x="0" y="0"/>
-          <a:ext cx="0" cy="0"/>
-          <a:chOff x="0" y="0"/>
-          <a:chExt cx="0" cy="0"/>
-        </a:xfrm>
-      </p:grpSpPr>
-      <p:sp useBgFill="1">
-        <p:nvSpPr>
-          <p:cNvPr id="8" name="Rectangle 7">
-            <a:extLst>
-              <a:ext uri="{FF2B5EF4-FFF2-40B4-BE49-F238E27FC236}">
-                <a16:creationId xmlns:a16="http://schemas.microsoft.com/office/drawing/2014/main" id="{1BB867FF-FC45-48F7-8104-F89BE54909F1}"/>
-              </a:ext>
-              <a:ext uri="{C183D7F6-B498-43B3-948B-1728B52AA6E4}">
-                <adec:decorative xmlns:adec="http://schemas.microsoft.com/office/drawing/2017/decorative" val="1"/>
-              </a:ext>
-            </a:extLst>
-          </p:cNvPr>
-          <p:cNvSpPr>
-            <a:spLocks noGrp="1" noRot="1" noChangeAspect="1" noMove="1" noResize="1" noEditPoints="1" noAdjustHandles="1" noChangeArrowheads="1" noChangeShapeType="1" noTextEdit="1"/>
-          </p:cNvSpPr>
-          <p:nvPr>
-            <p:extLst>
-              <p:ext uri="{386F3935-93C4-4BCD-93E2-E3B085C9AB24}">
-                <p16:designElem xmlns:p16="http://schemas.microsoft.com/office/powerpoint/2015/main" val="1"/>
-              </p:ext>
-            </p:extLst>
-          </p:nvPr>
-        </p:nvSpPr>
-        <p:spPr>
-          <a:xfrm>
-            <a:off x="2286" y="0"/>
-            <a:ext cx="9141714" cy="6858000"/>
-          </a:xfrm>
-          <a:prstGeom prst="rect">
-            <a:avLst/>
-          </a:prstGeom>
-          <a:ln>
-            <a:noFill/>
-          </a:ln>
-        </p:spPr>
-        <p:style>
-          <a:lnRef idx="2">
-            <a:schemeClr val="accent1">
-              <a:shade val="50000"/>
-            </a:schemeClr>
-          </a:lnRef>
-          <a:fillRef idx="1">
-            <a:schemeClr val="accent1"/>
-          </a:fillRef>
-          <a:effectRef idx="0">
-            <a:schemeClr val="accent1"/>
-          </a:effectRef>
-          <a:fontRef idx="minor">
-            <a:schemeClr val="lt1"/>
-          </a:fontRef>
-        </p:style>
-        <p:txBody>
-          <a:bodyPr rtlCol="0" anchor="ctr"/>
-          <a:lstStyle/>
-          <a:p>
-            <a:pPr algn="ctr"/>
-            <a:endParaRPr lang="en-US"/>
-          </a:p>
-        </p:txBody>
-      </p:sp>
-      <p:sp>
-        <p:nvSpPr>
-          <p:cNvPr id="10" name="Freeform: Shape 9">
-            <a:extLst>
-              <a:ext uri="{FF2B5EF4-FFF2-40B4-BE49-F238E27FC236}">
-                <a16:creationId xmlns:a16="http://schemas.microsoft.com/office/drawing/2014/main" id="{8BB56887-D0D5-4F0C-9E19-7247EB83C8B7}"/>
-              </a:ext>
-              <a:ext uri="{C183D7F6-B498-43B3-948B-1728B52AA6E4}">
-                <adec:decorative xmlns:adec="http://schemas.microsoft.com/office/drawing/2017/decorative" val="1"/>
-              </a:ext>
-            </a:extLst>
-          </p:cNvPr>
-          <p:cNvSpPr>
-            <a:spLocks noGrp="1" noRot="1" noChangeAspect="1" noMove="1" noResize="1" noEditPoints="1" noAdjustHandles="1" noChangeArrowheads="1" noChangeShapeType="1" noTextEdit="1"/>
-          </p:cNvSpPr>
-          <p:nvPr>
-            <p:extLst>
-              <p:ext uri="{386F3935-93C4-4BCD-93E2-E3B085C9AB24}">
-                <p16:designElem xmlns:p16="http://schemas.microsoft.com/office/powerpoint/2015/main" val="1"/>
-              </p:ext>
-            </p:extLst>
-          </p:nvPr>
-        </p:nvSpPr>
-        <p:spPr>
-          <a:xfrm>
-            <a:off x="7656521" y="1"/>
-            <a:ext cx="851299" cy="477997"/>
-          </a:xfrm>
-          <a:custGeom>
-            <a:avLst/>
-            <a:gdLst>
-              <a:gd name="connsiteX0" fmla="*/ 0 w 1135066"/>
-              <a:gd name="connsiteY0" fmla="*/ 0 h 477997"/>
-              <a:gd name="connsiteX1" fmla="*/ 1135066 w 1135066"/>
-              <a:gd name="connsiteY1" fmla="*/ 0 h 477997"/>
-              <a:gd name="connsiteX2" fmla="*/ 1133370 w 1135066"/>
-              <a:gd name="connsiteY2" fmla="*/ 16827 h 477997"/>
-              <a:gd name="connsiteX3" fmla="*/ 567533 w 1135066"/>
-              <a:gd name="connsiteY3" fmla="*/ 477997 h 477997"/>
-              <a:gd name="connsiteX4" fmla="*/ 1696 w 1135066"/>
-              <a:gd name="connsiteY4" fmla="*/ 16827 h 477997"/>
-            </a:gdLst>
-            <a:ahLst/>
-            <a:cxnLst>
-              <a:cxn ang="0">
-                <a:pos x="connsiteX0" y="connsiteY0"/>
-              </a:cxn>
-              <a:cxn ang="0">
-                <a:pos x="connsiteX1" y="connsiteY1"/>
-              </a:cxn>
-              <a:cxn ang="0">
-                <a:pos x="connsiteX2" y="connsiteY2"/>
-              </a:cxn>
-              <a:cxn ang="0">
-                <a:pos x="connsiteX3" y="connsiteY3"/>
-              </a:cxn>
-              <a:cxn ang="0">
-                <a:pos x="connsiteX4" y="connsiteY4"/>
-              </a:cxn>
-            </a:cxnLst>
-            <a:rect l="l" t="t" r="r" b="b"/>
-            <a:pathLst>
-              <a:path w="1135066" h="477997">
-                <a:moveTo>
-                  <a:pt x="0" y="0"/>
-                </a:moveTo>
-                <a:lnTo>
-                  <a:pt x="1135066" y="0"/>
-                </a:lnTo>
-                <a:lnTo>
-                  <a:pt x="1133370" y="16827"/>
-                </a:lnTo>
-                <a:cubicBezTo>
-                  <a:pt x="1079514" y="280016"/>
-                  <a:pt x="846644" y="477997"/>
-                  <a:pt x="567533" y="477997"/>
-                </a:cubicBezTo>
-                <a:cubicBezTo>
-                  <a:pt x="288422" y="477997"/>
-                  <a:pt x="55552" y="280016"/>
-                  <a:pt x="1696" y="16827"/>
-                </a:cubicBezTo>
-                <a:close/>
-              </a:path>
-            </a:pathLst>
-          </a:custGeom>
-          <a:solidFill>
-            <a:schemeClr val="accent4"/>
-          </a:solidFill>
-          <a:ln>
-            <a:noFill/>
-          </a:ln>
-        </p:spPr>
-        <p:style>
-          <a:lnRef idx="2">
-            <a:schemeClr val="accent1">
-              <a:shade val="50000"/>
-            </a:schemeClr>
-          </a:lnRef>
-          <a:fillRef idx="1">
-            <a:schemeClr val="accent1"/>
-          </a:fillRef>
-          <a:effectRef idx="0">
-            <a:schemeClr val="accent1"/>
-          </a:effectRef>
-          <a:fontRef idx="minor">
-            <a:schemeClr val="lt1"/>
-          </a:fontRef>
-        </p:style>
-        <p:txBody>
-          <a:bodyPr wrap="square" rtlCol="0" anchor="ctr">
-            <a:noAutofit/>
-          </a:bodyPr>
-          <a:lstStyle/>
-          <a:p>
-            <a:pPr algn="ctr"/>
-            <a:endParaRPr lang="en-US"/>
-          </a:p>
-        </p:txBody>
-      </p:sp>
-      <p:sp>
-        <p:nvSpPr>
-          <p:cNvPr id="2" name="Title 1"/>
-          <p:cNvSpPr>
-            <a:spLocks noGrp="1"/>
-          </p:cNvSpPr>
-          <p:nvPr>
-            <p:ph type="title"/>
-          </p:nvPr>
-        </p:nvSpPr>
-        <p:spPr>
-          <a:xfrm>
-            <a:off x="628650" y="365125"/>
-            <a:ext cx="7886700" cy="1325563"/>
-          </a:xfrm>
-        </p:spPr>
-        <p:txBody>
-          <a:bodyPr>
-            <a:normAutofit/>
-          </a:bodyPr>
-          <a:lstStyle/>
-          <a:p>
-            <a:r>
-              <a:t>Controller Example</a:t>
-            </a:r>
-          </a:p>
-        </p:txBody>
-      </p:sp>
-      <p:sp>
-        <p:nvSpPr>
-          <p:cNvPr id="12" name="Arc 11">
-            <a:extLst>
-              <a:ext uri="{FF2B5EF4-FFF2-40B4-BE49-F238E27FC236}">
-                <a16:creationId xmlns:a16="http://schemas.microsoft.com/office/drawing/2014/main" id="{081E4A58-353D-44AE-B2FC-2A74E2E400F7}"/>
-              </a:ext>
-              <a:ext uri="{C183D7F6-B498-43B3-948B-1728B52AA6E4}">
-                <adec:decorative xmlns:adec="http://schemas.microsoft.com/office/drawing/2017/decorative" val="1"/>
-              </a:ext>
-            </a:extLst>
-          </p:cNvPr>
-          <p:cNvSpPr>
-            <a:spLocks noGrp="1" noRot="1" noChangeAspect="1" noMove="1" noResize="1" noEditPoints="1" noAdjustHandles="1" noChangeArrowheads="1" noChangeShapeType="1" noTextEdit="1"/>
-          </p:cNvSpPr>
-          <p:nvPr>
-            <p:extLst>
-              <p:ext uri="{386F3935-93C4-4BCD-93E2-E3B085C9AB24}">
-                <p16:designElem xmlns:p16="http://schemas.microsoft.com/office/powerpoint/2015/main" val="1"/>
-              </p:ext>
-            </p:extLst>
-          </p:nvPr>
-        </p:nvSpPr>
-        <p:spPr>
-          <a:xfrm rot="5400000" flipV="1">
-            <a:off x="-93647" y="2693652"/>
-            <a:ext cx="4083433" cy="3062575"/>
-          </a:xfrm>
-          <a:prstGeom prst="arc">
-            <a:avLst/>
-          </a:prstGeom>
-          <a:ln w="127000" cap="rnd">
-            <a:solidFill>
-              <a:schemeClr val="accent4"/>
-            </a:solidFill>
-            <a:prstDash val="dash"/>
-          </a:ln>
-        </p:spPr>
-        <p:style>
-          <a:lnRef idx="1">
-            <a:schemeClr val="accent1"/>
-          </a:lnRef>
-          <a:fillRef idx="0">
-            <a:schemeClr val="accent1"/>
-          </a:fillRef>
-          <a:effectRef idx="0">
-            <a:schemeClr val="accent1"/>
-          </a:effectRef>
-          <a:fontRef idx="minor">
-            <a:schemeClr val="tx1"/>
-          </a:fontRef>
-        </p:style>
-        <p:txBody>
-          <a:bodyPr rtlCol="0" anchor="ctr"/>
-          <a:lstStyle/>
-          <a:p>
-            <a:pPr algn="ctr"/>
-            <a:endParaRPr lang="en-US" dirty="0"/>
-          </a:p>
-        </p:txBody>
-      </p:sp>
-      <p:sp>
-        <p:nvSpPr>
-          <p:cNvPr id="3" name="Content Placeholder 2"/>
-          <p:cNvSpPr>
-            <a:spLocks noGrp="1"/>
-          </p:cNvSpPr>
-          <p:nvPr>
-            <p:ph idx="1"/>
-          </p:nvPr>
-        </p:nvSpPr>
-        <p:spPr>
-          <a:xfrm>
-            <a:off x="628650" y="1825625"/>
-            <a:ext cx="7886700" cy="4351338"/>
-          </a:xfrm>
-        </p:spPr>
-        <p:txBody>
-          <a:bodyPr>
-            <a:normAutofit/>
-          </a:bodyPr>
-          <a:lstStyle/>
-          <a:p>
-            <a:pPr marL="0" indent="0">
-              <a:lnSpc>
-                <a:spcPct val="90000"/>
-              </a:lnSpc>
-              <a:buNone/>
-            </a:pPr>
-            <a:r>
-              <a:rPr lang="en-US" sz="2700"/>
-              <a:t>[this needs updating]</a:t>
-            </a:r>
-          </a:p>
-          <a:p>
-            <a:pPr marL="0" indent="0">
-              <a:lnSpc>
-                <a:spcPct val="90000"/>
-              </a:lnSpc>
-              <a:buNone/>
-            </a:pPr>
-            <a:endParaRPr lang="en-US" sz="2700"/>
-          </a:p>
-          <a:p>
-            <a:pPr marL="0" indent="0">
-              <a:lnSpc>
-                <a:spcPct val="90000"/>
-              </a:lnSpc>
-              <a:buNone/>
-            </a:pPr>
-            <a:endParaRPr lang="en-US" sz="2700"/>
-          </a:p>
-          <a:p>
-            <a:pPr marL="0" indent="0">
-              <a:lnSpc>
-                <a:spcPct val="90000"/>
-              </a:lnSpc>
-              <a:buNone/>
-            </a:pPr>
-            <a:r>
-              <a:rPr lang="en-US" sz="2700">
-                <a:latin typeface="Consolas" panose="020B0609020204030204" pitchFamily="49" charset="0"/>
-                <a:cs typeface="Consolas" panose="020B0609020204030204" pitchFamily="49" charset="0"/>
-              </a:rPr>
-              <a:t>void ZoneController::start(HttpRequest&amp; req, HttpResponse&amp; res) {</a:t>
-            </a:r>
-          </a:p>
-          <a:p>
-            <a:pPr marL="0" indent="0">
-              <a:lnSpc>
-                <a:spcPct val="90000"/>
-              </a:lnSpc>
-              <a:buNone/>
-            </a:pPr>
-            <a:r>
-              <a:rPr lang="en-US" sz="2700">
-                <a:latin typeface="Consolas" panose="020B0609020204030204" pitchFamily="49" charset="0"/>
-                <a:cs typeface="Consolas" panose="020B0609020204030204" pitchFamily="49" charset="0"/>
-              </a:rPr>
-              <a:t>  auto name = req.getPathParam("name");</a:t>
-            </a:r>
-          </a:p>
-          <a:p>
-            <a:pPr marL="0" indent="0">
-              <a:lnSpc>
-                <a:spcPct val="90000"/>
-              </a:lnSpc>
-              <a:buNone/>
-            </a:pPr>
-            <a:r>
-              <a:rPr lang="en-US" sz="2700">
-                <a:latin typeface="Consolas" panose="020B0609020204030204" pitchFamily="49" charset="0"/>
-                <a:cs typeface="Consolas" panose="020B0609020204030204" pitchFamily="49" charset="0"/>
-              </a:rPr>
-              <a:t>  zoneService.startZone(name);</a:t>
-            </a:r>
-          </a:p>
-          <a:p>
-            <a:pPr marL="0" indent="0">
-              <a:lnSpc>
-                <a:spcPct val="90000"/>
-              </a:lnSpc>
-              <a:buNone/>
-            </a:pPr>
-            <a:r>
-              <a:rPr lang="en-US" sz="2700">
-                <a:latin typeface="Consolas" panose="020B0609020204030204" pitchFamily="49" charset="0"/>
-                <a:cs typeface="Consolas" panose="020B0609020204030204" pitchFamily="49" charset="0"/>
-              </a:rPr>
-              <a:t>  res.sendJson({{"status", "started"}});</a:t>
-            </a:r>
-          </a:p>
-          <a:p>
-            <a:pPr marL="0" indent="0">
-              <a:lnSpc>
-                <a:spcPct val="90000"/>
-              </a:lnSpc>
-              <a:buNone/>
-            </a:pPr>
-            <a:r>
-              <a:rPr lang="en-US" sz="2700">
-                <a:latin typeface="Consolas" panose="020B0609020204030204" pitchFamily="49" charset="0"/>
-                <a:cs typeface="Consolas" panose="020B0609020204030204" pitchFamily="49" charset="0"/>
-              </a:rPr>
-              <a:t>}</a:t>
-            </a:r>
-          </a:p>
-        </p:txBody>
-      </p:sp>
-    </p:spTree>
-  </p:cSld>
-  <p:clrMapOvr>
-    <a:masterClrMapping/>
-  </p:clrMapOvr>
-</p:sld>
-</file>
-
-<file path=ppt/slides/slide16.xml><?xml version="1.0" encoding="utf-8"?>
+<file path=ppt/slides/slide14.xml><?xml version="1.0" encoding="utf-8"?>
 <p:sld xmlns:a="http://schemas.openxmlformats.org/drawingml/2006/main" xmlns:r="http://schemas.openxmlformats.org/officeDocument/2006/relationships" xmlns:p="http://schemas.openxmlformats.org/presentationml/2006/main">
   <p:cSld>
     <p:bg>
@@ -38547,89 +37389,53 @@
         </p:spPr>
         <p:txBody>
           <a:bodyPr anchor="ctr">
-            <a:normAutofit lnSpcReduction="10000"/>
+            <a:normAutofit/>
           </a:bodyPr>
           <a:lstStyle/>
           <a:p>
             <a:r>
-              <a:rPr lang="en-US" sz="1700"/>
-              <a:t>[check event names]</a:t>
+              <a:rPr lang="en-US" sz="1700" dirty="0"/>
+              <a:t>The Event Management system follows a full pub/sub paradigm</a:t>
             </a:r>
           </a:p>
           <a:p>
             <a:r>
-              <a:rPr lang="en-US" sz="1700"/>
-              <a:t>Post and subscribe to system-wide events</a:t>
+              <a:rPr lang="en-US" sz="1700" dirty="0"/>
+              <a:t>Post and subscribe to system-wide events (waitFor or subscribe/onEvent)</a:t>
             </a:r>
           </a:p>
           <a:p>
             <a:r>
-              <a:rPr lang="en-US" sz="1700"/>
-              <a:t>Broadcast capable</a:t>
+              <a:rPr lang="en-US" sz="1700" dirty="0"/>
+              <a:t>Post and subscribe to user events (subscribe/post/onEvent)</a:t>
             </a:r>
           </a:p>
           <a:p>
             <a:r>
-              <a:rPr lang="en-US" sz="1700"/>
-              <a:t>eventManager.subscribe(EventType::NetworkReady, this);</a:t>
+              <a:rPr lang="en-US" sz="1700" dirty="0"/>
+              <a:t>Broadcast capable – all listeners to an event will receive the event</a:t>
             </a:r>
           </a:p>
           <a:p>
             <a:r>
-              <a:rPr lang="en-US" sz="1700"/>
+              <a:rPr lang="en-US" sz="1700" dirty="0"/>
               <a:t>onEvent(const Event&amp; e) handles callbacks</a:t>
             </a:r>
           </a:p>
           <a:p>
             <a:r>
-              <a:rPr lang="en-US" sz="1700"/>
+              <a:rPr lang="en-US" sz="1700" dirty="0"/>
               <a:t>Used by TimerService, GpioHandler, custom logic</a:t>
             </a:r>
           </a:p>
           <a:p>
-            <a:endParaRPr lang="en-US" sz="1700"/>
-          </a:p>
-          <a:p>
-            <a:pPr>
-              <a:buNone/>
-            </a:pPr>
-            <a:r>
-              <a:rPr lang="en-US" sz="1700" b="0">
-                <a:effectLst/>
-                <a:latin typeface="Menlo" panose="020B0609030804020204" pitchFamily="49" charset="0"/>
-              </a:rPr>
-              <a:t>EventManager::getInstance().subscribe(mask(EventType::GpioChange), this);</a:t>
-            </a:r>
-          </a:p>
-          <a:p>
-            <a:pPr>
-              <a:buNone/>
-            </a:pPr>
-            <a:r>
-              <a:rPr lang="en-US" sz="1700" b="0">
-                <a:effectLst/>
-                <a:latin typeface="Menlo" panose="020B0609030804020204" pitchFamily="49" charset="0"/>
-              </a:rPr>
-              <a:t>TRACE("[Controller] Subscribed to GpioChange events\n");</a:t>
-            </a:r>
+            <a:endParaRPr lang="en-US" sz="1700" dirty="0"/>
           </a:p>
           <a:p>
             <a:pPr marL="0" indent="0">
               <a:buNone/>
             </a:pPr>
-            <a:r>
-              <a:rPr lang="en-US" sz="1700" b="0">
-                <a:effectLst/>
-                <a:latin typeface="Menlo" panose="020B0609030804020204" pitchFamily="49" charset="0"/>
-              </a:rPr>
-              <a:t>GpioEventManager::getInstance().enableInterrupt(15, GPIO_IRQ_EDGE_RISE | GPIO_IRQ_EDGE_FALL);</a:t>
-            </a:r>
-          </a:p>
-          <a:p>
-            <a:pPr marL="0" indent="0">
-              <a:buNone/>
-            </a:pPr>
-            <a:endParaRPr lang="en-US" sz="1700"/>
+            <a:endParaRPr lang="en-US" sz="1700" dirty="0"/>
           </a:p>
         </p:txBody>
       </p:sp>
@@ -38641,7 +37447,7 @@
 </p:sld>
 </file>
 
-<file path=ppt/slides/slide17.xml><?xml version="1.0" encoding="utf-8"?>
+<file path=ppt/slides/slide15.xml><?xml version="1.0" encoding="utf-8"?>
 <p:sld xmlns:a="http://schemas.openxmlformats.org/drawingml/2006/main" xmlns:r="http://schemas.openxmlformats.org/officeDocument/2006/relationships" xmlns:p="http://schemas.openxmlformats.org/presentationml/2006/main">
   <p:cSld>
     <p:bg>
@@ -39105,7 +37911,7 @@
         </p:spPr>
         <p:txBody>
           <a:bodyPr anchor="ctr">
-            <a:normAutofit/>
+            <a:normAutofit fontScale="70000" lnSpcReduction="20000"/>
           </a:bodyPr>
           <a:lstStyle/>
           <a:p>
@@ -39116,7 +37922,112 @@
               <a:buNone/>
             </a:pPr>
             <a:r>
-              <a:rPr lang="en-US" sz="1100" b="0">
+              <a:rPr lang="en-US" sz="1100" b="0" dirty="0">
+                <a:effectLst/>
+                <a:latin typeface="Consolas" panose="020B0609020204030204" pitchFamily="49" charset="0"/>
+                <a:cs typeface="Consolas" panose="020B0609020204030204" pitchFamily="49" charset="0"/>
+              </a:rPr>
+              <a:t>enum class UserNotification : uint8_t {</a:t>
+            </a:r>
+          </a:p>
+          <a:p>
+            <a:pPr>
+              <a:lnSpc>
+                <a:spcPct val="90000"/>
+              </a:lnSpc>
+              <a:buNone/>
+            </a:pPr>
+            <a:r>
+              <a:rPr lang="en-US" sz="1100" b="0" dirty="0">
+                <a:effectLst/>
+                <a:latin typeface="Consolas" panose="020B0609020204030204" pitchFamily="49" charset="0"/>
+                <a:cs typeface="Consolas" panose="020B0609020204030204" pitchFamily="49" charset="0"/>
+              </a:rPr>
+              <a:t>    RunProgram,</a:t>
+            </a:r>
+          </a:p>
+          <a:p>
+            <a:pPr>
+              <a:lnSpc>
+                <a:spcPct val="90000"/>
+              </a:lnSpc>
+              <a:buNone/>
+            </a:pPr>
+            <a:r>
+              <a:rPr lang="en-US" sz="1100" b="0" dirty="0">
+                <a:effectLst/>
+                <a:latin typeface="Consolas" panose="020B0609020204030204" pitchFamily="49" charset="0"/>
+                <a:cs typeface="Consolas" panose="020B0609020204030204" pitchFamily="49" charset="0"/>
+              </a:rPr>
+              <a:t>    ZoneEndTime,</a:t>
+            </a:r>
+          </a:p>
+          <a:p>
+            <a:pPr>
+              <a:lnSpc>
+                <a:spcPct val="90000"/>
+              </a:lnSpc>
+              <a:buNone/>
+            </a:pPr>
+            <a:r>
+              <a:rPr lang="en-US" sz="1100" b="0" dirty="0">
+                <a:effectLst/>
+                <a:latin typeface="Consolas" panose="020B0609020204030204" pitchFamily="49" charset="0"/>
+                <a:cs typeface="Consolas" panose="020B0609020204030204" pitchFamily="49" charset="0"/>
+              </a:rPr>
+              <a:t>    Heartbeat</a:t>
+            </a:r>
+          </a:p>
+          <a:p>
+            <a:pPr>
+              <a:lnSpc>
+                <a:spcPct val="90000"/>
+              </a:lnSpc>
+              <a:buNone/>
+            </a:pPr>
+            <a:r>
+              <a:rPr lang="en-US" sz="1100" b="0" dirty="0">
+                <a:effectLst/>
+                <a:latin typeface="Consolas" panose="020B0609020204030204" pitchFamily="49" charset="0"/>
+                <a:cs typeface="Consolas" panose="020B0609020204030204" pitchFamily="49" charset="0"/>
+              </a:rPr>
+              <a:t>};</a:t>
+            </a:r>
+          </a:p>
+          <a:p>
+            <a:pPr>
+              <a:lnSpc>
+                <a:spcPct val="90000"/>
+              </a:lnSpc>
+              <a:buNone/>
+            </a:pPr>
+            <a:endParaRPr lang="en-US" sz="1100" dirty="0">
+              <a:latin typeface="Consolas" panose="020B0609020204030204" pitchFamily="49" charset="0"/>
+              <a:cs typeface="Consolas" panose="020B0609020204030204" pitchFamily="49" charset="0"/>
+            </a:endParaRPr>
+          </a:p>
+          <a:p>
+            <a:pPr>
+              <a:lnSpc>
+                <a:spcPct val="90000"/>
+              </a:lnSpc>
+              <a:buNone/>
+            </a:pPr>
+            <a:endParaRPr lang="en-US" sz="1100" b="0" dirty="0">
+              <a:effectLst/>
+              <a:latin typeface="Consolas" panose="020B0609020204030204" pitchFamily="49" charset="0"/>
+              <a:cs typeface="Consolas" panose="020B0609020204030204" pitchFamily="49" charset="0"/>
+            </a:endParaRPr>
+          </a:p>
+          <a:p>
+            <a:pPr>
+              <a:lnSpc>
+                <a:spcPct val="90000"/>
+              </a:lnSpc>
+              <a:buNone/>
+            </a:pPr>
+            <a:r>
+              <a:rPr lang="en-US" sz="1100" b="0" dirty="0">
                 <a:effectLst/>
                 <a:latin typeface="Consolas" panose="020B0609020204030204" pitchFamily="49" charset="0"/>
                 <a:cs typeface="Consolas" panose="020B0609020204030204" pitchFamily="49" charset="0"/>
@@ -39132,60 +38043,12 @@
               <a:buNone/>
             </a:pPr>
             <a:r>
-              <a:rPr lang="en-US" sz="1100" b="0">
+              <a:rPr lang="en-US" sz="1100" b="0" dirty="0">
                 <a:effectLst/>
                 <a:latin typeface="Consolas" panose="020B0609020204030204" pitchFamily="49" charset="0"/>
                 <a:cs typeface="Consolas" panose="020B0609020204030204" pitchFamily="49" charset="0"/>
               </a:rPr>
-              <a:t>	switch (event.type) {</a:t>
-            </a:r>
-          </a:p>
-          <a:p>
-            <a:pPr lvl="1">
-              <a:lnSpc>
-                <a:spcPct val="90000"/>
-              </a:lnSpc>
-              <a:buNone/>
-            </a:pPr>
-            <a:r>
-              <a:rPr lang="en-US" sz="1100" b="0">
-                <a:effectLst/>
-                <a:latin typeface="Consolas" panose="020B0609020204030204" pitchFamily="49" charset="0"/>
-                <a:cs typeface="Consolas" panose="020B0609020204030204" pitchFamily="49" charset="0"/>
-              </a:rPr>
-              <a:t>		case FrameworkNotification::TimerTick:</a:t>
-            </a:r>
-          </a:p>
-          <a:p>
-            <a:pPr lvl="1">
-              <a:lnSpc>
-                <a:spcPct val="90000"/>
-              </a:lnSpc>
-              <a:buNone/>
-            </a:pPr>
-            <a:r>
-              <a:rPr lang="en-US" sz="1100" b="0">
-                <a:effectLst/>
-                <a:latin typeface="Consolas" panose="020B0609020204030204" pitchFamily="49" charset="0"/>
-                <a:cs typeface="Consolas" panose="020B0609020204030204" pitchFamily="49" charset="0"/>
-              </a:rPr>
-              <a:t>			_state = WAITING_FOR_PROGRAM;</a:t>
-            </a:r>
-          </a:p>
-          <a:p>
-            <a:pPr lvl="1">
-              <a:lnSpc>
-                <a:spcPct val="90000"/>
-              </a:lnSpc>
-              <a:buNone/>
-            </a:pPr>
-            <a:r>
-              <a:rPr lang="en-US" sz="1100" b="0">
-                <a:effectLst/>
-                <a:latin typeface="Consolas" panose="020B0609020204030204" pitchFamily="49" charset="0"/>
-                <a:cs typeface="Consolas" panose="020B0609020204030204" pitchFamily="49" charset="0"/>
-              </a:rPr>
-              <a:t>			break;</a:t>
+              <a:t>    if (event.notification.kind == NotificationKind::User) {</a:t>
             </a:r>
           </a:p>
           <a:p>
@@ -39196,12 +38059,12 @@
               <a:buNone/>
             </a:pPr>
             <a:r>
-              <a:rPr lang="en-US" sz="1100" b="0">
+              <a:rPr lang="en-US" sz="1100" b="0" dirty="0">
                 <a:effectLst/>
                 <a:latin typeface="Consolas" panose="020B0609020204030204" pitchFamily="49" charset="0"/>
                 <a:cs typeface="Consolas" panose="020B0609020204030204" pitchFamily="49" charset="0"/>
               </a:rPr>
-              <a:t>			case FrameworkNotification::RunProgram:</a:t>
+              <a:t>        switch (event.notification.user_code) {</a:t>
             </a:r>
           </a:p>
           <a:p>
@@ -39212,12 +38075,28 @@
               <a:buNone/>
             </a:pPr>
             <a:r>
-              <a:rPr lang="en-US" sz="1100" b="0">
+              <a:rPr lang="en-US" sz="1100" b="0" dirty="0">
                 <a:effectLst/>
                 <a:latin typeface="Consolas" panose="020B0609020204030204" pitchFamily="49" charset="0"/>
                 <a:cs typeface="Consolas" panose="020B0609020204030204" pitchFamily="49" charset="0"/>
               </a:rPr>
-              <a:t>				handleRunProgram();</a:t>
+              <a:t>            case UserNotification::</a:t>
+            </a:r>
+            <a:r>
+              <a:rPr lang="en-US" sz="1100" b="0" dirty="0" err="1">
+                <a:effectLst/>
+                <a:latin typeface="Consolas" panose="020B0609020204030204" pitchFamily="49" charset="0"/>
+                <a:cs typeface="Consolas" panose="020B0609020204030204" pitchFamily="49" charset="0"/>
+              </a:rPr>
+              <a:t>HeartBeat</a:t>
+            </a:r>
+            <a:r>
+              <a:rPr lang="en-US" sz="1100" b="0" dirty="0">
+                <a:effectLst/>
+                <a:latin typeface="Consolas" panose="020B0609020204030204" pitchFamily="49" charset="0"/>
+                <a:cs typeface="Consolas" panose="020B0609020204030204" pitchFamily="49" charset="0"/>
+              </a:rPr>
+              <a:t>:</a:t>
             </a:r>
           </a:p>
           <a:p>
@@ -39228,12 +38107,12 @@
               <a:buNone/>
             </a:pPr>
             <a:r>
-              <a:rPr lang="en-US" sz="1100" b="0">
+              <a:rPr lang="en-US" sz="1100" b="0" dirty="0">
                 <a:effectLst/>
                 <a:latin typeface="Consolas" panose="020B0609020204030204" pitchFamily="49" charset="0"/>
                 <a:cs typeface="Consolas" panose="020B0609020204030204" pitchFamily="49" charset="0"/>
               </a:rPr>
-              <a:t>				break;</a:t>
+              <a:t>                _state = WAITING_FOR_PROGRAM;</a:t>
             </a:r>
           </a:p>
           <a:p>
@@ -39244,12 +38123,41 @@
               <a:buNone/>
             </a:pPr>
             <a:r>
-              <a:rPr lang="en-US" sz="1100" b="0">
+              <a:rPr lang="en-US" sz="1100" b="0" dirty="0">
                 <a:effectLst/>
                 <a:latin typeface="Consolas" panose="020B0609020204030204" pitchFamily="49" charset="0"/>
                 <a:cs typeface="Consolas" panose="020B0609020204030204" pitchFamily="49" charset="0"/>
               </a:rPr>
-              <a:t>			case FrameworkNotification::ProgramStartTime:</a:t>
+              <a:t>                break;</a:t>
+            </a:r>
+          </a:p>
+          <a:p>
+            <a:pPr>
+              <a:lnSpc>
+                <a:spcPct val="90000"/>
+              </a:lnSpc>
+              <a:buNone/>
+            </a:pPr>
+            <a:endParaRPr lang="en-US" sz="1100" b="0" dirty="0">
+              <a:effectLst/>
+              <a:latin typeface="Consolas" panose="020B0609020204030204" pitchFamily="49" charset="0"/>
+              <a:cs typeface="Consolas" panose="020B0609020204030204" pitchFamily="49" charset="0"/>
+            </a:endParaRPr>
+          </a:p>
+          <a:p>
+            <a:pPr>
+              <a:lnSpc>
+                <a:spcPct val="90000"/>
+              </a:lnSpc>
+              <a:buNone/>
+            </a:pPr>
+            <a:r>
+              <a:rPr lang="en-US" sz="1100" b="0" dirty="0">
+                <a:effectLst/>
+                <a:latin typeface="Consolas" panose="020B0609020204030204" pitchFamily="49" charset="0"/>
+                <a:cs typeface="Consolas" panose="020B0609020204030204" pitchFamily="49" charset="0"/>
+              </a:rPr>
+              <a:t>            case UserNotification::RunProgram:</a:t>
             </a:r>
           </a:p>
           <a:p>
@@ -39260,12 +38168,32 @@
               <a:buNone/>
             </a:pPr>
             <a:r>
-              <a:rPr lang="en-US" sz="1100" b="0">
+              <a:rPr lang="en-US" sz="1100" dirty="0">
+                <a:latin typeface="Consolas" panose="020B0609020204030204" pitchFamily="49" charset="0"/>
+                <a:cs typeface="Consolas" panose="020B0609020204030204" pitchFamily="49" charset="0"/>
+              </a:rPr>
+              <a:t>			   _state = RUNNING_PROGRAM;</a:t>
+            </a:r>
+            <a:endParaRPr lang="en-US" sz="1100" b="0" dirty="0">
+              <a:effectLst/>
+              <a:latin typeface="Consolas" panose="020B0609020204030204" pitchFamily="49" charset="0"/>
+              <a:cs typeface="Consolas" panose="020B0609020204030204" pitchFamily="49" charset="0"/>
+            </a:endParaRPr>
+          </a:p>
+          <a:p>
+            <a:pPr>
+              <a:lnSpc>
+                <a:spcPct val="90000"/>
+              </a:lnSpc>
+              <a:buNone/>
+            </a:pPr>
+            <a:r>
+              <a:rPr lang="en-US" sz="1100" b="0" dirty="0">
                 <a:effectLst/>
                 <a:latin typeface="Consolas" panose="020B0609020204030204" pitchFamily="49" charset="0"/>
                 <a:cs typeface="Consolas" panose="020B0609020204030204" pitchFamily="49" charset="0"/>
               </a:rPr>
-              <a:t>				handleStartTime();</a:t>
+              <a:t>                handleRunProgram();</a:t>
             </a:r>
           </a:p>
           <a:p>
@@ -39276,12 +38204,61 @@
               <a:buNone/>
             </a:pPr>
             <a:r>
-              <a:rPr lang="en-US" sz="1100" b="0">
+              <a:rPr lang="en-US" sz="1100" dirty="0">
+                <a:latin typeface="Consolas" panose="020B0609020204030204" pitchFamily="49" charset="0"/>
+                <a:cs typeface="Consolas" panose="020B0609020204030204" pitchFamily="49" charset="0"/>
+              </a:rPr>
+              <a:t>			   _state = WAITING_FOR_ZONE_END</a:t>
+            </a:r>
+            <a:endParaRPr lang="en-US" sz="1100" b="0" dirty="0">
+              <a:effectLst/>
+              <a:latin typeface="Consolas" panose="020B0609020204030204" pitchFamily="49" charset="0"/>
+              <a:cs typeface="Consolas" panose="020B0609020204030204" pitchFamily="49" charset="0"/>
+            </a:endParaRPr>
+          </a:p>
+          <a:p>
+            <a:pPr>
+              <a:lnSpc>
+                <a:spcPct val="90000"/>
+              </a:lnSpc>
+              <a:buNone/>
+            </a:pPr>
+            <a:r>
+              <a:rPr lang="en-US" sz="1100" b="0" dirty="0">
                 <a:effectLst/>
                 <a:latin typeface="Consolas" panose="020B0609020204030204" pitchFamily="49" charset="0"/>
                 <a:cs typeface="Consolas" panose="020B0609020204030204" pitchFamily="49" charset="0"/>
               </a:rPr>
-              <a:t>				break;</a:t>
+              <a:t>                break;</a:t>
+            </a:r>
+          </a:p>
+          <a:p>
+            <a:pPr>
+              <a:lnSpc>
+                <a:spcPct val="90000"/>
+              </a:lnSpc>
+              <a:buNone/>
+            </a:pPr>
+            <a:endParaRPr lang="en-US" sz="1100" b="0" dirty="0">
+              <a:effectLst/>
+              <a:latin typeface="Consolas" panose="020B0609020204030204" pitchFamily="49" charset="0"/>
+              <a:cs typeface="Consolas" panose="020B0609020204030204" pitchFamily="49" charset="0"/>
+            </a:endParaRPr>
+          </a:p>
+          <a:p>
+            <a:pPr>
+              <a:lnSpc>
+                <a:spcPct val="90000"/>
+              </a:lnSpc>
+              <a:buNone/>
+            </a:pPr>
+            <a:r>
+              <a:rPr lang="en-US" sz="1100" b="0" dirty="0">
+                <a:effectLst/>
+                <a:latin typeface="Consolas" panose="020B0609020204030204" pitchFamily="49" charset="0"/>
+                <a:cs typeface="Consolas" panose="020B0609020204030204" pitchFamily="49" charset="0"/>
+              </a:rPr>
+              <a:t>            case UserNotification::ZoneEndTime:</a:t>
             </a:r>
           </a:p>
           <a:p>
@@ -39292,12 +38269,12 @@
               <a:buNone/>
             </a:pPr>
             <a:r>
-              <a:rPr lang="en-US" sz="1100" b="0">
+              <a:rPr lang="en-US" sz="1100" b="0" dirty="0">
                 <a:effectLst/>
                 <a:latin typeface="Consolas" panose="020B0609020204030204" pitchFamily="49" charset="0"/>
                 <a:cs typeface="Consolas" panose="020B0609020204030204" pitchFamily="49" charset="0"/>
               </a:rPr>
-              <a:t>			case FrameworkNotification::ZoneEndTime:</a:t>
+              <a:t>                handleZoneEnd();</a:t>
             </a:r>
           </a:p>
           <a:p>
@@ -39308,12 +38285,61 @@
               <a:buNone/>
             </a:pPr>
             <a:r>
-              <a:rPr lang="en-US" sz="1100" b="0">
+              <a:rPr lang="en-US" sz="1100" dirty="0">
+                <a:latin typeface="Consolas" panose="020B0609020204030204" pitchFamily="49" charset="0"/>
+                <a:cs typeface="Consolas" panose="020B0609020204030204" pitchFamily="49" charset="0"/>
+              </a:rPr>
+              <a:t>			   _state = WAITING_FOR_PROGRAM</a:t>
+            </a:r>
+            <a:endParaRPr lang="en-US" sz="1100" b="0" dirty="0">
+              <a:effectLst/>
+              <a:latin typeface="Consolas" panose="020B0609020204030204" pitchFamily="49" charset="0"/>
+              <a:cs typeface="Consolas" panose="020B0609020204030204" pitchFamily="49" charset="0"/>
+            </a:endParaRPr>
+          </a:p>
+          <a:p>
+            <a:pPr>
+              <a:lnSpc>
+                <a:spcPct val="90000"/>
+              </a:lnSpc>
+              <a:buNone/>
+            </a:pPr>
+            <a:r>
+              <a:rPr lang="en-US" sz="1100" b="0" dirty="0">
                 <a:effectLst/>
                 <a:latin typeface="Consolas" panose="020B0609020204030204" pitchFamily="49" charset="0"/>
                 <a:cs typeface="Consolas" panose="020B0609020204030204" pitchFamily="49" charset="0"/>
               </a:rPr>
-              <a:t>				handleZoneEnd();</a:t>
+              <a:t>                break;</a:t>
+            </a:r>
+          </a:p>
+          <a:p>
+            <a:pPr>
+              <a:lnSpc>
+                <a:spcPct val="90000"/>
+              </a:lnSpc>
+              <a:buNone/>
+            </a:pPr>
+            <a:endParaRPr lang="en-US" sz="1100" b="0" dirty="0">
+              <a:effectLst/>
+              <a:latin typeface="Consolas" panose="020B0609020204030204" pitchFamily="49" charset="0"/>
+              <a:cs typeface="Consolas" panose="020B0609020204030204" pitchFamily="49" charset="0"/>
+            </a:endParaRPr>
+          </a:p>
+          <a:p>
+            <a:pPr>
+              <a:lnSpc>
+                <a:spcPct val="90000"/>
+              </a:lnSpc>
+              <a:buNone/>
+            </a:pPr>
+            <a:r>
+              <a:rPr lang="en-US" sz="1100" b="0" dirty="0">
+                <a:effectLst/>
+                <a:latin typeface="Consolas" panose="020B0609020204030204" pitchFamily="49" charset="0"/>
+                <a:cs typeface="Consolas" panose="020B0609020204030204" pitchFamily="49" charset="0"/>
+              </a:rPr>
+              <a:t>            default:</a:t>
             </a:r>
           </a:p>
           <a:p>
@@ -39324,12 +38350,12 @@
               <a:buNone/>
             </a:pPr>
             <a:r>
-              <a:rPr lang="en-US" sz="1100" b="0">
+              <a:rPr lang="en-US" sz="1100" b="0" dirty="0">
                 <a:effectLst/>
                 <a:latin typeface="Consolas" panose="020B0609020204030204" pitchFamily="49" charset="0"/>
                 <a:cs typeface="Consolas" panose="020B0609020204030204" pitchFamily="49" charset="0"/>
               </a:rPr>
-              <a:t>				break;</a:t>
+              <a:t>                break;</a:t>
             </a:r>
           </a:p>
           <a:p>
@@ -39340,12 +38366,12 @@
               <a:buNone/>
             </a:pPr>
             <a:r>
-              <a:rPr lang="en-US" sz="1100" b="0">
+              <a:rPr lang="en-US" sz="1100" b="0" dirty="0">
                 <a:effectLst/>
                 <a:latin typeface="Consolas" panose="020B0609020204030204" pitchFamily="49" charset="0"/>
                 <a:cs typeface="Consolas" panose="020B0609020204030204" pitchFamily="49" charset="0"/>
               </a:rPr>
-              <a:t>			case FrameworkNotification::GpioChange:</a:t>
+              <a:t>        }</a:t>
             </a:r>
           </a:p>
           <a:p>
@@ -39356,12 +38382,12 @@
               <a:buNone/>
             </a:pPr>
             <a:r>
-              <a:rPr lang="en-US" sz="1100" b="0">
+              <a:rPr lang="en-US" sz="1100" b="0" dirty="0">
                 <a:effectLst/>
                 <a:latin typeface="Consolas" panose="020B0609020204030204" pitchFamily="49" charset="0"/>
                 <a:cs typeface="Consolas" panose="020B0609020204030204" pitchFamily="49" charset="0"/>
               </a:rPr>
-              <a:t>				::handleGpioEvent(event);</a:t>
+              <a:t>    }</a:t>
             </a:r>
           </a:p>
           <a:p>
@@ -39372,49 +38398,13 @@
               <a:buNone/>
             </a:pPr>
             <a:r>
-              <a:rPr lang="en-US" sz="1100" b="0">
+              <a:rPr lang="en-US" sz="1100" b="0" dirty="0">
                 <a:effectLst/>
                 <a:latin typeface="Consolas" panose="020B0609020204030204" pitchFamily="49" charset="0"/>
                 <a:cs typeface="Consolas" panose="020B0609020204030204" pitchFamily="49" charset="0"/>
               </a:rPr>
-              <a:t>				break;</a:t>
+              <a:t>}</a:t>
             </a:r>
-          </a:p>
-          <a:p>
-            <a:pPr marL="0" indent="0">
-              <a:lnSpc>
-                <a:spcPct val="90000"/>
-              </a:lnSpc>
-              <a:buNone/>
-            </a:pPr>
-            <a:r>
-              <a:rPr lang="en-US" sz="1100" b="0">
-                <a:effectLst/>
-                <a:latin typeface="Consolas" panose="020B0609020204030204" pitchFamily="49" charset="0"/>
-                <a:cs typeface="Consolas" panose="020B0609020204030204" pitchFamily="49" charset="0"/>
-              </a:rPr>
-              <a:t>	</a:t>
-            </a:r>
-          </a:p>
-          <a:p>
-            <a:pPr marL="0" indent="0">
-              <a:lnSpc>
-                <a:spcPct val="90000"/>
-              </a:lnSpc>
-              <a:buNone/>
-            </a:pPr>
-            <a:r>
-              <a:rPr lang="en-US" sz="1100">
-                <a:latin typeface="Consolas" panose="020B0609020204030204" pitchFamily="49" charset="0"/>
-                <a:cs typeface="Consolas" panose="020B0609020204030204" pitchFamily="49" charset="0"/>
-              </a:rPr>
-              <a:t>		…</a:t>
-            </a:r>
-            <a:endParaRPr lang="en-US" sz="1100" b="0">
-              <a:effectLst/>
-              <a:latin typeface="Consolas" panose="020B0609020204030204" pitchFamily="49" charset="0"/>
-              <a:cs typeface="Consolas" panose="020B0609020204030204" pitchFamily="49" charset="0"/>
-            </a:endParaRPr>
           </a:p>
           <a:p>
             <a:pPr>
@@ -39422,7 +38412,7 @@
                 <a:spcPct val="90000"/>
               </a:lnSpc>
             </a:pPr>
-            <a:endParaRPr lang="en-US" sz="1100"/>
+            <a:endParaRPr lang="en-US" sz="1100" dirty="0"/>
           </a:p>
         </p:txBody>
       </p:sp>
@@ -39439,7 +38429,7 @@
 </p:sld>
 </file>
 
-<file path=ppt/slides/slide18.xml><?xml version="1.0" encoding="utf-8"?>
+<file path=ppt/slides/slide16.xml><?xml version="1.0" encoding="utf-8"?>
 <p:sld xmlns:a="http://schemas.openxmlformats.org/drawingml/2006/main" xmlns:r="http://schemas.openxmlformats.org/officeDocument/2006/relationships" xmlns:p="http://schemas.openxmlformats.org/presentationml/2006/main">
   <p:cSld>
     <p:bg>
@@ -39789,7 +38779,7 @@
           <a:lstStyle/>
           <a:p>
             <a:r>
-              <a:rPr lang="en-US" sz="3500">
+              <a:rPr lang="en-US" sz="3500" dirty="0">
                 <a:solidFill>
                   <a:srgbClr val="FFFFFF"/>
                 </a:solidFill>
@@ -39838,7 +38828,7 @@
 </p:sld>
 </file>
 
-<file path=ppt/slides/slide19.xml><?xml version="1.0" encoding="utf-8"?>
+<file path=ppt/slides/slide17.xml><?xml version="1.0" encoding="utf-8"?>
 <p:sld xmlns:a="http://schemas.openxmlformats.org/drawingml/2006/main" xmlns:r="http://schemas.openxmlformats.org/officeDocument/2006/relationships" xmlns:p="http://schemas.openxmlformats.org/presentationml/2006/main">
   <p:cSld>
     <p:bg>
@@ -40214,7 +39204,7 @@
             <p:ph idx="1"/>
             <p:extLst>
               <p:ext uri="{D42A27DB-BD31-4B8C-83A1-F6EECF244321}">
-                <p14:modId xmlns:p14="http://schemas.microsoft.com/office/powerpoint/2010/main" val="3115389157"/>
+                <p14:modId xmlns:p14="http://schemas.microsoft.com/office/powerpoint/2010/main" val="2074317042"/>
               </p:ext>
             </p:extLst>
           </p:nvPr>
@@ -40237,494 +39227,7 @@
 </p:sld>
 </file>
 
-<file path=ppt/slides/slide2.xml><?xml version="1.0" encoding="utf-8"?>
-<p:sld xmlns:a="http://schemas.openxmlformats.org/drawingml/2006/main" xmlns:r="http://schemas.openxmlformats.org/officeDocument/2006/relationships" xmlns:p="http://schemas.openxmlformats.org/presentationml/2006/main">
-  <p:cSld>
-    <p:bg>
-      <p:bgPr>
-        <a:solidFill>
-          <a:schemeClr val="bg1"/>
-        </a:solidFill>
-        <a:effectLst/>
-      </p:bgPr>
-    </p:bg>
-    <p:spTree>
-      <p:nvGrpSpPr>
-        <p:cNvPr id="1" name=""/>
-        <p:cNvGrpSpPr/>
-        <p:nvPr/>
-      </p:nvGrpSpPr>
-      <p:grpSpPr>
-        <a:xfrm>
-          <a:off x="0" y="0"/>
-          <a:ext cx="0" cy="0"/>
-          <a:chOff x="0" y="0"/>
-          <a:chExt cx="0" cy="0"/>
-        </a:xfrm>
-      </p:grpSpPr>
-      <p:sp useBgFill="1">
-        <p:nvSpPr>
-          <p:cNvPr id="39" name="Rectangle 38">
-            <a:extLst>
-              <a:ext uri="{FF2B5EF4-FFF2-40B4-BE49-F238E27FC236}">
-                <a16:creationId xmlns:a16="http://schemas.microsoft.com/office/drawing/2014/main" id="{56E9B3E6-E277-4D68-BA48-9CB43FFBD6E2}"/>
-              </a:ext>
-              <a:ext uri="{C183D7F6-B498-43B3-948B-1728B52AA6E4}">
-                <adec:decorative xmlns:adec="http://schemas.microsoft.com/office/drawing/2017/decorative" val="1"/>
-              </a:ext>
-            </a:extLst>
-          </p:cNvPr>
-          <p:cNvSpPr>
-            <a:spLocks noGrp="1" noRot="1" noChangeAspect="1" noMove="1" noResize="1" noEditPoints="1" noAdjustHandles="1" noChangeArrowheads="1" noChangeShapeType="1" noTextEdit="1"/>
-          </p:cNvSpPr>
-          <p:nvPr>
-            <p:extLst>
-              <p:ext uri="{386F3935-93C4-4BCD-93E2-E3B085C9AB24}">
-                <p16:designElem xmlns:p16="http://schemas.microsoft.com/office/powerpoint/2015/main" val="1"/>
-              </p:ext>
-            </p:extLst>
-          </p:nvPr>
-        </p:nvSpPr>
-        <p:spPr>
-          <a:xfrm>
-            <a:off x="0" y="0"/>
-            <a:ext cx="9143999" cy="6857365"/>
-          </a:xfrm>
-          <a:prstGeom prst="rect">
-            <a:avLst/>
-          </a:prstGeom>
-          <a:ln>
-            <a:noFill/>
-          </a:ln>
-        </p:spPr>
-        <p:style>
-          <a:lnRef idx="2">
-            <a:schemeClr val="accent1">
-              <a:shade val="50000"/>
-            </a:schemeClr>
-          </a:lnRef>
-          <a:fillRef idx="1">
-            <a:schemeClr val="accent1"/>
-          </a:fillRef>
-          <a:effectRef idx="0">
-            <a:schemeClr val="accent1"/>
-          </a:effectRef>
-          <a:fontRef idx="minor">
-            <a:schemeClr val="lt1"/>
-          </a:fontRef>
-        </p:style>
-        <p:txBody>
-          <a:bodyPr rtlCol="0" anchor="ctr"/>
-          <a:lstStyle/>
-          <a:p>
-            <a:pPr algn="ctr"/>
-            <a:endParaRPr lang="en-US"/>
-          </a:p>
-        </p:txBody>
-      </p:sp>
-      <p:grpSp>
-        <p:nvGrpSpPr>
-          <p:cNvPr id="41" name="Group 40">
-            <a:extLst>
-              <a:ext uri="{FF2B5EF4-FFF2-40B4-BE49-F238E27FC236}">
-                <a16:creationId xmlns:a16="http://schemas.microsoft.com/office/drawing/2014/main" id="{AE1C45F0-260A-458C-96ED-C1F6D2151219}"/>
-              </a:ext>
-              <a:ext uri="{C183D7F6-B498-43B3-948B-1728B52AA6E4}">
-                <adec:decorative xmlns:adec="http://schemas.microsoft.com/office/drawing/2017/decorative" val="1"/>
-              </a:ext>
-            </a:extLst>
-          </p:cNvPr>
-          <p:cNvGrpSpPr>
-            <a:grpSpLocks noGrp="1" noUngrp="1" noRot="1" noChangeAspect="1" noMove="1" noResize="1"/>
-          </p:cNvGrpSpPr>
-          <p:nvPr>
-            <p:extLst>
-              <p:ext uri="{386F3935-93C4-4BCD-93E2-E3B085C9AB24}">
-                <p16:designElem xmlns:p16="http://schemas.microsoft.com/office/powerpoint/2015/main" val="1"/>
-              </p:ext>
-            </p:extLst>
-          </p:nvPr>
-        </p:nvGrpSpPr>
-        <p:grpSpPr>
-          <a:xfrm>
-            <a:off x="0" y="1216597"/>
-            <a:ext cx="548639" cy="673460"/>
-            <a:chOff x="3940602" y="308034"/>
-            <a:chExt cx="2116791" cy="3428999"/>
-          </a:xfrm>
-          <a:solidFill>
-            <a:schemeClr val="accent4"/>
-          </a:solidFill>
-        </p:grpSpPr>
-        <p:sp>
-          <p:nvSpPr>
-            <p:cNvPr id="42" name="Rectangle 41">
-              <a:extLst>
-                <a:ext uri="{FF2B5EF4-FFF2-40B4-BE49-F238E27FC236}">
-                  <a16:creationId xmlns:a16="http://schemas.microsoft.com/office/drawing/2014/main" id="{A6604B49-AD5C-4590-B051-06C8222ECD99}"/>
-                </a:ext>
-                <a:ext uri="{C183D7F6-B498-43B3-948B-1728B52AA6E4}">
-                  <adec:decorative xmlns:adec="http://schemas.microsoft.com/office/drawing/2017/decorative" val="1"/>
-                </a:ext>
-              </a:extLst>
-            </p:cNvPr>
-            <p:cNvSpPr/>
-            <p:nvPr>
-              <p:extLst>
-                <p:ext uri="{386F3935-93C4-4BCD-93E2-E3B085C9AB24}">
-                  <p16:designElem xmlns:p16="http://schemas.microsoft.com/office/powerpoint/2015/main" val="1"/>
-                </p:ext>
-              </p:extLst>
-            </p:nvPr>
-          </p:nvSpPr>
-          <p:spPr>
-            <a:xfrm>
-              <a:off x="3940602" y="308034"/>
-              <a:ext cx="566743" cy="3428999"/>
-            </a:xfrm>
-            <a:prstGeom prst="rect">
-              <a:avLst/>
-            </a:prstGeom>
-            <a:grpFill/>
-            <a:ln>
-              <a:noFill/>
-            </a:ln>
-          </p:spPr>
-          <p:style>
-            <a:lnRef idx="2">
-              <a:schemeClr val="accent1">
-                <a:shade val="50000"/>
-              </a:schemeClr>
-            </a:lnRef>
-            <a:fillRef idx="1">
-              <a:schemeClr val="accent1"/>
-            </a:fillRef>
-            <a:effectRef idx="0">
-              <a:schemeClr val="accent1"/>
-            </a:effectRef>
-            <a:fontRef idx="minor">
-              <a:schemeClr val="lt1"/>
-            </a:fontRef>
-          </p:style>
-          <p:txBody>
-            <a:bodyPr rtlCol="0" anchor="ctr"/>
-            <a:lstStyle/>
-            <a:p>
-              <a:pPr algn="ctr"/>
-              <a:endParaRPr lang="en-US"/>
-            </a:p>
-          </p:txBody>
-        </p:sp>
-        <p:sp>
-          <p:nvSpPr>
-            <p:cNvPr id="43" name="Rectangle 42">
-              <a:extLst>
-                <a:ext uri="{FF2B5EF4-FFF2-40B4-BE49-F238E27FC236}">
-                  <a16:creationId xmlns:a16="http://schemas.microsoft.com/office/drawing/2014/main" id="{743ECCAF-29C5-4537-947C-7EA1292463DB}"/>
-                </a:ext>
-                <a:ext uri="{C183D7F6-B498-43B3-948B-1728B52AA6E4}">
-                  <adec:decorative xmlns:adec="http://schemas.microsoft.com/office/drawing/2017/decorative" val="1"/>
-                </a:ext>
-              </a:extLst>
-            </p:cNvPr>
-            <p:cNvSpPr/>
-            <p:nvPr>
-              <p:extLst>
-                <p:ext uri="{386F3935-93C4-4BCD-93E2-E3B085C9AB24}">
-                  <p16:designElem xmlns:p16="http://schemas.microsoft.com/office/powerpoint/2015/main" val="1"/>
-                </p:ext>
-              </p:extLst>
-            </p:nvPr>
-          </p:nvSpPr>
-          <p:spPr>
-            <a:xfrm>
-              <a:off x="4715626" y="308034"/>
-              <a:ext cx="566743" cy="3428999"/>
-            </a:xfrm>
-            <a:prstGeom prst="rect">
-              <a:avLst/>
-            </a:prstGeom>
-            <a:grpFill/>
-            <a:ln>
-              <a:noFill/>
-            </a:ln>
-          </p:spPr>
-          <p:style>
-            <a:lnRef idx="2">
-              <a:schemeClr val="accent1">
-                <a:shade val="50000"/>
-              </a:schemeClr>
-            </a:lnRef>
-            <a:fillRef idx="1">
-              <a:schemeClr val="accent1"/>
-            </a:fillRef>
-            <a:effectRef idx="0">
-              <a:schemeClr val="accent1"/>
-            </a:effectRef>
-            <a:fontRef idx="minor">
-              <a:schemeClr val="lt1"/>
-            </a:fontRef>
-          </p:style>
-          <p:txBody>
-            <a:bodyPr rtlCol="0" anchor="ctr"/>
-            <a:lstStyle/>
-            <a:p>
-              <a:pPr algn="ctr"/>
-              <a:endParaRPr lang="en-US"/>
-            </a:p>
-          </p:txBody>
-        </p:sp>
-        <p:sp>
-          <p:nvSpPr>
-            <p:cNvPr id="44" name="Rectangle 43">
-              <a:extLst>
-                <a:ext uri="{FF2B5EF4-FFF2-40B4-BE49-F238E27FC236}">
-                  <a16:creationId xmlns:a16="http://schemas.microsoft.com/office/drawing/2014/main" id="{ED49787B-8DE6-4467-AD0A-8DECC6E0C2D6}"/>
-                </a:ext>
-                <a:ext uri="{C183D7F6-B498-43B3-948B-1728B52AA6E4}">
-                  <adec:decorative xmlns:adec="http://schemas.microsoft.com/office/drawing/2017/decorative" val="1"/>
-                </a:ext>
-              </a:extLst>
-            </p:cNvPr>
-            <p:cNvSpPr/>
-            <p:nvPr>
-              <p:extLst>
-                <p:ext uri="{386F3935-93C4-4BCD-93E2-E3B085C9AB24}">
-                  <p16:designElem xmlns:p16="http://schemas.microsoft.com/office/powerpoint/2015/main" val="1"/>
-                </p:ext>
-              </p:extLst>
-            </p:nvPr>
-          </p:nvSpPr>
-          <p:spPr>
-            <a:xfrm>
-              <a:off x="5490650" y="308034"/>
-              <a:ext cx="566743" cy="3428999"/>
-            </a:xfrm>
-            <a:prstGeom prst="rect">
-              <a:avLst/>
-            </a:prstGeom>
-            <a:grpFill/>
-            <a:ln>
-              <a:noFill/>
-            </a:ln>
-          </p:spPr>
-          <p:style>
-            <a:lnRef idx="2">
-              <a:schemeClr val="accent1">
-                <a:shade val="50000"/>
-              </a:schemeClr>
-            </a:lnRef>
-            <a:fillRef idx="1">
-              <a:schemeClr val="accent1"/>
-            </a:fillRef>
-            <a:effectRef idx="0">
-              <a:schemeClr val="accent1"/>
-            </a:effectRef>
-            <a:fontRef idx="minor">
-              <a:schemeClr val="lt1"/>
-            </a:fontRef>
-          </p:style>
-          <p:txBody>
-            <a:bodyPr rtlCol="0" anchor="ctr"/>
-            <a:lstStyle/>
-            <a:p>
-              <a:pPr algn="ctr"/>
-              <a:endParaRPr lang="en-US"/>
-            </a:p>
-          </p:txBody>
-        </p:sp>
-      </p:grpSp>
-      <p:sp>
-        <p:nvSpPr>
-          <p:cNvPr id="46" name="Rectangle 45">
-            <a:extLst>
-              <a:ext uri="{FF2B5EF4-FFF2-40B4-BE49-F238E27FC236}">
-                <a16:creationId xmlns:a16="http://schemas.microsoft.com/office/drawing/2014/main" id="{D5B0017B-2ECA-49AF-B397-DC140825DF8D}"/>
-              </a:ext>
-              <a:ext uri="{C183D7F6-B498-43B3-948B-1728B52AA6E4}">
-                <adec:decorative xmlns:adec="http://schemas.microsoft.com/office/drawing/2017/decorative" val="1"/>
-              </a:ext>
-            </a:extLst>
-          </p:cNvPr>
-          <p:cNvSpPr>
-            <a:spLocks noGrp="1" noRot="1" noChangeAspect="1" noMove="1" noResize="1" noEditPoints="1" noAdjustHandles="1" noChangeArrowheads="1" noChangeShapeType="1" noTextEdit="1"/>
-          </p:cNvSpPr>
-          <p:nvPr>
-            <p:extLst>
-              <p:ext uri="{386F3935-93C4-4BCD-93E2-E3B085C9AB24}">
-                <p16:designElem xmlns:p16="http://schemas.microsoft.com/office/powerpoint/2015/main" val="1"/>
-              </p:ext>
-            </p:extLst>
-          </p:nvPr>
-        </p:nvSpPr>
-        <p:spPr>
-          <a:xfrm>
-            <a:off x="480059" y="613954"/>
-            <a:ext cx="8180615" cy="1894116"/>
-          </a:xfrm>
-          <a:prstGeom prst="rect">
-            <a:avLst/>
-          </a:prstGeom>
-          <a:solidFill>
-            <a:schemeClr val="bg1"/>
-          </a:solidFill>
-          <a:ln>
-            <a:noFill/>
-          </a:ln>
-          <a:effectLst>
-            <a:outerShdw blurRad="139700" dist="127000" dir="5400000" algn="t" rotWithShape="0">
-              <a:prstClr val="black">
-                <a:alpha val="15000"/>
-              </a:prstClr>
-            </a:outerShdw>
-          </a:effectLst>
-        </p:spPr>
-        <p:style>
-          <a:lnRef idx="2">
-            <a:schemeClr val="accent1">
-              <a:shade val="50000"/>
-            </a:schemeClr>
-          </a:lnRef>
-          <a:fillRef idx="1">
-            <a:schemeClr val="accent1"/>
-          </a:fillRef>
-          <a:effectRef idx="0">
-            <a:schemeClr val="accent1"/>
-          </a:effectRef>
-          <a:fontRef idx="minor">
-            <a:schemeClr val="lt1"/>
-          </a:fontRef>
-        </p:style>
-        <p:txBody>
-          <a:bodyPr rtlCol="0" anchor="ctr"/>
-          <a:lstStyle/>
-          <a:p>
-            <a:pPr algn="ctr"/>
-            <a:endParaRPr lang="en-US"/>
-          </a:p>
-        </p:txBody>
-      </p:sp>
-      <p:sp>
-        <p:nvSpPr>
-          <p:cNvPr id="2" name="Title 1"/>
-          <p:cNvSpPr>
-            <a:spLocks noGrp="1"/>
-          </p:cNvSpPr>
-          <p:nvPr>
-            <p:ph type="title"/>
-          </p:nvPr>
-        </p:nvSpPr>
-        <p:spPr>
-          <a:xfrm>
-            <a:off x="782723" y="809898"/>
-            <a:ext cx="7629757" cy="1554480"/>
-          </a:xfrm>
-        </p:spPr>
-        <p:txBody>
-          <a:bodyPr anchor="ctr">
-            <a:normAutofit/>
-          </a:bodyPr>
-          <a:lstStyle/>
-          <a:p>
-            <a:r>
-              <a:rPr lang="en-US" sz="4200"/>
-              <a:t>What is PicoFramework?</a:t>
-            </a:r>
-          </a:p>
-        </p:txBody>
-      </p:sp>
-      <p:cxnSp>
-        <p:nvCxnSpPr>
-          <p:cNvPr id="48" name="Straight Connector 47">
-            <a:extLst>
-              <a:ext uri="{FF2B5EF4-FFF2-40B4-BE49-F238E27FC236}">
-                <a16:creationId xmlns:a16="http://schemas.microsoft.com/office/drawing/2014/main" id="{6CF1BAF6-AD41-4082-B212-8A1F9A2E8779}"/>
-              </a:ext>
-              <a:ext uri="{C183D7F6-B498-43B3-948B-1728B52AA6E4}">
-                <adec:decorative xmlns:adec="http://schemas.microsoft.com/office/drawing/2017/decorative" val="1"/>
-              </a:ext>
-            </a:extLst>
-          </p:cNvPr>
-          <p:cNvCxnSpPr>
-            <a:cxnSpLocks noGrp="1" noRot="1" noChangeAspect="1" noMove="1" noResize="1" noEditPoints="1" noAdjustHandles="1" noChangeArrowheads="1" noChangeShapeType="1"/>
-          </p:cNvCxnSpPr>
-          <p:nvPr>
-            <p:extLst>
-              <p:ext uri="{386F3935-93C4-4BCD-93E2-E3B085C9AB24}">
-                <p16:designElem xmlns:p16="http://schemas.microsoft.com/office/powerpoint/2015/main" val="1"/>
-              </p:ext>
-            </p:extLst>
-          </p:nvPr>
-        </p:nvCxnSpPr>
-        <p:spPr>
-          <a:xfrm flipH="1">
-            <a:off x="628650" y="6485313"/>
-            <a:ext cx="7886700" cy="0"/>
-          </a:xfrm>
-          <a:prstGeom prst="line">
-            <a:avLst/>
-          </a:prstGeom>
-          <a:ln w="57150">
-            <a:solidFill>
-              <a:schemeClr val="accent4"/>
-            </a:solidFill>
-          </a:ln>
-        </p:spPr>
-        <p:style>
-          <a:lnRef idx="1">
-            <a:schemeClr val="accent1"/>
-          </a:lnRef>
-          <a:fillRef idx="0">
-            <a:schemeClr val="accent1"/>
-          </a:fillRef>
-          <a:effectRef idx="0">
-            <a:schemeClr val="accent1"/>
-          </a:effectRef>
-          <a:fontRef idx="minor">
-            <a:schemeClr val="tx1"/>
-          </a:fontRef>
-        </p:style>
-      </p:cxnSp>
-      <p:graphicFrame>
-        <p:nvGraphicFramePr>
-          <p:cNvPr id="5" name="Content Placeholder 2">
-            <a:extLst>
-              <a:ext uri="{FF2B5EF4-FFF2-40B4-BE49-F238E27FC236}">
-                <a16:creationId xmlns:a16="http://schemas.microsoft.com/office/drawing/2014/main" id="{025C1425-3B1A-6120-EB17-989D5BA19308}"/>
-              </a:ext>
-            </a:extLst>
-          </p:cNvPr>
-          <p:cNvGraphicFramePr>
-            <a:graphicFrameLocks noGrp="1"/>
-          </p:cNvGraphicFramePr>
-          <p:nvPr>
-            <p:ph idx="1"/>
-            <p:extLst>
-              <p:ext uri="{D42A27DB-BD31-4B8C-83A1-F6EECF244321}">
-                <p14:modId xmlns:p14="http://schemas.microsoft.com/office/powerpoint/2010/main" val="173775712"/>
-              </p:ext>
-            </p:extLst>
-          </p:nvPr>
-        </p:nvGraphicFramePr>
-        <p:xfrm>
-          <a:off x="678451" y="3017519"/>
-          <a:ext cx="7783830" cy="3209902"/>
-        </p:xfrm>
-        <a:graphic>
-          <a:graphicData uri="http://schemas.openxmlformats.org/drawingml/2006/diagram">
-            <dgm:relIds xmlns:dgm="http://schemas.openxmlformats.org/drawingml/2006/diagram" xmlns:r="http://schemas.openxmlformats.org/officeDocument/2006/relationships" r:dm="rId2" r:lo="rId3" r:qs="rId4" r:cs="rId5"/>
-          </a:graphicData>
-        </a:graphic>
-      </p:graphicFrame>
-    </p:spTree>
-  </p:cSld>
-  <p:clrMapOvr>
-    <a:masterClrMapping/>
-  </p:clrMapOvr>
-</p:sld>
-</file>
-
-<file path=ppt/slides/slide20.xml><?xml version="1.0" encoding="utf-8"?>
+<file path=ppt/slides/slide18.xml><?xml version="1.0" encoding="utf-8"?>
 <p:sld xmlns:a="http://schemas.openxmlformats.org/drawingml/2006/main" xmlns:r="http://schemas.openxmlformats.org/officeDocument/2006/relationships" xmlns:p="http://schemas.openxmlformats.org/presentationml/2006/main">
   <p:cSld>
     <p:bg>
@@ -41733,7 +40236,7 @@
               </a:lnSpc>
             </a:pPr>
             <a:r>
-              <a:rPr lang="en-US" sz="1200"/>
+              <a:rPr lang="en-US" sz="1200" dirty="0"/>
               <a:t>HttpRequest with fluent builder API</a:t>
             </a:r>
           </a:p>
@@ -41744,7 +40247,7 @@
               </a:lnSpc>
             </a:pPr>
             <a:r>
-              <a:rPr lang="en-US" sz="1200"/>
+              <a:rPr lang="en-US" sz="1200" dirty="0"/>
               <a:t>Full URL parsing with .setUri()</a:t>
             </a:r>
           </a:p>
@@ -41755,7 +40258,7 @@
               </a:lnSpc>
             </a:pPr>
             <a:r>
-              <a:rPr lang="en-US" sz="1200"/>
+              <a:rPr lang="en-US" sz="1200" dirty="0"/>
               <a:t>TLS support with root certificate verification</a:t>
             </a:r>
           </a:p>
@@ -41766,7 +40269,7 @@
               </a:lnSpc>
             </a:pPr>
             <a:r>
-              <a:rPr lang="en-US" sz="1200"/>
+              <a:rPr lang="en-US" sz="1200" dirty="0"/>
               <a:t>HttpResponse object with status, headers, body, file-saving</a:t>
             </a:r>
           </a:p>
@@ -41777,7 +40280,7 @@
               </a:lnSpc>
             </a:pPr>
             <a:r>
-              <a:rPr lang="en-US" sz="1200"/>
+              <a:rPr lang="en-US" sz="1200" dirty="0"/>
               <a:t>Chunked transfer decoding</a:t>
             </a:r>
           </a:p>
@@ -41788,7 +40291,7 @@
               </a:lnSpc>
             </a:pPr>
             <a:r>
-              <a:rPr lang="en-US" sz="1200"/>
+              <a:rPr lang="en-US" sz="1200" dirty="0"/>
               <a:t>HttpClient abstraction under-the-hood</a:t>
             </a:r>
           </a:p>
@@ -41798,7 +40301,7 @@
                 <a:spcPct val="90000"/>
               </a:lnSpc>
             </a:pPr>
-            <a:endParaRPr lang="en-US" sz="1200"/>
+            <a:endParaRPr lang="en-US" sz="1200" dirty="0"/>
           </a:p>
           <a:p>
             <a:pPr>
@@ -41808,9 +40311,10 @@
               <a:buNone/>
             </a:pPr>
             <a:r>
-              <a:rPr lang="en-US" sz="1200" b="0">
+              <a:rPr lang="en-US" sz="1000" b="0" dirty="0">
                 <a:effectLst/>
-                <a:latin typeface="Menlo" panose="020B0609030804020204" pitchFamily="49" charset="0"/>
+                <a:latin typeface="Consolas" panose="020B0609020204030204" pitchFamily="49" charset="0"/>
+                <a:cs typeface="Consolas" panose="020B0609020204030204" pitchFamily="49" charset="0"/>
               </a:rPr>
               <a:t>printf("\nTLS test to Raspberry Pi example\n");</a:t>
             </a:r>
@@ -41823,9 +40327,10 @@
               <a:buNone/>
             </a:pPr>
             <a:r>
-              <a:rPr lang="en-US" sz="1200" b="0">
+              <a:rPr lang="en-US" sz="1000" b="0" dirty="0">
                 <a:effectLst/>
-                <a:latin typeface="Menlo" panose="020B0609030804020204" pitchFamily="49" charset="0"/>
+                <a:latin typeface="Consolas" panose="020B0609020204030204" pitchFamily="49" charset="0"/>
+                <a:cs typeface="Consolas" panose="020B0609020204030204" pitchFamily="49" charset="0"/>
               </a:rPr>
               <a:t>response = request.setRootCACertificate(BROWSER_ROOT_CA)</a:t>
             </a:r>
@@ -41838,11 +40343,28 @@
               <a:buNone/>
             </a:pPr>
             <a:r>
-              <a:rPr lang="en-US" sz="1200" b="0">
+              <a:rPr lang="en-US" sz="1000" b="0" dirty="0">
                 <a:effectLst/>
-                <a:latin typeface="Menlo" panose="020B0609030804020204" pitchFamily="49" charset="0"/>
+                <a:latin typeface="Consolas" panose="020B0609020204030204" pitchFamily="49" charset="0"/>
+                <a:cs typeface="Consolas" panose="020B0609020204030204" pitchFamily="49" charset="0"/>
               </a:rPr>
-              <a:t>	.get("https://fw-download-alias1.raspberrypi.com/net_install/boot.sig");</a:t>
+              <a:t>	.get("https://fw-download-alias1.raspberrypi.com/net_install/</a:t>
+            </a:r>
+            <a:r>
+              <a:rPr lang="en-US" sz="1000" b="0" dirty="0" err="1">
+                <a:effectLst/>
+                <a:latin typeface="Consolas" panose="020B0609020204030204" pitchFamily="49" charset="0"/>
+                <a:cs typeface="Consolas" panose="020B0609020204030204" pitchFamily="49" charset="0"/>
+              </a:rPr>
+              <a:t>boot.sig</a:t>
+            </a:r>
+            <a:r>
+              <a:rPr lang="en-US" sz="1000" b="0" dirty="0">
+                <a:effectLst/>
+                <a:latin typeface="Consolas" panose="020B0609020204030204" pitchFamily="49" charset="0"/>
+                <a:cs typeface="Consolas" panose="020B0609020204030204" pitchFamily="49" charset="0"/>
+              </a:rPr>
+              <a:t>");</a:t>
             </a:r>
           </a:p>
           <a:p>
@@ -41853,9 +40375,10 @@
               <a:buNone/>
             </a:pPr>
             <a:r>
-              <a:rPr lang="en-US" sz="1200" b="0">
+              <a:rPr lang="en-US" sz="1000" b="0" dirty="0">
                 <a:effectLst/>
-                <a:latin typeface="Menlo" panose="020B0609030804020204" pitchFamily="49" charset="0"/>
+                <a:latin typeface="Consolas" panose="020B0609020204030204" pitchFamily="49" charset="0"/>
+                <a:cs typeface="Consolas" panose="020B0609020204030204" pitchFamily="49" charset="0"/>
               </a:rPr>
               <a:t>	if (!response.ok()) {</a:t>
             </a:r>
@@ -41868,9 +40391,10 @@
               <a:buNone/>
             </a:pPr>
             <a:r>
-              <a:rPr lang="en-US" sz="1200" b="0">
+              <a:rPr lang="en-US" sz="1000" b="0" dirty="0">
                 <a:effectLst/>
-                <a:latin typeface="Menlo" panose="020B0609030804020204" pitchFamily="49" charset="0"/>
+                <a:latin typeface="Consolas" panose="020B0609020204030204" pitchFamily="49" charset="0"/>
+                <a:cs typeface="Consolas" panose="020B0609020204030204" pitchFamily="49" charset="0"/>
               </a:rPr>
               <a:t>		printf("RPi Failed to fetch data\n");</a:t>
             </a:r>
@@ -41883,9 +40407,10 @@
               <a:buNone/>
             </a:pPr>
             <a:r>
-              <a:rPr lang="en-US" sz="1200" b="0">
+              <a:rPr lang="en-US" sz="1000" b="0" dirty="0">
                 <a:effectLst/>
-                <a:latin typeface="Menlo" panose="020B0609030804020204" pitchFamily="49" charset="0"/>
+                <a:latin typeface="Consolas" panose="020B0609020204030204" pitchFamily="49" charset="0"/>
+                <a:cs typeface="Consolas" panose="020B0609020204030204" pitchFamily="49" charset="0"/>
               </a:rPr>
               <a:t>	}</a:t>
             </a:r>
@@ -41898,9 +40423,10 @@
               <a:buNone/>
             </a:pPr>
             <a:r>
-              <a:rPr lang="en-US" sz="1200" b="0">
+              <a:rPr lang="en-US" sz="1000" b="0" dirty="0">
                 <a:effectLst/>
-                <a:latin typeface="Menlo" panose="020B0609030804020204" pitchFamily="49" charset="0"/>
+                <a:latin typeface="Consolas" panose="020B0609020204030204" pitchFamily="49" charset="0"/>
+                <a:cs typeface="Consolas" panose="020B0609020204030204" pitchFamily="49" charset="0"/>
               </a:rPr>
               <a:t>	else{</a:t>
             </a:r>
@@ -41913,9 +40439,10 @@
               <a:buNone/>
             </a:pPr>
             <a:r>
-              <a:rPr lang="en-US" sz="1200" b="0">
+              <a:rPr lang="en-US" sz="1000" b="0" dirty="0">
                 <a:effectLst/>
-                <a:latin typeface="Menlo" panose="020B0609030804020204" pitchFamily="49" charset="0"/>
+                <a:latin typeface="Consolas" panose="020B0609020204030204" pitchFamily="49" charset="0"/>
+                <a:cs typeface="Consolas" panose="020B0609020204030204" pitchFamily="49" charset="0"/>
               </a:rPr>
               <a:t>		printf("TLS request sent successfully\n");</a:t>
             </a:r>
@@ -41928,11 +40455,28 @@
               <a:buNone/>
             </a:pPr>
             <a:r>
-              <a:rPr lang="en-US" sz="1200" b="0">
+              <a:rPr lang="en-US" sz="1000" b="0" dirty="0">
                 <a:effectLst/>
-                <a:latin typeface="Menlo" panose="020B0609030804020204" pitchFamily="49" charset="0"/>
+                <a:latin typeface="Consolas" panose="020B0609020204030204" pitchFamily="49" charset="0"/>
+                <a:cs typeface="Consolas" panose="020B0609020204030204" pitchFamily="49" charset="0"/>
               </a:rPr>
-              <a:t>		printf("RPi Response: %s\n", response.getBody().c_str());</a:t>
+              <a:t>		printf("RPi Response: %s\n", response.getBody().</a:t>
+            </a:r>
+            <a:r>
+              <a:rPr lang="en-US" sz="1000" b="0" dirty="0" err="1">
+                <a:effectLst/>
+                <a:latin typeface="Consolas" panose="020B0609020204030204" pitchFamily="49" charset="0"/>
+                <a:cs typeface="Consolas" panose="020B0609020204030204" pitchFamily="49" charset="0"/>
+              </a:rPr>
+              <a:t>c_str</a:t>
+            </a:r>
+            <a:r>
+              <a:rPr lang="en-US" sz="1000" b="0" dirty="0">
+                <a:effectLst/>
+                <a:latin typeface="Consolas" panose="020B0609020204030204" pitchFamily="49" charset="0"/>
+                <a:cs typeface="Consolas" panose="020B0609020204030204" pitchFamily="49" charset="0"/>
+              </a:rPr>
+              <a:t>());</a:t>
             </a:r>
           </a:p>
           <a:p>
@@ -41943,9 +40487,10 @@
               <a:buNone/>
             </a:pPr>
             <a:r>
-              <a:rPr lang="en-US" sz="1200" b="0">
+              <a:rPr lang="en-US" sz="1000" b="0" dirty="0">
                 <a:effectLst/>
-                <a:latin typeface="Menlo" panose="020B0609030804020204" pitchFamily="49" charset="0"/>
+                <a:latin typeface="Consolas" panose="020B0609020204030204" pitchFamily="49" charset="0"/>
+                <a:cs typeface="Consolas" panose="020B0609020204030204" pitchFamily="49" charset="0"/>
               </a:rPr>
               <a:t>}</a:t>
             </a:r>
@@ -41956,7 +40501,7 @@
                 <a:spcPct val="90000"/>
               </a:lnSpc>
             </a:pPr>
-            <a:endParaRPr lang="en-US" sz="1200"/>
+            <a:endParaRPr lang="en-US" sz="1200" dirty="0"/>
           </a:p>
         </p:txBody>
       </p:sp>
@@ -41968,7 +40513,7 @@
 </p:sld>
 </file>
 
-<file path=ppt/slides/slide21.xml><?xml version="1.0" encoding="utf-8"?>
+<file path=ppt/slides/slide19.xml><?xml version="1.0" encoding="utf-8"?>
 <p:sld xmlns:a="http://schemas.openxmlformats.org/drawingml/2006/main" xmlns:r="http://schemas.openxmlformats.org/officeDocument/2006/relationships" xmlns:p="http://schemas.openxmlformats.org/presentationml/2006/main">
   <p:cSld>
     <p:bg>
@@ -42728,7 +41273,494 @@
 </p:sld>
 </file>
 
-<file path=ppt/slides/slide22.xml><?xml version="1.0" encoding="utf-8"?>
+<file path=ppt/slides/slide2.xml><?xml version="1.0" encoding="utf-8"?>
+<p:sld xmlns:a="http://schemas.openxmlformats.org/drawingml/2006/main" xmlns:r="http://schemas.openxmlformats.org/officeDocument/2006/relationships" xmlns:p="http://schemas.openxmlformats.org/presentationml/2006/main">
+  <p:cSld>
+    <p:bg>
+      <p:bgPr>
+        <a:solidFill>
+          <a:schemeClr val="bg1"/>
+        </a:solidFill>
+        <a:effectLst/>
+      </p:bgPr>
+    </p:bg>
+    <p:spTree>
+      <p:nvGrpSpPr>
+        <p:cNvPr id="1" name=""/>
+        <p:cNvGrpSpPr/>
+        <p:nvPr/>
+      </p:nvGrpSpPr>
+      <p:grpSpPr>
+        <a:xfrm>
+          <a:off x="0" y="0"/>
+          <a:ext cx="0" cy="0"/>
+          <a:chOff x="0" y="0"/>
+          <a:chExt cx="0" cy="0"/>
+        </a:xfrm>
+      </p:grpSpPr>
+      <p:sp useBgFill="1">
+        <p:nvSpPr>
+          <p:cNvPr id="39" name="Rectangle 38">
+            <a:extLst>
+              <a:ext uri="{FF2B5EF4-FFF2-40B4-BE49-F238E27FC236}">
+                <a16:creationId xmlns:a16="http://schemas.microsoft.com/office/drawing/2014/main" id="{56E9B3E6-E277-4D68-BA48-9CB43FFBD6E2}"/>
+              </a:ext>
+              <a:ext uri="{C183D7F6-B498-43B3-948B-1728B52AA6E4}">
+                <adec:decorative xmlns:adec="http://schemas.microsoft.com/office/drawing/2017/decorative" val="1"/>
+              </a:ext>
+            </a:extLst>
+          </p:cNvPr>
+          <p:cNvSpPr>
+            <a:spLocks noGrp="1" noRot="1" noChangeAspect="1" noMove="1" noResize="1" noEditPoints="1" noAdjustHandles="1" noChangeArrowheads="1" noChangeShapeType="1" noTextEdit="1"/>
+          </p:cNvSpPr>
+          <p:nvPr>
+            <p:extLst>
+              <p:ext uri="{386F3935-93C4-4BCD-93E2-E3B085C9AB24}">
+                <p16:designElem xmlns:p16="http://schemas.microsoft.com/office/powerpoint/2015/main" val="1"/>
+              </p:ext>
+            </p:extLst>
+          </p:nvPr>
+        </p:nvSpPr>
+        <p:spPr>
+          <a:xfrm>
+            <a:off x="0" y="0"/>
+            <a:ext cx="9143999" cy="6857365"/>
+          </a:xfrm>
+          <a:prstGeom prst="rect">
+            <a:avLst/>
+          </a:prstGeom>
+          <a:ln>
+            <a:noFill/>
+          </a:ln>
+        </p:spPr>
+        <p:style>
+          <a:lnRef idx="2">
+            <a:schemeClr val="accent1">
+              <a:shade val="50000"/>
+            </a:schemeClr>
+          </a:lnRef>
+          <a:fillRef idx="1">
+            <a:schemeClr val="accent1"/>
+          </a:fillRef>
+          <a:effectRef idx="0">
+            <a:schemeClr val="accent1"/>
+          </a:effectRef>
+          <a:fontRef idx="minor">
+            <a:schemeClr val="lt1"/>
+          </a:fontRef>
+        </p:style>
+        <p:txBody>
+          <a:bodyPr rtlCol="0" anchor="ctr"/>
+          <a:lstStyle/>
+          <a:p>
+            <a:pPr algn="ctr"/>
+            <a:endParaRPr lang="en-US"/>
+          </a:p>
+        </p:txBody>
+      </p:sp>
+      <p:grpSp>
+        <p:nvGrpSpPr>
+          <p:cNvPr id="41" name="Group 40">
+            <a:extLst>
+              <a:ext uri="{FF2B5EF4-FFF2-40B4-BE49-F238E27FC236}">
+                <a16:creationId xmlns:a16="http://schemas.microsoft.com/office/drawing/2014/main" id="{AE1C45F0-260A-458C-96ED-C1F6D2151219}"/>
+              </a:ext>
+              <a:ext uri="{C183D7F6-B498-43B3-948B-1728B52AA6E4}">
+                <adec:decorative xmlns:adec="http://schemas.microsoft.com/office/drawing/2017/decorative" val="1"/>
+              </a:ext>
+            </a:extLst>
+          </p:cNvPr>
+          <p:cNvGrpSpPr>
+            <a:grpSpLocks noGrp="1" noUngrp="1" noRot="1" noChangeAspect="1" noMove="1" noResize="1"/>
+          </p:cNvGrpSpPr>
+          <p:nvPr>
+            <p:extLst>
+              <p:ext uri="{386F3935-93C4-4BCD-93E2-E3B085C9AB24}">
+                <p16:designElem xmlns:p16="http://schemas.microsoft.com/office/powerpoint/2015/main" val="1"/>
+              </p:ext>
+            </p:extLst>
+          </p:nvPr>
+        </p:nvGrpSpPr>
+        <p:grpSpPr>
+          <a:xfrm>
+            <a:off x="0" y="1216597"/>
+            <a:ext cx="548639" cy="673460"/>
+            <a:chOff x="3940602" y="308034"/>
+            <a:chExt cx="2116791" cy="3428999"/>
+          </a:xfrm>
+          <a:solidFill>
+            <a:schemeClr val="accent4"/>
+          </a:solidFill>
+        </p:grpSpPr>
+        <p:sp>
+          <p:nvSpPr>
+            <p:cNvPr id="42" name="Rectangle 41">
+              <a:extLst>
+                <a:ext uri="{FF2B5EF4-FFF2-40B4-BE49-F238E27FC236}">
+                  <a16:creationId xmlns:a16="http://schemas.microsoft.com/office/drawing/2014/main" id="{A6604B49-AD5C-4590-B051-06C8222ECD99}"/>
+                </a:ext>
+                <a:ext uri="{C183D7F6-B498-43B3-948B-1728B52AA6E4}">
+                  <adec:decorative xmlns:adec="http://schemas.microsoft.com/office/drawing/2017/decorative" val="1"/>
+                </a:ext>
+              </a:extLst>
+            </p:cNvPr>
+            <p:cNvSpPr/>
+            <p:nvPr>
+              <p:extLst>
+                <p:ext uri="{386F3935-93C4-4BCD-93E2-E3B085C9AB24}">
+                  <p16:designElem xmlns:p16="http://schemas.microsoft.com/office/powerpoint/2015/main" val="1"/>
+                </p:ext>
+              </p:extLst>
+            </p:nvPr>
+          </p:nvSpPr>
+          <p:spPr>
+            <a:xfrm>
+              <a:off x="3940602" y="308034"/>
+              <a:ext cx="566743" cy="3428999"/>
+            </a:xfrm>
+            <a:prstGeom prst="rect">
+              <a:avLst/>
+            </a:prstGeom>
+            <a:grpFill/>
+            <a:ln>
+              <a:noFill/>
+            </a:ln>
+          </p:spPr>
+          <p:style>
+            <a:lnRef idx="2">
+              <a:schemeClr val="accent1">
+                <a:shade val="50000"/>
+              </a:schemeClr>
+            </a:lnRef>
+            <a:fillRef idx="1">
+              <a:schemeClr val="accent1"/>
+            </a:fillRef>
+            <a:effectRef idx="0">
+              <a:schemeClr val="accent1"/>
+            </a:effectRef>
+            <a:fontRef idx="minor">
+              <a:schemeClr val="lt1"/>
+            </a:fontRef>
+          </p:style>
+          <p:txBody>
+            <a:bodyPr rtlCol="0" anchor="ctr"/>
+            <a:lstStyle/>
+            <a:p>
+              <a:pPr algn="ctr"/>
+              <a:endParaRPr lang="en-US"/>
+            </a:p>
+          </p:txBody>
+        </p:sp>
+        <p:sp>
+          <p:nvSpPr>
+            <p:cNvPr id="43" name="Rectangle 42">
+              <a:extLst>
+                <a:ext uri="{FF2B5EF4-FFF2-40B4-BE49-F238E27FC236}">
+                  <a16:creationId xmlns:a16="http://schemas.microsoft.com/office/drawing/2014/main" id="{743ECCAF-29C5-4537-947C-7EA1292463DB}"/>
+                </a:ext>
+                <a:ext uri="{C183D7F6-B498-43B3-948B-1728B52AA6E4}">
+                  <adec:decorative xmlns:adec="http://schemas.microsoft.com/office/drawing/2017/decorative" val="1"/>
+                </a:ext>
+              </a:extLst>
+            </p:cNvPr>
+            <p:cNvSpPr/>
+            <p:nvPr>
+              <p:extLst>
+                <p:ext uri="{386F3935-93C4-4BCD-93E2-E3B085C9AB24}">
+                  <p16:designElem xmlns:p16="http://schemas.microsoft.com/office/powerpoint/2015/main" val="1"/>
+                </p:ext>
+              </p:extLst>
+            </p:nvPr>
+          </p:nvSpPr>
+          <p:spPr>
+            <a:xfrm>
+              <a:off x="4715626" y="308034"/>
+              <a:ext cx="566743" cy="3428999"/>
+            </a:xfrm>
+            <a:prstGeom prst="rect">
+              <a:avLst/>
+            </a:prstGeom>
+            <a:grpFill/>
+            <a:ln>
+              <a:noFill/>
+            </a:ln>
+          </p:spPr>
+          <p:style>
+            <a:lnRef idx="2">
+              <a:schemeClr val="accent1">
+                <a:shade val="50000"/>
+              </a:schemeClr>
+            </a:lnRef>
+            <a:fillRef idx="1">
+              <a:schemeClr val="accent1"/>
+            </a:fillRef>
+            <a:effectRef idx="0">
+              <a:schemeClr val="accent1"/>
+            </a:effectRef>
+            <a:fontRef idx="minor">
+              <a:schemeClr val="lt1"/>
+            </a:fontRef>
+          </p:style>
+          <p:txBody>
+            <a:bodyPr rtlCol="0" anchor="ctr"/>
+            <a:lstStyle/>
+            <a:p>
+              <a:pPr algn="ctr"/>
+              <a:endParaRPr lang="en-US"/>
+            </a:p>
+          </p:txBody>
+        </p:sp>
+        <p:sp>
+          <p:nvSpPr>
+            <p:cNvPr id="44" name="Rectangle 43">
+              <a:extLst>
+                <a:ext uri="{FF2B5EF4-FFF2-40B4-BE49-F238E27FC236}">
+                  <a16:creationId xmlns:a16="http://schemas.microsoft.com/office/drawing/2014/main" id="{ED49787B-8DE6-4467-AD0A-8DECC6E0C2D6}"/>
+                </a:ext>
+                <a:ext uri="{C183D7F6-B498-43B3-948B-1728B52AA6E4}">
+                  <adec:decorative xmlns:adec="http://schemas.microsoft.com/office/drawing/2017/decorative" val="1"/>
+                </a:ext>
+              </a:extLst>
+            </p:cNvPr>
+            <p:cNvSpPr/>
+            <p:nvPr>
+              <p:extLst>
+                <p:ext uri="{386F3935-93C4-4BCD-93E2-E3B085C9AB24}">
+                  <p16:designElem xmlns:p16="http://schemas.microsoft.com/office/powerpoint/2015/main" val="1"/>
+                </p:ext>
+              </p:extLst>
+            </p:nvPr>
+          </p:nvSpPr>
+          <p:spPr>
+            <a:xfrm>
+              <a:off x="5490650" y="308034"/>
+              <a:ext cx="566743" cy="3428999"/>
+            </a:xfrm>
+            <a:prstGeom prst="rect">
+              <a:avLst/>
+            </a:prstGeom>
+            <a:grpFill/>
+            <a:ln>
+              <a:noFill/>
+            </a:ln>
+          </p:spPr>
+          <p:style>
+            <a:lnRef idx="2">
+              <a:schemeClr val="accent1">
+                <a:shade val="50000"/>
+              </a:schemeClr>
+            </a:lnRef>
+            <a:fillRef idx="1">
+              <a:schemeClr val="accent1"/>
+            </a:fillRef>
+            <a:effectRef idx="0">
+              <a:schemeClr val="accent1"/>
+            </a:effectRef>
+            <a:fontRef idx="minor">
+              <a:schemeClr val="lt1"/>
+            </a:fontRef>
+          </p:style>
+          <p:txBody>
+            <a:bodyPr rtlCol="0" anchor="ctr"/>
+            <a:lstStyle/>
+            <a:p>
+              <a:pPr algn="ctr"/>
+              <a:endParaRPr lang="en-US"/>
+            </a:p>
+          </p:txBody>
+        </p:sp>
+      </p:grpSp>
+      <p:sp>
+        <p:nvSpPr>
+          <p:cNvPr id="46" name="Rectangle 45">
+            <a:extLst>
+              <a:ext uri="{FF2B5EF4-FFF2-40B4-BE49-F238E27FC236}">
+                <a16:creationId xmlns:a16="http://schemas.microsoft.com/office/drawing/2014/main" id="{D5B0017B-2ECA-49AF-B397-DC140825DF8D}"/>
+              </a:ext>
+              <a:ext uri="{C183D7F6-B498-43B3-948B-1728B52AA6E4}">
+                <adec:decorative xmlns:adec="http://schemas.microsoft.com/office/drawing/2017/decorative" val="1"/>
+              </a:ext>
+            </a:extLst>
+          </p:cNvPr>
+          <p:cNvSpPr>
+            <a:spLocks noGrp="1" noRot="1" noChangeAspect="1" noMove="1" noResize="1" noEditPoints="1" noAdjustHandles="1" noChangeArrowheads="1" noChangeShapeType="1" noTextEdit="1"/>
+          </p:cNvSpPr>
+          <p:nvPr>
+            <p:extLst>
+              <p:ext uri="{386F3935-93C4-4BCD-93E2-E3B085C9AB24}">
+                <p16:designElem xmlns:p16="http://schemas.microsoft.com/office/powerpoint/2015/main" val="1"/>
+              </p:ext>
+            </p:extLst>
+          </p:nvPr>
+        </p:nvSpPr>
+        <p:spPr>
+          <a:xfrm>
+            <a:off x="480059" y="613954"/>
+            <a:ext cx="8180615" cy="1894116"/>
+          </a:xfrm>
+          <a:prstGeom prst="rect">
+            <a:avLst/>
+          </a:prstGeom>
+          <a:solidFill>
+            <a:schemeClr val="bg1"/>
+          </a:solidFill>
+          <a:ln>
+            <a:noFill/>
+          </a:ln>
+          <a:effectLst>
+            <a:outerShdw blurRad="139700" dist="127000" dir="5400000" algn="t" rotWithShape="0">
+              <a:prstClr val="black">
+                <a:alpha val="15000"/>
+              </a:prstClr>
+            </a:outerShdw>
+          </a:effectLst>
+        </p:spPr>
+        <p:style>
+          <a:lnRef idx="2">
+            <a:schemeClr val="accent1">
+              <a:shade val="50000"/>
+            </a:schemeClr>
+          </a:lnRef>
+          <a:fillRef idx="1">
+            <a:schemeClr val="accent1"/>
+          </a:fillRef>
+          <a:effectRef idx="0">
+            <a:schemeClr val="accent1"/>
+          </a:effectRef>
+          <a:fontRef idx="minor">
+            <a:schemeClr val="lt1"/>
+          </a:fontRef>
+        </p:style>
+        <p:txBody>
+          <a:bodyPr rtlCol="0" anchor="ctr"/>
+          <a:lstStyle/>
+          <a:p>
+            <a:pPr algn="ctr"/>
+            <a:endParaRPr lang="en-US"/>
+          </a:p>
+        </p:txBody>
+      </p:sp>
+      <p:sp>
+        <p:nvSpPr>
+          <p:cNvPr id="2" name="Title 1"/>
+          <p:cNvSpPr>
+            <a:spLocks noGrp="1"/>
+          </p:cNvSpPr>
+          <p:nvPr>
+            <p:ph type="title"/>
+          </p:nvPr>
+        </p:nvSpPr>
+        <p:spPr>
+          <a:xfrm>
+            <a:off x="782723" y="809898"/>
+            <a:ext cx="7629757" cy="1554480"/>
+          </a:xfrm>
+        </p:spPr>
+        <p:txBody>
+          <a:bodyPr anchor="ctr">
+            <a:normAutofit/>
+          </a:bodyPr>
+          <a:lstStyle/>
+          <a:p>
+            <a:r>
+              <a:rPr lang="en-US" sz="4200" dirty="0"/>
+              <a:t>What is PicoFramework?</a:t>
+            </a:r>
+          </a:p>
+        </p:txBody>
+      </p:sp>
+      <p:cxnSp>
+        <p:nvCxnSpPr>
+          <p:cNvPr id="48" name="Straight Connector 47">
+            <a:extLst>
+              <a:ext uri="{FF2B5EF4-FFF2-40B4-BE49-F238E27FC236}">
+                <a16:creationId xmlns:a16="http://schemas.microsoft.com/office/drawing/2014/main" id="{6CF1BAF6-AD41-4082-B212-8A1F9A2E8779}"/>
+              </a:ext>
+              <a:ext uri="{C183D7F6-B498-43B3-948B-1728B52AA6E4}">
+                <adec:decorative xmlns:adec="http://schemas.microsoft.com/office/drawing/2017/decorative" val="1"/>
+              </a:ext>
+            </a:extLst>
+          </p:cNvPr>
+          <p:cNvCxnSpPr>
+            <a:cxnSpLocks noGrp="1" noRot="1" noChangeAspect="1" noMove="1" noResize="1" noEditPoints="1" noAdjustHandles="1" noChangeArrowheads="1" noChangeShapeType="1"/>
+          </p:cNvCxnSpPr>
+          <p:nvPr>
+            <p:extLst>
+              <p:ext uri="{386F3935-93C4-4BCD-93E2-E3B085C9AB24}">
+                <p16:designElem xmlns:p16="http://schemas.microsoft.com/office/powerpoint/2015/main" val="1"/>
+              </p:ext>
+            </p:extLst>
+          </p:nvPr>
+        </p:nvCxnSpPr>
+        <p:spPr>
+          <a:xfrm flipH="1">
+            <a:off x="628650" y="6485313"/>
+            <a:ext cx="7886700" cy="0"/>
+          </a:xfrm>
+          <a:prstGeom prst="line">
+            <a:avLst/>
+          </a:prstGeom>
+          <a:ln w="57150">
+            <a:solidFill>
+              <a:schemeClr val="accent4"/>
+            </a:solidFill>
+          </a:ln>
+        </p:spPr>
+        <p:style>
+          <a:lnRef idx="1">
+            <a:schemeClr val="accent1"/>
+          </a:lnRef>
+          <a:fillRef idx="0">
+            <a:schemeClr val="accent1"/>
+          </a:fillRef>
+          <a:effectRef idx="0">
+            <a:schemeClr val="accent1"/>
+          </a:effectRef>
+          <a:fontRef idx="minor">
+            <a:schemeClr val="tx1"/>
+          </a:fontRef>
+        </p:style>
+      </p:cxnSp>
+      <p:graphicFrame>
+        <p:nvGraphicFramePr>
+          <p:cNvPr id="5" name="Content Placeholder 2">
+            <a:extLst>
+              <a:ext uri="{FF2B5EF4-FFF2-40B4-BE49-F238E27FC236}">
+                <a16:creationId xmlns:a16="http://schemas.microsoft.com/office/drawing/2014/main" id="{025C1425-3B1A-6120-EB17-989D5BA19308}"/>
+              </a:ext>
+            </a:extLst>
+          </p:cNvPr>
+          <p:cNvGraphicFramePr>
+            <a:graphicFrameLocks noGrp="1"/>
+          </p:cNvGraphicFramePr>
+          <p:nvPr>
+            <p:ph idx="1"/>
+            <p:extLst>
+              <p:ext uri="{D42A27DB-BD31-4B8C-83A1-F6EECF244321}">
+                <p14:modId xmlns:p14="http://schemas.microsoft.com/office/powerpoint/2010/main" val="173775712"/>
+              </p:ext>
+            </p:extLst>
+          </p:nvPr>
+        </p:nvGraphicFramePr>
+        <p:xfrm>
+          <a:off x="678451" y="3017519"/>
+          <a:ext cx="7783830" cy="3209902"/>
+        </p:xfrm>
+        <a:graphic>
+          <a:graphicData uri="http://schemas.openxmlformats.org/drawingml/2006/diagram">
+            <dgm:relIds xmlns:dgm="http://schemas.openxmlformats.org/drawingml/2006/diagram" xmlns:r="http://schemas.openxmlformats.org/officeDocument/2006/relationships" r:dm="rId2" r:lo="rId3" r:qs="rId4" r:cs="rId5"/>
+          </a:graphicData>
+        </a:graphic>
+      </p:graphicFrame>
+    </p:spTree>
+  </p:cSld>
+  <p:clrMapOvr>
+    <a:masterClrMapping/>
+  </p:clrMapOvr>
+</p:sld>
+</file>
+
+<file path=ppt/slides/slide20.xml><?xml version="1.0" encoding="utf-8"?>
 <p:sld xmlns:a="http://schemas.openxmlformats.org/drawingml/2006/main" xmlns:r="http://schemas.openxmlformats.org/officeDocument/2006/relationships" xmlns:p="http://schemas.openxmlformats.org/presentationml/2006/main">
   <p:cSld>
     <p:spTree>
@@ -42780,6 +41812,11 @@
           </p:cNvGraphicFramePr>
           <p:nvPr>
             <p:ph idx="1"/>
+            <p:extLst>
+              <p:ext uri="{D42A27DB-BD31-4B8C-83A1-F6EECF244321}">
+                <p14:modId xmlns:p14="http://schemas.microsoft.com/office/powerpoint/2010/main" val="1463141464"/>
+              </p:ext>
+            </p:extLst>
           </p:nvPr>
         </p:nvGraphicFramePr>
         <p:xfrm>
@@ -42800,7 +41837,7 @@
 </p:sld>
 </file>
 
-<file path=ppt/slides/slide23.xml><?xml version="1.0" encoding="utf-8"?>
+<file path=ppt/slides/slide21.xml><?xml version="1.0" encoding="utf-8"?>
 <p:sld xmlns:a="http://schemas.openxmlformats.org/drawingml/2006/main" xmlns:r="http://schemas.openxmlformats.org/officeDocument/2006/relationships" xmlns:p="http://schemas.openxmlformats.org/presentationml/2006/main">
   <p:cSld>
     <p:bg>
@@ -43199,7 +42236,7 @@
 </p:sld>
 </file>
 
-<file path=ppt/slides/slide24.xml><?xml version="1.0" encoding="utf-8"?>
+<file path=ppt/slides/slide22.xml><?xml version="1.0" encoding="utf-8"?>
 <p:sld xmlns:a="http://schemas.openxmlformats.org/drawingml/2006/main" xmlns:r="http://schemas.openxmlformats.org/officeDocument/2006/relationships" xmlns:p="http://schemas.openxmlformats.org/presentationml/2006/main">
   <p:cSld>
     <p:bg>
@@ -43688,305 +42725,7 @@
 </p:sld>
 </file>
 
-<file path=ppt/slides/slide25.xml><?xml version="1.0" encoding="utf-8"?>
-<p:sld xmlns:a="http://schemas.openxmlformats.org/drawingml/2006/main" xmlns:r="http://schemas.openxmlformats.org/officeDocument/2006/relationships" xmlns:p="http://schemas.openxmlformats.org/presentationml/2006/main">
-  <p:cSld>
-    <p:bg>
-      <p:bgPr>
-        <a:solidFill>
-          <a:schemeClr val="bg1"/>
-        </a:solidFill>
-        <a:effectLst/>
-      </p:bgPr>
-    </p:bg>
-    <p:spTree>
-      <p:nvGrpSpPr>
-        <p:cNvPr id="1" name=""/>
-        <p:cNvGrpSpPr/>
-        <p:nvPr/>
-      </p:nvGrpSpPr>
-      <p:grpSpPr>
-        <a:xfrm>
-          <a:off x="0" y="0"/>
-          <a:ext cx="0" cy="0"/>
-          <a:chOff x="0" y="0"/>
-          <a:chExt cx="0" cy="0"/>
-        </a:xfrm>
-      </p:grpSpPr>
-      <p:sp useBgFill="1">
-        <p:nvSpPr>
-          <p:cNvPr id="26" name="Rectangle 25">
-            <a:extLst>
-              <a:ext uri="{FF2B5EF4-FFF2-40B4-BE49-F238E27FC236}">
-                <a16:creationId xmlns:a16="http://schemas.microsoft.com/office/drawing/2014/main" id="{081EA652-8C6A-4E69-BEB9-170809474553}"/>
-              </a:ext>
-              <a:ext uri="{C183D7F6-B498-43B3-948B-1728B52AA6E4}">
-                <adec:decorative xmlns:adec="http://schemas.microsoft.com/office/drawing/2017/decorative" val="1"/>
-              </a:ext>
-            </a:extLst>
-          </p:cNvPr>
-          <p:cNvSpPr>
-            <a:spLocks noGrp="1" noRot="1" noChangeAspect="1" noMove="1" noResize="1" noEditPoints="1" noAdjustHandles="1" noChangeArrowheads="1" noChangeShapeType="1" noTextEdit="1"/>
-          </p:cNvSpPr>
-          <p:nvPr>
-            <p:extLst>
-              <p:ext uri="{386F3935-93C4-4BCD-93E2-E3B085C9AB24}">
-                <p16:designElem xmlns:p16="http://schemas.microsoft.com/office/powerpoint/2015/main" val="1"/>
-              </p:ext>
-            </p:extLst>
-          </p:nvPr>
-        </p:nvSpPr>
-        <p:spPr>
-          <a:xfrm>
-            <a:off x="0" y="0"/>
-            <a:ext cx="9144000" cy="6858000"/>
-          </a:xfrm>
-          <a:prstGeom prst="rect">
-            <a:avLst/>
-          </a:prstGeom>
-          <a:ln>
-            <a:noFill/>
-          </a:ln>
-        </p:spPr>
-        <p:style>
-          <a:lnRef idx="2">
-            <a:schemeClr val="accent1">
-              <a:shade val="50000"/>
-            </a:schemeClr>
-          </a:lnRef>
-          <a:fillRef idx="1">
-            <a:schemeClr val="accent1"/>
-          </a:fillRef>
-          <a:effectRef idx="0">
-            <a:schemeClr val="accent1"/>
-          </a:effectRef>
-          <a:fontRef idx="minor">
-            <a:schemeClr val="lt1"/>
-          </a:fontRef>
-        </p:style>
-        <p:txBody>
-          <a:bodyPr rtlCol="0" anchor="ctr"/>
-          <a:lstStyle/>
-          <a:p>
-            <a:pPr algn="ctr"/>
-            <a:endParaRPr lang="en-US"/>
-          </a:p>
-        </p:txBody>
-      </p:sp>
-      <p:sp>
-        <p:nvSpPr>
-          <p:cNvPr id="27" name="Right Triangle 26">
-            <a:extLst>
-              <a:ext uri="{FF2B5EF4-FFF2-40B4-BE49-F238E27FC236}">
-                <a16:creationId xmlns:a16="http://schemas.microsoft.com/office/drawing/2014/main" id="{5298780A-33B9-4EA2-8F67-DE68AD62841B}"/>
-              </a:ext>
-              <a:ext uri="{C183D7F6-B498-43B3-948B-1728B52AA6E4}">
-                <adec:decorative xmlns:adec="http://schemas.microsoft.com/office/drawing/2017/decorative" val="1"/>
-              </a:ext>
-            </a:extLst>
-          </p:cNvPr>
-          <p:cNvSpPr>
-            <a:spLocks noGrp="1" noRot="1" noChangeAspect="1" noMove="1" noResize="1" noEditPoints="1" noAdjustHandles="1" noChangeArrowheads="1" noChangeShapeType="1" noTextEdit="1"/>
-          </p:cNvSpPr>
-          <p:nvPr>
-            <p:extLst>
-              <p:ext uri="{386F3935-93C4-4BCD-93E2-E3B085C9AB24}">
-                <p16:designElem xmlns:p16="http://schemas.microsoft.com/office/powerpoint/2015/main" val="1"/>
-              </p:ext>
-            </p:extLst>
-          </p:nvPr>
-        </p:nvSpPr>
-        <p:spPr>
-          <a:xfrm flipH="1">
-            <a:off x="6432540" y="3335867"/>
-            <a:ext cx="2468880" cy="3200400"/>
-          </a:xfrm>
-          <a:prstGeom prst="rtTriangle">
-            <a:avLst/>
-          </a:prstGeom>
-          <a:solidFill>
-            <a:schemeClr val="accent4"/>
-          </a:solidFill>
-          <a:ln>
-            <a:noFill/>
-          </a:ln>
-        </p:spPr>
-        <p:style>
-          <a:lnRef idx="2">
-            <a:schemeClr val="accent1">
-              <a:shade val="50000"/>
-            </a:schemeClr>
-          </a:lnRef>
-          <a:fillRef idx="1">
-            <a:schemeClr val="accent1"/>
-          </a:fillRef>
-          <a:effectRef idx="0">
-            <a:schemeClr val="accent1"/>
-          </a:effectRef>
-          <a:fontRef idx="minor">
-            <a:schemeClr val="lt1"/>
-          </a:fontRef>
-        </p:style>
-        <p:txBody>
-          <a:bodyPr rtlCol="0" anchor="ctr"/>
-          <a:lstStyle/>
-          <a:p>
-            <a:pPr algn="ctr"/>
-            <a:endParaRPr lang="en-US" dirty="0"/>
-          </a:p>
-        </p:txBody>
-      </p:sp>
-      <p:sp>
-        <p:nvSpPr>
-          <p:cNvPr id="12" name="Rectangle 11">
-            <a:extLst>
-              <a:ext uri="{FF2B5EF4-FFF2-40B4-BE49-F238E27FC236}">
-                <a16:creationId xmlns:a16="http://schemas.microsoft.com/office/drawing/2014/main" id="{7F488E8B-4E1E-4402-8935-D4E6C02615C7}"/>
-              </a:ext>
-              <a:ext uri="{C183D7F6-B498-43B3-948B-1728B52AA6E4}">
-                <adec:decorative xmlns:adec="http://schemas.microsoft.com/office/drawing/2017/decorative" val="1"/>
-              </a:ext>
-            </a:extLst>
-          </p:cNvPr>
-          <p:cNvSpPr>
-            <a:spLocks noGrp="1" noRot="1" noChangeAspect="1" noMove="1" noResize="1" noEditPoints="1" noAdjustHandles="1" noChangeArrowheads="1" noChangeShapeType="1" noTextEdit="1"/>
-          </p:cNvSpPr>
-          <p:nvPr>
-            <p:extLst>
-              <p:ext uri="{386F3935-93C4-4BCD-93E2-E3B085C9AB24}">
-                <p16:designElem xmlns:p16="http://schemas.microsoft.com/office/powerpoint/2015/main" val="1"/>
-              </p:ext>
-            </p:extLst>
-          </p:nvPr>
-        </p:nvSpPr>
-        <p:spPr>
-          <a:xfrm>
-            <a:off x="481330" y="623275"/>
-            <a:ext cx="8178790" cy="5607882"/>
-          </a:xfrm>
-          <a:prstGeom prst="rect">
-            <a:avLst/>
-          </a:prstGeom>
-          <a:noFill/>
-          <a:ln w="19050">
-            <a:solidFill>
-              <a:schemeClr val="tx1">
-                <a:lumMod val="75000"/>
-                <a:lumOff val="25000"/>
-              </a:schemeClr>
-            </a:solidFill>
-          </a:ln>
-        </p:spPr>
-        <p:style>
-          <a:lnRef idx="2">
-            <a:schemeClr val="accent1">
-              <a:shade val="50000"/>
-            </a:schemeClr>
-          </a:lnRef>
-          <a:fillRef idx="1">
-            <a:schemeClr val="accent1"/>
-          </a:fillRef>
-          <a:effectRef idx="0">
-            <a:schemeClr val="accent1"/>
-          </a:effectRef>
-          <a:fontRef idx="minor">
-            <a:schemeClr val="lt1"/>
-          </a:fontRef>
-        </p:style>
-        <p:txBody>
-          <a:bodyPr rtlCol="0" anchor="ctr"/>
-          <a:lstStyle/>
-          <a:p>
-            <a:pPr algn="ctr"/>
-            <a:endParaRPr lang="en-US"/>
-          </a:p>
-        </p:txBody>
-      </p:sp>
-      <p:sp>
-        <p:nvSpPr>
-          <p:cNvPr id="2" name="Title 1"/>
-          <p:cNvSpPr>
-            <a:spLocks noGrp="1"/>
-          </p:cNvSpPr>
-          <p:nvPr>
-            <p:ph type="title"/>
-          </p:nvPr>
-        </p:nvSpPr>
-        <p:spPr>
-          <a:xfrm>
-            <a:off x="963930" y="1050595"/>
-            <a:ext cx="6056111" cy="1618489"/>
-          </a:xfrm>
-        </p:spPr>
-        <p:txBody>
-          <a:bodyPr anchor="ctr">
-            <a:normAutofit/>
-          </a:bodyPr>
-          <a:lstStyle/>
-          <a:p>
-            <a:r>
-              <a:rPr lang="en-US" sz="6300"/>
-              <a:t>Get Involved</a:t>
-            </a:r>
-          </a:p>
-        </p:txBody>
-      </p:sp>
-      <p:sp>
-        <p:nvSpPr>
-          <p:cNvPr id="3" name="Content Placeholder 2"/>
-          <p:cNvSpPr>
-            <a:spLocks noGrp="1"/>
-          </p:cNvSpPr>
-          <p:nvPr>
-            <p:ph idx="1"/>
-          </p:nvPr>
-        </p:nvSpPr>
-        <p:spPr>
-          <a:xfrm>
-            <a:off x="963930" y="2969469"/>
-            <a:ext cx="6056111" cy="2800395"/>
-          </a:xfrm>
-        </p:spPr>
-        <p:txBody>
-          <a:bodyPr anchor="t">
-            <a:normAutofit/>
-          </a:bodyPr>
-          <a:lstStyle/>
-          <a:p>
-            <a:r>
-              <a:rPr lang="en-US" sz="2100"/>
-              <a:t>Open source under MIT license</a:t>
-            </a:r>
-          </a:p>
-          <a:p>
-            <a:r>
-              <a:rPr lang="en-US" sz="2100"/>
-              <a:t>GitHub: https://github.com/picoframework</a:t>
-            </a:r>
-          </a:p>
-          <a:p>
-            <a:r>
-              <a:rPr lang="en-US" sz="2100"/>
-              <a:t>Consulting, support, and customization available</a:t>
-            </a:r>
-          </a:p>
-          <a:p>
-            <a:r>
-              <a:rPr lang="en-US" sz="2100"/>
-              <a:t>Let's build better embedded apps together</a:t>
-            </a:r>
-          </a:p>
-        </p:txBody>
-      </p:sp>
-    </p:spTree>
-  </p:cSld>
-  <p:clrMapOvr>
-    <a:masterClrMapping/>
-  </p:clrMapOvr>
-</p:sld>
-</file>
-
-<file path=ppt/slides/slide26.xml><?xml version="1.0" encoding="utf-8"?>
+<file path=ppt/slides/slide23.xml><?xml version="1.0" encoding="utf-8"?>
 <p:sld xmlns:a="http://schemas.openxmlformats.org/drawingml/2006/main" xmlns:r="http://schemas.openxmlformats.org/officeDocument/2006/relationships" xmlns:p="http://schemas.openxmlformats.org/presentationml/2006/main">
   <p:cSld>
     <p:bg>
@@ -44385,7 +43124,7 @@
 </p:sld>
 </file>
 
-<file path=ppt/slides/slide27.xml><?xml version="1.0" encoding="utf-8"?>
+<file path=ppt/slides/slide24.xml><?xml version="1.0" encoding="utf-8"?>
 <p:sld xmlns:a="http://schemas.openxmlformats.org/drawingml/2006/main" xmlns:r="http://schemas.openxmlformats.org/officeDocument/2006/relationships" xmlns:p="http://schemas.openxmlformats.org/presentationml/2006/main">
   <p:cSld>
     <p:bg>
@@ -44777,6 +43516,318 @@
           </a:graphicData>
         </a:graphic>
       </p:graphicFrame>
+    </p:spTree>
+  </p:cSld>
+  <p:clrMapOvr>
+    <a:masterClrMapping/>
+  </p:clrMapOvr>
+</p:sld>
+</file>
+
+<file path=ppt/slides/slide25.xml><?xml version="1.0" encoding="utf-8"?>
+<p:sld xmlns:a="http://schemas.openxmlformats.org/drawingml/2006/main" xmlns:r="http://schemas.openxmlformats.org/officeDocument/2006/relationships" xmlns:p="http://schemas.openxmlformats.org/presentationml/2006/main">
+  <p:cSld>
+    <p:bg>
+      <p:bgPr>
+        <a:solidFill>
+          <a:schemeClr val="bg1"/>
+        </a:solidFill>
+        <a:effectLst/>
+      </p:bgPr>
+    </p:bg>
+    <p:spTree>
+      <p:nvGrpSpPr>
+        <p:cNvPr id="1" name=""/>
+        <p:cNvGrpSpPr/>
+        <p:nvPr/>
+      </p:nvGrpSpPr>
+      <p:grpSpPr>
+        <a:xfrm>
+          <a:off x="0" y="0"/>
+          <a:ext cx="0" cy="0"/>
+          <a:chOff x="0" y="0"/>
+          <a:chExt cx="0" cy="0"/>
+        </a:xfrm>
+      </p:grpSpPr>
+      <p:sp useBgFill="1">
+        <p:nvSpPr>
+          <p:cNvPr id="26" name="Rectangle 25">
+            <a:extLst>
+              <a:ext uri="{FF2B5EF4-FFF2-40B4-BE49-F238E27FC236}">
+                <a16:creationId xmlns:a16="http://schemas.microsoft.com/office/drawing/2014/main" id="{081EA652-8C6A-4E69-BEB9-170809474553}"/>
+              </a:ext>
+              <a:ext uri="{C183D7F6-B498-43B3-948B-1728B52AA6E4}">
+                <adec:decorative xmlns:adec="http://schemas.microsoft.com/office/drawing/2017/decorative" val="1"/>
+              </a:ext>
+            </a:extLst>
+          </p:cNvPr>
+          <p:cNvSpPr>
+            <a:spLocks noGrp="1" noRot="1" noChangeAspect="1" noMove="1" noResize="1" noEditPoints="1" noAdjustHandles="1" noChangeArrowheads="1" noChangeShapeType="1" noTextEdit="1"/>
+          </p:cNvSpPr>
+          <p:nvPr>
+            <p:extLst>
+              <p:ext uri="{386F3935-93C4-4BCD-93E2-E3B085C9AB24}">
+                <p16:designElem xmlns:p16="http://schemas.microsoft.com/office/powerpoint/2015/main" val="1"/>
+              </p:ext>
+            </p:extLst>
+          </p:nvPr>
+        </p:nvSpPr>
+        <p:spPr>
+          <a:xfrm>
+            <a:off x="0" y="0"/>
+            <a:ext cx="9144000" cy="6858000"/>
+          </a:xfrm>
+          <a:prstGeom prst="rect">
+            <a:avLst/>
+          </a:prstGeom>
+          <a:ln>
+            <a:noFill/>
+          </a:ln>
+        </p:spPr>
+        <p:style>
+          <a:lnRef idx="2">
+            <a:schemeClr val="accent1">
+              <a:shade val="50000"/>
+            </a:schemeClr>
+          </a:lnRef>
+          <a:fillRef idx="1">
+            <a:schemeClr val="accent1"/>
+          </a:fillRef>
+          <a:effectRef idx="0">
+            <a:schemeClr val="accent1"/>
+          </a:effectRef>
+          <a:fontRef idx="minor">
+            <a:schemeClr val="lt1"/>
+          </a:fontRef>
+        </p:style>
+        <p:txBody>
+          <a:bodyPr rtlCol="0" anchor="ctr"/>
+          <a:lstStyle/>
+          <a:p>
+            <a:pPr algn="ctr"/>
+            <a:endParaRPr lang="en-US"/>
+          </a:p>
+        </p:txBody>
+      </p:sp>
+      <p:sp>
+        <p:nvSpPr>
+          <p:cNvPr id="27" name="Right Triangle 26">
+            <a:extLst>
+              <a:ext uri="{FF2B5EF4-FFF2-40B4-BE49-F238E27FC236}">
+                <a16:creationId xmlns:a16="http://schemas.microsoft.com/office/drawing/2014/main" id="{5298780A-33B9-4EA2-8F67-DE68AD62841B}"/>
+              </a:ext>
+              <a:ext uri="{C183D7F6-B498-43B3-948B-1728B52AA6E4}">
+                <adec:decorative xmlns:adec="http://schemas.microsoft.com/office/drawing/2017/decorative" val="1"/>
+              </a:ext>
+            </a:extLst>
+          </p:cNvPr>
+          <p:cNvSpPr>
+            <a:spLocks noGrp="1" noRot="1" noChangeAspect="1" noMove="1" noResize="1" noEditPoints="1" noAdjustHandles="1" noChangeArrowheads="1" noChangeShapeType="1" noTextEdit="1"/>
+          </p:cNvSpPr>
+          <p:nvPr>
+            <p:extLst>
+              <p:ext uri="{386F3935-93C4-4BCD-93E2-E3B085C9AB24}">
+                <p16:designElem xmlns:p16="http://schemas.microsoft.com/office/powerpoint/2015/main" val="1"/>
+              </p:ext>
+            </p:extLst>
+          </p:nvPr>
+        </p:nvSpPr>
+        <p:spPr>
+          <a:xfrm flipH="1">
+            <a:off x="6432540" y="3335867"/>
+            <a:ext cx="2468880" cy="3200400"/>
+          </a:xfrm>
+          <a:prstGeom prst="rtTriangle">
+            <a:avLst/>
+          </a:prstGeom>
+          <a:solidFill>
+            <a:schemeClr val="accent4"/>
+          </a:solidFill>
+          <a:ln>
+            <a:noFill/>
+          </a:ln>
+        </p:spPr>
+        <p:style>
+          <a:lnRef idx="2">
+            <a:schemeClr val="accent1">
+              <a:shade val="50000"/>
+            </a:schemeClr>
+          </a:lnRef>
+          <a:fillRef idx="1">
+            <a:schemeClr val="accent1"/>
+          </a:fillRef>
+          <a:effectRef idx="0">
+            <a:schemeClr val="accent1"/>
+          </a:effectRef>
+          <a:fontRef idx="minor">
+            <a:schemeClr val="lt1"/>
+          </a:fontRef>
+        </p:style>
+        <p:txBody>
+          <a:bodyPr rtlCol="0" anchor="ctr"/>
+          <a:lstStyle/>
+          <a:p>
+            <a:pPr algn="ctr"/>
+            <a:endParaRPr lang="en-US" dirty="0"/>
+          </a:p>
+        </p:txBody>
+      </p:sp>
+      <p:sp>
+        <p:nvSpPr>
+          <p:cNvPr id="12" name="Rectangle 11">
+            <a:extLst>
+              <a:ext uri="{FF2B5EF4-FFF2-40B4-BE49-F238E27FC236}">
+                <a16:creationId xmlns:a16="http://schemas.microsoft.com/office/drawing/2014/main" id="{7F488E8B-4E1E-4402-8935-D4E6C02615C7}"/>
+              </a:ext>
+              <a:ext uri="{C183D7F6-B498-43B3-948B-1728B52AA6E4}">
+                <adec:decorative xmlns:adec="http://schemas.microsoft.com/office/drawing/2017/decorative" val="1"/>
+              </a:ext>
+            </a:extLst>
+          </p:cNvPr>
+          <p:cNvSpPr>
+            <a:spLocks noGrp="1" noRot="1" noChangeAspect="1" noMove="1" noResize="1" noEditPoints="1" noAdjustHandles="1" noChangeArrowheads="1" noChangeShapeType="1" noTextEdit="1"/>
+          </p:cNvSpPr>
+          <p:nvPr>
+            <p:extLst>
+              <p:ext uri="{386F3935-93C4-4BCD-93E2-E3B085C9AB24}">
+                <p16:designElem xmlns:p16="http://schemas.microsoft.com/office/powerpoint/2015/main" val="1"/>
+              </p:ext>
+            </p:extLst>
+          </p:nvPr>
+        </p:nvSpPr>
+        <p:spPr>
+          <a:xfrm>
+            <a:off x="481330" y="623275"/>
+            <a:ext cx="8178790" cy="5607882"/>
+          </a:xfrm>
+          <a:prstGeom prst="rect">
+            <a:avLst/>
+          </a:prstGeom>
+          <a:noFill/>
+          <a:ln w="19050">
+            <a:solidFill>
+              <a:schemeClr val="tx1">
+                <a:lumMod val="75000"/>
+                <a:lumOff val="25000"/>
+              </a:schemeClr>
+            </a:solidFill>
+          </a:ln>
+        </p:spPr>
+        <p:style>
+          <a:lnRef idx="2">
+            <a:schemeClr val="accent1">
+              <a:shade val="50000"/>
+            </a:schemeClr>
+          </a:lnRef>
+          <a:fillRef idx="1">
+            <a:schemeClr val="accent1"/>
+          </a:fillRef>
+          <a:effectRef idx="0">
+            <a:schemeClr val="accent1"/>
+          </a:effectRef>
+          <a:fontRef idx="minor">
+            <a:schemeClr val="lt1"/>
+          </a:fontRef>
+        </p:style>
+        <p:txBody>
+          <a:bodyPr rtlCol="0" anchor="ctr"/>
+          <a:lstStyle/>
+          <a:p>
+            <a:pPr algn="ctr"/>
+            <a:endParaRPr lang="en-US"/>
+          </a:p>
+        </p:txBody>
+      </p:sp>
+      <p:sp>
+        <p:nvSpPr>
+          <p:cNvPr id="2" name="Title 1"/>
+          <p:cNvSpPr>
+            <a:spLocks noGrp="1"/>
+          </p:cNvSpPr>
+          <p:nvPr>
+            <p:ph type="title"/>
+          </p:nvPr>
+        </p:nvSpPr>
+        <p:spPr>
+          <a:xfrm>
+            <a:off x="963930" y="1050595"/>
+            <a:ext cx="6056111" cy="1618489"/>
+          </a:xfrm>
+        </p:spPr>
+        <p:txBody>
+          <a:bodyPr anchor="ctr">
+            <a:normAutofit/>
+          </a:bodyPr>
+          <a:lstStyle/>
+          <a:p>
+            <a:r>
+              <a:rPr lang="en-US" sz="6300"/>
+              <a:t>Get Involved</a:t>
+            </a:r>
+          </a:p>
+        </p:txBody>
+      </p:sp>
+      <p:sp>
+        <p:nvSpPr>
+          <p:cNvPr id="3" name="Content Placeholder 2"/>
+          <p:cNvSpPr>
+            <a:spLocks noGrp="1"/>
+          </p:cNvSpPr>
+          <p:nvPr>
+            <p:ph idx="1"/>
+          </p:nvPr>
+        </p:nvSpPr>
+        <p:spPr>
+          <a:xfrm>
+            <a:off x="963930" y="2969469"/>
+            <a:ext cx="6056111" cy="2800395"/>
+          </a:xfrm>
+        </p:spPr>
+        <p:txBody>
+          <a:bodyPr anchor="t">
+            <a:normAutofit/>
+          </a:bodyPr>
+          <a:lstStyle/>
+          <a:p>
+            <a:r>
+              <a:rPr lang="en-US" sz="2100" dirty="0"/>
+              <a:t>Open source under MIT license</a:t>
+            </a:r>
+          </a:p>
+          <a:p>
+            <a:r>
+              <a:rPr lang="en-US" sz="2100" dirty="0"/>
+              <a:t>GitHub: </a:t>
+            </a:r>
+            <a:r>
+              <a:rPr lang="en-US" sz="2100" dirty="0">
+                <a:hlinkClick r:id="rId2"/>
+              </a:rPr>
+              <a:t>https://github.com/picoframework</a:t>
+            </a:r>
+            <a:endParaRPr lang="en-US" sz="2100" dirty="0"/>
+          </a:p>
+          <a:p>
+            <a:pPr lvl="1"/>
+            <a:r>
+              <a:rPr lang="en-US" sz="1700" dirty="0"/>
+              <a:t>Site not public yet</a:t>
+            </a:r>
+          </a:p>
+          <a:p>
+            <a:r>
+              <a:rPr lang="en-US" sz="2100" dirty="0"/>
+              <a:t>Consulting, support, and customization available</a:t>
+            </a:r>
+          </a:p>
+          <a:p>
+            <a:r>
+              <a:rPr lang="en-US" sz="2100" dirty="0"/>
+              <a:t>Let's build better embedded apps together</a:t>
+            </a:r>
+          </a:p>
+        </p:txBody>
+      </p:sp>
     </p:spTree>
   </p:cSld>
   <p:clrMapOvr>
@@ -45285,7 +44336,7 @@
           <a:p>
             <a:pPr algn="r"/>
             <a:r>
-              <a:rPr lang="en-US" sz="3200">
+              <a:rPr lang="en-US" sz="3200" dirty="0">
                 <a:solidFill>
                   <a:srgbClr val="FFFFFF"/>
                 </a:solidFill>
@@ -45327,7 +44378,21 @@
             </a:pPr>
             <a:r>
               <a:rPr lang="en-US" sz="1700" dirty="0"/>
-              <a:t>Inspired by application frameworks like Express.js, Nest.js for javascript and frameworks like Laravel for php</a:t>
+              <a:t>PicoFramework is the first real framework for multitasking application development on microcontrollers in the style of highly capable application frameworks like Express.js</a:t>
+            </a:r>
+          </a:p>
+          <a:p>
+            <a:pPr>
+              <a:lnSpc>
+                <a:spcPct val="120000"/>
+              </a:lnSpc>
+              <a:spcAft>
+                <a:spcPts val="600"/>
+              </a:spcAft>
+            </a:pPr>
+            <a:r>
+              <a:rPr lang="en-US" sz="1700" dirty="0"/>
+              <a:t>Inspired by application frameworks like Express.js, Nest.js for javascript and Laravel for php</a:t>
             </a:r>
           </a:p>
           <a:p>
@@ -45369,21 +44434,7 @@
             </a:pPr>
             <a:r>
               <a:rPr lang="en-US" sz="1700" dirty="0"/>
-              <a:t>Although the Pico SDK is extensive it does not have FreeRTOS underpinning it, it also lacks components such as out-of-the box HTTP handling in the manner of the ESP3. It has a strong bare-metal focus</a:t>
-            </a:r>
-          </a:p>
-          <a:p>
-            <a:pPr>
-              <a:lnSpc>
-                <a:spcPct val="120000"/>
-              </a:lnSpc>
-              <a:spcAft>
-                <a:spcPts val="600"/>
-              </a:spcAft>
-            </a:pPr>
-            <a:r>
-              <a:rPr lang="en-US" sz="1700" dirty="0"/>
-              <a:t>PicoFramework is the first real framework for multitasking application development on microcontrollers in the style of highly capable application frameworks like Express.js</a:t>
+              <a:t>PicoFramework adds value to the Pico SDK by utilizing FreeRTOS to provide a multitasking framework that includes out-of-the box HTTP client and server HTTP handling in an easy-to-use manner.</a:t>
             </a:r>
           </a:p>
         </p:txBody>
@@ -45877,7 +44928,7 @@
           <a:lstStyle/>
           <a:p>
             <a:r>
-              <a:rPr lang="en-US" sz="3500"/>
+              <a:rPr lang="en-US" sz="3500" dirty="0"/>
               <a:t>Features at a Glance</a:t>
             </a:r>
           </a:p>
@@ -45895,19 +44946,19 @@
         </p:nvSpPr>
         <p:spPr>
           <a:xfrm>
-            <a:off x="4586487" y="2743200"/>
-            <a:ext cx="3935505" cy="3496878"/>
+            <a:off x="4633070" y="2836464"/>
+            <a:ext cx="3935505" cy="3954079"/>
           </a:xfrm>
         </p:spPr>
         <p:txBody>
           <a:bodyPr anchor="ctr">
-            <a:normAutofit/>
+            <a:normAutofit fontScale="85000" lnSpcReduction="10000"/>
           </a:bodyPr>
           <a:lstStyle/>
           <a:p>
             <a:r>
               <a:rPr lang="en-US" sz="1700" dirty="0"/>
-              <a:t>MVC-style application structure</a:t>
+              <a:t>MVC-style application structure with templated views</a:t>
             </a:r>
           </a:p>
           <a:p>
@@ -45931,13 +44982,59 @@
           <a:p>
             <a:r>
               <a:rPr lang="en-US" sz="1700" dirty="0"/>
-              <a:t>Event-driven system with task scheduler</a:t>
+              <a:t>Shared Request and Response objects with access to everything</a:t>
             </a:r>
           </a:p>
           <a:p>
             <a:r>
               <a:rPr lang="en-US" sz="1700" dirty="0"/>
-              <a:t>Sd Card storage manager with persistent json support</a:t>
+              <a:t>Integral Json support</a:t>
+            </a:r>
+          </a:p>
+          <a:p>
+            <a:r>
+              <a:rPr lang="en-US" sz="1700" dirty="0"/>
+              <a:t>Pub/Sub event management with broadcast capability</a:t>
+            </a:r>
+          </a:p>
+          <a:p>
+            <a:r>
+              <a:rPr lang="en-US" sz="1700" dirty="0"/>
+              <a:t>GPIO events may be use notifications, events or both</a:t>
+            </a:r>
+          </a:p>
+          <a:p>
+            <a:r>
+              <a:rPr lang="en-US" sz="1700" dirty="0"/>
+              <a:t>SD Card or littlefs storage manager with persistent Json support</a:t>
+            </a:r>
+          </a:p>
+          <a:p>
+            <a:r>
+              <a:rPr lang="en-US" sz="1700" dirty="0"/>
+              <a:t>Time-of-Day scheduler</a:t>
+            </a:r>
+          </a:p>
+          <a:p>
+            <a:r>
+              <a:rPr lang="en-US" sz="1700" dirty="0"/>
+              <a:t>Abstracted </a:t>
+            </a:r>
+            <a:r>
+              <a:rPr lang="en-US" sz="1700" dirty="0" err="1"/>
+              <a:t>Tcp</a:t>
+            </a:r>
+            <a:r>
+              <a:rPr lang="en-US" sz="1700" dirty="0"/>
+              <a:t> support over an </a:t>
+            </a:r>
+            <a:r>
+              <a:rPr lang="en-US" sz="1700" dirty="0" err="1"/>
+              <a:t>lwip</a:t>
+            </a:r>
+            <a:r>
+              <a:rPr lang="en-US" sz="1700" dirty="0"/>
+              <a:t> layer</a:t>
             </a:r>
           </a:p>
           <a:p>
@@ -46837,7 +45934,7 @@
         <p:spPr/>
         <p:txBody>
           <a:bodyPr>
-            <a:normAutofit/>
+            <a:noAutofit/>
           </a:bodyPr>
           <a:lstStyle/>
           <a:p>
@@ -47065,95 +46162,7 @@
                 <a:latin typeface="Consolas" panose="020B0609020204030204" pitchFamily="49" charset="0"/>
                 <a:cs typeface="Consolas" panose="020B0609020204030204" pitchFamily="49" charset="0"/>
               </a:rPr>
-              <a:t>), </a:t>
-            </a:r>
-            <a:r>
-              <a:rPr lang="en-US" sz="800" b="0" dirty="0">
-                <a:solidFill>
-                  <a:srgbClr val="F50C0C"/>
-                </a:solidFill>
-                <a:effectLst/>
-                <a:latin typeface="Consolas" panose="020B0609020204030204" pitchFamily="49" charset="0"/>
-                <a:cs typeface="Consolas" panose="020B0609020204030204" pitchFamily="49" charset="0"/>
-              </a:rPr>
-              <a:t>controller</a:t>
-            </a:r>
-            <a:r>
-              <a:rPr lang="en-US" sz="800" b="0" dirty="0">
-                <a:solidFill>
-                  <a:srgbClr val="000000"/>
-                </a:solidFill>
-                <a:effectLst/>
-                <a:latin typeface="Consolas" panose="020B0609020204030204" pitchFamily="49" charset="0"/>
-                <a:cs typeface="Consolas" panose="020B0609020204030204" pitchFamily="49" charset="0"/>
-              </a:rPr>
-              <a:t>(</a:t>
-            </a:r>
-            <a:r>
-              <a:rPr lang="en-US" sz="800" b="0" dirty="0">
-                <a:solidFill>
-                  <a:srgbClr val="0000FF"/>
-                </a:solidFill>
-                <a:effectLst/>
-                <a:latin typeface="Consolas" panose="020B0609020204030204" pitchFamily="49" charset="0"/>
-                <a:cs typeface="Consolas" panose="020B0609020204030204" pitchFamily="49" charset="0"/>
-              </a:rPr>
-              <a:t>nullptr</a:t>
-            </a:r>
-            <a:r>
-              <a:rPr lang="en-US" sz="800" b="0" dirty="0">
-                <a:solidFill>
-                  <a:srgbClr val="000000"/>
-                </a:solidFill>
-                <a:effectLst/>
-                <a:latin typeface="Consolas" panose="020B0609020204030204" pitchFamily="49" charset="0"/>
-                <a:cs typeface="Consolas" panose="020B0609020204030204" pitchFamily="49" charset="0"/>
-              </a:rPr>
-              <a:t>), </a:t>
-            </a:r>
-            <a:r>
-              <a:rPr lang="en-US" sz="800" b="0" dirty="0">
-                <a:solidFill>
-                  <a:srgbClr val="F50C0C"/>
-                </a:solidFill>
-                <a:effectLst/>
-                <a:latin typeface="Consolas" panose="020B0609020204030204" pitchFamily="49" charset="0"/>
-                <a:cs typeface="Consolas" panose="020B0609020204030204" pitchFamily="49" charset="0"/>
-              </a:rPr>
-              <a:t>scheduler</a:t>
-            </a:r>
-            <a:r>
-              <a:rPr lang="en-US" sz="800" b="0" dirty="0">
-                <a:solidFill>
-                  <a:srgbClr val="000000"/>
-                </a:solidFill>
-                <a:effectLst/>
-                <a:latin typeface="Consolas" panose="020B0609020204030204" pitchFamily="49" charset="0"/>
-                <a:cs typeface="Consolas" panose="020B0609020204030204" pitchFamily="49" charset="0"/>
-              </a:rPr>
-              <a:t>(</a:t>
-            </a:r>
-            <a:r>
-              <a:rPr lang="en-US" sz="800" b="0" dirty="0">
-                <a:solidFill>
-                  <a:srgbClr val="0000FF"/>
-                </a:solidFill>
-                <a:effectLst/>
-                <a:latin typeface="Consolas" panose="020B0609020204030204" pitchFamily="49" charset="0"/>
-                <a:cs typeface="Consolas" panose="020B0609020204030204" pitchFamily="49" charset="0"/>
-              </a:rPr>
-              <a:t>nullptr</a:t>
-            </a:r>
-            <a:r>
-              <a:rPr lang="en-US" sz="800" b="0" dirty="0">
-                <a:solidFill>
-                  <a:srgbClr val="000000"/>
-                </a:solidFill>
-                <a:effectLst/>
-                <a:latin typeface="Consolas" panose="020B0609020204030204" pitchFamily="49" charset="0"/>
-                <a:cs typeface="Consolas" panose="020B0609020204030204" pitchFamily="49" charset="0"/>
-              </a:rPr>
-              <a:t>) </a:t>
+              <a:t>)</a:t>
             </a:r>
           </a:p>
           <a:p>
@@ -47383,6 +46392,42 @@
                 <a:latin typeface="Consolas" panose="020B0609020204030204" pitchFamily="49" charset="0"/>
                 <a:cs typeface="Consolas" panose="020B0609020204030204" pitchFamily="49" charset="0"/>
               </a:rPr>
+              <a:t>	// add a simple route – pin and value are variable and parsed into a RouteMatch object supporting</a:t>
+            </a:r>
+          </a:p>
+          <a:p>
+            <a:pPr marL="0" indent="0">
+              <a:lnSpc>
+                <a:spcPts val="1350"/>
+              </a:lnSpc>
+              <a:buNone/>
+            </a:pPr>
+            <a:r>
+              <a:rPr lang="en-US" sz="800" dirty="0">
+                <a:solidFill>
+                  <a:srgbClr val="000000"/>
+                </a:solidFill>
+                <a:latin typeface="Consolas" panose="020B0609020204030204" pitchFamily="49" charset="0"/>
+                <a:cs typeface="Consolas" panose="020B0609020204030204" pitchFamily="49" charset="0"/>
+              </a:rPr>
+              <a:t>	// match.getParam(“pin”) or you can use an ordered list as we do here</a:t>
+            </a:r>
+          </a:p>
+          <a:p>
+            <a:pPr marL="0" indent="0">
+              <a:lnSpc>
+                <a:spcPts val="1350"/>
+              </a:lnSpc>
+              <a:buNone/>
+            </a:pPr>
+            <a:r>
+              <a:rPr lang="en-US" sz="800" b="0" dirty="0">
+                <a:solidFill>
+                  <a:srgbClr val="F50C0C"/>
+                </a:solidFill>
+                <a:effectLst/>
+                <a:latin typeface="Menlo" panose="020B0609030804020204" pitchFamily="49" charset="0"/>
+              </a:rPr>
               <a:t>	</a:t>
             </a:r>
             <a:r>
@@ -47449,7 +46494,7 @@
                 <a:latin typeface="Consolas" panose="020B0609020204030204" pitchFamily="49" charset="0"/>
                 <a:cs typeface="Consolas" panose="020B0609020204030204" pitchFamily="49" charset="0"/>
               </a:rPr>
-              <a:t>GET</a:t>
+              <a:t>POST</a:t>
             </a:r>
             <a:r>
               <a:rPr lang="en-US" sz="800" b="0" dirty="0">
@@ -47493,7 +46538,7 @@
                 <a:latin typeface="Consolas" panose="020B0609020204030204" pitchFamily="49" charset="0"/>
                 <a:cs typeface="Consolas" panose="020B0609020204030204" pitchFamily="49" charset="0"/>
               </a:rPr>
-              <a:t>/api/v1/programs</a:t>
+              <a:t>/api/v1/gpio/{pin}/{value}</a:t>
             </a:r>
             <a:r>
               <a:rPr lang="en-US" sz="800" b="0" dirty="0">
@@ -47559,7 +46604,7 @@
                 <a:latin typeface="Consolas" panose="020B0609020204030204" pitchFamily="49" charset="0"/>
                 <a:cs typeface="Consolas" panose="020B0609020204030204" pitchFamily="49" charset="0"/>
               </a:rPr>
-              <a:t> &amp;</a:t>
+              <a:t>&amp; </a:t>
             </a:r>
             <a:r>
               <a:rPr lang="en-US" sz="800" b="0" dirty="0">
@@ -47603,7 +46648,7 @@
                 <a:latin typeface="Consolas" panose="020B0609020204030204" pitchFamily="49" charset="0"/>
                 <a:cs typeface="Consolas" panose="020B0609020204030204" pitchFamily="49" charset="0"/>
               </a:rPr>
-              <a:t> &amp;</a:t>
+              <a:t>&amp; </a:t>
             </a:r>
             <a:r>
               <a:rPr lang="en-US" sz="800" b="0" dirty="0">
@@ -47647,7 +46692,7 @@
                 <a:latin typeface="Consolas" panose="020B0609020204030204" pitchFamily="49" charset="0"/>
                 <a:cs typeface="Consolas" panose="020B0609020204030204" pitchFamily="49" charset="0"/>
               </a:rPr>
-              <a:t> std::</a:t>
+              <a:t> </a:t>
             </a:r>
             <a:r>
               <a:rPr lang="en-US" sz="800" b="0" dirty="0">
@@ -47658,7 +46703,7 @@
                 <a:latin typeface="Consolas" panose="020B0609020204030204" pitchFamily="49" charset="0"/>
                 <a:cs typeface="Consolas" panose="020B0609020204030204" pitchFamily="49" charset="0"/>
               </a:rPr>
-              <a:t>vector</a:t>
+              <a:t>RouteMatch</a:t>
             </a:r>
             <a:r>
               <a:rPr lang="en-US" sz="800" b="0" dirty="0">
@@ -47669,29 +46714,7 @@
                 <a:latin typeface="Consolas" panose="020B0609020204030204" pitchFamily="49" charset="0"/>
                 <a:cs typeface="Consolas" panose="020B0609020204030204" pitchFamily="49" charset="0"/>
               </a:rPr>
-              <a:t>&lt;std::</a:t>
-            </a:r>
-            <a:r>
-              <a:rPr lang="en-US" sz="800" b="0" dirty="0">
-                <a:solidFill>
-                  <a:srgbClr val="2B91AF"/>
-                </a:solidFill>
-                <a:effectLst/>
-                <a:latin typeface="Consolas" panose="020B0609020204030204" pitchFamily="49" charset="0"/>
-                <a:cs typeface="Consolas" panose="020B0609020204030204" pitchFamily="49" charset="0"/>
-              </a:rPr>
-              <a:t>string</a:t>
-            </a:r>
-            <a:r>
-              <a:rPr lang="en-US" sz="800" b="0" dirty="0">
-                <a:solidFill>
-                  <a:srgbClr val="000000"/>
-                </a:solidFill>
-                <a:effectLst/>
-                <a:latin typeface="Consolas" panose="020B0609020204030204" pitchFamily="49" charset="0"/>
-                <a:cs typeface="Consolas" panose="020B0609020204030204" pitchFamily="49" charset="0"/>
-              </a:rPr>
-              <a:t>&gt; &amp;</a:t>
+              <a:t>&amp; </a:t>
             </a:r>
             <a:r>
               <a:rPr lang="en-US" sz="800" b="0" dirty="0">
@@ -47702,7 +46725,7 @@
                 <a:latin typeface="Consolas" panose="020B0609020204030204" pitchFamily="49" charset="0"/>
                 <a:cs typeface="Consolas" panose="020B0609020204030204" pitchFamily="49" charset="0"/>
               </a:rPr>
-              <a:t>params</a:t>
+              <a:t>match</a:t>
             </a:r>
             <a:r>
               <a:rPr lang="en-US" sz="800" b="0" dirty="0">
@@ -47717,7 +46740,7 @@
             </a:r>
           </a:p>
           <a:p>
-            <a:pPr marL="0" indent="0">
+            <a:pPr>
               <a:lnSpc>
                 <a:spcPts val="1350"/>
               </a:lnSpc>
@@ -47731,7 +46754,7 @@
                 <a:latin typeface="Consolas" panose="020B0609020204030204" pitchFamily="49" charset="0"/>
                 <a:cs typeface="Consolas" panose="020B0609020204030204" pitchFamily="49" charset="0"/>
               </a:rPr>
-              <a:t>	</a:t>
+              <a:t>			</a:t>
             </a:r>
             <a:r>
               <a:rPr lang="en-US" sz="800" b="0" dirty="0">
@@ -47742,59 +46765,7 @@
                 <a:latin typeface="Consolas" panose="020B0609020204030204" pitchFamily="49" charset="0"/>
                 <a:cs typeface="Consolas" panose="020B0609020204030204" pitchFamily="49" charset="0"/>
               </a:rPr>
-              <a:t>{</a:t>
-            </a:r>
-          </a:p>
-          <a:p>
-            <a:pPr marL="400050" lvl="1" indent="0">
-              <a:lnSpc>
-                <a:spcPts val="1350"/>
-              </a:lnSpc>
-              <a:buNone/>
-            </a:pPr>
-            <a:r>
-              <a:rPr lang="en-US" sz="800" b="0" dirty="0">
-                <a:solidFill>
-                  <a:srgbClr val="0000FF"/>
-                </a:solidFill>
-                <a:effectLst/>
-                <a:latin typeface="Consolas" panose="020B0609020204030204" pitchFamily="49" charset="0"/>
-                <a:cs typeface="Consolas" panose="020B0609020204030204" pitchFamily="49" charset="0"/>
-              </a:rPr>
-              <a:t>		this</a:t>
-            </a:r>
-            <a:r>
-              <a:rPr lang="en-US" sz="800" b="0" dirty="0">
-                <a:solidFill>
-                  <a:srgbClr val="000000"/>
-                </a:solidFill>
-                <a:effectLst/>
-                <a:latin typeface="Consolas" panose="020B0609020204030204" pitchFamily="49" charset="0"/>
-                <a:cs typeface="Consolas" panose="020B0609020204030204" pitchFamily="49" charset="0"/>
-              </a:rPr>
-              <a:t>-&gt;</a:t>
-            </a:r>
-            <a:r>
-              <a:rPr lang="en-US" sz="800" b="0" dirty="0">
-                <a:solidFill>
-                  <a:srgbClr val="F50C0C"/>
-                </a:solidFill>
-                <a:effectLst/>
-                <a:latin typeface="Consolas" panose="020B0609020204030204" pitchFamily="49" charset="0"/>
-                <a:cs typeface="Consolas" panose="020B0609020204030204" pitchFamily="49" charset="0"/>
-              </a:rPr>
-              <a:t>scheduler</a:t>
-            </a:r>
-            <a:r>
-              <a:rPr lang="en-US" sz="800" b="0" dirty="0">
-                <a:solidFill>
-                  <a:srgbClr val="000000"/>
-                </a:solidFill>
-                <a:effectLst/>
-                <a:latin typeface="Consolas" panose="020B0609020204030204" pitchFamily="49" charset="0"/>
-                <a:cs typeface="Consolas" panose="020B0609020204030204" pitchFamily="49" charset="0"/>
-              </a:rPr>
-              <a:t>-&gt;</a:t>
+              <a:t>{ </a:t>
             </a:r>
             <a:r>
               <a:rPr lang="en-US" sz="800" b="0" dirty="0">
@@ -47805,7 +46776,7 @@
                 <a:latin typeface="Consolas" panose="020B0609020204030204" pitchFamily="49" charset="0"/>
                 <a:cs typeface="Consolas" panose="020B0609020204030204" pitchFamily="49" charset="0"/>
               </a:rPr>
-              <a:t>handle_get_programs</a:t>
+              <a:t>setState</a:t>
             </a:r>
             <a:r>
               <a:rPr lang="en-US" sz="800" b="0" dirty="0">
@@ -47871,7 +46842,7 @@
                 <a:latin typeface="Consolas" panose="020B0609020204030204" pitchFamily="49" charset="0"/>
                 <a:cs typeface="Consolas" panose="020B0609020204030204" pitchFamily="49" charset="0"/>
               </a:rPr>
-              <a:t>params</a:t>
+              <a:t>match</a:t>
             </a:r>
             <a:r>
               <a:rPr lang="en-US" sz="800" b="0" dirty="0">
@@ -47882,11 +46853,424 @@
                 <a:latin typeface="Consolas" panose="020B0609020204030204" pitchFamily="49" charset="0"/>
                 <a:cs typeface="Consolas" panose="020B0609020204030204" pitchFamily="49" charset="0"/>
               </a:rPr>
-              <a:t>);</a:t>
+              <a:t>.</a:t>
+            </a:r>
+            <a:r>
+              <a:rPr lang="en-US" sz="800" b="0" dirty="0">
+                <a:solidFill>
+                  <a:srgbClr val="F50C0C"/>
+                </a:solidFill>
+                <a:effectLst/>
+                <a:latin typeface="Consolas" panose="020B0609020204030204" pitchFamily="49" charset="0"/>
+                <a:cs typeface="Consolas" panose="020B0609020204030204" pitchFamily="49" charset="0"/>
+              </a:rPr>
+              <a:t>ordered</a:t>
+            </a:r>
+            <a:r>
+              <a:rPr lang="en-US" sz="800" b="0" dirty="0">
+                <a:solidFill>
+                  <a:srgbClr val="000000"/>
+                </a:solidFill>
+                <a:effectLst/>
+                <a:latin typeface="Consolas" panose="020B0609020204030204" pitchFamily="49" charset="0"/>
+                <a:cs typeface="Consolas" panose="020B0609020204030204" pitchFamily="49" charset="0"/>
+              </a:rPr>
+              <a:t>);}); // Lambdas are very descriptive for routes, but you are not required to use them</a:t>
             </a:r>
           </a:p>
           <a:p>
-            <a:pPr marL="400050" lvl="1" indent="0">
+            <a:pPr>
+              <a:lnSpc>
+                <a:spcPts val="1350"/>
+              </a:lnSpc>
+              <a:buNone/>
+            </a:pPr>
+            <a:endParaRPr lang="en-US" sz="800" b="0" dirty="0">
+              <a:solidFill>
+                <a:srgbClr val="0000FF"/>
+              </a:solidFill>
+              <a:effectLst/>
+              <a:latin typeface="Menlo" panose="020B0609030804020204" pitchFamily="49" charset="0"/>
+            </a:endParaRPr>
+          </a:p>
+          <a:p>
+            <a:pPr>
+              <a:lnSpc>
+                <a:spcPts val="1350"/>
+              </a:lnSpc>
+              <a:buNone/>
+            </a:pPr>
+            <a:r>
+              <a:rPr lang="en-US" sz="800" b="0" dirty="0">
+                <a:solidFill>
+                  <a:srgbClr val="0000FF"/>
+                </a:solidFill>
+                <a:effectLst/>
+                <a:latin typeface="Consolas" panose="020B0609020204030204" pitchFamily="49" charset="0"/>
+                <a:cs typeface="Consolas" panose="020B0609020204030204" pitchFamily="49" charset="0"/>
+              </a:rPr>
+              <a:t>void</a:t>
+            </a:r>
+            <a:r>
+              <a:rPr lang="en-US" sz="800" b="0" dirty="0">
+                <a:solidFill>
+                  <a:srgbClr val="000000"/>
+                </a:solidFill>
+                <a:effectLst/>
+                <a:latin typeface="Consolas" panose="020B0609020204030204" pitchFamily="49" charset="0"/>
+                <a:cs typeface="Consolas" panose="020B0609020204030204" pitchFamily="49" charset="0"/>
+              </a:rPr>
+              <a:t> App::</a:t>
+            </a:r>
+            <a:r>
+              <a:rPr lang="en-US" sz="800" b="0" dirty="0">
+                <a:solidFill>
+                  <a:srgbClr val="74531F"/>
+                </a:solidFill>
+                <a:effectLst/>
+                <a:latin typeface="Consolas" panose="020B0609020204030204" pitchFamily="49" charset="0"/>
+                <a:cs typeface="Consolas" panose="020B0609020204030204" pitchFamily="49" charset="0"/>
+              </a:rPr>
+              <a:t>onStart</a:t>
+            </a:r>
+            <a:r>
+              <a:rPr lang="en-US" sz="800" b="0" dirty="0">
+                <a:solidFill>
+                  <a:srgbClr val="000000"/>
+                </a:solidFill>
+                <a:effectLst/>
+                <a:latin typeface="Consolas" panose="020B0609020204030204" pitchFamily="49" charset="0"/>
+                <a:cs typeface="Consolas" panose="020B0609020204030204" pitchFamily="49" charset="0"/>
+              </a:rPr>
+              <a:t>()</a:t>
+            </a:r>
+          </a:p>
+          <a:p>
+            <a:pPr>
+              <a:lnSpc>
+                <a:spcPts val="1350"/>
+              </a:lnSpc>
+              <a:buNone/>
+            </a:pPr>
+            <a:r>
+              <a:rPr lang="en-US" sz="800" b="0" dirty="0">
+                <a:solidFill>
+                  <a:srgbClr val="000000"/>
+                </a:solidFill>
+                <a:effectLst/>
+                <a:latin typeface="Menlo" panose="020B0609030804020204" pitchFamily="49" charset="0"/>
+              </a:rPr>
+              <a:t>{</a:t>
+            </a:r>
+          </a:p>
+          <a:p>
+            <a:pPr>
+              <a:lnSpc>
+                <a:spcPts val="1350"/>
+              </a:lnSpc>
+              <a:buNone/>
+            </a:pPr>
+            <a:r>
+              <a:rPr lang="en-US" sz="800" b="0" dirty="0">
+                <a:solidFill>
+                  <a:srgbClr val="0000FF"/>
+                </a:solidFill>
+                <a:effectLst/>
+                <a:latin typeface="Menlo" panose="020B0609030804020204" pitchFamily="49" charset="0"/>
+              </a:rPr>
+              <a:t>       </a:t>
+            </a:r>
+            <a:r>
+              <a:rPr lang="en-US" sz="800" b="0" dirty="0">
+                <a:solidFill>
+                  <a:srgbClr val="0000FF"/>
+                </a:solidFill>
+                <a:effectLst/>
+                <a:latin typeface="Consolas" panose="020B0609020204030204" pitchFamily="49" charset="0"/>
+                <a:cs typeface="Consolas" panose="020B0609020204030204" pitchFamily="49" charset="0"/>
+              </a:rPr>
+              <a:t>static</a:t>
+            </a:r>
+            <a:r>
+              <a:rPr lang="en-US" sz="800" b="0" dirty="0">
+                <a:solidFill>
+                  <a:srgbClr val="000000"/>
+                </a:solidFill>
+                <a:effectLst/>
+                <a:latin typeface="Consolas" panose="020B0609020204030204" pitchFamily="49" charset="0"/>
+                <a:cs typeface="Consolas" panose="020B0609020204030204" pitchFamily="49" charset="0"/>
+              </a:rPr>
+              <a:t> GpioController </a:t>
+            </a:r>
+            <a:r>
+              <a:rPr lang="en-US" sz="800" b="0" dirty="0">
+                <a:solidFill>
+                  <a:srgbClr val="74531F"/>
+                </a:solidFill>
+                <a:effectLst/>
+                <a:latin typeface="Consolas" panose="020B0609020204030204" pitchFamily="49" charset="0"/>
+                <a:cs typeface="Consolas" panose="020B0609020204030204" pitchFamily="49" charset="0"/>
+              </a:rPr>
+              <a:t>gpioController</a:t>
+            </a:r>
+            <a:r>
+              <a:rPr lang="en-US" sz="800" b="0" dirty="0">
+                <a:solidFill>
+                  <a:srgbClr val="000000"/>
+                </a:solidFill>
+                <a:effectLst/>
+                <a:latin typeface="Consolas" panose="020B0609020204030204" pitchFamily="49" charset="0"/>
+                <a:cs typeface="Consolas" panose="020B0609020204030204" pitchFamily="49" charset="0"/>
+              </a:rPr>
+              <a:t>(router); // create a FrameworkController</a:t>
+            </a:r>
+          </a:p>
+          <a:p>
+            <a:pPr>
+              <a:lnSpc>
+                <a:spcPts val="1350"/>
+              </a:lnSpc>
+              <a:buNone/>
+            </a:pPr>
+            <a:r>
+              <a:rPr lang="en-US" sz="800" b="0" dirty="0">
+                <a:solidFill>
+                  <a:srgbClr val="1F377F"/>
+                </a:solidFill>
+                <a:effectLst/>
+                <a:latin typeface="Consolas" panose="020B0609020204030204" pitchFamily="49" charset="0"/>
+                <a:cs typeface="Consolas" panose="020B0609020204030204" pitchFamily="49" charset="0"/>
+              </a:rPr>
+              <a:t>        gpioController</a:t>
+            </a:r>
+            <a:r>
+              <a:rPr lang="en-US" sz="800" b="0" dirty="0">
+                <a:solidFill>
+                  <a:srgbClr val="000000"/>
+                </a:solidFill>
+                <a:effectLst/>
+                <a:latin typeface="Consolas" panose="020B0609020204030204" pitchFamily="49" charset="0"/>
+                <a:cs typeface="Consolas" panose="020B0609020204030204" pitchFamily="49" charset="0"/>
+              </a:rPr>
+              <a:t>.</a:t>
+            </a:r>
+            <a:r>
+              <a:rPr lang="en-US" sz="800" b="0" dirty="0">
+                <a:solidFill>
+                  <a:srgbClr val="74531F"/>
+                </a:solidFill>
+                <a:effectLst/>
+                <a:latin typeface="Consolas" panose="020B0609020204030204" pitchFamily="49" charset="0"/>
+                <a:cs typeface="Consolas" panose="020B0609020204030204" pitchFamily="49" charset="0"/>
+              </a:rPr>
+              <a:t>start</a:t>
+            </a:r>
+            <a:r>
+              <a:rPr lang="en-US" sz="800" b="0" dirty="0">
+                <a:solidFill>
+                  <a:srgbClr val="000000"/>
+                </a:solidFill>
+                <a:effectLst/>
+                <a:latin typeface="Consolas" panose="020B0609020204030204" pitchFamily="49" charset="0"/>
+                <a:cs typeface="Consolas" panose="020B0609020204030204" pitchFamily="49" charset="0"/>
+              </a:rPr>
+              <a:t>(); // start it</a:t>
+            </a:r>
+          </a:p>
+          <a:p>
+            <a:pPr>
+              <a:lnSpc>
+                <a:spcPts val="1350"/>
+              </a:lnSpc>
+              <a:buNone/>
+            </a:pPr>
+            <a:r>
+              <a:rPr lang="en-US" sz="800" b="0" dirty="0">
+                <a:solidFill>
+                  <a:srgbClr val="2B91AF"/>
+                </a:solidFill>
+                <a:effectLst/>
+                <a:latin typeface="Consolas" panose="020B0609020204030204" pitchFamily="49" charset="0"/>
+                <a:cs typeface="Consolas" panose="020B0609020204030204" pitchFamily="49" charset="0"/>
+              </a:rPr>
+              <a:t>        EventManager</a:t>
+            </a:r>
+            <a:r>
+              <a:rPr lang="en-US" sz="800" b="0" dirty="0">
+                <a:solidFill>
+                  <a:srgbClr val="000000"/>
+                </a:solidFill>
+                <a:effectLst/>
+                <a:latin typeface="Consolas" panose="020B0609020204030204" pitchFamily="49" charset="0"/>
+                <a:cs typeface="Consolas" panose="020B0609020204030204" pitchFamily="49" charset="0"/>
+              </a:rPr>
+              <a:t>* eventManager = </a:t>
+            </a:r>
+            <a:r>
+              <a:rPr lang="en-US" sz="800" b="0" dirty="0">
+                <a:solidFill>
+                  <a:srgbClr val="2B91AF"/>
+                </a:solidFill>
+                <a:effectLst/>
+                <a:latin typeface="Consolas" panose="020B0609020204030204" pitchFamily="49" charset="0"/>
+                <a:cs typeface="Consolas" panose="020B0609020204030204" pitchFamily="49" charset="0"/>
+              </a:rPr>
+              <a:t>AppContext</a:t>
+            </a:r>
+            <a:r>
+              <a:rPr lang="en-US" sz="800" b="0" dirty="0">
+                <a:solidFill>
+                  <a:srgbClr val="000000"/>
+                </a:solidFill>
+                <a:effectLst/>
+                <a:latin typeface="Consolas" panose="020B0609020204030204" pitchFamily="49" charset="0"/>
+                <a:cs typeface="Consolas" panose="020B0609020204030204" pitchFamily="49" charset="0"/>
+              </a:rPr>
+              <a:t>::</a:t>
+            </a:r>
+            <a:r>
+              <a:rPr lang="en-US" sz="800" b="0" dirty="0">
+                <a:solidFill>
+                  <a:srgbClr val="74531F"/>
+                </a:solidFill>
+                <a:effectLst/>
+                <a:latin typeface="Consolas" panose="020B0609020204030204" pitchFamily="49" charset="0"/>
+                <a:cs typeface="Consolas" panose="020B0609020204030204" pitchFamily="49" charset="0"/>
+              </a:rPr>
+              <a:t>get</a:t>
+            </a:r>
+            <a:r>
+              <a:rPr lang="en-US" sz="800" b="0" dirty="0">
+                <a:solidFill>
+                  <a:srgbClr val="000000"/>
+                </a:solidFill>
+                <a:effectLst/>
+                <a:latin typeface="Consolas" panose="020B0609020204030204" pitchFamily="49" charset="0"/>
+                <a:cs typeface="Consolas" panose="020B0609020204030204" pitchFamily="49" charset="0"/>
+              </a:rPr>
+              <a:t>&lt;</a:t>
+            </a:r>
+            <a:r>
+              <a:rPr lang="en-US" sz="800" b="0" dirty="0">
+                <a:solidFill>
+                  <a:srgbClr val="2B91AF"/>
+                </a:solidFill>
+                <a:effectLst/>
+                <a:latin typeface="Consolas" panose="020B0609020204030204" pitchFamily="49" charset="0"/>
+                <a:cs typeface="Consolas" panose="020B0609020204030204" pitchFamily="49" charset="0"/>
+              </a:rPr>
+              <a:t>EventManager</a:t>
+            </a:r>
+            <a:r>
+              <a:rPr lang="en-US" sz="800" b="0" dirty="0">
+                <a:solidFill>
+                  <a:srgbClr val="000000"/>
+                </a:solidFill>
+                <a:effectLst/>
+                <a:latin typeface="Consolas" panose="020B0609020204030204" pitchFamily="49" charset="0"/>
+                <a:cs typeface="Consolas" panose="020B0609020204030204" pitchFamily="49" charset="0"/>
+              </a:rPr>
+              <a:t>&gt;(); // get the instance of EventManager from AppContext</a:t>
+            </a:r>
+          </a:p>
+          <a:p>
+            <a:pPr marL="0" indent="0">
+              <a:lnSpc>
+                <a:spcPts val="1350"/>
+              </a:lnSpc>
+              <a:buNone/>
+            </a:pPr>
+            <a:r>
+              <a:rPr lang="en-US" sz="800" b="0" dirty="0">
+                <a:solidFill>
+                  <a:srgbClr val="2B91AF"/>
+                </a:solidFill>
+                <a:effectLst/>
+                <a:latin typeface="Consolas" panose="020B0609020204030204" pitchFamily="49" charset="0"/>
+                <a:cs typeface="Consolas" panose="020B0609020204030204" pitchFamily="49" charset="0"/>
+              </a:rPr>
+              <a:t>	GpioEventManager</a:t>
+            </a:r>
+            <a:r>
+              <a:rPr lang="en-US" sz="800" b="0" dirty="0">
+                <a:solidFill>
+                  <a:srgbClr val="000000"/>
+                </a:solidFill>
+                <a:effectLst/>
+                <a:latin typeface="Consolas" panose="020B0609020204030204" pitchFamily="49" charset="0"/>
+                <a:cs typeface="Consolas" panose="020B0609020204030204" pitchFamily="49" charset="0"/>
+              </a:rPr>
+              <a:t>* gpioEventManager = </a:t>
+            </a:r>
+            <a:r>
+              <a:rPr lang="en-US" sz="800" b="0" dirty="0">
+                <a:solidFill>
+                  <a:srgbClr val="2B91AF"/>
+                </a:solidFill>
+                <a:effectLst/>
+                <a:latin typeface="Consolas" panose="020B0609020204030204" pitchFamily="49" charset="0"/>
+                <a:cs typeface="Consolas" panose="020B0609020204030204" pitchFamily="49" charset="0"/>
+              </a:rPr>
+              <a:t>AppContext</a:t>
+            </a:r>
+            <a:r>
+              <a:rPr lang="en-US" sz="800" b="0" dirty="0">
+                <a:solidFill>
+                  <a:srgbClr val="000000"/>
+                </a:solidFill>
+                <a:effectLst/>
+                <a:latin typeface="Consolas" panose="020B0609020204030204" pitchFamily="49" charset="0"/>
+                <a:cs typeface="Consolas" panose="020B0609020204030204" pitchFamily="49" charset="0"/>
+              </a:rPr>
+              <a:t>::</a:t>
+            </a:r>
+            <a:r>
+              <a:rPr lang="en-US" sz="800" b="0" dirty="0">
+                <a:solidFill>
+                  <a:srgbClr val="74531F"/>
+                </a:solidFill>
+                <a:effectLst/>
+                <a:latin typeface="Consolas" panose="020B0609020204030204" pitchFamily="49" charset="0"/>
+                <a:cs typeface="Consolas" panose="020B0609020204030204" pitchFamily="49" charset="0"/>
+              </a:rPr>
+              <a:t>get</a:t>
+            </a:r>
+            <a:r>
+              <a:rPr lang="en-US" sz="800" b="0" dirty="0">
+                <a:solidFill>
+                  <a:srgbClr val="000000"/>
+                </a:solidFill>
+                <a:effectLst/>
+                <a:latin typeface="Consolas" panose="020B0609020204030204" pitchFamily="49" charset="0"/>
+                <a:cs typeface="Consolas" panose="020B0609020204030204" pitchFamily="49" charset="0"/>
+              </a:rPr>
+              <a:t>&lt;</a:t>
+            </a:r>
+            <a:r>
+              <a:rPr lang="en-US" sz="800" b="0" dirty="0">
+                <a:solidFill>
+                  <a:srgbClr val="2B91AF"/>
+                </a:solidFill>
+                <a:effectLst/>
+                <a:latin typeface="Consolas" panose="020B0609020204030204" pitchFamily="49" charset="0"/>
+                <a:cs typeface="Consolas" panose="020B0609020204030204" pitchFamily="49" charset="0"/>
+              </a:rPr>
+              <a:t>GpioEventManager</a:t>
+            </a:r>
+            <a:r>
+              <a:rPr lang="en-US" sz="800" b="0" dirty="0">
+                <a:solidFill>
+                  <a:srgbClr val="000000"/>
+                </a:solidFill>
+                <a:effectLst/>
+                <a:latin typeface="Consolas" panose="020B0609020204030204" pitchFamily="49" charset="0"/>
+                <a:cs typeface="Consolas" panose="020B0609020204030204" pitchFamily="49" charset="0"/>
+              </a:rPr>
+              <a:t>&gt;(); // same for GpioEventManager</a:t>
+            </a:r>
+          </a:p>
+          <a:p>
+            <a:pPr marL="0" indent="0">
               <a:lnSpc>
                 <a:spcPts val="1350"/>
               </a:lnSpc>
@@ -47901,11 +47285,240 @@
                 <a:latin typeface="Consolas" panose="020B0609020204030204" pitchFamily="49" charset="0"/>
                 <a:cs typeface="Consolas" panose="020B0609020204030204" pitchFamily="49" charset="0"/>
               </a:rPr>
-              <a:t> }); </a:t>
+              <a:t>	gpioEventManager-&gt;</a:t>
+            </a:r>
+            <a:r>
+              <a:rPr lang="en-US" sz="800" b="0" dirty="0">
+                <a:solidFill>
+                  <a:srgbClr val="74531F"/>
+                </a:solidFill>
+                <a:effectLst/>
+                <a:latin typeface="Consolas" panose="020B0609020204030204" pitchFamily="49" charset="0"/>
+                <a:cs typeface="Consolas" panose="020B0609020204030204" pitchFamily="49" charset="0"/>
+              </a:rPr>
+              <a:t>enableInterrupt</a:t>
+            </a:r>
+            <a:r>
+              <a:rPr lang="en-US" sz="800" b="0" dirty="0">
+                <a:solidFill>
+                  <a:srgbClr val="000000"/>
+                </a:solidFill>
+                <a:effectLst/>
+                <a:latin typeface="Consolas" panose="020B0609020204030204" pitchFamily="49" charset="0"/>
+                <a:cs typeface="Consolas" panose="020B0609020204030204" pitchFamily="49" charset="0"/>
+              </a:rPr>
+              <a:t>(</a:t>
+            </a:r>
+            <a:r>
+              <a:rPr lang="en-US" sz="800" b="0" dirty="0">
+                <a:solidFill>
+                  <a:srgbClr val="098658"/>
+                </a:solidFill>
+                <a:effectLst/>
+                <a:latin typeface="Consolas" panose="020B0609020204030204" pitchFamily="49" charset="0"/>
+                <a:cs typeface="Consolas" panose="020B0609020204030204" pitchFamily="49" charset="0"/>
+              </a:rPr>
+              <a:t>16</a:t>
+            </a:r>
+            <a:r>
+              <a:rPr lang="en-US" sz="800" b="0" dirty="0">
+                <a:solidFill>
+                  <a:srgbClr val="000000"/>
+                </a:solidFill>
+                <a:effectLst/>
+                <a:latin typeface="Consolas" panose="020B0609020204030204" pitchFamily="49" charset="0"/>
+                <a:cs typeface="Consolas" panose="020B0609020204030204" pitchFamily="49" charset="0"/>
+              </a:rPr>
+              <a:t>, GPIO_IRQ_EDGE_RISE | GPIO_IRQ_EDGE_FALL); // enable interrupts on pin 16</a:t>
             </a:r>
           </a:p>
           <a:p>
-            <a:pPr marL="400050" lvl="1" indent="0">
+            <a:pPr marL="0" indent="0">
+              <a:lnSpc>
+                <a:spcPts val="1350"/>
+              </a:lnSpc>
+              <a:buNone/>
+            </a:pPr>
+            <a:r>
+              <a:rPr lang="en-US" sz="800" b="0" dirty="0">
+                <a:solidFill>
+                  <a:srgbClr val="000000"/>
+                </a:solidFill>
+                <a:effectLst/>
+                <a:latin typeface="Consolas" panose="020B0609020204030204" pitchFamily="49" charset="0"/>
+                <a:cs typeface="Consolas" panose="020B0609020204030204" pitchFamily="49" charset="0"/>
+              </a:rPr>
+              <a:t>	eventManager-&gt;</a:t>
+            </a:r>
+            <a:r>
+              <a:rPr lang="en-US" sz="800" b="0" dirty="0">
+                <a:solidFill>
+                  <a:srgbClr val="74531F"/>
+                </a:solidFill>
+                <a:effectLst/>
+                <a:latin typeface="Consolas" panose="020B0609020204030204" pitchFamily="49" charset="0"/>
+                <a:cs typeface="Consolas" panose="020B0609020204030204" pitchFamily="49" charset="0"/>
+              </a:rPr>
+              <a:t>subscribe</a:t>
+            </a:r>
+            <a:r>
+              <a:rPr lang="en-US" sz="800" b="0" dirty="0">
+                <a:solidFill>
+                  <a:srgbClr val="000000"/>
+                </a:solidFill>
+                <a:effectLst/>
+                <a:latin typeface="Consolas" panose="020B0609020204030204" pitchFamily="49" charset="0"/>
+                <a:cs typeface="Consolas" panose="020B0609020204030204" pitchFamily="49" charset="0"/>
+              </a:rPr>
+              <a:t>(</a:t>
+            </a:r>
+            <a:r>
+              <a:rPr lang="en-US" sz="800" b="0" dirty="0">
+                <a:solidFill>
+                  <a:srgbClr val="74531F"/>
+                </a:solidFill>
+                <a:effectLst/>
+                <a:latin typeface="Consolas" panose="020B0609020204030204" pitchFamily="49" charset="0"/>
+                <a:cs typeface="Consolas" panose="020B0609020204030204" pitchFamily="49" charset="0"/>
+              </a:rPr>
+              <a:t>mask</a:t>
+            </a:r>
+            <a:r>
+              <a:rPr lang="en-US" sz="800" b="0" dirty="0">
+                <a:solidFill>
+                  <a:srgbClr val="000000"/>
+                </a:solidFill>
+                <a:effectLst/>
+                <a:latin typeface="Consolas" panose="020B0609020204030204" pitchFamily="49" charset="0"/>
+                <a:cs typeface="Consolas" panose="020B0609020204030204" pitchFamily="49" charset="0"/>
+              </a:rPr>
+              <a:t>(UserNotification::Heartbeat), </a:t>
+            </a:r>
+            <a:r>
+              <a:rPr lang="en-US" sz="800" b="0" dirty="0">
+                <a:solidFill>
+                  <a:srgbClr val="0000FF"/>
+                </a:solidFill>
+                <a:effectLst/>
+                <a:latin typeface="Consolas" panose="020B0609020204030204" pitchFamily="49" charset="0"/>
+                <a:cs typeface="Consolas" panose="020B0609020204030204" pitchFamily="49" charset="0"/>
+              </a:rPr>
+              <a:t>this</a:t>
+            </a:r>
+            <a:r>
+              <a:rPr lang="en-US" sz="800" b="0" dirty="0">
+                <a:solidFill>
+                  <a:srgbClr val="000000"/>
+                </a:solidFill>
+                <a:effectLst/>
+                <a:latin typeface="Consolas" panose="020B0609020204030204" pitchFamily="49" charset="0"/>
+                <a:cs typeface="Consolas" panose="020B0609020204030204" pitchFamily="49" charset="0"/>
+              </a:rPr>
+              <a:t>); // This is how to subscribe to user event you have predefined</a:t>
+            </a:r>
+          </a:p>
+          <a:p>
+            <a:pPr marL="0" indent="0">
+              <a:lnSpc>
+                <a:spcPts val="1350"/>
+              </a:lnSpc>
+              <a:buNone/>
+            </a:pPr>
+            <a:r>
+              <a:rPr lang="en-US" sz="800" b="0" dirty="0">
+                <a:solidFill>
+                  <a:srgbClr val="000000"/>
+                </a:solidFill>
+                <a:effectLst/>
+                <a:latin typeface="Consolas" panose="020B0609020204030204" pitchFamily="49" charset="0"/>
+                <a:cs typeface="Consolas" panose="020B0609020204030204" pitchFamily="49" charset="0"/>
+              </a:rPr>
+              <a:t>	waitFor(</a:t>
+            </a:r>
+            <a:r>
+              <a:rPr lang="en-US" sz="800" b="0" dirty="0">
+                <a:solidFill>
+                  <a:srgbClr val="2B91AF"/>
+                </a:solidFill>
+                <a:effectLst/>
+                <a:latin typeface="Consolas" panose="020B0609020204030204" pitchFamily="49" charset="0"/>
+                <a:cs typeface="Consolas" panose="020B0609020204030204" pitchFamily="49" charset="0"/>
+              </a:rPr>
+              <a:t>SystemNotification</a:t>
+            </a:r>
+            <a:r>
+              <a:rPr lang="en-US" sz="800" b="0" dirty="0">
+                <a:solidFill>
+                  <a:srgbClr val="000000"/>
+                </a:solidFill>
+                <a:effectLst/>
+                <a:latin typeface="Consolas" panose="020B0609020204030204" pitchFamily="49" charset="0"/>
+                <a:cs typeface="Consolas" panose="020B0609020204030204" pitchFamily="49" charset="0"/>
+              </a:rPr>
+              <a:t>::NetworkReady); // wait for the Wi-Fi - no need to block – you could do it in poll() with timeout</a:t>
+            </a:r>
+          </a:p>
+          <a:p>
+            <a:pPr marL="0" indent="0">
+              <a:lnSpc>
+                <a:spcPts val="1350"/>
+              </a:lnSpc>
+              <a:buNone/>
+            </a:pPr>
+            <a:r>
+              <a:rPr lang="en-US" sz="800" b="0" dirty="0">
+                <a:solidFill>
+                  <a:srgbClr val="000000"/>
+                </a:solidFill>
+                <a:effectLst/>
+                <a:latin typeface="Consolas" panose="020B0609020204030204" pitchFamily="49" charset="0"/>
+                <a:cs typeface="Consolas" panose="020B0609020204030204" pitchFamily="49" charset="0"/>
+              </a:rPr>
+              <a:t>	server.</a:t>
+            </a:r>
+            <a:r>
+              <a:rPr lang="en-US" sz="800" b="0" dirty="0">
+                <a:solidFill>
+                  <a:srgbClr val="74531F"/>
+                </a:solidFill>
+                <a:effectLst/>
+                <a:latin typeface="Consolas" panose="020B0609020204030204" pitchFamily="49" charset="0"/>
+                <a:cs typeface="Consolas" panose="020B0609020204030204" pitchFamily="49" charset="0"/>
+              </a:rPr>
+              <a:t>start</a:t>
+            </a:r>
+            <a:r>
+              <a:rPr lang="en-US" sz="800" b="0" dirty="0">
+                <a:solidFill>
+                  <a:srgbClr val="000000"/>
+                </a:solidFill>
+                <a:effectLst/>
+                <a:latin typeface="Consolas" panose="020B0609020204030204" pitchFamily="49" charset="0"/>
+                <a:cs typeface="Consolas" panose="020B0609020204030204" pitchFamily="49" charset="0"/>
+              </a:rPr>
+              <a:t>(); // once we have Wi</a:t>
+            </a:r>
+            <a:r>
+              <a:rPr lang="en-US" sz="800" dirty="0">
+                <a:solidFill>
+                  <a:srgbClr val="000000"/>
+                </a:solidFill>
+                <a:latin typeface="Consolas" panose="020B0609020204030204" pitchFamily="49" charset="0"/>
+                <a:cs typeface="Consolas" panose="020B0609020204030204" pitchFamily="49" charset="0"/>
+              </a:rPr>
+              <a:t>-Fi up, we can start the HTTP server</a:t>
+            </a:r>
+            <a:endParaRPr lang="en-US" sz="800" b="0" dirty="0">
+              <a:solidFill>
+                <a:srgbClr val="000000"/>
+              </a:solidFill>
+              <a:effectLst/>
+              <a:latin typeface="Consolas" panose="020B0609020204030204" pitchFamily="49" charset="0"/>
+              <a:cs typeface="Consolas" panose="020B0609020204030204" pitchFamily="49" charset="0"/>
+            </a:endParaRPr>
+          </a:p>
+          <a:p>
+            <a:pPr marL="0" indent="0">
               <a:lnSpc>
                 <a:spcPts val="1350"/>
               </a:lnSpc>
@@ -47916,10 +47529,9 @@
                 <a:solidFill>
                   <a:srgbClr val="000000"/>
                 </a:solidFill>
-                <a:latin typeface="Consolas" panose="020B0609020204030204" pitchFamily="49" charset="0"/>
-                <a:cs typeface="Consolas" panose="020B0609020204030204" pitchFamily="49" charset="0"/>
+                <a:latin typeface="Menlo" panose="020B0609030804020204" pitchFamily="49" charset="0"/>
               </a:rPr>
-              <a:t>…</a:t>
+              <a:t>}</a:t>
             </a:r>
             <a:endParaRPr lang="en-US" sz="800" b="0" dirty="0">
               <a:solidFill>
@@ -47936,507 +47548,12 @@
               </a:lnSpc>
               <a:buNone/>
             </a:pPr>
-            <a:r>
-              <a:rPr lang="en-US" sz="800" b="0" dirty="0">
-                <a:solidFill>
-                  <a:srgbClr val="0000FF"/>
-                </a:solidFill>
-                <a:effectLst/>
-                <a:latin typeface="Menlo" panose="020B0609030804020204" pitchFamily="49" charset="0"/>
-              </a:rPr>
-              <a:t>void</a:t>
-            </a:r>
-            <a:r>
-              <a:rPr lang="en-US" sz="800" b="0" dirty="0">
-                <a:solidFill>
-                  <a:srgbClr val="000000"/>
-                </a:solidFill>
-                <a:effectLst/>
-                <a:latin typeface="Menlo" panose="020B0609030804020204" pitchFamily="49" charset="0"/>
-              </a:rPr>
-              <a:t> </a:t>
-            </a:r>
-            <a:r>
-              <a:rPr lang="en-US" sz="800" b="0" dirty="0">
-                <a:solidFill>
-                  <a:srgbClr val="2B91AF"/>
-                </a:solidFill>
-                <a:effectLst/>
-                <a:latin typeface="Menlo" panose="020B0609030804020204" pitchFamily="49" charset="0"/>
-              </a:rPr>
-              <a:t>App</a:t>
-            </a:r>
-            <a:r>
-              <a:rPr lang="en-US" sz="800" b="0" dirty="0">
-                <a:solidFill>
-                  <a:srgbClr val="000000"/>
-                </a:solidFill>
-                <a:effectLst/>
-                <a:latin typeface="Menlo" panose="020B0609030804020204" pitchFamily="49" charset="0"/>
-              </a:rPr>
-              <a:t>::</a:t>
-            </a:r>
-            <a:r>
-              <a:rPr lang="en-US" sz="800" b="0" dirty="0">
-                <a:solidFill>
-                  <a:srgbClr val="74531F"/>
-                </a:solidFill>
-                <a:effectLst/>
-                <a:latin typeface="Menlo" panose="020B0609030804020204" pitchFamily="49" charset="0"/>
-              </a:rPr>
-              <a:t>run</a:t>
-            </a:r>
-            <a:r>
-              <a:rPr lang="en-US" sz="800" b="0" dirty="0">
-                <a:solidFill>
-                  <a:srgbClr val="000000"/>
-                </a:solidFill>
-                <a:effectLst/>
-                <a:latin typeface="Menlo" panose="020B0609030804020204" pitchFamily="49" charset="0"/>
-              </a:rPr>
-              <a:t>() {</a:t>
-            </a:r>
-          </a:p>
-          <a:p>
-            <a:pPr marL="0" indent="0">
-              <a:lnSpc>
-                <a:spcPts val="1350"/>
-              </a:lnSpc>
-              <a:buNone/>
-            </a:pPr>
-            <a:r>
-              <a:rPr lang="en-US" sz="800" dirty="0">
-                <a:solidFill>
-                  <a:srgbClr val="000000"/>
-                </a:solidFill>
-                <a:latin typeface="Menlo" panose="020B0609030804020204" pitchFamily="49" charset="0"/>
-              </a:rPr>
-              <a:t>	</a:t>
-            </a:r>
-            <a:r>
-              <a:rPr lang="en-US" sz="800" b="0" dirty="0">
-                <a:solidFill>
-                  <a:srgbClr val="74531F"/>
-                </a:solidFill>
-                <a:effectLst/>
-                <a:latin typeface="Menlo" panose="020B0609030804020204" pitchFamily="49" charset="0"/>
-              </a:rPr>
-              <a:t>waitFor</a:t>
-            </a:r>
-            <a:r>
-              <a:rPr lang="en-US" sz="800" b="0" dirty="0">
-                <a:solidFill>
-                  <a:srgbClr val="000000"/>
-                </a:solidFill>
-                <a:effectLst/>
-                <a:latin typeface="Menlo" panose="020B0609030804020204" pitchFamily="49" charset="0"/>
-              </a:rPr>
-              <a:t>(</a:t>
-            </a:r>
-            <a:r>
-              <a:rPr lang="en-US" sz="800" b="0" dirty="0">
-                <a:solidFill>
-                  <a:srgbClr val="2B91AF"/>
-                </a:solidFill>
-                <a:effectLst/>
-                <a:latin typeface="Menlo" panose="020B0609030804020204" pitchFamily="49" charset="0"/>
-              </a:rPr>
-              <a:t>FrameworkNotification</a:t>
-            </a:r>
-            <a:r>
-              <a:rPr lang="en-US" sz="800" b="0" dirty="0">
-                <a:solidFill>
-                  <a:srgbClr val="000000"/>
-                </a:solidFill>
-                <a:effectLst/>
-                <a:latin typeface="Menlo" panose="020B0609030804020204" pitchFamily="49" charset="0"/>
-              </a:rPr>
-              <a:t>::NetworkReady);</a:t>
-            </a:r>
-          </a:p>
-          <a:p>
-            <a:pPr marL="0" indent="0">
-              <a:lnSpc>
-                <a:spcPts val="1350"/>
-              </a:lnSpc>
-              <a:buNone/>
-            </a:pPr>
-            <a:r>
-              <a:rPr lang="en-US" sz="800" b="0" dirty="0">
-                <a:solidFill>
-                  <a:srgbClr val="F50C0C"/>
-                </a:solidFill>
-                <a:effectLst/>
-                <a:latin typeface="Menlo" panose="020B0609030804020204" pitchFamily="49" charset="0"/>
-              </a:rPr>
-              <a:t>	controller</a:t>
-            </a:r>
-            <a:r>
-              <a:rPr lang="en-US" sz="800" b="0" dirty="0">
-                <a:solidFill>
-                  <a:srgbClr val="000000"/>
-                </a:solidFill>
-                <a:effectLst/>
-                <a:latin typeface="Menlo" panose="020B0609030804020204" pitchFamily="49" charset="0"/>
-              </a:rPr>
-              <a:t> = </a:t>
-            </a:r>
-            <a:r>
-              <a:rPr lang="en-US" sz="800" b="0" dirty="0">
-                <a:solidFill>
-                  <a:srgbClr val="2B91AF"/>
-                </a:solidFill>
-                <a:effectLst/>
-                <a:latin typeface="Menlo" panose="020B0609030804020204" pitchFamily="49" charset="0"/>
-              </a:rPr>
-              <a:t>Controller</a:t>
-            </a:r>
-            <a:r>
-              <a:rPr lang="en-US" sz="800" b="0" dirty="0">
-                <a:solidFill>
-                  <a:srgbClr val="000000"/>
-                </a:solidFill>
-                <a:effectLst/>
-                <a:latin typeface="Menlo" panose="020B0609030804020204" pitchFamily="49" charset="0"/>
-              </a:rPr>
-              <a:t>::</a:t>
-            </a:r>
-            <a:r>
-              <a:rPr lang="en-US" sz="800" b="0" dirty="0">
-                <a:solidFill>
-                  <a:srgbClr val="74531F"/>
-                </a:solidFill>
-                <a:effectLst/>
-                <a:latin typeface="Menlo" panose="020B0609030804020204" pitchFamily="49" charset="0"/>
-              </a:rPr>
-              <a:t>get_instance</a:t>
-            </a:r>
-            <a:r>
-              <a:rPr lang="en-US" sz="800" b="0" dirty="0">
-                <a:solidFill>
-                  <a:srgbClr val="000000"/>
-                </a:solidFill>
-                <a:effectLst/>
-                <a:latin typeface="Menlo" panose="020B0609030804020204" pitchFamily="49" charset="0"/>
-              </a:rPr>
-              <a:t>();</a:t>
-            </a:r>
-          </a:p>
-          <a:p>
-            <a:pPr marL="0" indent="0">
-              <a:lnSpc>
-                <a:spcPts val="1350"/>
-              </a:lnSpc>
-              <a:buNone/>
-            </a:pPr>
-            <a:r>
-              <a:rPr lang="en-US" sz="800" b="0" dirty="0">
-                <a:solidFill>
-                  <a:srgbClr val="F50C0C"/>
-                </a:solidFill>
-                <a:effectLst/>
-                <a:latin typeface="Menlo" panose="020B0609030804020204" pitchFamily="49" charset="0"/>
-              </a:rPr>
-              <a:t>	controller</a:t>
-            </a:r>
-            <a:r>
-              <a:rPr lang="en-US" sz="800" b="0" dirty="0">
-                <a:solidFill>
-                  <a:srgbClr val="000000"/>
-                </a:solidFill>
-                <a:effectLst/>
-                <a:latin typeface="Menlo" panose="020B0609030804020204" pitchFamily="49" charset="0"/>
-              </a:rPr>
-              <a:t>-&gt;</a:t>
-            </a:r>
-            <a:r>
-              <a:rPr lang="en-US" sz="800" b="0" dirty="0">
-                <a:solidFill>
-                  <a:srgbClr val="74531F"/>
-                </a:solidFill>
-                <a:effectLst/>
-                <a:latin typeface="Menlo" panose="020B0609030804020204" pitchFamily="49" charset="0"/>
-              </a:rPr>
-              <a:t>start</a:t>
-            </a:r>
-            <a:r>
-              <a:rPr lang="en-US" sz="800" b="0" dirty="0">
-                <a:solidFill>
-                  <a:srgbClr val="000000"/>
-                </a:solidFill>
-                <a:effectLst/>
-                <a:latin typeface="Menlo" panose="020B0609030804020204" pitchFamily="49" charset="0"/>
-              </a:rPr>
-              <a:t>();</a:t>
-            </a:r>
-          </a:p>
-          <a:p>
-            <a:pPr marL="0" indent="0">
-              <a:lnSpc>
-                <a:spcPts val="1350"/>
-              </a:lnSpc>
-              <a:buNone/>
-            </a:pPr>
-            <a:r>
-              <a:rPr lang="en-US" sz="800" b="0" dirty="0">
-                <a:solidFill>
-                  <a:srgbClr val="F50C0C"/>
-                </a:solidFill>
-                <a:effectLst/>
-                <a:latin typeface="Menlo" panose="020B0609030804020204" pitchFamily="49" charset="0"/>
-              </a:rPr>
-              <a:t>	scheduler</a:t>
-            </a:r>
-            <a:r>
-              <a:rPr lang="en-US" sz="800" b="0" dirty="0">
-                <a:solidFill>
-                  <a:srgbClr val="000000"/>
-                </a:solidFill>
-                <a:effectLst/>
-                <a:latin typeface="Menlo" panose="020B0609030804020204" pitchFamily="49" charset="0"/>
-              </a:rPr>
-              <a:t> = </a:t>
-            </a:r>
-            <a:r>
-              <a:rPr lang="en-US" sz="800" b="0" dirty="0">
-                <a:solidFill>
-                  <a:srgbClr val="2B91AF"/>
-                </a:solidFill>
-                <a:effectLst/>
-                <a:latin typeface="Menlo" panose="020B0609030804020204" pitchFamily="49" charset="0"/>
-              </a:rPr>
-              <a:t>Scheduler</a:t>
-            </a:r>
-            <a:r>
-              <a:rPr lang="en-US" sz="800" b="0" dirty="0">
-                <a:solidFill>
-                  <a:srgbClr val="000000"/>
-                </a:solidFill>
-                <a:effectLst/>
-                <a:latin typeface="Menlo" panose="020B0609030804020204" pitchFamily="49" charset="0"/>
-              </a:rPr>
-              <a:t>::</a:t>
-            </a:r>
-            <a:r>
-              <a:rPr lang="en-US" sz="800" b="0" dirty="0">
-                <a:solidFill>
-                  <a:srgbClr val="74531F"/>
-                </a:solidFill>
-                <a:effectLst/>
-                <a:latin typeface="Menlo" panose="020B0609030804020204" pitchFamily="49" charset="0"/>
-              </a:rPr>
-              <a:t>get_instance</a:t>
-            </a:r>
-            <a:r>
-              <a:rPr lang="en-US" sz="800" b="0" dirty="0">
-                <a:solidFill>
-                  <a:srgbClr val="000000"/>
-                </a:solidFill>
-                <a:effectLst/>
-                <a:latin typeface="Menlo" panose="020B0609030804020204" pitchFamily="49" charset="0"/>
-              </a:rPr>
-              <a:t>();</a:t>
-            </a:r>
-          </a:p>
-          <a:p>
-            <a:pPr marL="0" indent="0">
-              <a:lnSpc>
-                <a:spcPts val="1350"/>
-              </a:lnSpc>
-              <a:buNone/>
-            </a:pPr>
-            <a:r>
-              <a:rPr lang="en-US" sz="800" dirty="0">
-                <a:solidFill>
-                  <a:srgbClr val="000000"/>
-                </a:solidFill>
-                <a:latin typeface="Menlo" panose="020B0609030804020204" pitchFamily="49" charset="0"/>
-              </a:rPr>
-              <a:t>	</a:t>
-            </a:r>
-            <a:r>
-              <a:rPr lang="en-US" sz="800" b="0" dirty="0">
-                <a:solidFill>
-                  <a:srgbClr val="F50C0C"/>
-                </a:solidFill>
-                <a:effectLst/>
-                <a:latin typeface="Menlo" panose="020B0609030804020204" pitchFamily="49" charset="0"/>
-              </a:rPr>
-              <a:t>scheduler</a:t>
-            </a:r>
-            <a:r>
-              <a:rPr lang="en-US" sz="800" b="0" dirty="0">
-                <a:solidFill>
-                  <a:srgbClr val="000000"/>
-                </a:solidFill>
-                <a:effectLst/>
-                <a:latin typeface="Menlo" panose="020B0609030804020204" pitchFamily="49" charset="0"/>
-              </a:rPr>
-              <a:t>-&gt;</a:t>
-            </a:r>
-            <a:r>
-              <a:rPr lang="en-US" sz="800" b="0" dirty="0">
-                <a:solidFill>
-                  <a:srgbClr val="74531F"/>
-                </a:solidFill>
-                <a:effectLst/>
-                <a:latin typeface="Menlo" panose="020B0609030804020204" pitchFamily="49" charset="0"/>
-              </a:rPr>
-              <a:t>start</a:t>
-            </a:r>
-            <a:r>
-              <a:rPr lang="en-US" sz="800" b="0" dirty="0">
-                <a:solidFill>
-                  <a:srgbClr val="000000"/>
-                </a:solidFill>
-                <a:effectLst/>
-                <a:latin typeface="Menlo" panose="020B0609030804020204" pitchFamily="49" charset="0"/>
-              </a:rPr>
-              <a:t>();</a:t>
-            </a:r>
-          </a:p>
-          <a:p>
-            <a:pPr marL="0" indent="0">
-              <a:lnSpc>
-                <a:spcPts val="1350"/>
-              </a:lnSpc>
-              <a:buNone/>
-            </a:pPr>
-            <a:r>
-              <a:rPr lang="en-US" sz="800" b="0" dirty="0">
-                <a:solidFill>
-                  <a:srgbClr val="74531F"/>
-                </a:solidFill>
-                <a:effectLst/>
-                <a:latin typeface="Menlo" panose="020B0609030804020204" pitchFamily="49" charset="0"/>
-              </a:rPr>
-              <a:t>	initRoutes</a:t>
-            </a:r>
-            <a:r>
-              <a:rPr lang="en-US" sz="800" b="0" dirty="0">
-                <a:solidFill>
-                  <a:srgbClr val="000000"/>
-                </a:solidFill>
-                <a:effectLst/>
-                <a:latin typeface="Menlo" panose="020B0609030804020204" pitchFamily="49" charset="0"/>
-              </a:rPr>
-              <a:t>();</a:t>
-            </a:r>
-          </a:p>
-          <a:p>
-            <a:pPr marL="0" indent="0">
-              <a:lnSpc>
-                <a:spcPts val="1350"/>
-              </a:lnSpc>
-              <a:buNone/>
-            </a:pPr>
-            <a:r>
-              <a:rPr lang="en-US" sz="800" dirty="0">
-                <a:solidFill>
-                  <a:srgbClr val="000000"/>
-                </a:solidFill>
-                <a:latin typeface="Menlo" panose="020B0609030804020204" pitchFamily="49" charset="0"/>
-              </a:rPr>
-              <a:t>	</a:t>
-            </a:r>
-            <a:r>
-              <a:rPr lang="en-US" sz="800" b="0" dirty="0" err="1">
-                <a:solidFill>
-                  <a:srgbClr val="F50C0C"/>
-                </a:solidFill>
-                <a:effectLst/>
-                <a:latin typeface="Menlo" panose="020B0609030804020204" pitchFamily="49" charset="0"/>
-              </a:rPr>
-              <a:t>server</a:t>
-            </a:r>
-            <a:r>
-              <a:rPr lang="en-US" sz="800" b="0" dirty="0" err="1">
-                <a:solidFill>
-                  <a:srgbClr val="000000"/>
-                </a:solidFill>
-                <a:effectLst/>
-                <a:latin typeface="Menlo" panose="020B0609030804020204" pitchFamily="49" charset="0"/>
-              </a:rPr>
-              <a:t>.</a:t>
-            </a:r>
-            <a:r>
-              <a:rPr lang="en-US" sz="800" b="0" dirty="0" err="1">
-                <a:solidFill>
-                  <a:srgbClr val="74531F"/>
-                </a:solidFill>
-                <a:effectLst/>
-                <a:latin typeface="Menlo" panose="020B0609030804020204" pitchFamily="49" charset="0"/>
-              </a:rPr>
-              <a:t>start</a:t>
-            </a:r>
-            <a:r>
-              <a:rPr lang="en-US" sz="800" b="0" dirty="0">
-                <a:solidFill>
-                  <a:srgbClr val="000000"/>
-                </a:solidFill>
-                <a:effectLst/>
-                <a:latin typeface="Menlo" panose="020B0609030804020204" pitchFamily="49" charset="0"/>
-              </a:rPr>
-              <a:t>()</a:t>
-            </a:r>
-          </a:p>
-          <a:p>
-            <a:pPr marL="0" indent="0">
-              <a:lnSpc>
-                <a:spcPts val="1350"/>
-              </a:lnSpc>
-              <a:buNone/>
-            </a:pPr>
-            <a:r>
-              <a:rPr lang="en-US" sz="800" b="0" dirty="0">
-                <a:solidFill>
-                  <a:srgbClr val="000000"/>
-                </a:solidFill>
-                <a:effectLst/>
-                <a:latin typeface="Menlo" panose="020B0609030804020204" pitchFamily="49" charset="0"/>
-              </a:rPr>
-              <a:t>	</a:t>
-            </a:r>
-            <a:r>
-              <a:rPr lang="en-US" sz="800" b="0" dirty="0">
-                <a:solidFill>
-                  <a:srgbClr val="8F08C4"/>
-                </a:solidFill>
-                <a:effectLst/>
-                <a:latin typeface="Menlo" panose="020B0609030804020204" pitchFamily="49" charset="0"/>
-              </a:rPr>
-              <a:t>while</a:t>
-            </a:r>
-            <a:r>
-              <a:rPr lang="en-US" sz="800" b="0" dirty="0">
-                <a:solidFill>
-                  <a:srgbClr val="000000"/>
-                </a:solidFill>
-                <a:effectLst/>
-                <a:latin typeface="Menlo" panose="020B0609030804020204" pitchFamily="49" charset="0"/>
-              </a:rPr>
-              <a:t> (</a:t>
-            </a:r>
-            <a:r>
-              <a:rPr lang="en-US" sz="800" b="0" dirty="0">
-                <a:solidFill>
-                  <a:srgbClr val="0000FF"/>
-                </a:solidFill>
-                <a:effectLst/>
-                <a:latin typeface="Menlo" panose="020B0609030804020204" pitchFamily="49" charset="0"/>
-              </a:rPr>
-              <a:t>true</a:t>
-            </a:r>
-            <a:r>
-              <a:rPr lang="en-US" sz="800" b="0" dirty="0">
-                <a:solidFill>
-                  <a:srgbClr val="000000"/>
-                </a:solidFill>
-                <a:effectLst/>
-                <a:latin typeface="Menlo" panose="020B0609030804020204" pitchFamily="49" charset="0"/>
-              </a:rPr>
-              <a:t>) {// app loop}</a:t>
-            </a:r>
+            <a:endParaRPr lang="en-US" sz="800" dirty="0">
+              <a:solidFill>
+                <a:srgbClr val="000000"/>
+              </a:solidFill>
+              <a:latin typeface="Menlo" panose="020B0609030804020204" pitchFamily="49" charset="0"/>
+            </a:endParaRPr>
           </a:p>
           <a:p>
             <a:pPr marL="0" indent="0">
@@ -48533,7 +47650,13 @@
   <p:cSld>
     <p:spTree>
       <p:nvGrpSpPr>
-        <p:cNvPr id="1" name=""/>
+        <p:cNvPr id="1" name="">
+          <a:extLst>
+            <a:ext uri="{FF2B5EF4-FFF2-40B4-BE49-F238E27FC236}">
+              <a16:creationId xmlns:a16="http://schemas.microsoft.com/office/drawing/2014/main" id="{BE803ADB-8E0F-4CFF-1ACA-F60E8C45AB5F}"/>
+            </a:ext>
+          </a:extLst>
+        </p:cNvPr>
         <p:cNvGrpSpPr/>
         <p:nvPr/>
       </p:nvGrpSpPr>
@@ -48550,7 +47673,7 @@
           <p:cNvPr id="2" name="Title 1">
             <a:extLst>
               <a:ext uri="{FF2B5EF4-FFF2-40B4-BE49-F238E27FC236}">
-                <a16:creationId xmlns:a16="http://schemas.microsoft.com/office/drawing/2014/main" id="{D7448843-D75F-4FFB-088A-562702C88220}"/>
+                <a16:creationId xmlns:a16="http://schemas.microsoft.com/office/drawing/2014/main" id="{D3470DD5-C1C8-666F-1737-0CAEE739375C}"/>
               </a:ext>
             </a:extLst>
           </p:cNvPr>
@@ -48568,7 +47691,7 @@
           <a:p>
             <a:r>
               <a:rPr lang="en-US" dirty="0"/>
-              <a:t>The App</a:t>
+              <a:t>The App(2)</a:t>
             </a:r>
           </a:p>
         </p:txBody>
@@ -48578,7 +47701,7 @@
           <p:cNvPr id="3" name="Content Placeholder 2">
             <a:extLst>
               <a:ext uri="{FF2B5EF4-FFF2-40B4-BE49-F238E27FC236}">
-                <a16:creationId xmlns:a16="http://schemas.microsoft.com/office/drawing/2014/main" id="{06338274-9889-8824-375B-7EC9606B3265}"/>
+                <a16:creationId xmlns:a16="http://schemas.microsoft.com/office/drawing/2014/main" id="{CA36FC31-E141-8E47-9448-54B5506E4B19}"/>
               </a:ext>
             </a:extLst>
           </p:cNvPr>
@@ -48592,191 +47715,1650 @@
         <p:spPr/>
         <p:txBody>
           <a:bodyPr>
-            <a:normAutofit fontScale="47500" lnSpcReduction="20000"/>
+            <a:noAutofit/>
           </a:bodyPr>
           <a:lstStyle/>
           <a:p>
-            <a:pPr marL="0" indent="0">
+            <a:pPr>
+              <a:lnSpc>
+                <a:spcPts val="1350"/>
+              </a:lnSpc>
               <a:buNone/>
             </a:pPr>
             <a:r>
-              <a:rPr lang="en-US" dirty="0"/>
-              <a:t>class </a:t>
+              <a:rPr lang="en-US" sz="800" b="0" dirty="0">
+                <a:solidFill>
+                  <a:srgbClr val="0000FF"/>
+                </a:solidFill>
+                <a:effectLst/>
+                <a:latin typeface="Consolas" panose="020B0609020204030204" pitchFamily="49" charset="0"/>
+                <a:cs typeface="Consolas" panose="020B0609020204030204" pitchFamily="49" charset="0"/>
+              </a:rPr>
+              <a:t>void</a:t>
             </a:r>
             <a:r>
-              <a:rPr lang="en-US" dirty="0" err="1"/>
-              <a:t>MyApp</a:t>
+              <a:rPr lang="en-US" sz="800" b="0" dirty="0">
+                <a:solidFill>
+                  <a:srgbClr val="000000"/>
+                </a:solidFill>
+                <a:effectLst/>
+                <a:latin typeface="Consolas" panose="020B0609020204030204" pitchFamily="49" charset="0"/>
+                <a:cs typeface="Consolas" panose="020B0609020204030204" pitchFamily="49" charset="0"/>
+              </a:rPr>
+              <a:t> App::</a:t>
             </a:r>
             <a:r>
-              <a:rPr lang="en-US" dirty="0"/>
-              <a:t> : public FrameworkApp {</a:t>
+              <a:rPr lang="en-US" sz="800" b="0" dirty="0">
+                <a:solidFill>
+                  <a:srgbClr val="74531F"/>
+                </a:solidFill>
+                <a:effectLst/>
+                <a:latin typeface="Consolas" panose="020B0609020204030204" pitchFamily="49" charset="0"/>
+                <a:cs typeface="Consolas" panose="020B0609020204030204" pitchFamily="49" charset="0"/>
+              </a:rPr>
+              <a:t>onEvent</a:t>
+            </a:r>
+            <a:r>
+              <a:rPr lang="en-US" sz="800" b="0" dirty="0">
+                <a:solidFill>
+                  <a:srgbClr val="000000"/>
+                </a:solidFill>
+                <a:effectLst/>
+                <a:latin typeface="Consolas" panose="020B0609020204030204" pitchFamily="49" charset="0"/>
+                <a:cs typeface="Consolas" panose="020B0609020204030204" pitchFamily="49" charset="0"/>
+              </a:rPr>
+              <a:t>(</a:t>
+            </a:r>
+            <a:r>
+              <a:rPr lang="en-US" sz="800" b="0" dirty="0">
+                <a:solidFill>
+                  <a:srgbClr val="0000FF"/>
+                </a:solidFill>
+                <a:effectLst/>
+                <a:latin typeface="Consolas" panose="020B0609020204030204" pitchFamily="49" charset="0"/>
+                <a:cs typeface="Consolas" panose="020B0609020204030204" pitchFamily="49" charset="0"/>
+              </a:rPr>
+              <a:t>const</a:t>
+            </a:r>
+            <a:r>
+              <a:rPr lang="en-US" sz="800" b="0" dirty="0">
+                <a:solidFill>
+                  <a:srgbClr val="000000"/>
+                </a:solidFill>
+                <a:effectLst/>
+                <a:latin typeface="Consolas" panose="020B0609020204030204" pitchFamily="49" charset="0"/>
+                <a:cs typeface="Consolas" panose="020B0609020204030204" pitchFamily="49" charset="0"/>
+              </a:rPr>
+              <a:t> </a:t>
+            </a:r>
+            <a:r>
+              <a:rPr lang="en-US" sz="800" b="0" dirty="0">
+                <a:solidFill>
+                  <a:srgbClr val="2B91AF"/>
+                </a:solidFill>
+                <a:effectLst/>
+                <a:latin typeface="Consolas" panose="020B0609020204030204" pitchFamily="49" charset="0"/>
+                <a:cs typeface="Consolas" panose="020B0609020204030204" pitchFamily="49" charset="0"/>
+              </a:rPr>
+              <a:t>Event</a:t>
+            </a:r>
+            <a:r>
+              <a:rPr lang="en-US" sz="800" b="0" dirty="0">
+                <a:solidFill>
+                  <a:srgbClr val="000000"/>
+                </a:solidFill>
+                <a:effectLst/>
+                <a:latin typeface="Consolas" panose="020B0609020204030204" pitchFamily="49" charset="0"/>
+                <a:cs typeface="Consolas" panose="020B0609020204030204" pitchFamily="49" charset="0"/>
+              </a:rPr>
+              <a:t> &amp;</a:t>
+            </a:r>
+            <a:r>
+              <a:rPr lang="en-US" sz="800" b="0" dirty="0">
+                <a:solidFill>
+                  <a:srgbClr val="808080"/>
+                </a:solidFill>
+                <a:effectLst/>
+                <a:latin typeface="Consolas" panose="020B0609020204030204" pitchFamily="49" charset="0"/>
+                <a:cs typeface="Consolas" panose="020B0609020204030204" pitchFamily="49" charset="0"/>
+              </a:rPr>
+              <a:t>e</a:t>
+            </a:r>
+            <a:r>
+              <a:rPr lang="en-US" sz="800" b="0" dirty="0">
+                <a:solidFill>
+                  <a:srgbClr val="000000"/>
+                </a:solidFill>
+                <a:effectLst/>
+                <a:latin typeface="Consolas" panose="020B0609020204030204" pitchFamily="49" charset="0"/>
+                <a:cs typeface="Consolas" panose="020B0609020204030204" pitchFamily="49" charset="0"/>
+              </a:rPr>
+              <a:t>) // OnEvent is automatically called for FrameworkControllers (of which App is a special case)</a:t>
             </a:r>
           </a:p>
           <a:p>
             <a:pPr marL="0" indent="0">
+              <a:lnSpc>
+                <a:spcPts val="1350"/>
+              </a:lnSpc>
               <a:buNone/>
             </a:pPr>
             <a:r>
-              <a:rPr lang="en-US" dirty="0"/>
-              <a:t>public:</a:t>
+              <a:rPr lang="en-US" sz="800" b="0" dirty="0">
+                <a:solidFill>
+                  <a:srgbClr val="000000"/>
+                </a:solidFill>
+                <a:effectLst/>
+                <a:latin typeface="Consolas" panose="020B0609020204030204" pitchFamily="49" charset="0"/>
+                <a:cs typeface="Consolas" panose="020B0609020204030204" pitchFamily="49" charset="0"/>
+              </a:rPr>
+              <a:t>{                                 // when an event is received in its event queue</a:t>
             </a:r>
           </a:p>
           <a:p>
-            <a:pPr marL="0" indent="0">
+            <a:pPr>
+              <a:lnSpc>
+                <a:spcPts val="1350"/>
+              </a:lnSpc>
               <a:buNone/>
             </a:pPr>
             <a:r>
-              <a:rPr lang="en-US" dirty="0"/>
-              <a:t>    </a:t>
+              <a:rPr lang="en-US" sz="800" b="0" dirty="0">
+                <a:solidFill>
+                  <a:srgbClr val="8F08C4"/>
+                </a:solidFill>
+                <a:effectLst/>
+                <a:latin typeface="Consolas" panose="020B0609020204030204" pitchFamily="49" charset="0"/>
+                <a:cs typeface="Consolas" panose="020B0609020204030204" pitchFamily="49" charset="0"/>
+              </a:rPr>
+              <a:t>	if</a:t>
             </a:r>
             <a:r>
-              <a:rPr lang="en-US" dirty="0" err="1"/>
-              <a:t>MyApp</a:t>
+              <a:rPr lang="en-US" sz="800" b="0" dirty="0">
+                <a:solidFill>
+                  <a:srgbClr val="000000"/>
+                </a:solidFill>
+                <a:effectLst/>
+                <a:latin typeface="Consolas" panose="020B0609020204030204" pitchFamily="49" charset="0"/>
+                <a:cs typeface="Consolas" panose="020B0609020204030204" pitchFamily="49" charset="0"/>
+              </a:rPr>
+              <a:t> (</a:t>
             </a:r>
             <a:r>
-              <a:rPr lang="en-US" dirty="0"/>
-              <a:t>() : FrameworkApp(80, "</a:t>
+              <a:rPr lang="en-US" sz="800" b="0" dirty="0">
+                <a:solidFill>
+                  <a:srgbClr val="1F377F"/>
+                </a:solidFill>
+                <a:effectLst/>
+                <a:latin typeface="Consolas" panose="020B0609020204030204" pitchFamily="49" charset="0"/>
+                <a:cs typeface="Consolas" panose="020B0609020204030204" pitchFamily="49" charset="0"/>
+              </a:rPr>
+              <a:t>e</a:t>
             </a:r>
             <a:r>
-              <a:rPr lang="en-US" dirty="0" err="1"/>
-              <a:t>MyApp</a:t>
+              <a:rPr lang="en-US" sz="800" b="0" dirty="0">
+                <a:solidFill>
+                  <a:srgbClr val="000000"/>
+                </a:solidFill>
+                <a:effectLst/>
+                <a:latin typeface="Consolas" panose="020B0609020204030204" pitchFamily="49" charset="0"/>
+                <a:cs typeface="Consolas" panose="020B0609020204030204" pitchFamily="49" charset="0"/>
+              </a:rPr>
+              <a:t>.</a:t>
             </a:r>
             <a:r>
-              <a:rPr lang="en-US" dirty="0"/>
-              <a:t>") {}</a:t>
+              <a:rPr lang="en-US" sz="800" b="0" dirty="0">
+                <a:solidFill>
+                  <a:srgbClr val="1F377F"/>
+                </a:solidFill>
+                <a:effectLst/>
+                <a:latin typeface="Consolas" panose="020B0609020204030204" pitchFamily="49" charset="0"/>
+                <a:cs typeface="Consolas" panose="020B0609020204030204" pitchFamily="49" charset="0"/>
+              </a:rPr>
+              <a:t>notification</a:t>
+            </a:r>
+            <a:r>
+              <a:rPr lang="en-US" sz="800" b="0" dirty="0">
+                <a:solidFill>
+                  <a:srgbClr val="000000"/>
+                </a:solidFill>
+                <a:effectLst/>
+                <a:latin typeface="Consolas" panose="020B0609020204030204" pitchFamily="49" charset="0"/>
+                <a:cs typeface="Consolas" panose="020B0609020204030204" pitchFamily="49" charset="0"/>
+              </a:rPr>
+              <a:t>.kind == NotificationKind::System &amp;&amp;</a:t>
             </a:r>
           </a:p>
           <a:p>
-            <a:pPr marL="0" indent="0">
+            <a:pPr>
+              <a:lnSpc>
+                <a:spcPts val="1350"/>
+              </a:lnSpc>
               <a:buNone/>
             </a:pPr>
-            <a:endParaRPr lang="en-US" dirty="0"/>
+            <a:r>
+              <a:rPr lang="en-US" sz="800" b="0" dirty="0">
+                <a:solidFill>
+                  <a:srgbClr val="1F377F"/>
+                </a:solidFill>
+                <a:effectLst/>
+                <a:latin typeface="Consolas" panose="020B0609020204030204" pitchFamily="49" charset="0"/>
+                <a:cs typeface="Consolas" panose="020B0609020204030204" pitchFamily="49" charset="0"/>
+              </a:rPr>
+              <a:t>	e</a:t>
+            </a:r>
+            <a:r>
+              <a:rPr lang="en-US" sz="800" b="0" dirty="0">
+                <a:solidFill>
+                  <a:srgbClr val="000000"/>
+                </a:solidFill>
+                <a:effectLst/>
+                <a:latin typeface="Consolas" panose="020B0609020204030204" pitchFamily="49" charset="0"/>
+                <a:cs typeface="Consolas" panose="020B0609020204030204" pitchFamily="49" charset="0"/>
+              </a:rPr>
+              <a:t>.</a:t>
+            </a:r>
+            <a:r>
+              <a:rPr lang="en-US" sz="800" b="0" dirty="0">
+                <a:solidFill>
+                  <a:srgbClr val="1F377F"/>
+                </a:solidFill>
+                <a:effectLst/>
+                <a:latin typeface="Consolas" panose="020B0609020204030204" pitchFamily="49" charset="0"/>
+                <a:cs typeface="Consolas" panose="020B0609020204030204" pitchFamily="49" charset="0"/>
+              </a:rPr>
+              <a:t>notification</a:t>
+            </a:r>
+            <a:r>
+              <a:rPr lang="en-US" sz="800" b="0" dirty="0">
+                <a:solidFill>
+                  <a:srgbClr val="000000"/>
+                </a:solidFill>
+                <a:effectLst/>
+                <a:latin typeface="Consolas" panose="020B0609020204030204" pitchFamily="49" charset="0"/>
+                <a:cs typeface="Consolas" panose="020B0609020204030204" pitchFamily="49" charset="0"/>
+              </a:rPr>
+              <a:t>.system == SystemNotification::GpioChange)</a:t>
+            </a:r>
+          </a:p>
+          <a:p>
+            <a:pPr>
+              <a:lnSpc>
+                <a:spcPts val="1350"/>
+              </a:lnSpc>
+              <a:buNone/>
+            </a:pPr>
+            <a:r>
+              <a:rPr lang="en-US" sz="800" b="0" dirty="0">
+                <a:solidFill>
+                  <a:srgbClr val="000000"/>
+                </a:solidFill>
+                <a:effectLst/>
+                <a:latin typeface="Consolas" panose="020B0609020204030204" pitchFamily="49" charset="0"/>
+                <a:cs typeface="Consolas" panose="020B0609020204030204" pitchFamily="49" charset="0"/>
+              </a:rPr>
+              <a:t>	{</a:t>
+            </a:r>
+          </a:p>
+          <a:p>
+            <a:pPr>
+              <a:lnSpc>
+                <a:spcPts val="1350"/>
+              </a:lnSpc>
+              <a:buNone/>
+            </a:pPr>
+            <a:r>
+              <a:rPr lang="en-US" sz="800" b="0" dirty="0">
+                <a:solidFill>
+                  <a:srgbClr val="74531F"/>
+                </a:solidFill>
+                <a:effectLst/>
+                <a:latin typeface="Consolas" panose="020B0609020204030204" pitchFamily="49" charset="0"/>
+                <a:cs typeface="Consolas" panose="020B0609020204030204" pitchFamily="49" charset="0"/>
+              </a:rPr>
+              <a:t>		printf</a:t>
+            </a:r>
+            <a:r>
+              <a:rPr lang="en-US" sz="800" b="0" dirty="0">
+                <a:solidFill>
+                  <a:srgbClr val="000000"/>
+                </a:solidFill>
+                <a:effectLst/>
+                <a:latin typeface="Consolas" panose="020B0609020204030204" pitchFamily="49" charset="0"/>
+                <a:cs typeface="Consolas" panose="020B0609020204030204" pitchFamily="49" charset="0"/>
+              </a:rPr>
+              <a:t>(</a:t>
+            </a:r>
+            <a:r>
+              <a:rPr lang="en-US" sz="800" b="0" dirty="0">
+                <a:solidFill>
+                  <a:srgbClr val="E21F1F"/>
+                </a:solidFill>
+                <a:effectLst/>
+                <a:latin typeface="Consolas" panose="020B0609020204030204" pitchFamily="49" charset="0"/>
+                <a:cs typeface="Consolas" panose="020B0609020204030204" pitchFamily="49" charset="0"/>
+              </a:rPr>
+              <a:t>"</a:t>
+            </a:r>
+            <a:r>
+              <a:rPr lang="en-US" sz="800" b="0" dirty="0">
+                <a:solidFill>
+                  <a:srgbClr val="A31515"/>
+                </a:solidFill>
+                <a:effectLst/>
+                <a:latin typeface="Consolas" panose="020B0609020204030204" pitchFamily="49" charset="0"/>
+                <a:cs typeface="Consolas" panose="020B0609020204030204" pitchFamily="49" charset="0"/>
+              </a:rPr>
+              <a:t>[App] GpioChange received</a:t>
+            </a:r>
+            <a:r>
+              <a:rPr lang="en-US" sz="800" b="0" dirty="0">
+                <a:solidFill>
+                  <a:srgbClr val="B776FB"/>
+                </a:solidFill>
+                <a:effectLst/>
+                <a:latin typeface="Consolas" panose="020B0609020204030204" pitchFamily="49" charset="0"/>
+                <a:cs typeface="Consolas" panose="020B0609020204030204" pitchFamily="49" charset="0"/>
+              </a:rPr>
+              <a:t>\n</a:t>
+            </a:r>
+            <a:r>
+              <a:rPr lang="en-US" sz="800" b="0" dirty="0">
+                <a:solidFill>
+                  <a:srgbClr val="E21F1F"/>
+                </a:solidFill>
+                <a:effectLst/>
+                <a:latin typeface="Consolas" panose="020B0609020204030204" pitchFamily="49" charset="0"/>
+                <a:cs typeface="Consolas" panose="020B0609020204030204" pitchFamily="49" charset="0"/>
+              </a:rPr>
+              <a:t>"</a:t>
+            </a:r>
+            <a:r>
+              <a:rPr lang="en-US" sz="800" b="0" dirty="0">
+                <a:solidFill>
+                  <a:srgbClr val="000000"/>
+                </a:solidFill>
+                <a:effectLst/>
+                <a:latin typeface="Consolas" panose="020B0609020204030204" pitchFamily="49" charset="0"/>
+                <a:cs typeface="Consolas" panose="020B0609020204030204" pitchFamily="49" charset="0"/>
+              </a:rPr>
+              <a:t>);</a:t>
+            </a:r>
+          </a:p>
+          <a:p>
+            <a:pPr>
+              <a:lnSpc>
+                <a:spcPts val="1350"/>
+              </a:lnSpc>
+              <a:buNone/>
+            </a:pPr>
+            <a:r>
+              <a:rPr lang="en-US" sz="800" b="0" dirty="0">
+                <a:solidFill>
+                  <a:srgbClr val="74531F"/>
+                </a:solidFill>
+                <a:effectLst/>
+                <a:latin typeface="Consolas" panose="020B0609020204030204" pitchFamily="49" charset="0"/>
+                <a:cs typeface="Consolas" panose="020B0609020204030204" pitchFamily="49" charset="0"/>
+              </a:rPr>
+              <a:t>		printf</a:t>
+            </a:r>
+            <a:r>
+              <a:rPr lang="en-US" sz="800" b="0" dirty="0">
+                <a:solidFill>
+                  <a:srgbClr val="000000"/>
+                </a:solidFill>
+                <a:effectLst/>
+                <a:latin typeface="Consolas" panose="020B0609020204030204" pitchFamily="49" charset="0"/>
+                <a:cs typeface="Consolas" panose="020B0609020204030204" pitchFamily="49" charset="0"/>
+              </a:rPr>
+              <a:t>(</a:t>
+            </a:r>
+            <a:r>
+              <a:rPr lang="en-US" sz="800" b="0" dirty="0">
+                <a:solidFill>
+                  <a:srgbClr val="E21F1F"/>
+                </a:solidFill>
+                <a:effectLst/>
+                <a:latin typeface="Consolas" panose="020B0609020204030204" pitchFamily="49" charset="0"/>
+                <a:cs typeface="Consolas" panose="020B0609020204030204" pitchFamily="49" charset="0"/>
+              </a:rPr>
+              <a:t>"</a:t>
+            </a:r>
+            <a:r>
+              <a:rPr lang="en-US" sz="800" b="0" dirty="0">
+                <a:solidFill>
+                  <a:srgbClr val="A31515"/>
+                </a:solidFill>
+                <a:effectLst/>
+                <a:latin typeface="Consolas" panose="020B0609020204030204" pitchFamily="49" charset="0"/>
+                <a:cs typeface="Consolas" panose="020B0609020204030204" pitchFamily="49" charset="0"/>
+              </a:rPr>
+              <a:t>[App] Pin = </a:t>
+            </a:r>
+            <a:r>
+              <a:rPr lang="en-US" sz="800" b="0" dirty="0">
+                <a:solidFill>
+                  <a:srgbClr val="1F377F"/>
+                </a:solidFill>
+                <a:effectLst/>
+                <a:latin typeface="Consolas" panose="020B0609020204030204" pitchFamily="49" charset="0"/>
+                <a:cs typeface="Consolas" panose="020B0609020204030204" pitchFamily="49" charset="0"/>
+              </a:rPr>
+              <a:t>%u</a:t>
+            </a:r>
+            <a:r>
+              <a:rPr lang="en-US" sz="800" b="0" dirty="0">
+                <a:solidFill>
+                  <a:srgbClr val="A31515"/>
+                </a:solidFill>
+                <a:effectLst/>
+                <a:latin typeface="Consolas" panose="020B0609020204030204" pitchFamily="49" charset="0"/>
+                <a:cs typeface="Consolas" panose="020B0609020204030204" pitchFamily="49" charset="0"/>
+              </a:rPr>
+              <a:t>, Edge = 0x</a:t>
+            </a:r>
+            <a:r>
+              <a:rPr lang="en-US" sz="800" b="0" dirty="0">
+                <a:solidFill>
+                  <a:srgbClr val="1F377F"/>
+                </a:solidFill>
+                <a:effectLst/>
+                <a:latin typeface="Consolas" panose="020B0609020204030204" pitchFamily="49" charset="0"/>
+                <a:cs typeface="Consolas" panose="020B0609020204030204" pitchFamily="49" charset="0"/>
+              </a:rPr>
+              <a:t>%X</a:t>
+            </a:r>
+            <a:r>
+              <a:rPr lang="en-US" sz="800" b="0" dirty="0">
+                <a:solidFill>
+                  <a:srgbClr val="B776FB"/>
+                </a:solidFill>
+                <a:effectLst/>
+                <a:latin typeface="Consolas" panose="020B0609020204030204" pitchFamily="49" charset="0"/>
+                <a:cs typeface="Consolas" panose="020B0609020204030204" pitchFamily="49" charset="0"/>
+              </a:rPr>
+              <a:t>\n</a:t>
+            </a:r>
+            <a:r>
+              <a:rPr lang="en-US" sz="800" b="0" dirty="0">
+                <a:solidFill>
+                  <a:srgbClr val="E21F1F"/>
+                </a:solidFill>
+                <a:effectLst/>
+                <a:latin typeface="Consolas" panose="020B0609020204030204" pitchFamily="49" charset="0"/>
+                <a:cs typeface="Consolas" panose="020B0609020204030204" pitchFamily="49" charset="0"/>
+              </a:rPr>
+              <a:t>"</a:t>
+            </a:r>
+            <a:r>
+              <a:rPr lang="en-US" sz="800" b="0" dirty="0">
+                <a:solidFill>
+                  <a:srgbClr val="000000"/>
+                </a:solidFill>
+                <a:effectLst/>
+                <a:latin typeface="Consolas" panose="020B0609020204030204" pitchFamily="49" charset="0"/>
+                <a:cs typeface="Consolas" panose="020B0609020204030204" pitchFamily="49" charset="0"/>
+              </a:rPr>
+              <a:t>, </a:t>
+            </a:r>
+            <a:r>
+              <a:rPr lang="en-US" sz="800" b="0" dirty="0">
+                <a:solidFill>
+                  <a:srgbClr val="1F377F"/>
+                </a:solidFill>
+                <a:effectLst/>
+                <a:latin typeface="Consolas" panose="020B0609020204030204" pitchFamily="49" charset="0"/>
+                <a:cs typeface="Consolas" panose="020B0609020204030204" pitchFamily="49" charset="0"/>
+              </a:rPr>
+              <a:t>e</a:t>
+            </a:r>
+            <a:r>
+              <a:rPr lang="en-US" sz="800" b="0" dirty="0">
+                <a:solidFill>
+                  <a:srgbClr val="000000"/>
+                </a:solidFill>
+                <a:effectLst/>
+                <a:latin typeface="Consolas" panose="020B0609020204030204" pitchFamily="49" charset="0"/>
+                <a:cs typeface="Consolas" panose="020B0609020204030204" pitchFamily="49" charset="0"/>
+              </a:rPr>
+              <a:t>.</a:t>
+            </a:r>
+            <a:r>
+              <a:rPr lang="en-US" sz="800" b="0" dirty="0">
+                <a:solidFill>
+                  <a:srgbClr val="1F377F"/>
+                </a:solidFill>
+                <a:effectLst/>
+                <a:latin typeface="Consolas" panose="020B0609020204030204" pitchFamily="49" charset="0"/>
+                <a:cs typeface="Consolas" panose="020B0609020204030204" pitchFamily="49" charset="0"/>
+              </a:rPr>
+              <a:t>gpioEvent</a:t>
+            </a:r>
+            <a:r>
+              <a:rPr lang="en-US" sz="800" b="0" dirty="0">
+                <a:solidFill>
+                  <a:srgbClr val="000000"/>
+                </a:solidFill>
+                <a:effectLst/>
+                <a:latin typeface="Consolas" panose="020B0609020204030204" pitchFamily="49" charset="0"/>
+                <a:cs typeface="Consolas" panose="020B0609020204030204" pitchFamily="49" charset="0"/>
+              </a:rPr>
+              <a:t>.pin, </a:t>
+            </a:r>
+            <a:r>
+              <a:rPr lang="en-US" sz="800" b="0" dirty="0">
+                <a:solidFill>
+                  <a:srgbClr val="1F377F"/>
+                </a:solidFill>
+                <a:effectLst/>
+                <a:latin typeface="Consolas" panose="020B0609020204030204" pitchFamily="49" charset="0"/>
+                <a:cs typeface="Consolas" panose="020B0609020204030204" pitchFamily="49" charset="0"/>
+              </a:rPr>
+              <a:t>e</a:t>
+            </a:r>
+            <a:r>
+              <a:rPr lang="en-US" sz="800" b="0" dirty="0">
+                <a:solidFill>
+                  <a:srgbClr val="000000"/>
+                </a:solidFill>
+                <a:effectLst/>
+                <a:latin typeface="Consolas" panose="020B0609020204030204" pitchFamily="49" charset="0"/>
+                <a:cs typeface="Consolas" panose="020B0609020204030204" pitchFamily="49" charset="0"/>
+              </a:rPr>
+              <a:t>.</a:t>
+            </a:r>
+            <a:r>
+              <a:rPr lang="en-US" sz="800" b="0" dirty="0">
+                <a:solidFill>
+                  <a:srgbClr val="1F377F"/>
+                </a:solidFill>
+                <a:effectLst/>
+                <a:latin typeface="Consolas" panose="020B0609020204030204" pitchFamily="49" charset="0"/>
+                <a:cs typeface="Consolas" panose="020B0609020204030204" pitchFamily="49" charset="0"/>
+              </a:rPr>
+              <a:t>gpioEvent</a:t>
+            </a:r>
+            <a:r>
+              <a:rPr lang="en-US" sz="800" b="0" dirty="0">
+                <a:solidFill>
+                  <a:srgbClr val="000000"/>
+                </a:solidFill>
+                <a:effectLst/>
+                <a:latin typeface="Consolas" panose="020B0609020204030204" pitchFamily="49" charset="0"/>
+                <a:cs typeface="Consolas" panose="020B0609020204030204" pitchFamily="49" charset="0"/>
+              </a:rPr>
+              <a:t>.edge);</a:t>
+            </a:r>
+          </a:p>
+          <a:p>
+            <a:pPr>
+              <a:lnSpc>
+                <a:spcPts val="1350"/>
+              </a:lnSpc>
+              <a:buNone/>
+            </a:pPr>
+            <a:r>
+              <a:rPr lang="en-US" sz="800" dirty="0">
+                <a:solidFill>
+                  <a:srgbClr val="000000"/>
+                </a:solidFill>
+                <a:latin typeface="Consolas" panose="020B0609020204030204" pitchFamily="49" charset="0"/>
+                <a:cs typeface="Consolas" panose="020B0609020204030204" pitchFamily="49" charset="0"/>
+              </a:rPr>
+              <a:t>	}</a:t>
+            </a:r>
+          </a:p>
+          <a:p>
+            <a:pPr>
+              <a:lnSpc>
+                <a:spcPts val="1350"/>
+              </a:lnSpc>
+              <a:buNone/>
+            </a:pPr>
+            <a:r>
+              <a:rPr lang="en-US" sz="800" b="0" dirty="0">
+                <a:solidFill>
+                  <a:srgbClr val="000000"/>
+                </a:solidFill>
+                <a:effectLst/>
+                <a:latin typeface="Consolas" panose="020B0609020204030204" pitchFamily="49" charset="0"/>
+                <a:cs typeface="Consolas" panose="020B0609020204030204" pitchFamily="49" charset="0"/>
+              </a:rPr>
+              <a:t>	</a:t>
+            </a:r>
+            <a:r>
+              <a:rPr lang="en-US" sz="800" b="0" dirty="0">
+                <a:solidFill>
+                  <a:srgbClr val="8F08C4"/>
+                </a:solidFill>
+                <a:effectLst/>
+                <a:latin typeface="Consolas" panose="020B0609020204030204" pitchFamily="49" charset="0"/>
+                <a:cs typeface="Consolas" panose="020B0609020204030204" pitchFamily="49" charset="0"/>
+              </a:rPr>
+              <a:t>if</a:t>
+            </a:r>
+            <a:r>
+              <a:rPr lang="en-US" sz="800" b="0" dirty="0">
+                <a:solidFill>
+                  <a:srgbClr val="000000"/>
+                </a:solidFill>
+                <a:effectLst/>
+                <a:latin typeface="Consolas" panose="020B0609020204030204" pitchFamily="49" charset="0"/>
+                <a:cs typeface="Consolas" panose="020B0609020204030204" pitchFamily="49" charset="0"/>
+              </a:rPr>
+              <a:t> (</a:t>
+            </a:r>
+            <a:r>
+              <a:rPr lang="en-US" sz="800" b="0" dirty="0">
+                <a:solidFill>
+                  <a:srgbClr val="1F377F"/>
+                </a:solidFill>
+                <a:effectLst/>
+                <a:latin typeface="Consolas" panose="020B0609020204030204" pitchFamily="49" charset="0"/>
+                <a:cs typeface="Consolas" panose="020B0609020204030204" pitchFamily="49" charset="0"/>
+              </a:rPr>
+              <a:t>e</a:t>
+            </a:r>
+            <a:r>
+              <a:rPr lang="en-US" sz="800" b="0" dirty="0">
+                <a:solidFill>
+                  <a:srgbClr val="000000"/>
+                </a:solidFill>
+                <a:effectLst/>
+                <a:latin typeface="Consolas" panose="020B0609020204030204" pitchFamily="49" charset="0"/>
+                <a:cs typeface="Consolas" panose="020B0609020204030204" pitchFamily="49" charset="0"/>
+              </a:rPr>
+              <a:t>.</a:t>
+            </a:r>
+            <a:r>
+              <a:rPr lang="en-US" sz="800" b="0" dirty="0">
+                <a:solidFill>
+                  <a:srgbClr val="1F377F"/>
+                </a:solidFill>
+                <a:effectLst/>
+                <a:latin typeface="Consolas" panose="020B0609020204030204" pitchFamily="49" charset="0"/>
+                <a:cs typeface="Consolas" panose="020B0609020204030204" pitchFamily="49" charset="0"/>
+              </a:rPr>
+              <a:t>notification</a:t>
+            </a:r>
+            <a:r>
+              <a:rPr lang="en-US" sz="800" b="0" dirty="0">
+                <a:solidFill>
+                  <a:srgbClr val="000000"/>
+                </a:solidFill>
+                <a:effectLst/>
+                <a:latin typeface="Consolas" panose="020B0609020204030204" pitchFamily="49" charset="0"/>
+                <a:cs typeface="Consolas" panose="020B0609020204030204" pitchFamily="49" charset="0"/>
+              </a:rPr>
+              <a:t>.kind == NotificationKind::User &amp;&amp;</a:t>
+            </a:r>
+          </a:p>
+          <a:p>
+            <a:pPr>
+              <a:lnSpc>
+                <a:spcPts val="1350"/>
+              </a:lnSpc>
+              <a:buNone/>
+            </a:pPr>
+            <a:r>
+              <a:rPr lang="en-US" sz="800" b="0" dirty="0">
+                <a:solidFill>
+                  <a:srgbClr val="1F377F"/>
+                </a:solidFill>
+                <a:effectLst/>
+                <a:latin typeface="Consolas" panose="020B0609020204030204" pitchFamily="49" charset="0"/>
+                <a:cs typeface="Consolas" panose="020B0609020204030204" pitchFamily="49" charset="0"/>
+              </a:rPr>
+              <a:t>		e</a:t>
+            </a:r>
+            <a:r>
+              <a:rPr lang="en-US" sz="800" b="0" dirty="0">
+                <a:solidFill>
+                  <a:srgbClr val="000000"/>
+                </a:solidFill>
+                <a:effectLst/>
+                <a:latin typeface="Consolas" panose="020B0609020204030204" pitchFamily="49" charset="0"/>
+                <a:cs typeface="Consolas" panose="020B0609020204030204" pitchFamily="49" charset="0"/>
+              </a:rPr>
+              <a:t>.</a:t>
+            </a:r>
+            <a:r>
+              <a:rPr lang="en-US" sz="800" b="0" dirty="0">
+                <a:solidFill>
+                  <a:srgbClr val="1F377F"/>
+                </a:solidFill>
+                <a:effectLst/>
+                <a:latin typeface="Consolas" panose="020B0609020204030204" pitchFamily="49" charset="0"/>
+                <a:cs typeface="Consolas" panose="020B0609020204030204" pitchFamily="49" charset="0"/>
+              </a:rPr>
+              <a:t>notification</a:t>
+            </a:r>
+            <a:r>
+              <a:rPr lang="en-US" sz="800" b="0" dirty="0">
+                <a:solidFill>
+                  <a:srgbClr val="000000"/>
+                </a:solidFill>
+                <a:effectLst/>
+                <a:latin typeface="Consolas" panose="020B0609020204030204" pitchFamily="49" charset="0"/>
+                <a:cs typeface="Consolas" panose="020B0609020204030204" pitchFamily="49" charset="0"/>
+              </a:rPr>
+              <a:t>.user_code == </a:t>
+            </a:r>
+            <a:r>
+              <a:rPr lang="en-US" sz="800" b="0" dirty="0">
+                <a:solidFill>
+                  <a:srgbClr val="0000FF"/>
+                </a:solidFill>
+                <a:effectLst/>
+                <a:latin typeface="Consolas" panose="020B0609020204030204" pitchFamily="49" charset="0"/>
+                <a:cs typeface="Consolas" panose="020B0609020204030204" pitchFamily="49" charset="0"/>
+              </a:rPr>
+              <a:t>static_cast</a:t>
+            </a:r>
+            <a:r>
+              <a:rPr lang="en-US" sz="800" b="0" dirty="0">
+                <a:solidFill>
+                  <a:srgbClr val="000000"/>
+                </a:solidFill>
+                <a:effectLst/>
+                <a:latin typeface="Consolas" panose="020B0609020204030204" pitchFamily="49" charset="0"/>
+                <a:cs typeface="Consolas" panose="020B0609020204030204" pitchFamily="49" charset="0"/>
+              </a:rPr>
+              <a:t>&lt;</a:t>
+            </a:r>
+            <a:r>
+              <a:rPr lang="en-US" sz="800" b="0" dirty="0">
+                <a:solidFill>
+                  <a:srgbClr val="0000FF"/>
+                </a:solidFill>
+                <a:effectLst/>
+                <a:latin typeface="Consolas" panose="020B0609020204030204" pitchFamily="49" charset="0"/>
+                <a:cs typeface="Consolas" panose="020B0609020204030204" pitchFamily="49" charset="0"/>
+              </a:rPr>
+              <a:t>uint8_t</a:t>
+            </a:r>
+            <a:r>
+              <a:rPr lang="en-US" sz="800" b="0" dirty="0">
+                <a:solidFill>
+                  <a:srgbClr val="000000"/>
+                </a:solidFill>
+                <a:effectLst/>
+                <a:latin typeface="Consolas" panose="020B0609020204030204" pitchFamily="49" charset="0"/>
+                <a:cs typeface="Consolas" panose="020B0609020204030204" pitchFamily="49" charset="0"/>
+              </a:rPr>
+              <a:t>&gt;(UserNotification::Heartbeat))</a:t>
+            </a:r>
+          </a:p>
+          <a:p>
+            <a:pPr>
+              <a:lnSpc>
+                <a:spcPts val="1350"/>
+              </a:lnSpc>
+              <a:buNone/>
+            </a:pPr>
+            <a:r>
+              <a:rPr lang="en-US" sz="800" b="0" dirty="0">
+                <a:solidFill>
+                  <a:srgbClr val="000000"/>
+                </a:solidFill>
+                <a:effectLst/>
+                <a:latin typeface="Consolas" panose="020B0609020204030204" pitchFamily="49" charset="0"/>
+                <a:cs typeface="Consolas" panose="020B0609020204030204" pitchFamily="49" charset="0"/>
+              </a:rPr>
+              <a:t>	{</a:t>
+            </a:r>
+          </a:p>
+          <a:p>
+            <a:pPr>
+              <a:lnSpc>
+                <a:spcPts val="1350"/>
+              </a:lnSpc>
+              <a:buNone/>
+            </a:pPr>
+            <a:r>
+              <a:rPr lang="en-US" sz="800" b="0" dirty="0">
+                <a:solidFill>
+                  <a:srgbClr val="74531F"/>
+                </a:solidFill>
+                <a:effectLst/>
+                <a:latin typeface="Consolas" panose="020B0609020204030204" pitchFamily="49" charset="0"/>
+                <a:cs typeface="Consolas" panose="020B0609020204030204" pitchFamily="49" charset="0"/>
+              </a:rPr>
+              <a:t>		printf</a:t>
+            </a:r>
+            <a:r>
+              <a:rPr lang="en-US" sz="800" b="0" dirty="0">
+                <a:solidFill>
+                  <a:srgbClr val="000000"/>
+                </a:solidFill>
+                <a:effectLst/>
+                <a:latin typeface="Consolas" panose="020B0609020204030204" pitchFamily="49" charset="0"/>
+                <a:cs typeface="Consolas" panose="020B0609020204030204" pitchFamily="49" charset="0"/>
+              </a:rPr>
+              <a:t>(</a:t>
+            </a:r>
+            <a:r>
+              <a:rPr lang="en-US" sz="800" b="0" dirty="0">
+                <a:solidFill>
+                  <a:srgbClr val="E21F1F"/>
+                </a:solidFill>
+                <a:effectLst/>
+                <a:latin typeface="Consolas" panose="020B0609020204030204" pitchFamily="49" charset="0"/>
+                <a:cs typeface="Consolas" panose="020B0609020204030204" pitchFamily="49" charset="0"/>
+              </a:rPr>
+              <a:t>"</a:t>
+            </a:r>
+            <a:r>
+              <a:rPr lang="en-US" sz="800" b="0" dirty="0">
+                <a:solidFill>
+                  <a:srgbClr val="A31515"/>
+                </a:solidFill>
+                <a:effectLst/>
+                <a:latin typeface="Consolas" panose="020B0609020204030204" pitchFamily="49" charset="0"/>
+                <a:cs typeface="Consolas" panose="020B0609020204030204" pitchFamily="49" charset="0"/>
+              </a:rPr>
+              <a:t>[App] Heartbeat user event received</a:t>
+            </a:r>
+            <a:r>
+              <a:rPr lang="en-US" sz="800" b="0" dirty="0">
+                <a:solidFill>
+                  <a:srgbClr val="B776FB"/>
+                </a:solidFill>
+                <a:effectLst/>
+                <a:latin typeface="Consolas" panose="020B0609020204030204" pitchFamily="49" charset="0"/>
+                <a:cs typeface="Consolas" panose="020B0609020204030204" pitchFamily="49" charset="0"/>
+              </a:rPr>
+              <a:t>\n</a:t>
+            </a:r>
+            <a:r>
+              <a:rPr lang="en-US" sz="800" b="0" dirty="0">
+                <a:solidFill>
+                  <a:srgbClr val="E21F1F"/>
+                </a:solidFill>
+                <a:effectLst/>
+                <a:latin typeface="Consolas" panose="020B0609020204030204" pitchFamily="49" charset="0"/>
+                <a:cs typeface="Consolas" panose="020B0609020204030204" pitchFamily="49" charset="0"/>
+              </a:rPr>
+              <a:t>"</a:t>
+            </a:r>
+            <a:r>
+              <a:rPr lang="en-US" sz="800" b="0" dirty="0">
+                <a:solidFill>
+                  <a:srgbClr val="000000"/>
+                </a:solidFill>
+                <a:effectLst/>
+                <a:latin typeface="Consolas" panose="020B0609020204030204" pitchFamily="49" charset="0"/>
+                <a:cs typeface="Consolas" panose="020B0609020204030204" pitchFamily="49" charset="0"/>
+              </a:rPr>
+              <a:t>);</a:t>
+            </a:r>
+          </a:p>
+          <a:p>
+            <a:pPr>
+              <a:lnSpc>
+                <a:spcPts val="1350"/>
+              </a:lnSpc>
+              <a:buNone/>
+            </a:pPr>
+            <a:r>
+              <a:rPr lang="en-US" sz="800" dirty="0">
+                <a:solidFill>
+                  <a:srgbClr val="000000"/>
+                </a:solidFill>
+                <a:latin typeface="Consolas" panose="020B0609020204030204" pitchFamily="49" charset="0"/>
+                <a:cs typeface="Consolas" panose="020B0609020204030204" pitchFamily="49" charset="0"/>
+              </a:rPr>
+              <a:t>	</a:t>
+            </a:r>
+            <a:r>
+              <a:rPr lang="en-US" sz="800" b="0" dirty="0">
+                <a:solidFill>
+                  <a:srgbClr val="000000"/>
+                </a:solidFill>
+                <a:effectLst/>
+                <a:latin typeface="Consolas" panose="020B0609020204030204" pitchFamily="49" charset="0"/>
+                <a:cs typeface="Consolas" panose="020B0609020204030204" pitchFamily="49" charset="0"/>
+              </a:rPr>
+              <a:t>}</a:t>
+            </a:r>
+          </a:p>
+          <a:p>
+            <a:pPr>
+              <a:lnSpc>
+                <a:spcPts val="1350"/>
+              </a:lnSpc>
+              <a:buNone/>
+            </a:pPr>
+            <a:r>
+              <a:rPr lang="en-US" sz="800" dirty="0">
+                <a:solidFill>
+                  <a:srgbClr val="000000"/>
+                </a:solidFill>
+                <a:latin typeface="Consolas" panose="020B0609020204030204" pitchFamily="49" charset="0"/>
+                <a:cs typeface="Consolas" panose="020B0609020204030204" pitchFamily="49" charset="0"/>
+              </a:rPr>
+              <a:t>}</a:t>
+            </a:r>
+          </a:p>
+          <a:p>
+            <a:pPr>
+              <a:lnSpc>
+                <a:spcPts val="1350"/>
+              </a:lnSpc>
+              <a:buNone/>
+            </a:pPr>
+            <a:endParaRPr lang="en-US" sz="800" b="0" dirty="0">
+              <a:solidFill>
+                <a:srgbClr val="000000"/>
+              </a:solidFill>
+              <a:effectLst/>
+              <a:latin typeface="Consolas" panose="020B0609020204030204" pitchFamily="49" charset="0"/>
+              <a:cs typeface="Consolas" panose="020B0609020204030204" pitchFamily="49" charset="0"/>
+            </a:endParaRPr>
+          </a:p>
+          <a:p>
+            <a:pPr>
+              <a:lnSpc>
+                <a:spcPts val="1350"/>
+              </a:lnSpc>
+              <a:buNone/>
+            </a:pPr>
+            <a:r>
+              <a:rPr lang="en-US" sz="800" b="0" dirty="0">
+                <a:solidFill>
+                  <a:srgbClr val="0000FF"/>
+                </a:solidFill>
+                <a:effectLst/>
+                <a:latin typeface="Consolas" panose="020B0609020204030204" pitchFamily="49" charset="0"/>
+                <a:cs typeface="Consolas" panose="020B0609020204030204" pitchFamily="49" charset="0"/>
+              </a:rPr>
+              <a:t>void</a:t>
+            </a:r>
+            <a:r>
+              <a:rPr lang="en-US" sz="800" b="0" dirty="0">
+                <a:solidFill>
+                  <a:srgbClr val="000000"/>
+                </a:solidFill>
+                <a:effectLst/>
+                <a:latin typeface="Consolas" panose="020B0609020204030204" pitchFamily="49" charset="0"/>
+                <a:cs typeface="Consolas" panose="020B0609020204030204" pitchFamily="49" charset="0"/>
+              </a:rPr>
+              <a:t> App::</a:t>
+            </a:r>
+            <a:r>
+              <a:rPr lang="en-US" sz="800" b="0" dirty="0">
+                <a:solidFill>
+                  <a:srgbClr val="74531F"/>
+                </a:solidFill>
+                <a:effectLst/>
+                <a:latin typeface="Consolas" panose="020B0609020204030204" pitchFamily="49" charset="0"/>
+                <a:cs typeface="Consolas" panose="020B0609020204030204" pitchFamily="49" charset="0"/>
+              </a:rPr>
+              <a:t>poll</a:t>
+            </a:r>
+            <a:r>
+              <a:rPr lang="en-US" sz="800" b="0" dirty="0">
+                <a:solidFill>
+                  <a:srgbClr val="000000"/>
+                </a:solidFill>
+                <a:effectLst/>
+                <a:latin typeface="Consolas" panose="020B0609020204030204" pitchFamily="49" charset="0"/>
+                <a:cs typeface="Consolas" panose="020B0609020204030204" pitchFamily="49" charset="0"/>
+              </a:rPr>
+              <a:t>()        // poll is also called by the FrameworkController so you can easily mix both event driven and polling</a:t>
+            </a:r>
+          </a:p>
+          <a:p>
+            <a:pPr>
+              <a:lnSpc>
+                <a:spcPts val="1350"/>
+              </a:lnSpc>
+              <a:buNone/>
+            </a:pPr>
+            <a:r>
+              <a:rPr lang="en-US" sz="800" b="0" dirty="0">
+                <a:solidFill>
+                  <a:srgbClr val="000000"/>
+                </a:solidFill>
+                <a:effectLst/>
+                <a:latin typeface="Consolas" panose="020B0609020204030204" pitchFamily="49" charset="0"/>
+                <a:cs typeface="Consolas" panose="020B0609020204030204" pitchFamily="49" charset="0"/>
+              </a:rPr>
+              <a:t>{                       // in the same controller</a:t>
+            </a:r>
+            <a:br>
+              <a:rPr lang="en-US" sz="800" b="0" dirty="0">
+                <a:solidFill>
+                  <a:srgbClr val="000000"/>
+                </a:solidFill>
+                <a:effectLst/>
+                <a:latin typeface="Consolas" panose="020B0609020204030204" pitchFamily="49" charset="0"/>
+                <a:cs typeface="Consolas" panose="020B0609020204030204" pitchFamily="49" charset="0"/>
+              </a:rPr>
+            </a:br>
+            <a:r>
+              <a:rPr lang="en-US" sz="800" b="0" dirty="0">
+                <a:solidFill>
+                  <a:srgbClr val="74531F"/>
+                </a:solidFill>
+                <a:effectLst/>
+                <a:latin typeface="Consolas" panose="020B0609020204030204" pitchFamily="49" charset="0"/>
+                <a:cs typeface="Consolas" panose="020B0609020204030204" pitchFamily="49" charset="0"/>
+              </a:rPr>
+              <a:t>runEvery</a:t>
+            </a:r>
+            <a:r>
+              <a:rPr lang="en-US" sz="800" b="0" dirty="0">
+                <a:solidFill>
+                  <a:srgbClr val="000000"/>
+                </a:solidFill>
+                <a:effectLst/>
+                <a:latin typeface="Consolas" panose="020B0609020204030204" pitchFamily="49" charset="0"/>
+                <a:cs typeface="Consolas" panose="020B0609020204030204" pitchFamily="49" charset="0"/>
+              </a:rPr>
+              <a:t>(</a:t>
+            </a:r>
+            <a:r>
+              <a:rPr lang="en-US" sz="800" b="0" dirty="0">
+                <a:solidFill>
+                  <a:srgbClr val="098658"/>
+                </a:solidFill>
+                <a:effectLst/>
+                <a:latin typeface="Consolas" panose="020B0609020204030204" pitchFamily="49" charset="0"/>
+                <a:cs typeface="Consolas" panose="020B0609020204030204" pitchFamily="49" charset="0"/>
+              </a:rPr>
+              <a:t>15000</a:t>
+            </a:r>
+            <a:r>
+              <a:rPr lang="en-US" sz="800" b="0" dirty="0">
+                <a:solidFill>
+                  <a:srgbClr val="000000"/>
+                </a:solidFill>
+                <a:effectLst/>
+                <a:latin typeface="Consolas" panose="020B0609020204030204" pitchFamily="49" charset="0"/>
+                <a:cs typeface="Consolas" panose="020B0609020204030204" pitchFamily="49" charset="0"/>
+              </a:rPr>
+              <a:t>, [&amp;]() // utility function to provide a lambda to run at a set frequency</a:t>
+            </a:r>
+          </a:p>
+          <a:p>
+            <a:pPr>
+              <a:lnSpc>
+                <a:spcPts val="1350"/>
+              </a:lnSpc>
+              <a:buNone/>
+            </a:pPr>
+            <a:r>
+              <a:rPr lang="en-US" sz="800" b="0" dirty="0">
+                <a:solidFill>
+                  <a:srgbClr val="000000"/>
+                </a:solidFill>
+                <a:effectLst/>
+                <a:latin typeface="Consolas" panose="020B0609020204030204" pitchFamily="49" charset="0"/>
+                <a:cs typeface="Consolas" panose="020B0609020204030204" pitchFamily="49" charset="0"/>
+              </a:rPr>
+              <a:t>	{ </a:t>
+            </a:r>
+          </a:p>
+          <a:p>
+            <a:pPr>
+              <a:lnSpc>
+                <a:spcPts val="1350"/>
+              </a:lnSpc>
+              <a:buNone/>
+            </a:pPr>
+            <a:r>
+              <a:rPr lang="en-US" sz="800" b="0" dirty="0">
+                <a:solidFill>
+                  <a:srgbClr val="74531F"/>
+                </a:solidFill>
+                <a:effectLst/>
+                <a:latin typeface="Consolas" panose="020B0609020204030204" pitchFamily="49" charset="0"/>
+                <a:cs typeface="Consolas" panose="020B0609020204030204" pitchFamily="49" charset="0"/>
+              </a:rPr>
+              <a:t>		printf</a:t>
+            </a:r>
+            <a:r>
+              <a:rPr lang="en-US" sz="800" b="0" dirty="0">
+                <a:solidFill>
+                  <a:srgbClr val="000000"/>
+                </a:solidFill>
+                <a:effectLst/>
+                <a:latin typeface="Consolas" panose="020B0609020204030204" pitchFamily="49" charset="0"/>
+                <a:cs typeface="Consolas" panose="020B0609020204030204" pitchFamily="49" charset="0"/>
+              </a:rPr>
+              <a:t>(</a:t>
+            </a:r>
+            <a:r>
+              <a:rPr lang="en-US" sz="800" b="0" dirty="0">
+                <a:solidFill>
+                  <a:srgbClr val="E21F1F"/>
+                </a:solidFill>
+                <a:effectLst/>
+                <a:latin typeface="Consolas" panose="020B0609020204030204" pitchFamily="49" charset="0"/>
+                <a:cs typeface="Consolas" panose="020B0609020204030204" pitchFamily="49" charset="0"/>
+              </a:rPr>
+              <a:t>"</a:t>
+            </a:r>
+            <a:r>
+              <a:rPr lang="en-US" sz="800" b="0" dirty="0">
+                <a:solidFill>
+                  <a:srgbClr val="A31515"/>
+                </a:solidFill>
+                <a:effectLst/>
+                <a:latin typeface="Consolas" panose="020B0609020204030204" pitchFamily="49" charset="0"/>
+                <a:cs typeface="Consolas" panose="020B0609020204030204" pitchFamily="49" charset="0"/>
+              </a:rPr>
+              <a:t>[App] Running main polling loop...</a:t>
+            </a:r>
+            <a:r>
+              <a:rPr lang="en-US" sz="800" b="0" dirty="0">
+                <a:solidFill>
+                  <a:srgbClr val="B776FB"/>
+                </a:solidFill>
+                <a:effectLst/>
+                <a:latin typeface="Consolas" panose="020B0609020204030204" pitchFamily="49" charset="0"/>
+                <a:cs typeface="Consolas" panose="020B0609020204030204" pitchFamily="49" charset="0"/>
+              </a:rPr>
+              <a:t>\n</a:t>
+            </a:r>
+            <a:r>
+              <a:rPr lang="en-US" sz="800" b="0" dirty="0">
+                <a:solidFill>
+                  <a:srgbClr val="E21F1F"/>
+                </a:solidFill>
+                <a:effectLst/>
+                <a:latin typeface="Consolas" panose="020B0609020204030204" pitchFamily="49" charset="0"/>
+                <a:cs typeface="Consolas" panose="020B0609020204030204" pitchFamily="49" charset="0"/>
+              </a:rPr>
+              <a:t>"</a:t>
+            </a:r>
+            <a:r>
+              <a:rPr lang="en-US" sz="800" b="0" dirty="0">
+                <a:solidFill>
+                  <a:srgbClr val="000000"/>
+                </a:solidFill>
+                <a:effectLst/>
+                <a:latin typeface="Consolas" panose="020B0609020204030204" pitchFamily="49" charset="0"/>
+                <a:cs typeface="Consolas" panose="020B0609020204030204" pitchFamily="49" charset="0"/>
+              </a:rPr>
+              <a:t>); </a:t>
+            </a:r>
+          </a:p>
+          <a:p>
+            <a:pPr>
+              <a:lnSpc>
+                <a:spcPts val="1350"/>
+              </a:lnSpc>
+              <a:buNone/>
+            </a:pPr>
+            <a:r>
+              <a:rPr lang="en-US" sz="800" b="0" dirty="0">
+                <a:solidFill>
+                  <a:srgbClr val="2B91AF"/>
+                </a:solidFill>
+                <a:effectLst/>
+                <a:latin typeface="Consolas" panose="020B0609020204030204" pitchFamily="49" charset="0"/>
+                <a:cs typeface="Consolas" panose="020B0609020204030204" pitchFamily="49" charset="0"/>
+              </a:rPr>
+              <a:t>	  Event</a:t>
+            </a:r>
+            <a:r>
+              <a:rPr lang="en-US" sz="800" b="0" dirty="0">
+                <a:solidFill>
+                  <a:srgbClr val="000000"/>
+                </a:solidFill>
+                <a:effectLst/>
+                <a:latin typeface="Consolas" panose="020B0609020204030204" pitchFamily="49" charset="0"/>
+                <a:cs typeface="Consolas" panose="020B0609020204030204" pitchFamily="49" charset="0"/>
+              </a:rPr>
+              <a:t> </a:t>
+            </a:r>
+            <a:r>
+              <a:rPr lang="en-US" sz="800" b="0" dirty="0">
+                <a:solidFill>
+                  <a:srgbClr val="74531F"/>
+                </a:solidFill>
+                <a:effectLst/>
+                <a:latin typeface="Consolas" panose="020B0609020204030204" pitchFamily="49" charset="0"/>
+                <a:cs typeface="Consolas" panose="020B0609020204030204" pitchFamily="49" charset="0"/>
+              </a:rPr>
+              <a:t>userEvt</a:t>
+            </a:r>
+            <a:r>
+              <a:rPr lang="en-US" sz="800" b="0" dirty="0">
+                <a:solidFill>
+                  <a:srgbClr val="000000"/>
+                </a:solidFill>
+                <a:effectLst/>
+                <a:latin typeface="Consolas" panose="020B0609020204030204" pitchFamily="49" charset="0"/>
+                <a:cs typeface="Consolas" panose="020B0609020204030204" pitchFamily="49" charset="0"/>
+              </a:rPr>
+              <a:t>(</a:t>
+            </a:r>
+            <a:r>
+              <a:rPr lang="en-US" sz="800" b="0" dirty="0">
+                <a:solidFill>
+                  <a:srgbClr val="2B91AF"/>
+                </a:solidFill>
+                <a:effectLst/>
+                <a:latin typeface="Consolas" panose="020B0609020204030204" pitchFamily="49" charset="0"/>
+                <a:cs typeface="Consolas" panose="020B0609020204030204" pitchFamily="49" charset="0"/>
+              </a:rPr>
+              <a:t>static_cast</a:t>
+            </a:r>
+            <a:r>
+              <a:rPr lang="en-US" sz="800" b="0" dirty="0">
+                <a:solidFill>
+                  <a:srgbClr val="000000"/>
+                </a:solidFill>
+                <a:effectLst/>
+                <a:latin typeface="Consolas" panose="020B0609020204030204" pitchFamily="49" charset="0"/>
+                <a:cs typeface="Consolas" panose="020B0609020204030204" pitchFamily="49" charset="0"/>
+              </a:rPr>
+              <a:t>&lt;</a:t>
+            </a:r>
+            <a:r>
+              <a:rPr lang="en-US" sz="800" b="0" dirty="0">
+                <a:solidFill>
+                  <a:srgbClr val="0000FF"/>
+                </a:solidFill>
+                <a:effectLst/>
+                <a:latin typeface="Consolas" panose="020B0609020204030204" pitchFamily="49" charset="0"/>
+                <a:cs typeface="Consolas" panose="020B0609020204030204" pitchFamily="49" charset="0"/>
+              </a:rPr>
+              <a:t>uint8_t</a:t>
+            </a:r>
+            <a:r>
+              <a:rPr lang="en-US" sz="800" b="0" dirty="0">
+                <a:solidFill>
+                  <a:srgbClr val="000000"/>
+                </a:solidFill>
+                <a:effectLst/>
+                <a:latin typeface="Consolas" panose="020B0609020204030204" pitchFamily="49" charset="0"/>
+                <a:cs typeface="Consolas" panose="020B0609020204030204" pitchFamily="49" charset="0"/>
+              </a:rPr>
+              <a:t>&gt;(UserNotification::Heartbeat));</a:t>
+            </a:r>
+          </a:p>
+          <a:p>
+            <a:pPr>
+              <a:lnSpc>
+                <a:spcPts val="1350"/>
+              </a:lnSpc>
+              <a:buNone/>
+            </a:pPr>
+            <a:r>
+              <a:rPr lang="en-US" sz="800" b="0" dirty="0">
+                <a:solidFill>
+                  <a:srgbClr val="000000"/>
+                </a:solidFill>
+                <a:effectLst/>
+                <a:latin typeface="Consolas" panose="020B0609020204030204" pitchFamily="49" charset="0"/>
+                <a:cs typeface="Consolas" panose="020B0609020204030204" pitchFamily="49" charset="0"/>
+              </a:rPr>
+              <a:t>	  AppContext::</a:t>
+            </a:r>
+            <a:r>
+              <a:rPr lang="en-US" sz="800" b="0" dirty="0">
+                <a:solidFill>
+                  <a:srgbClr val="74531F"/>
+                </a:solidFill>
+                <a:effectLst/>
+                <a:latin typeface="Consolas" panose="020B0609020204030204" pitchFamily="49" charset="0"/>
+                <a:cs typeface="Consolas" panose="020B0609020204030204" pitchFamily="49" charset="0"/>
+              </a:rPr>
+              <a:t>get</a:t>
+            </a:r>
+            <a:r>
+              <a:rPr lang="en-US" sz="800" b="0" dirty="0">
+                <a:solidFill>
+                  <a:srgbClr val="000000"/>
+                </a:solidFill>
+                <a:effectLst/>
+                <a:latin typeface="Consolas" panose="020B0609020204030204" pitchFamily="49" charset="0"/>
+                <a:cs typeface="Consolas" panose="020B0609020204030204" pitchFamily="49" charset="0"/>
+              </a:rPr>
+              <a:t>&lt;</a:t>
+            </a:r>
+            <a:r>
+              <a:rPr lang="en-US" sz="800" b="0" dirty="0">
+                <a:solidFill>
+                  <a:srgbClr val="2B91AF"/>
+                </a:solidFill>
+                <a:effectLst/>
+                <a:latin typeface="Consolas" panose="020B0609020204030204" pitchFamily="49" charset="0"/>
+                <a:cs typeface="Consolas" panose="020B0609020204030204" pitchFamily="49" charset="0"/>
+              </a:rPr>
+              <a:t>EventManager</a:t>
+            </a:r>
+            <a:r>
+              <a:rPr lang="en-US" sz="800" b="0" dirty="0">
+                <a:solidFill>
+                  <a:srgbClr val="000000"/>
+                </a:solidFill>
+                <a:effectLst/>
+                <a:latin typeface="Consolas" panose="020B0609020204030204" pitchFamily="49" charset="0"/>
+                <a:cs typeface="Consolas" panose="020B0609020204030204" pitchFamily="49" charset="0"/>
+              </a:rPr>
+              <a:t>&gt;()-&gt;</a:t>
+            </a:r>
+            <a:r>
+              <a:rPr lang="en-US" sz="800" b="0" dirty="0">
+                <a:solidFill>
+                  <a:srgbClr val="74531F"/>
+                </a:solidFill>
+                <a:effectLst/>
+                <a:latin typeface="Consolas" panose="020B0609020204030204" pitchFamily="49" charset="0"/>
+                <a:cs typeface="Consolas" panose="020B0609020204030204" pitchFamily="49" charset="0"/>
+              </a:rPr>
+              <a:t>postEvent</a:t>
+            </a:r>
+            <a:r>
+              <a:rPr lang="en-US" sz="800" b="0" dirty="0">
+                <a:solidFill>
+                  <a:srgbClr val="000000"/>
+                </a:solidFill>
+                <a:effectLst/>
+                <a:latin typeface="Consolas" panose="020B0609020204030204" pitchFamily="49" charset="0"/>
+                <a:cs typeface="Consolas" panose="020B0609020204030204" pitchFamily="49" charset="0"/>
+              </a:rPr>
+              <a:t>(userEvt); }, </a:t>
+            </a:r>
+            <a:r>
+              <a:rPr lang="en-US" sz="800" b="0" dirty="0">
+                <a:solidFill>
+                  <a:srgbClr val="E21F1F"/>
+                </a:solidFill>
+                <a:effectLst/>
+                <a:latin typeface="Consolas" panose="020B0609020204030204" pitchFamily="49" charset="0"/>
+                <a:cs typeface="Consolas" panose="020B0609020204030204" pitchFamily="49" charset="0"/>
+              </a:rPr>
+              <a:t>"</a:t>
+            </a:r>
+            <a:r>
+              <a:rPr lang="en-US" sz="800" b="0" dirty="0">
+                <a:solidFill>
+                  <a:srgbClr val="A31515"/>
+                </a:solidFill>
+                <a:effectLst/>
+                <a:latin typeface="Consolas" panose="020B0609020204030204" pitchFamily="49" charset="0"/>
+                <a:cs typeface="Consolas" panose="020B0609020204030204" pitchFamily="49" charset="0"/>
+              </a:rPr>
+              <a:t>logLoop</a:t>
+            </a:r>
+            <a:r>
+              <a:rPr lang="en-US" sz="800" b="0" dirty="0">
+                <a:solidFill>
+                  <a:srgbClr val="E21F1F"/>
+                </a:solidFill>
+                <a:effectLst/>
+                <a:latin typeface="Consolas" panose="020B0609020204030204" pitchFamily="49" charset="0"/>
+                <a:cs typeface="Consolas" panose="020B0609020204030204" pitchFamily="49" charset="0"/>
+              </a:rPr>
+              <a:t>"</a:t>
+            </a:r>
+            <a:r>
+              <a:rPr lang="en-US" sz="800" b="0" dirty="0">
+                <a:solidFill>
+                  <a:srgbClr val="000000"/>
+                </a:solidFill>
+                <a:effectLst/>
+                <a:latin typeface="Consolas" panose="020B0609020204030204" pitchFamily="49" charset="0"/>
+                <a:cs typeface="Consolas" panose="020B0609020204030204" pitchFamily="49" charset="0"/>
+              </a:rPr>
+              <a:t>);</a:t>
+            </a:r>
+            <a:r>
+              <a:rPr lang="en-US" sz="800" b="0" dirty="0">
+                <a:solidFill>
+                  <a:srgbClr val="008000"/>
+                </a:solidFill>
+                <a:effectLst/>
+                <a:latin typeface="Consolas" panose="020B0609020204030204" pitchFamily="49" charset="0"/>
+                <a:cs typeface="Consolas" panose="020B0609020204030204" pitchFamily="49" charset="0"/>
+              </a:rPr>
+              <a:t> // &lt;-- Unique ID for this timer (enables it to be cancelled)</a:t>
+            </a:r>
+            <a:endParaRPr lang="en-US" sz="800" b="0" dirty="0">
+              <a:solidFill>
+                <a:srgbClr val="000000"/>
+              </a:solidFill>
+              <a:effectLst/>
+              <a:latin typeface="Consolas" panose="020B0609020204030204" pitchFamily="49" charset="0"/>
+              <a:cs typeface="Consolas" panose="020B0609020204030204" pitchFamily="49" charset="0"/>
+            </a:endParaRPr>
+          </a:p>
+          <a:p>
+            <a:pPr>
+              <a:lnSpc>
+                <a:spcPts val="1350"/>
+              </a:lnSpc>
+              <a:buNone/>
+            </a:pPr>
+            <a:r>
+              <a:rPr lang="en-US" sz="800" b="0" dirty="0">
+                <a:solidFill>
+                  <a:srgbClr val="000000"/>
+                </a:solidFill>
+                <a:effectLst/>
+                <a:latin typeface="Consolas" panose="020B0609020204030204" pitchFamily="49" charset="0"/>
+                <a:cs typeface="Consolas" panose="020B0609020204030204" pitchFamily="49" charset="0"/>
+              </a:rPr>
+              <a:t>      }</a:t>
+            </a:r>
+          </a:p>
+          <a:p>
+            <a:pPr>
+              <a:lnSpc>
+                <a:spcPts val="1350"/>
+              </a:lnSpc>
+              <a:buNone/>
+            </a:pPr>
+            <a:r>
+              <a:rPr lang="en-US" sz="800" dirty="0">
+                <a:solidFill>
+                  <a:srgbClr val="000000"/>
+                </a:solidFill>
+                <a:latin typeface="Consolas" panose="020B0609020204030204" pitchFamily="49" charset="0"/>
+                <a:cs typeface="Consolas" panose="020B0609020204030204" pitchFamily="49" charset="0"/>
+              </a:rPr>
+              <a:t>}</a:t>
+            </a:r>
+            <a:br>
+              <a:rPr lang="en-US" sz="800" b="0" dirty="0">
+                <a:solidFill>
+                  <a:srgbClr val="000000"/>
+                </a:solidFill>
+                <a:effectLst/>
+                <a:latin typeface="Consolas" panose="020B0609020204030204" pitchFamily="49" charset="0"/>
+                <a:cs typeface="Consolas" panose="020B0609020204030204" pitchFamily="49" charset="0"/>
+              </a:rPr>
+            </a:br>
+            <a:endParaRPr lang="en-US" sz="800" b="0" dirty="0">
+              <a:solidFill>
+                <a:srgbClr val="000000"/>
+              </a:solidFill>
+              <a:effectLst/>
+              <a:latin typeface="Consolas" panose="020B0609020204030204" pitchFamily="49" charset="0"/>
+              <a:cs typeface="Consolas" panose="020B0609020204030204" pitchFamily="49" charset="0"/>
+            </a:endParaRPr>
+          </a:p>
+          <a:p>
+            <a:pPr>
+              <a:lnSpc>
+                <a:spcPts val="1350"/>
+              </a:lnSpc>
+              <a:buNone/>
+            </a:pPr>
+            <a:endParaRPr lang="en-US" sz="800" b="0" dirty="0">
+              <a:solidFill>
+                <a:srgbClr val="000000"/>
+              </a:solidFill>
+              <a:effectLst/>
+              <a:latin typeface="Consolas" panose="020B0609020204030204" pitchFamily="49" charset="0"/>
+              <a:cs typeface="Consolas" panose="020B0609020204030204" pitchFamily="49" charset="0"/>
+            </a:endParaRPr>
+          </a:p>
+          <a:p>
+            <a:pPr>
+              <a:lnSpc>
+                <a:spcPts val="1350"/>
+              </a:lnSpc>
+              <a:buNone/>
+            </a:pPr>
+            <a:endParaRPr lang="en-US" sz="800" b="0" dirty="0">
+              <a:solidFill>
+                <a:srgbClr val="000000"/>
+              </a:solidFill>
+              <a:effectLst/>
+              <a:latin typeface="Consolas" panose="020B0609020204030204" pitchFamily="49" charset="0"/>
+              <a:cs typeface="Consolas" panose="020B0609020204030204" pitchFamily="49" charset="0"/>
+            </a:endParaRPr>
           </a:p>
           <a:p>
             <a:pPr marL="0" indent="0">
+              <a:lnSpc>
+                <a:spcPts val="1350"/>
+              </a:lnSpc>
               <a:buNone/>
             </a:pPr>
-            <a:r>
-              <a:rPr lang="en-US" dirty="0"/>
-              <a:t>    void </a:t>
-            </a:r>
-            <a:r>
-              <a:rPr lang="en-US" dirty="0" err="1"/>
-              <a:t>onStart</a:t>
-            </a:r>
-            <a:r>
-              <a:rPr lang="en-US" dirty="0"/>
-              <a:t>() override {</a:t>
-            </a:r>
+            <a:br>
+              <a:rPr lang="en-US" sz="800" b="0" dirty="0">
+                <a:solidFill>
+                  <a:srgbClr val="000000"/>
+                </a:solidFill>
+                <a:effectLst/>
+                <a:latin typeface="Consolas" panose="020B0609020204030204" pitchFamily="49" charset="0"/>
+                <a:cs typeface="Consolas" panose="020B0609020204030204" pitchFamily="49" charset="0"/>
+              </a:rPr>
+            </a:br>
+            <a:endParaRPr lang="en-US" sz="800" b="0" dirty="0">
+              <a:solidFill>
+                <a:srgbClr val="000000"/>
+              </a:solidFill>
+              <a:effectLst/>
+              <a:latin typeface="Consolas" panose="020B0609020204030204" pitchFamily="49" charset="0"/>
+              <a:cs typeface="Consolas" panose="020B0609020204030204" pitchFamily="49" charset="0"/>
+            </a:endParaRPr>
           </a:p>
           <a:p>
             <a:pPr marL="0" indent="0">
+              <a:lnSpc>
+                <a:spcPts val="1350"/>
+              </a:lnSpc>
               <a:buNone/>
             </a:pPr>
-            <a:r>
-              <a:rPr lang="en-US" dirty="0"/>
-              <a:t>        TRACE("App starting up...");</a:t>
-            </a:r>
+            <a:endParaRPr lang="en-US" sz="800" b="0" dirty="0">
+              <a:solidFill>
+                <a:srgbClr val="000000"/>
+              </a:solidFill>
+              <a:effectLst/>
+              <a:latin typeface="Consolas" panose="020B0609020204030204" pitchFamily="49" charset="0"/>
+              <a:cs typeface="Consolas" panose="020B0609020204030204" pitchFamily="49" charset="0"/>
+            </a:endParaRPr>
           </a:p>
           <a:p>
             <a:pPr marL="0" indent="0">
+              <a:lnSpc>
+                <a:spcPts val="1350"/>
+              </a:lnSpc>
               <a:buNone/>
             </a:pPr>
-            <a:r>
-              <a:rPr lang="en-US" dirty="0"/>
-              <a:t>        // Initialize sensors, state, etc.</a:t>
-            </a:r>
+            <a:endParaRPr lang="en-US" sz="800" dirty="0">
+              <a:solidFill>
+                <a:srgbClr val="000000"/>
+              </a:solidFill>
+              <a:latin typeface="Consolas" panose="020B0609020204030204" pitchFamily="49" charset="0"/>
+              <a:cs typeface="Consolas" panose="020B0609020204030204" pitchFamily="49" charset="0"/>
+            </a:endParaRPr>
           </a:p>
           <a:p>
             <a:pPr marL="0" indent="0">
+              <a:lnSpc>
+                <a:spcPts val="1350"/>
+              </a:lnSpc>
               <a:buNone/>
             </a:pPr>
-            <a:r>
-              <a:rPr lang="en-US" dirty="0"/>
-              <a:t>    }</a:t>
-            </a:r>
+            <a:endParaRPr lang="en-US" sz="800" b="0" dirty="0">
+              <a:solidFill>
+                <a:srgbClr val="000000"/>
+              </a:solidFill>
+              <a:effectLst/>
+              <a:latin typeface="Consolas" panose="020B0609020204030204" pitchFamily="49" charset="0"/>
+              <a:cs typeface="Consolas" panose="020B0609020204030204" pitchFamily="49" charset="0"/>
+            </a:endParaRPr>
           </a:p>
           <a:p>
             <a:pPr marL="0" indent="0">
+              <a:lnSpc>
+                <a:spcPts val="1350"/>
+              </a:lnSpc>
               <a:buNone/>
             </a:pPr>
-            <a:endParaRPr lang="en-US" dirty="0"/>
+            <a:endParaRPr lang="en-US" sz="800" b="0" dirty="0">
+              <a:solidFill>
+                <a:srgbClr val="000000"/>
+              </a:solidFill>
+              <a:effectLst/>
+              <a:latin typeface="Consolas" panose="020B0609020204030204" pitchFamily="49" charset="0"/>
+              <a:cs typeface="Consolas" panose="020B0609020204030204" pitchFamily="49" charset="0"/>
+            </a:endParaRPr>
           </a:p>
           <a:p>
             <a:pPr marL="0" indent="0">
+              <a:lnSpc>
+                <a:spcPts val="1350"/>
+              </a:lnSpc>
               <a:buNone/>
             </a:pPr>
-            <a:r>
-              <a:rPr lang="en-US" dirty="0"/>
-              <a:t>    void poll() override {</a:t>
-            </a:r>
+            <a:endParaRPr lang="en-US" sz="800" b="0" dirty="0">
+              <a:solidFill>
+                <a:srgbClr val="000000"/>
+              </a:solidFill>
+              <a:effectLst/>
+              <a:latin typeface="Consolas" panose="020B0609020204030204" pitchFamily="49" charset="0"/>
+              <a:cs typeface="Consolas" panose="020B0609020204030204" pitchFamily="49" charset="0"/>
+            </a:endParaRPr>
           </a:p>
           <a:p>
             <a:pPr marL="0" indent="0">
+              <a:lnSpc>
+                <a:spcPts val="1350"/>
+              </a:lnSpc>
               <a:buNone/>
             </a:pPr>
-            <a:r>
-              <a:rPr lang="en-US" dirty="0"/>
-              <a:t>        // Main loop logic here</a:t>
-            </a:r>
+            <a:endParaRPr lang="en-US" sz="800" b="0" dirty="0">
+              <a:solidFill>
+                <a:srgbClr val="000000"/>
+              </a:solidFill>
+              <a:effectLst/>
+              <a:latin typeface="Consolas" panose="020B0609020204030204" pitchFamily="49" charset="0"/>
+              <a:cs typeface="Consolas" panose="020B0609020204030204" pitchFamily="49" charset="0"/>
+            </a:endParaRPr>
           </a:p>
           <a:p>
             <a:pPr marL="0" indent="0">
+              <a:lnSpc>
+                <a:spcPts val="1350"/>
+              </a:lnSpc>
               <a:buNone/>
             </a:pPr>
-            <a:r>
-              <a:rPr lang="en-US" dirty="0"/>
-              <a:t>    }</a:t>
-            </a:r>
-          </a:p>
-          <a:p>
-            <a:pPr marL="0" indent="0">
-              <a:buNone/>
-            </a:pPr>
-            <a:endParaRPr lang="en-US" dirty="0"/>
-          </a:p>
-          <a:p>
-            <a:pPr marL="0" indent="0">
-              <a:buNone/>
-            </a:pPr>
-            <a:r>
-              <a:rPr lang="en-US" dirty="0"/>
-              <a:t>    void onEvent(const Event&amp; e) override {</a:t>
-            </a:r>
-          </a:p>
-          <a:p>
-            <a:pPr marL="0" indent="0">
-              <a:buNone/>
-            </a:pPr>
-            <a:r>
-              <a:rPr lang="en-US" dirty="0"/>
-              <a:t>        // Handle events here</a:t>
-            </a:r>
-          </a:p>
-          <a:p>
-            <a:pPr marL="0" indent="0">
-              <a:buNone/>
-            </a:pPr>
-            <a:r>
-              <a:rPr lang="en-US" dirty="0"/>
-              <a:t>    }</a:t>
-            </a:r>
-          </a:p>
-          <a:p>
-            <a:pPr marL="0" indent="0">
-              <a:buNone/>
-            </a:pPr>
-            <a:r>
-              <a:rPr lang="en-US" dirty="0"/>
-              <a:t>};</a:t>
-            </a:r>
+            <a:endParaRPr lang="en-US" sz="800" b="0" dirty="0">
+              <a:solidFill>
+                <a:srgbClr val="000000"/>
+              </a:solidFill>
+              <a:effectLst/>
+              <a:latin typeface="Menlo" panose="020B0609030804020204" pitchFamily="49" charset="0"/>
+            </a:endParaRPr>
           </a:p>
         </p:txBody>
       </p:sp>
     </p:spTree>
     <p:extLst>
       <p:ext uri="{BB962C8B-B14F-4D97-AF65-F5344CB8AC3E}">
-        <p14:creationId xmlns:p14="http://schemas.microsoft.com/office/powerpoint/2010/main" val="866328872"/>
+        <p14:creationId xmlns:p14="http://schemas.microsoft.com/office/powerpoint/2010/main" val="2027361902"/>
       </p:ext>
     </p:extLst>
   </p:cSld>
